--- a/C Laguage/C training-part2.pptx
+++ b/C Laguage/C training-part2.pptx
@@ -1,6 +1,6 @@
 
 <file path=ppt/presentation.xml><?xml version="1.0" encoding="utf-8"?>
-<p:presentation xmlns:a="http://schemas.openxmlformats.org/drawingml/2006/main" xmlns:r="http://schemas.openxmlformats.org/officeDocument/2006/relationships" xmlns:mc="http://schemas.openxmlformats.org/markup-compatibility/2006" xmlns:mv="urn:schemas-microsoft-com:mac:vml" xmlns:p="http://schemas.openxmlformats.org/presentationml/2006/main" xmlns:c="http://schemas.openxmlformats.org/drawingml/2006/chart" xmlns:dgm="http://schemas.openxmlformats.org/drawingml/2006/diagram" xmlns:o="urn:schemas-microsoft-com:office:office" xmlns:v="urn:schemas-microsoft-com:vml" xmlns:pvml="urn:schemas-microsoft-com:office:powerpoint" xmlns:com="http://schemas.openxmlformats.org/drawingml/2006/compatibility" xmlns:p14="http://schemas.microsoft.com/office/powerpoint/2010/main" xmlns:p15="http://schemas.microsoft.com/office/powerpoint/2012/main" autoCompressPictures="0" embedTrueTypeFonts="1" strictFirstAndLastChars="0" saveSubsetFonts="1">
+<p:presentation xmlns:a="http://schemas.openxmlformats.org/drawingml/2006/main" xmlns:r="http://schemas.openxmlformats.org/officeDocument/2006/relationships" xmlns:mc="http://schemas.openxmlformats.org/markup-compatibility/2006" xmlns:mv="urn:schemas-microsoft-com:mac:vml" xmlns:p="http://schemas.openxmlformats.org/presentationml/2006/main" xmlns:c="http://schemas.openxmlformats.org/drawingml/2006/chart" xmlns:dgm="http://schemas.openxmlformats.org/drawingml/2006/diagram" xmlns:o="urn:schemas-microsoft-com:office:office" xmlns:v="urn:schemas-microsoft-com:vml" xmlns:pvml="urn:schemas-microsoft-com:office:powerpoint" xmlns:com="http://schemas.openxmlformats.org/drawingml/2006/compatibility" xmlns:p14="http://schemas.microsoft.com/office/powerpoint/2010/main" xmlns:p15="http://schemas.microsoft.com/office/powerpoint/2012/main" xmlns:ahyp="http://schemas.microsoft.com/office/drawing/2018/hyperlinkcolor" autoCompressPictures="0" embedTrueTypeFonts="1" strictFirstAndLastChars="0" saveSubsetFonts="1">
   <p:sldMasterIdLst>
     <p:sldMasterId id="2147483660" r:id="rId4"/>
   </p:sldMasterIdLst>
@@ -29,16 +29,27 @@
     <p:sldId id="274" r:id="rId24"/>
     <p:sldId id="275" r:id="rId25"/>
     <p:sldId id="276" r:id="rId26"/>
+    <p:sldId id="277" r:id="rId27"/>
+    <p:sldId id="278" r:id="rId28"/>
+    <p:sldId id="279" r:id="rId29"/>
+    <p:sldId id="280" r:id="rId30"/>
   </p:sldIdLst>
   <p:sldSz cy="5143500" cx="9144000"/>
   <p:notesSz cx="6858000" cy="9144000"/>
   <p:embeddedFontLst>
     <p:embeddedFont>
+      <p:font typeface="Roboto"/>
+      <p:regular r:id="rId31"/>
+      <p:bold r:id="rId32"/>
+      <p:italic r:id="rId33"/>
+      <p:boldItalic r:id="rId34"/>
+    </p:embeddedFont>
+    <p:embeddedFont>
       <p:font typeface="Avenir Next For Intuit"/>
-      <p:regular r:id="rId27"/>
-      <p:bold r:id="rId28"/>
-      <p:italic r:id="rId29"/>
-      <p:boldItalic r:id="rId30"/>
+      <p:regular r:id="rId35"/>
+      <p:bold r:id="rId36"/>
+      <p:italic r:id="rId37"/>
+      <p:boldItalic r:id="rId38"/>
     </p:embeddedFont>
   </p:embeddedFontLst>
   <p:defaultTextStyle>
@@ -290,7 +301,7 @@
 </file>
 
 <file path=ppt/notesMasters/notesMaster1.xml><?xml version="1.0" encoding="utf-8"?>
-<p:notesMaster xmlns:a="http://schemas.openxmlformats.org/drawingml/2006/main" xmlns:r="http://schemas.openxmlformats.org/officeDocument/2006/relationships" xmlns:mc="http://schemas.openxmlformats.org/markup-compatibility/2006" xmlns:mv="urn:schemas-microsoft-com:mac:vml" xmlns:p="http://schemas.openxmlformats.org/presentationml/2006/main" xmlns:c="http://schemas.openxmlformats.org/drawingml/2006/chart" xmlns:dgm="http://schemas.openxmlformats.org/drawingml/2006/diagram" xmlns:o="urn:schemas-microsoft-com:office:office" xmlns:v="urn:schemas-microsoft-com:vml" xmlns:pvml="urn:schemas-microsoft-com:office:powerpoint" xmlns:com="http://schemas.openxmlformats.org/drawingml/2006/compatibility" xmlns:p14="http://schemas.microsoft.com/office/powerpoint/2010/main" xmlns:p15="http://schemas.microsoft.com/office/powerpoint/2012/main">
+<p:notesMaster xmlns:a="http://schemas.openxmlformats.org/drawingml/2006/main" xmlns:r="http://schemas.openxmlformats.org/officeDocument/2006/relationships" xmlns:mc="http://schemas.openxmlformats.org/markup-compatibility/2006" xmlns:mv="urn:schemas-microsoft-com:mac:vml" xmlns:p="http://schemas.openxmlformats.org/presentationml/2006/main" xmlns:c="http://schemas.openxmlformats.org/drawingml/2006/chart" xmlns:dgm="http://schemas.openxmlformats.org/drawingml/2006/diagram" xmlns:o="urn:schemas-microsoft-com:office:office" xmlns:v="urn:schemas-microsoft-com:vml" xmlns:pvml="urn:schemas-microsoft-com:office:powerpoint" xmlns:com="http://schemas.openxmlformats.org/drawingml/2006/compatibility" xmlns:p14="http://schemas.microsoft.com/office/powerpoint/2010/main" xmlns:p15="http://schemas.microsoft.com/office/powerpoint/2012/main" xmlns:ahyp="http://schemas.microsoft.com/office/drawing/2018/hyperlinkcolor">
   <p:cSld>
     <p:spTree>
       <p:nvGrpSpPr>
@@ -716,7 +727,7 @@
 </file>
 
 <file path=ppt/notesSlides/notesSlide1.xml><?xml version="1.0" encoding="utf-8"?>
-<p:notes xmlns:a="http://schemas.openxmlformats.org/drawingml/2006/main" xmlns:r="http://schemas.openxmlformats.org/officeDocument/2006/relationships" xmlns:mc="http://schemas.openxmlformats.org/markup-compatibility/2006" xmlns:mv="urn:schemas-microsoft-com:mac:vml" xmlns:p="http://schemas.openxmlformats.org/presentationml/2006/main" xmlns:c="http://schemas.openxmlformats.org/drawingml/2006/chart" xmlns:dgm="http://schemas.openxmlformats.org/drawingml/2006/diagram" xmlns:o="urn:schemas-microsoft-com:office:office" xmlns:v="urn:schemas-microsoft-com:vml" xmlns:pvml="urn:schemas-microsoft-com:office:powerpoint" xmlns:com="http://schemas.openxmlformats.org/drawingml/2006/compatibility" xmlns:p14="http://schemas.microsoft.com/office/powerpoint/2010/main" xmlns:p15="http://schemas.microsoft.com/office/powerpoint/2012/main" showMasterPhAnim="0" showMasterSp="0">
+<p:notes xmlns:a="http://schemas.openxmlformats.org/drawingml/2006/main" xmlns:r="http://schemas.openxmlformats.org/officeDocument/2006/relationships" xmlns:mc="http://schemas.openxmlformats.org/markup-compatibility/2006" xmlns:mv="urn:schemas-microsoft-com:mac:vml" xmlns:p="http://schemas.openxmlformats.org/presentationml/2006/main" xmlns:c="http://schemas.openxmlformats.org/drawingml/2006/chart" xmlns:dgm="http://schemas.openxmlformats.org/drawingml/2006/diagram" xmlns:o="urn:schemas-microsoft-com:office:office" xmlns:v="urn:schemas-microsoft-com:vml" xmlns:pvml="urn:schemas-microsoft-com:office:powerpoint" xmlns:com="http://schemas.openxmlformats.org/drawingml/2006/compatibility" xmlns:p14="http://schemas.microsoft.com/office/powerpoint/2010/main" xmlns:p15="http://schemas.microsoft.com/office/powerpoint/2012/main" xmlns:ahyp="http://schemas.microsoft.com/office/drawing/2018/hyperlinkcolor" showMasterPhAnim="0" showMasterSp="0">
   <p:cSld>
     <p:spTree>
       <p:nvGrpSpPr>
@@ -834,7 +845,7 @@
 </file>
 
 <file path=ppt/notesSlides/notesSlide10.xml><?xml version="1.0" encoding="utf-8"?>
-<p:notes xmlns:a="http://schemas.openxmlformats.org/drawingml/2006/main" xmlns:r="http://schemas.openxmlformats.org/officeDocument/2006/relationships" xmlns:mc="http://schemas.openxmlformats.org/markup-compatibility/2006" xmlns:mv="urn:schemas-microsoft-com:mac:vml" xmlns:p="http://schemas.openxmlformats.org/presentationml/2006/main" xmlns:c="http://schemas.openxmlformats.org/drawingml/2006/chart" xmlns:dgm="http://schemas.openxmlformats.org/drawingml/2006/diagram" xmlns:o="urn:schemas-microsoft-com:office:office" xmlns:v="urn:schemas-microsoft-com:vml" xmlns:pvml="urn:schemas-microsoft-com:office:powerpoint" xmlns:com="http://schemas.openxmlformats.org/drawingml/2006/compatibility" xmlns:p14="http://schemas.microsoft.com/office/powerpoint/2010/main" xmlns:p15="http://schemas.microsoft.com/office/powerpoint/2012/main" showMasterPhAnim="0" showMasterSp="0">
+<p:notes xmlns:a="http://schemas.openxmlformats.org/drawingml/2006/main" xmlns:r="http://schemas.openxmlformats.org/officeDocument/2006/relationships" xmlns:mc="http://schemas.openxmlformats.org/markup-compatibility/2006" xmlns:mv="urn:schemas-microsoft-com:mac:vml" xmlns:p="http://schemas.openxmlformats.org/presentationml/2006/main" xmlns:c="http://schemas.openxmlformats.org/drawingml/2006/chart" xmlns:dgm="http://schemas.openxmlformats.org/drawingml/2006/diagram" xmlns:o="urn:schemas-microsoft-com:office:office" xmlns:v="urn:schemas-microsoft-com:vml" xmlns:pvml="urn:schemas-microsoft-com:office:powerpoint" xmlns:com="http://schemas.openxmlformats.org/drawingml/2006/compatibility" xmlns:p14="http://schemas.microsoft.com/office/powerpoint/2010/main" xmlns:p15="http://schemas.microsoft.com/office/powerpoint/2012/main" xmlns:ahyp="http://schemas.microsoft.com/office/drawing/2018/hyperlinkcolor" showMasterPhAnim="0" showMasterSp="0">
   <p:cSld>
     <p:spTree>
       <p:nvGrpSpPr>
@@ -933,7 +944,7 @@
 </file>
 
 <file path=ppt/notesSlides/notesSlide11.xml><?xml version="1.0" encoding="utf-8"?>
-<p:notes xmlns:a="http://schemas.openxmlformats.org/drawingml/2006/main" xmlns:r="http://schemas.openxmlformats.org/officeDocument/2006/relationships" xmlns:mc="http://schemas.openxmlformats.org/markup-compatibility/2006" xmlns:mv="urn:schemas-microsoft-com:mac:vml" xmlns:p="http://schemas.openxmlformats.org/presentationml/2006/main" xmlns:c="http://schemas.openxmlformats.org/drawingml/2006/chart" xmlns:dgm="http://schemas.openxmlformats.org/drawingml/2006/diagram" xmlns:o="urn:schemas-microsoft-com:office:office" xmlns:v="urn:schemas-microsoft-com:vml" xmlns:pvml="urn:schemas-microsoft-com:office:powerpoint" xmlns:com="http://schemas.openxmlformats.org/drawingml/2006/compatibility" xmlns:p14="http://schemas.microsoft.com/office/powerpoint/2010/main" xmlns:p15="http://schemas.microsoft.com/office/powerpoint/2012/main" showMasterPhAnim="0" showMasterSp="0">
+<p:notes xmlns:a="http://schemas.openxmlformats.org/drawingml/2006/main" xmlns:r="http://schemas.openxmlformats.org/officeDocument/2006/relationships" xmlns:mc="http://schemas.openxmlformats.org/markup-compatibility/2006" xmlns:mv="urn:schemas-microsoft-com:mac:vml" xmlns:p="http://schemas.openxmlformats.org/presentationml/2006/main" xmlns:c="http://schemas.openxmlformats.org/drawingml/2006/chart" xmlns:dgm="http://schemas.openxmlformats.org/drawingml/2006/diagram" xmlns:o="urn:schemas-microsoft-com:office:office" xmlns:v="urn:schemas-microsoft-com:vml" xmlns:pvml="urn:schemas-microsoft-com:office:powerpoint" xmlns:com="http://schemas.openxmlformats.org/drawingml/2006/compatibility" xmlns:p14="http://schemas.microsoft.com/office/powerpoint/2010/main" xmlns:p15="http://schemas.microsoft.com/office/powerpoint/2012/main" xmlns:ahyp="http://schemas.microsoft.com/office/drawing/2018/hyperlinkcolor" showMasterPhAnim="0" showMasterSp="0">
   <p:cSld>
     <p:spTree>
       <p:nvGrpSpPr>
@@ -1032,7 +1043,7 @@
 </file>
 
 <file path=ppt/notesSlides/notesSlide12.xml><?xml version="1.0" encoding="utf-8"?>
-<p:notes xmlns:a="http://schemas.openxmlformats.org/drawingml/2006/main" xmlns:r="http://schemas.openxmlformats.org/officeDocument/2006/relationships" xmlns:mc="http://schemas.openxmlformats.org/markup-compatibility/2006" xmlns:mv="urn:schemas-microsoft-com:mac:vml" xmlns:p="http://schemas.openxmlformats.org/presentationml/2006/main" xmlns:c="http://schemas.openxmlformats.org/drawingml/2006/chart" xmlns:dgm="http://schemas.openxmlformats.org/drawingml/2006/diagram" xmlns:o="urn:schemas-microsoft-com:office:office" xmlns:v="urn:schemas-microsoft-com:vml" xmlns:pvml="urn:schemas-microsoft-com:office:powerpoint" xmlns:com="http://schemas.openxmlformats.org/drawingml/2006/compatibility" xmlns:p14="http://schemas.microsoft.com/office/powerpoint/2010/main" xmlns:p15="http://schemas.microsoft.com/office/powerpoint/2012/main" showMasterPhAnim="0" showMasterSp="0">
+<p:notes xmlns:a="http://schemas.openxmlformats.org/drawingml/2006/main" xmlns:r="http://schemas.openxmlformats.org/officeDocument/2006/relationships" xmlns:mc="http://schemas.openxmlformats.org/markup-compatibility/2006" xmlns:mv="urn:schemas-microsoft-com:mac:vml" xmlns:p="http://schemas.openxmlformats.org/presentationml/2006/main" xmlns:c="http://schemas.openxmlformats.org/drawingml/2006/chart" xmlns:dgm="http://schemas.openxmlformats.org/drawingml/2006/diagram" xmlns:o="urn:schemas-microsoft-com:office:office" xmlns:v="urn:schemas-microsoft-com:vml" xmlns:pvml="urn:schemas-microsoft-com:office:powerpoint" xmlns:com="http://schemas.openxmlformats.org/drawingml/2006/compatibility" xmlns:p14="http://schemas.microsoft.com/office/powerpoint/2010/main" xmlns:p15="http://schemas.microsoft.com/office/powerpoint/2012/main" xmlns:ahyp="http://schemas.microsoft.com/office/drawing/2018/hyperlinkcolor" showMasterPhAnim="0" showMasterSp="0">
   <p:cSld>
     <p:spTree>
       <p:nvGrpSpPr>
@@ -1050,7 +1061,7 @@
       </p:grpSpPr>
       <p:sp>
         <p:nvSpPr>
-          <p:cNvPr id="154" name="Google Shape;154;g8dafe2b86f_0_82:notes"/>
+          <p:cNvPr id="154" name="Google Shape;154;g8ed50b543c_0_0:notes"/>
           <p:cNvSpPr/>
           <p:nvPr>
             <p:ph idx="2" type="sldImg"/>
@@ -1085,7 +1096,7 @@
       </p:sp>
       <p:sp>
         <p:nvSpPr>
-          <p:cNvPr id="155" name="Google Shape;155;g8dafe2b86f_0_82:notes"/>
+          <p:cNvPr id="155" name="Google Shape;155;g8ed50b543c_0_0:notes"/>
           <p:cNvSpPr txBox="1"/>
           <p:nvPr>
             <p:ph idx="1" type="body"/>
@@ -1131,7 +1142,7 @@
 </file>
 
 <file path=ppt/notesSlides/notesSlide13.xml><?xml version="1.0" encoding="utf-8"?>
-<p:notes xmlns:a="http://schemas.openxmlformats.org/drawingml/2006/main" xmlns:r="http://schemas.openxmlformats.org/officeDocument/2006/relationships" xmlns:mc="http://schemas.openxmlformats.org/markup-compatibility/2006" xmlns:mv="urn:schemas-microsoft-com:mac:vml" xmlns:p="http://schemas.openxmlformats.org/presentationml/2006/main" xmlns:c="http://schemas.openxmlformats.org/drawingml/2006/chart" xmlns:dgm="http://schemas.openxmlformats.org/drawingml/2006/diagram" xmlns:o="urn:schemas-microsoft-com:office:office" xmlns:v="urn:schemas-microsoft-com:vml" xmlns:pvml="urn:schemas-microsoft-com:office:powerpoint" xmlns:com="http://schemas.openxmlformats.org/drawingml/2006/compatibility" xmlns:p14="http://schemas.microsoft.com/office/powerpoint/2010/main" xmlns:p15="http://schemas.microsoft.com/office/powerpoint/2012/main" showMasterPhAnim="0" showMasterSp="0">
+<p:notes xmlns:a="http://schemas.openxmlformats.org/drawingml/2006/main" xmlns:r="http://schemas.openxmlformats.org/officeDocument/2006/relationships" xmlns:mc="http://schemas.openxmlformats.org/markup-compatibility/2006" xmlns:mv="urn:schemas-microsoft-com:mac:vml" xmlns:p="http://schemas.openxmlformats.org/presentationml/2006/main" xmlns:c="http://schemas.openxmlformats.org/drawingml/2006/chart" xmlns:dgm="http://schemas.openxmlformats.org/drawingml/2006/diagram" xmlns:o="urn:schemas-microsoft-com:office:office" xmlns:v="urn:schemas-microsoft-com:vml" xmlns:pvml="urn:schemas-microsoft-com:office:powerpoint" xmlns:com="http://schemas.openxmlformats.org/drawingml/2006/compatibility" xmlns:p14="http://schemas.microsoft.com/office/powerpoint/2010/main" xmlns:p15="http://schemas.microsoft.com/office/powerpoint/2012/main" xmlns:ahyp="http://schemas.microsoft.com/office/drawing/2018/hyperlinkcolor" showMasterPhAnim="0" showMasterSp="0">
   <p:cSld>
     <p:spTree>
       <p:nvGrpSpPr>
@@ -1149,7 +1160,7 @@
       </p:grpSpPr>
       <p:sp>
         <p:nvSpPr>
-          <p:cNvPr id="160" name="Google Shape;160;g8dafe2b86f_0_92:notes"/>
+          <p:cNvPr id="160" name="Google Shape;160;g8dafe2b86f_0_82:notes"/>
           <p:cNvSpPr/>
           <p:nvPr>
             <p:ph idx="2" type="sldImg"/>
@@ -1184,7 +1195,7 @@
       </p:sp>
       <p:sp>
         <p:nvSpPr>
-          <p:cNvPr id="161" name="Google Shape;161;g8dafe2b86f_0_92:notes"/>
+          <p:cNvPr id="161" name="Google Shape;161;g8dafe2b86f_0_82:notes"/>
           <p:cNvSpPr txBox="1"/>
           <p:nvPr>
             <p:ph idx="1" type="body"/>
@@ -1230,11 +1241,11 @@
 </file>
 
 <file path=ppt/notesSlides/notesSlide14.xml><?xml version="1.0" encoding="utf-8"?>
-<p:notes xmlns:a="http://schemas.openxmlformats.org/drawingml/2006/main" xmlns:r="http://schemas.openxmlformats.org/officeDocument/2006/relationships" xmlns:mc="http://schemas.openxmlformats.org/markup-compatibility/2006" xmlns:mv="urn:schemas-microsoft-com:mac:vml" xmlns:p="http://schemas.openxmlformats.org/presentationml/2006/main" xmlns:c="http://schemas.openxmlformats.org/drawingml/2006/chart" xmlns:dgm="http://schemas.openxmlformats.org/drawingml/2006/diagram" xmlns:o="urn:schemas-microsoft-com:office:office" xmlns:v="urn:schemas-microsoft-com:vml" xmlns:pvml="urn:schemas-microsoft-com:office:powerpoint" xmlns:com="http://schemas.openxmlformats.org/drawingml/2006/compatibility" xmlns:p14="http://schemas.microsoft.com/office/powerpoint/2010/main" xmlns:p15="http://schemas.microsoft.com/office/powerpoint/2012/main" showMasterPhAnim="0" showMasterSp="0">
+<p:notes xmlns:a="http://schemas.openxmlformats.org/drawingml/2006/main" xmlns:r="http://schemas.openxmlformats.org/officeDocument/2006/relationships" xmlns:mc="http://schemas.openxmlformats.org/markup-compatibility/2006" xmlns:mv="urn:schemas-microsoft-com:mac:vml" xmlns:p="http://schemas.openxmlformats.org/presentationml/2006/main" xmlns:c="http://schemas.openxmlformats.org/drawingml/2006/chart" xmlns:dgm="http://schemas.openxmlformats.org/drawingml/2006/diagram" xmlns:o="urn:schemas-microsoft-com:office:office" xmlns:v="urn:schemas-microsoft-com:vml" xmlns:pvml="urn:schemas-microsoft-com:office:powerpoint" xmlns:com="http://schemas.openxmlformats.org/drawingml/2006/compatibility" xmlns:p14="http://schemas.microsoft.com/office/powerpoint/2010/main" xmlns:p15="http://schemas.microsoft.com/office/powerpoint/2012/main" xmlns:ahyp="http://schemas.microsoft.com/office/drawing/2018/hyperlinkcolor" showMasterPhAnim="0" showMasterSp="0">
   <p:cSld>
     <p:spTree>
       <p:nvGrpSpPr>
-        <p:cNvPr id="164" name="Shape 164"/>
+        <p:cNvPr id="165" name="Shape 165"/>
         <p:cNvGrpSpPr/>
         <p:nvPr/>
       </p:nvGrpSpPr>
@@ -1248,7 +1259,7 @@
       </p:grpSpPr>
       <p:sp>
         <p:nvSpPr>
-          <p:cNvPr id="165" name="Google Shape;165;g8e6cd9d375_0_34:notes"/>
+          <p:cNvPr id="166" name="Google Shape;166;g8dafe2b86f_0_92:notes"/>
           <p:cNvSpPr/>
           <p:nvPr>
             <p:ph idx="2" type="sldImg"/>
@@ -1283,7 +1294,7 @@
       </p:sp>
       <p:sp>
         <p:nvSpPr>
-          <p:cNvPr id="166" name="Google Shape;166;g8e6cd9d375_0_34:notes"/>
+          <p:cNvPr id="167" name="Google Shape;167;g8dafe2b86f_0_92:notes"/>
           <p:cNvSpPr txBox="1"/>
           <p:nvPr>
             <p:ph idx="1" type="body"/>
@@ -1329,7 +1340,7 @@
 </file>
 
 <file path=ppt/notesSlides/notesSlide15.xml><?xml version="1.0" encoding="utf-8"?>
-<p:notes xmlns:a="http://schemas.openxmlformats.org/drawingml/2006/main" xmlns:r="http://schemas.openxmlformats.org/officeDocument/2006/relationships" xmlns:mc="http://schemas.openxmlformats.org/markup-compatibility/2006" xmlns:mv="urn:schemas-microsoft-com:mac:vml" xmlns:p="http://schemas.openxmlformats.org/presentationml/2006/main" xmlns:c="http://schemas.openxmlformats.org/drawingml/2006/chart" xmlns:dgm="http://schemas.openxmlformats.org/drawingml/2006/diagram" xmlns:o="urn:schemas-microsoft-com:office:office" xmlns:v="urn:schemas-microsoft-com:vml" xmlns:pvml="urn:schemas-microsoft-com:office:powerpoint" xmlns:com="http://schemas.openxmlformats.org/drawingml/2006/compatibility" xmlns:p14="http://schemas.microsoft.com/office/powerpoint/2010/main" xmlns:p15="http://schemas.microsoft.com/office/powerpoint/2012/main" showMasterPhAnim="0" showMasterSp="0">
+<p:notes xmlns:a="http://schemas.openxmlformats.org/drawingml/2006/main" xmlns:r="http://schemas.openxmlformats.org/officeDocument/2006/relationships" xmlns:mc="http://schemas.openxmlformats.org/markup-compatibility/2006" xmlns:mv="urn:schemas-microsoft-com:mac:vml" xmlns:p="http://schemas.openxmlformats.org/presentationml/2006/main" xmlns:c="http://schemas.openxmlformats.org/drawingml/2006/chart" xmlns:dgm="http://schemas.openxmlformats.org/drawingml/2006/diagram" xmlns:o="urn:schemas-microsoft-com:office:office" xmlns:v="urn:schemas-microsoft-com:vml" xmlns:pvml="urn:schemas-microsoft-com:office:powerpoint" xmlns:com="http://schemas.openxmlformats.org/drawingml/2006/compatibility" xmlns:p14="http://schemas.microsoft.com/office/powerpoint/2010/main" xmlns:p15="http://schemas.microsoft.com/office/powerpoint/2012/main" xmlns:ahyp="http://schemas.microsoft.com/office/drawing/2018/hyperlinkcolor" showMasterPhAnim="0" showMasterSp="0">
   <p:cSld>
     <p:spTree>
       <p:nvGrpSpPr>
@@ -1347,7 +1358,7 @@
       </p:grpSpPr>
       <p:sp>
         <p:nvSpPr>
-          <p:cNvPr id="171" name="Google Shape;171;g8e6cd9d375_0_51:notes"/>
+          <p:cNvPr id="171" name="Google Shape;171;g8e6cd9d375_0_34:notes"/>
           <p:cNvSpPr/>
           <p:nvPr>
             <p:ph idx="2" type="sldImg"/>
@@ -1382,7 +1393,7 @@
       </p:sp>
       <p:sp>
         <p:nvSpPr>
-          <p:cNvPr id="172" name="Google Shape;172;g8e6cd9d375_0_51:notes"/>
+          <p:cNvPr id="172" name="Google Shape;172;g8e6cd9d375_0_34:notes"/>
           <p:cNvSpPr txBox="1"/>
           <p:nvPr>
             <p:ph idx="1" type="body"/>
@@ -1428,11 +1439,11 @@
 </file>
 
 <file path=ppt/notesSlides/notesSlide16.xml><?xml version="1.0" encoding="utf-8"?>
-<p:notes xmlns:a="http://schemas.openxmlformats.org/drawingml/2006/main" xmlns:r="http://schemas.openxmlformats.org/officeDocument/2006/relationships" xmlns:mc="http://schemas.openxmlformats.org/markup-compatibility/2006" xmlns:mv="urn:schemas-microsoft-com:mac:vml" xmlns:p="http://schemas.openxmlformats.org/presentationml/2006/main" xmlns:c="http://schemas.openxmlformats.org/drawingml/2006/chart" xmlns:dgm="http://schemas.openxmlformats.org/drawingml/2006/diagram" xmlns:o="urn:schemas-microsoft-com:office:office" xmlns:v="urn:schemas-microsoft-com:vml" xmlns:pvml="urn:schemas-microsoft-com:office:powerpoint" xmlns:com="http://schemas.openxmlformats.org/drawingml/2006/compatibility" xmlns:p14="http://schemas.microsoft.com/office/powerpoint/2010/main" xmlns:p15="http://schemas.microsoft.com/office/powerpoint/2012/main" showMasterPhAnim="0" showMasterSp="0">
+<p:notes xmlns:a="http://schemas.openxmlformats.org/drawingml/2006/main" xmlns:r="http://schemas.openxmlformats.org/officeDocument/2006/relationships" xmlns:mc="http://schemas.openxmlformats.org/markup-compatibility/2006" xmlns:mv="urn:schemas-microsoft-com:mac:vml" xmlns:p="http://schemas.openxmlformats.org/presentationml/2006/main" xmlns:c="http://schemas.openxmlformats.org/drawingml/2006/chart" xmlns:dgm="http://schemas.openxmlformats.org/drawingml/2006/diagram" xmlns:o="urn:schemas-microsoft-com:office:office" xmlns:v="urn:schemas-microsoft-com:vml" xmlns:pvml="urn:schemas-microsoft-com:office:powerpoint" xmlns:com="http://schemas.openxmlformats.org/drawingml/2006/compatibility" xmlns:p14="http://schemas.microsoft.com/office/powerpoint/2010/main" xmlns:p15="http://schemas.microsoft.com/office/powerpoint/2012/main" xmlns:ahyp="http://schemas.microsoft.com/office/drawing/2018/hyperlinkcolor" showMasterPhAnim="0" showMasterSp="0">
   <p:cSld>
     <p:spTree>
       <p:nvGrpSpPr>
-        <p:cNvPr id="175" name="Shape 175"/>
+        <p:cNvPr id="176" name="Shape 176"/>
         <p:cNvGrpSpPr/>
         <p:nvPr/>
       </p:nvGrpSpPr>
@@ -1446,7 +1457,7 @@
       </p:grpSpPr>
       <p:sp>
         <p:nvSpPr>
-          <p:cNvPr id="176" name="Google Shape;176;g8e6cd9d375_0_43:notes"/>
+          <p:cNvPr id="177" name="Google Shape;177;g8e6cd9d375_0_51:notes"/>
           <p:cNvSpPr/>
           <p:nvPr>
             <p:ph idx="2" type="sldImg"/>
@@ -1481,7 +1492,7 @@
       </p:sp>
       <p:sp>
         <p:nvSpPr>
-          <p:cNvPr id="177" name="Google Shape;177;g8e6cd9d375_0_43:notes"/>
+          <p:cNvPr id="178" name="Google Shape;178;g8e6cd9d375_0_51:notes"/>
           <p:cNvSpPr txBox="1"/>
           <p:nvPr>
             <p:ph idx="1" type="body"/>
@@ -1527,7 +1538,7 @@
 </file>
 
 <file path=ppt/notesSlides/notesSlide17.xml><?xml version="1.0" encoding="utf-8"?>
-<p:notes xmlns:a="http://schemas.openxmlformats.org/drawingml/2006/main" xmlns:r="http://schemas.openxmlformats.org/officeDocument/2006/relationships" xmlns:mc="http://schemas.openxmlformats.org/markup-compatibility/2006" xmlns:mv="urn:schemas-microsoft-com:mac:vml" xmlns:p="http://schemas.openxmlformats.org/presentationml/2006/main" xmlns:c="http://schemas.openxmlformats.org/drawingml/2006/chart" xmlns:dgm="http://schemas.openxmlformats.org/drawingml/2006/diagram" xmlns:o="urn:schemas-microsoft-com:office:office" xmlns:v="urn:schemas-microsoft-com:vml" xmlns:pvml="urn:schemas-microsoft-com:office:powerpoint" xmlns:com="http://schemas.openxmlformats.org/drawingml/2006/compatibility" xmlns:p14="http://schemas.microsoft.com/office/powerpoint/2010/main" xmlns:p15="http://schemas.microsoft.com/office/powerpoint/2012/main" showMasterPhAnim="0" showMasterSp="0">
+<p:notes xmlns:a="http://schemas.openxmlformats.org/drawingml/2006/main" xmlns:r="http://schemas.openxmlformats.org/officeDocument/2006/relationships" xmlns:mc="http://schemas.openxmlformats.org/markup-compatibility/2006" xmlns:mv="urn:schemas-microsoft-com:mac:vml" xmlns:p="http://schemas.openxmlformats.org/presentationml/2006/main" xmlns:c="http://schemas.openxmlformats.org/drawingml/2006/chart" xmlns:dgm="http://schemas.openxmlformats.org/drawingml/2006/diagram" xmlns:o="urn:schemas-microsoft-com:office:office" xmlns:v="urn:schemas-microsoft-com:vml" xmlns:pvml="urn:schemas-microsoft-com:office:powerpoint" xmlns:com="http://schemas.openxmlformats.org/drawingml/2006/compatibility" xmlns:p14="http://schemas.microsoft.com/office/powerpoint/2010/main" xmlns:p15="http://schemas.microsoft.com/office/powerpoint/2012/main" xmlns:ahyp="http://schemas.microsoft.com/office/drawing/2018/hyperlinkcolor" showMasterPhAnim="0" showMasterSp="0">
   <p:cSld>
     <p:spTree>
       <p:nvGrpSpPr>
@@ -1545,7 +1556,7 @@
       </p:grpSpPr>
       <p:sp>
         <p:nvSpPr>
-          <p:cNvPr id="182" name="Google Shape;182;g8e6cd9d375_0_63:notes"/>
+          <p:cNvPr id="182" name="Google Shape;182;g8ed50b543c_0_21:notes"/>
           <p:cNvSpPr/>
           <p:nvPr>
             <p:ph idx="2" type="sldImg"/>
@@ -1580,7 +1591,7 @@
       </p:sp>
       <p:sp>
         <p:nvSpPr>
-          <p:cNvPr id="183" name="Google Shape;183;g8e6cd9d375_0_63:notes"/>
+          <p:cNvPr id="183" name="Google Shape;183;g8ed50b543c_0_21:notes"/>
           <p:cNvSpPr txBox="1"/>
           <p:nvPr>
             <p:ph idx="1" type="body"/>
@@ -1626,11 +1637,11 @@
 </file>
 
 <file path=ppt/notesSlides/notesSlide18.xml><?xml version="1.0" encoding="utf-8"?>
-<p:notes xmlns:a="http://schemas.openxmlformats.org/drawingml/2006/main" xmlns:r="http://schemas.openxmlformats.org/officeDocument/2006/relationships" xmlns:mc="http://schemas.openxmlformats.org/markup-compatibility/2006" xmlns:mv="urn:schemas-microsoft-com:mac:vml" xmlns:p="http://schemas.openxmlformats.org/presentationml/2006/main" xmlns:c="http://schemas.openxmlformats.org/drawingml/2006/chart" xmlns:dgm="http://schemas.openxmlformats.org/drawingml/2006/diagram" xmlns:o="urn:schemas-microsoft-com:office:office" xmlns:v="urn:schemas-microsoft-com:vml" xmlns:pvml="urn:schemas-microsoft-com:office:powerpoint" xmlns:com="http://schemas.openxmlformats.org/drawingml/2006/compatibility" xmlns:p14="http://schemas.microsoft.com/office/powerpoint/2010/main" xmlns:p15="http://schemas.microsoft.com/office/powerpoint/2012/main" showMasterPhAnim="0" showMasterSp="0">
+<p:notes xmlns:a="http://schemas.openxmlformats.org/drawingml/2006/main" xmlns:r="http://schemas.openxmlformats.org/officeDocument/2006/relationships" xmlns:mc="http://schemas.openxmlformats.org/markup-compatibility/2006" xmlns:mv="urn:schemas-microsoft-com:mac:vml" xmlns:p="http://schemas.openxmlformats.org/presentationml/2006/main" xmlns:c="http://schemas.openxmlformats.org/drawingml/2006/chart" xmlns:dgm="http://schemas.openxmlformats.org/drawingml/2006/diagram" xmlns:o="urn:schemas-microsoft-com:office:office" xmlns:v="urn:schemas-microsoft-com:vml" xmlns:pvml="urn:schemas-microsoft-com:office:powerpoint" xmlns:com="http://schemas.openxmlformats.org/drawingml/2006/compatibility" xmlns:p14="http://schemas.microsoft.com/office/powerpoint/2010/main" xmlns:p15="http://schemas.microsoft.com/office/powerpoint/2012/main" xmlns:ahyp="http://schemas.microsoft.com/office/drawing/2018/hyperlinkcolor" showMasterPhAnim="0" showMasterSp="0">
   <p:cSld>
     <p:spTree>
       <p:nvGrpSpPr>
-        <p:cNvPr id="190" name="Shape 190"/>
+        <p:cNvPr id="186" name="Shape 186"/>
         <p:cNvGrpSpPr/>
         <p:nvPr/>
       </p:nvGrpSpPr>
@@ -1644,7 +1655,7 @@
       </p:grpSpPr>
       <p:sp>
         <p:nvSpPr>
-          <p:cNvPr id="191" name="Google Shape;191;g8e6cd9d375_0_82:notes"/>
+          <p:cNvPr id="187" name="Google Shape;187;g8e6cd9d375_0_43:notes"/>
           <p:cNvSpPr/>
           <p:nvPr>
             <p:ph idx="2" type="sldImg"/>
@@ -1679,7 +1690,7 @@
       </p:sp>
       <p:sp>
         <p:nvSpPr>
-          <p:cNvPr id="192" name="Google Shape;192;g8e6cd9d375_0_82:notes"/>
+          <p:cNvPr id="188" name="Google Shape;188;g8e6cd9d375_0_43:notes"/>
           <p:cNvSpPr txBox="1"/>
           <p:nvPr>
             <p:ph idx="1" type="body"/>
@@ -1725,11 +1736,11 @@
 </file>
 
 <file path=ppt/notesSlides/notesSlide19.xml><?xml version="1.0" encoding="utf-8"?>
-<p:notes xmlns:a="http://schemas.openxmlformats.org/drawingml/2006/main" xmlns:r="http://schemas.openxmlformats.org/officeDocument/2006/relationships" xmlns:mc="http://schemas.openxmlformats.org/markup-compatibility/2006" xmlns:mv="urn:schemas-microsoft-com:mac:vml" xmlns:p="http://schemas.openxmlformats.org/presentationml/2006/main" xmlns:c="http://schemas.openxmlformats.org/drawingml/2006/chart" xmlns:dgm="http://schemas.openxmlformats.org/drawingml/2006/diagram" xmlns:o="urn:schemas-microsoft-com:office:office" xmlns:v="urn:schemas-microsoft-com:vml" xmlns:pvml="urn:schemas-microsoft-com:office:powerpoint" xmlns:com="http://schemas.openxmlformats.org/drawingml/2006/compatibility" xmlns:p14="http://schemas.microsoft.com/office/powerpoint/2010/main" xmlns:p15="http://schemas.microsoft.com/office/powerpoint/2012/main" showMasterPhAnim="0" showMasterSp="0">
+<p:notes xmlns:a="http://schemas.openxmlformats.org/drawingml/2006/main" xmlns:r="http://schemas.openxmlformats.org/officeDocument/2006/relationships" xmlns:mc="http://schemas.openxmlformats.org/markup-compatibility/2006" xmlns:mv="urn:schemas-microsoft-com:mac:vml" xmlns:p="http://schemas.openxmlformats.org/presentationml/2006/main" xmlns:c="http://schemas.openxmlformats.org/drawingml/2006/chart" xmlns:dgm="http://schemas.openxmlformats.org/drawingml/2006/diagram" xmlns:o="urn:schemas-microsoft-com:office:office" xmlns:v="urn:schemas-microsoft-com:vml" xmlns:pvml="urn:schemas-microsoft-com:office:powerpoint" xmlns:com="http://schemas.openxmlformats.org/drawingml/2006/compatibility" xmlns:p14="http://schemas.microsoft.com/office/powerpoint/2010/main" xmlns:p15="http://schemas.microsoft.com/office/powerpoint/2012/main" xmlns:ahyp="http://schemas.microsoft.com/office/drawing/2018/hyperlinkcolor" showMasterPhAnim="0" showMasterSp="0">
   <p:cSld>
     <p:spTree>
       <p:nvGrpSpPr>
-        <p:cNvPr id="196" name="Shape 196"/>
+        <p:cNvPr id="192" name="Shape 192"/>
         <p:cNvGrpSpPr/>
         <p:nvPr/>
       </p:nvGrpSpPr>
@@ -1743,7 +1754,7 @@
       </p:grpSpPr>
       <p:sp>
         <p:nvSpPr>
-          <p:cNvPr id="197" name="Google Shape;197;g8e6cd9d375_0_99:notes"/>
+          <p:cNvPr id="193" name="Google Shape;193;g8e6cd9d375_0_63:notes"/>
           <p:cNvSpPr/>
           <p:nvPr>
             <p:ph idx="2" type="sldImg"/>
@@ -1778,7 +1789,7 @@
       </p:sp>
       <p:sp>
         <p:nvSpPr>
-          <p:cNvPr id="198" name="Google Shape;198;g8e6cd9d375_0_99:notes"/>
+          <p:cNvPr id="194" name="Google Shape;194;g8e6cd9d375_0_63:notes"/>
           <p:cNvSpPr txBox="1"/>
           <p:nvPr>
             <p:ph idx="1" type="body"/>
@@ -1824,7 +1835,7 @@
 </file>
 
 <file path=ppt/notesSlides/notesSlide2.xml><?xml version="1.0" encoding="utf-8"?>
-<p:notes xmlns:a="http://schemas.openxmlformats.org/drawingml/2006/main" xmlns:r="http://schemas.openxmlformats.org/officeDocument/2006/relationships" xmlns:mc="http://schemas.openxmlformats.org/markup-compatibility/2006" xmlns:mv="urn:schemas-microsoft-com:mac:vml" xmlns:p="http://schemas.openxmlformats.org/presentationml/2006/main" xmlns:c="http://schemas.openxmlformats.org/drawingml/2006/chart" xmlns:dgm="http://schemas.openxmlformats.org/drawingml/2006/diagram" xmlns:o="urn:schemas-microsoft-com:office:office" xmlns:v="urn:schemas-microsoft-com:vml" xmlns:pvml="urn:schemas-microsoft-com:office:powerpoint" xmlns:com="http://schemas.openxmlformats.org/drawingml/2006/compatibility" xmlns:p14="http://schemas.microsoft.com/office/powerpoint/2010/main" xmlns:p15="http://schemas.microsoft.com/office/powerpoint/2012/main" showMasterPhAnim="0" showMasterSp="0">
+<p:notes xmlns:a="http://schemas.openxmlformats.org/drawingml/2006/main" xmlns:r="http://schemas.openxmlformats.org/officeDocument/2006/relationships" xmlns:mc="http://schemas.openxmlformats.org/markup-compatibility/2006" xmlns:mv="urn:schemas-microsoft-com:mac:vml" xmlns:p="http://schemas.openxmlformats.org/presentationml/2006/main" xmlns:c="http://schemas.openxmlformats.org/drawingml/2006/chart" xmlns:dgm="http://schemas.openxmlformats.org/drawingml/2006/diagram" xmlns:o="urn:schemas-microsoft-com:office:office" xmlns:v="urn:schemas-microsoft-com:vml" xmlns:pvml="urn:schemas-microsoft-com:office:powerpoint" xmlns:com="http://schemas.openxmlformats.org/drawingml/2006/compatibility" xmlns:p14="http://schemas.microsoft.com/office/powerpoint/2010/main" xmlns:p15="http://schemas.microsoft.com/office/powerpoint/2012/main" xmlns:ahyp="http://schemas.microsoft.com/office/drawing/2018/hyperlinkcolor" showMasterPhAnim="0" showMasterSp="0">
   <p:cSld>
     <p:spTree>
       <p:nvGrpSpPr>
@@ -1923,7 +1934,7 @@
 </file>
 
 <file path=ppt/notesSlides/notesSlide20.xml><?xml version="1.0" encoding="utf-8"?>
-<p:notes xmlns:a="http://schemas.openxmlformats.org/drawingml/2006/main" xmlns:r="http://schemas.openxmlformats.org/officeDocument/2006/relationships" xmlns:mc="http://schemas.openxmlformats.org/markup-compatibility/2006" xmlns:mv="urn:schemas-microsoft-com:mac:vml" xmlns:p="http://schemas.openxmlformats.org/presentationml/2006/main" xmlns:c="http://schemas.openxmlformats.org/drawingml/2006/chart" xmlns:dgm="http://schemas.openxmlformats.org/drawingml/2006/diagram" xmlns:o="urn:schemas-microsoft-com:office:office" xmlns:v="urn:schemas-microsoft-com:vml" xmlns:pvml="urn:schemas-microsoft-com:office:powerpoint" xmlns:com="http://schemas.openxmlformats.org/drawingml/2006/compatibility" xmlns:p14="http://schemas.microsoft.com/office/powerpoint/2010/main" xmlns:p15="http://schemas.microsoft.com/office/powerpoint/2012/main" showMasterPhAnim="0" showMasterSp="0">
+<p:notes xmlns:a="http://schemas.openxmlformats.org/drawingml/2006/main" xmlns:r="http://schemas.openxmlformats.org/officeDocument/2006/relationships" xmlns:mc="http://schemas.openxmlformats.org/markup-compatibility/2006" xmlns:mv="urn:schemas-microsoft-com:mac:vml" xmlns:p="http://schemas.openxmlformats.org/presentationml/2006/main" xmlns:c="http://schemas.openxmlformats.org/drawingml/2006/chart" xmlns:dgm="http://schemas.openxmlformats.org/drawingml/2006/diagram" xmlns:o="urn:schemas-microsoft-com:office:office" xmlns:v="urn:schemas-microsoft-com:vml" xmlns:pvml="urn:schemas-microsoft-com:office:powerpoint" xmlns:com="http://schemas.openxmlformats.org/drawingml/2006/compatibility" xmlns:p14="http://schemas.microsoft.com/office/powerpoint/2010/main" xmlns:p15="http://schemas.microsoft.com/office/powerpoint/2012/main" xmlns:ahyp="http://schemas.microsoft.com/office/drawing/2018/hyperlinkcolor" showMasterPhAnim="0" showMasterSp="0">
   <p:cSld>
     <p:spTree>
       <p:nvGrpSpPr>
@@ -1941,7 +1952,7 @@
       </p:grpSpPr>
       <p:sp>
         <p:nvSpPr>
-          <p:cNvPr id="202" name="Google Shape;202;g8e6cd9d375_0_116:notes"/>
+          <p:cNvPr id="202" name="Google Shape;202;g8e6cd9d375_0_82:notes"/>
           <p:cNvSpPr/>
           <p:nvPr>
             <p:ph idx="2" type="sldImg"/>
@@ -1976,7 +1987,7 @@
       </p:sp>
       <p:sp>
         <p:nvSpPr>
-          <p:cNvPr id="203" name="Google Shape;203;g8e6cd9d375_0_116:notes"/>
+          <p:cNvPr id="203" name="Google Shape;203;g8e6cd9d375_0_82:notes"/>
           <p:cNvSpPr txBox="1"/>
           <p:nvPr>
             <p:ph idx="1" type="body"/>
@@ -2022,7 +2033,7 @@
 </file>
 
 <file path=ppt/notesSlides/notesSlide21.xml><?xml version="1.0" encoding="utf-8"?>
-<p:notes xmlns:a="http://schemas.openxmlformats.org/drawingml/2006/main" xmlns:r="http://schemas.openxmlformats.org/officeDocument/2006/relationships" xmlns:mc="http://schemas.openxmlformats.org/markup-compatibility/2006" xmlns:mv="urn:schemas-microsoft-com:mac:vml" xmlns:p="http://schemas.openxmlformats.org/presentationml/2006/main" xmlns:c="http://schemas.openxmlformats.org/drawingml/2006/chart" xmlns:dgm="http://schemas.openxmlformats.org/drawingml/2006/diagram" xmlns:o="urn:schemas-microsoft-com:office:office" xmlns:v="urn:schemas-microsoft-com:vml" xmlns:pvml="urn:schemas-microsoft-com:office:powerpoint" xmlns:com="http://schemas.openxmlformats.org/drawingml/2006/compatibility" xmlns:p14="http://schemas.microsoft.com/office/powerpoint/2010/main" xmlns:p15="http://schemas.microsoft.com/office/powerpoint/2012/main" showMasterPhAnim="0" showMasterSp="0">
+<p:notes xmlns:a="http://schemas.openxmlformats.org/drawingml/2006/main" xmlns:r="http://schemas.openxmlformats.org/officeDocument/2006/relationships" xmlns:mc="http://schemas.openxmlformats.org/markup-compatibility/2006" xmlns:mv="urn:schemas-microsoft-com:mac:vml" xmlns:p="http://schemas.openxmlformats.org/presentationml/2006/main" xmlns:c="http://schemas.openxmlformats.org/drawingml/2006/chart" xmlns:dgm="http://schemas.openxmlformats.org/drawingml/2006/diagram" xmlns:o="urn:schemas-microsoft-com:office:office" xmlns:v="urn:schemas-microsoft-com:vml" xmlns:pvml="urn:schemas-microsoft-com:office:powerpoint" xmlns:com="http://schemas.openxmlformats.org/drawingml/2006/compatibility" xmlns:p14="http://schemas.microsoft.com/office/powerpoint/2010/main" xmlns:p15="http://schemas.microsoft.com/office/powerpoint/2012/main" xmlns:ahyp="http://schemas.microsoft.com/office/drawing/2018/hyperlinkcolor" showMasterPhAnim="0" showMasterSp="0">
   <p:cSld>
     <p:spTree>
       <p:nvGrpSpPr>
@@ -2040,7 +2051,403 @@
       </p:grpSpPr>
       <p:sp>
         <p:nvSpPr>
-          <p:cNvPr id="208" name="Google Shape;208;g8e6cd9d375_0_130:notes"/>
+          <p:cNvPr id="208" name="Google Shape;208;g8e6cd9d375_0_99:notes"/>
+          <p:cNvSpPr/>
+          <p:nvPr>
+            <p:ph idx="2" type="sldImg"/>
+          </p:nvPr>
+        </p:nvSpPr>
+        <p:spPr>
+          <a:xfrm>
+            <a:off x="381300" y="685800"/>
+            <a:ext cx="6096000" cy="3429000"/>
+          </a:xfrm>
+          <a:custGeom>
+            <a:rect b="b" l="l" r="r" t="t"/>
+            <a:pathLst>
+              <a:path extrusionOk="0" h="120000" w="120000">
+                <a:moveTo>
+                  <a:pt x="0" y="0"/>
+                </a:moveTo>
+                <a:lnTo>
+                  <a:pt x="120000" y="0"/>
+                </a:lnTo>
+                <a:lnTo>
+                  <a:pt x="120000" y="120000"/>
+                </a:lnTo>
+                <a:lnTo>
+                  <a:pt x="0" y="120000"/>
+                </a:lnTo>
+                <a:close/>
+              </a:path>
+            </a:pathLst>
+          </a:custGeom>
+        </p:spPr>
+      </p:sp>
+      <p:sp>
+        <p:nvSpPr>
+          <p:cNvPr id="209" name="Google Shape;209;g8e6cd9d375_0_99:notes"/>
+          <p:cNvSpPr txBox="1"/>
+          <p:nvPr>
+            <p:ph idx="1" type="body"/>
+          </p:nvPr>
+        </p:nvSpPr>
+        <p:spPr>
+          <a:xfrm>
+            <a:off x="685800" y="4343400"/>
+            <a:ext cx="5486400" cy="4114800"/>
+          </a:xfrm>
+          <a:prstGeom prst="rect">
+            <a:avLst/>
+          </a:prstGeom>
+        </p:spPr>
+        <p:txBody>
+          <a:bodyPr anchorCtr="0" anchor="t" bIns="91425" lIns="91425" spcFirstLastPara="1" rIns="91425" wrap="square" tIns="91425">
+            <a:noAutofit/>
+          </a:bodyPr>
+          <a:lstStyle/>
+          <a:p>
+            <a:pPr indent="0" lvl="0" marL="0" rtl="0" algn="l">
+              <a:spcBef>
+                <a:spcPts val="0"/>
+              </a:spcBef>
+              <a:spcAft>
+                <a:spcPts val="0"/>
+              </a:spcAft>
+              <a:buNone/>
+            </a:pPr>
+            <a:r>
+              <a:t/>
+            </a:r>
+            <a:endParaRPr/>
+          </a:p>
+        </p:txBody>
+      </p:sp>
+    </p:spTree>
+  </p:cSld>
+  <p:clrMapOvr>
+    <a:masterClrMapping/>
+  </p:clrMapOvr>
+</p:notes>
+</file>
+
+<file path=ppt/notesSlides/notesSlide22.xml><?xml version="1.0" encoding="utf-8"?>
+<p:notes xmlns:a="http://schemas.openxmlformats.org/drawingml/2006/main" xmlns:r="http://schemas.openxmlformats.org/officeDocument/2006/relationships" xmlns:mc="http://schemas.openxmlformats.org/markup-compatibility/2006" xmlns:mv="urn:schemas-microsoft-com:mac:vml" xmlns:p="http://schemas.openxmlformats.org/presentationml/2006/main" xmlns:c="http://schemas.openxmlformats.org/drawingml/2006/chart" xmlns:dgm="http://schemas.openxmlformats.org/drawingml/2006/diagram" xmlns:o="urn:schemas-microsoft-com:office:office" xmlns:v="urn:schemas-microsoft-com:vml" xmlns:pvml="urn:schemas-microsoft-com:office:powerpoint" xmlns:com="http://schemas.openxmlformats.org/drawingml/2006/compatibility" xmlns:p14="http://schemas.microsoft.com/office/powerpoint/2010/main" xmlns:p15="http://schemas.microsoft.com/office/powerpoint/2012/main" xmlns:ahyp="http://schemas.microsoft.com/office/drawing/2018/hyperlinkcolor" showMasterPhAnim="0" showMasterSp="0">
+  <p:cSld>
+    <p:spTree>
+      <p:nvGrpSpPr>
+        <p:cNvPr id="212" name="Shape 212"/>
+        <p:cNvGrpSpPr/>
+        <p:nvPr/>
+      </p:nvGrpSpPr>
+      <p:grpSpPr>
+        <a:xfrm>
+          <a:off x="0" y="0"/>
+          <a:ext cx="0" cy="0"/>
+          <a:chOff x="0" y="0"/>
+          <a:chExt cx="0" cy="0"/>
+        </a:xfrm>
+      </p:grpSpPr>
+      <p:sp>
+        <p:nvSpPr>
+          <p:cNvPr id="213" name="Google Shape;213;g8e6cd9d375_0_116:notes"/>
+          <p:cNvSpPr/>
+          <p:nvPr>
+            <p:ph idx="2" type="sldImg"/>
+          </p:nvPr>
+        </p:nvSpPr>
+        <p:spPr>
+          <a:xfrm>
+            <a:off x="381300" y="685800"/>
+            <a:ext cx="6096000" cy="3429000"/>
+          </a:xfrm>
+          <a:custGeom>
+            <a:rect b="b" l="l" r="r" t="t"/>
+            <a:pathLst>
+              <a:path extrusionOk="0" h="120000" w="120000">
+                <a:moveTo>
+                  <a:pt x="0" y="0"/>
+                </a:moveTo>
+                <a:lnTo>
+                  <a:pt x="120000" y="0"/>
+                </a:lnTo>
+                <a:lnTo>
+                  <a:pt x="120000" y="120000"/>
+                </a:lnTo>
+                <a:lnTo>
+                  <a:pt x="0" y="120000"/>
+                </a:lnTo>
+                <a:close/>
+              </a:path>
+            </a:pathLst>
+          </a:custGeom>
+        </p:spPr>
+      </p:sp>
+      <p:sp>
+        <p:nvSpPr>
+          <p:cNvPr id="214" name="Google Shape;214;g8e6cd9d375_0_116:notes"/>
+          <p:cNvSpPr txBox="1"/>
+          <p:nvPr>
+            <p:ph idx="1" type="body"/>
+          </p:nvPr>
+        </p:nvSpPr>
+        <p:spPr>
+          <a:xfrm>
+            <a:off x="685800" y="4343400"/>
+            <a:ext cx="5486400" cy="4114800"/>
+          </a:xfrm>
+          <a:prstGeom prst="rect">
+            <a:avLst/>
+          </a:prstGeom>
+        </p:spPr>
+        <p:txBody>
+          <a:bodyPr anchorCtr="0" anchor="t" bIns="91425" lIns="91425" spcFirstLastPara="1" rIns="91425" wrap="square" tIns="91425">
+            <a:noAutofit/>
+          </a:bodyPr>
+          <a:lstStyle/>
+          <a:p>
+            <a:pPr indent="0" lvl="0" marL="0" rtl="0" algn="l">
+              <a:spcBef>
+                <a:spcPts val="0"/>
+              </a:spcBef>
+              <a:spcAft>
+                <a:spcPts val="0"/>
+              </a:spcAft>
+              <a:buNone/>
+            </a:pPr>
+            <a:r>
+              <a:t/>
+            </a:r>
+            <a:endParaRPr/>
+          </a:p>
+        </p:txBody>
+      </p:sp>
+    </p:spTree>
+  </p:cSld>
+  <p:clrMapOvr>
+    <a:masterClrMapping/>
+  </p:clrMapOvr>
+</p:notes>
+</file>
+
+<file path=ppt/notesSlides/notesSlide23.xml><?xml version="1.0" encoding="utf-8"?>
+<p:notes xmlns:a="http://schemas.openxmlformats.org/drawingml/2006/main" xmlns:r="http://schemas.openxmlformats.org/officeDocument/2006/relationships" xmlns:mc="http://schemas.openxmlformats.org/markup-compatibility/2006" xmlns:mv="urn:schemas-microsoft-com:mac:vml" xmlns:p="http://schemas.openxmlformats.org/presentationml/2006/main" xmlns:c="http://schemas.openxmlformats.org/drawingml/2006/chart" xmlns:dgm="http://schemas.openxmlformats.org/drawingml/2006/diagram" xmlns:o="urn:schemas-microsoft-com:office:office" xmlns:v="urn:schemas-microsoft-com:vml" xmlns:pvml="urn:schemas-microsoft-com:office:powerpoint" xmlns:com="http://schemas.openxmlformats.org/drawingml/2006/compatibility" xmlns:p14="http://schemas.microsoft.com/office/powerpoint/2010/main" xmlns:p15="http://schemas.microsoft.com/office/powerpoint/2012/main" xmlns:ahyp="http://schemas.microsoft.com/office/drawing/2018/hyperlinkcolor" showMasterPhAnim="0" showMasterSp="0">
+  <p:cSld>
+    <p:spTree>
+      <p:nvGrpSpPr>
+        <p:cNvPr id="218" name="Shape 218"/>
+        <p:cNvGrpSpPr/>
+        <p:nvPr/>
+      </p:nvGrpSpPr>
+      <p:grpSpPr>
+        <a:xfrm>
+          <a:off x="0" y="0"/>
+          <a:ext cx="0" cy="0"/>
+          <a:chOff x="0" y="0"/>
+          <a:chExt cx="0" cy="0"/>
+        </a:xfrm>
+      </p:grpSpPr>
+      <p:sp>
+        <p:nvSpPr>
+          <p:cNvPr id="219" name="Google Shape;219;g8ed50b543c_0_13:notes"/>
+          <p:cNvSpPr/>
+          <p:nvPr>
+            <p:ph idx="2" type="sldImg"/>
+          </p:nvPr>
+        </p:nvSpPr>
+        <p:spPr>
+          <a:xfrm>
+            <a:off x="381300" y="685800"/>
+            <a:ext cx="6096000" cy="3429000"/>
+          </a:xfrm>
+          <a:custGeom>
+            <a:rect b="b" l="l" r="r" t="t"/>
+            <a:pathLst>
+              <a:path extrusionOk="0" h="120000" w="120000">
+                <a:moveTo>
+                  <a:pt x="0" y="0"/>
+                </a:moveTo>
+                <a:lnTo>
+                  <a:pt x="120000" y="0"/>
+                </a:lnTo>
+                <a:lnTo>
+                  <a:pt x="120000" y="120000"/>
+                </a:lnTo>
+                <a:lnTo>
+                  <a:pt x="0" y="120000"/>
+                </a:lnTo>
+                <a:close/>
+              </a:path>
+            </a:pathLst>
+          </a:custGeom>
+        </p:spPr>
+      </p:sp>
+      <p:sp>
+        <p:nvSpPr>
+          <p:cNvPr id="220" name="Google Shape;220;g8ed50b543c_0_13:notes"/>
+          <p:cNvSpPr txBox="1"/>
+          <p:nvPr>
+            <p:ph idx="1" type="body"/>
+          </p:nvPr>
+        </p:nvSpPr>
+        <p:spPr>
+          <a:xfrm>
+            <a:off x="685800" y="4343400"/>
+            <a:ext cx="5486400" cy="4114800"/>
+          </a:xfrm>
+          <a:prstGeom prst="rect">
+            <a:avLst/>
+          </a:prstGeom>
+        </p:spPr>
+        <p:txBody>
+          <a:bodyPr anchorCtr="0" anchor="t" bIns="91425" lIns="91425" spcFirstLastPara="1" rIns="91425" wrap="square" tIns="91425">
+            <a:noAutofit/>
+          </a:bodyPr>
+          <a:lstStyle/>
+          <a:p>
+            <a:pPr indent="0" lvl="0" marL="0" rtl="0" algn="l">
+              <a:spcBef>
+                <a:spcPts val="0"/>
+              </a:spcBef>
+              <a:spcAft>
+                <a:spcPts val="0"/>
+              </a:spcAft>
+              <a:buNone/>
+            </a:pPr>
+            <a:r>
+              <a:t/>
+            </a:r>
+            <a:endParaRPr/>
+          </a:p>
+        </p:txBody>
+      </p:sp>
+    </p:spTree>
+  </p:cSld>
+  <p:clrMapOvr>
+    <a:masterClrMapping/>
+  </p:clrMapOvr>
+</p:notes>
+</file>
+
+<file path=ppt/notesSlides/notesSlide24.xml><?xml version="1.0" encoding="utf-8"?>
+<p:notes xmlns:a="http://schemas.openxmlformats.org/drawingml/2006/main" xmlns:r="http://schemas.openxmlformats.org/officeDocument/2006/relationships" xmlns:mc="http://schemas.openxmlformats.org/markup-compatibility/2006" xmlns:mv="urn:schemas-microsoft-com:mac:vml" xmlns:p="http://schemas.openxmlformats.org/presentationml/2006/main" xmlns:c="http://schemas.openxmlformats.org/drawingml/2006/chart" xmlns:dgm="http://schemas.openxmlformats.org/drawingml/2006/diagram" xmlns:o="urn:schemas-microsoft-com:office:office" xmlns:v="urn:schemas-microsoft-com:vml" xmlns:pvml="urn:schemas-microsoft-com:office:powerpoint" xmlns:com="http://schemas.openxmlformats.org/drawingml/2006/compatibility" xmlns:p14="http://schemas.microsoft.com/office/powerpoint/2010/main" xmlns:p15="http://schemas.microsoft.com/office/powerpoint/2012/main" xmlns:ahyp="http://schemas.microsoft.com/office/drawing/2018/hyperlinkcolor" showMasterPhAnim="0" showMasterSp="0">
+  <p:cSld>
+    <p:spTree>
+      <p:nvGrpSpPr>
+        <p:cNvPr id="223" name="Shape 223"/>
+        <p:cNvGrpSpPr/>
+        <p:nvPr/>
+      </p:nvGrpSpPr>
+      <p:grpSpPr>
+        <a:xfrm>
+          <a:off x="0" y="0"/>
+          <a:ext cx="0" cy="0"/>
+          <a:chOff x="0" y="0"/>
+          <a:chExt cx="0" cy="0"/>
+        </a:xfrm>
+      </p:grpSpPr>
+      <p:sp>
+        <p:nvSpPr>
+          <p:cNvPr id="224" name="Google Shape;224;g8ed50b543c_0_27:notes"/>
+          <p:cNvSpPr/>
+          <p:nvPr>
+            <p:ph idx="2" type="sldImg"/>
+          </p:nvPr>
+        </p:nvSpPr>
+        <p:spPr>
+          <a:xfrm>
+            <a:off x="381300" y="685800"/>
+            <a:ext cx="6096000" cy="3429000"/>
+          </a:xfrm>
+          <a:custGeom>
+            <a:rect b="b" l="l" r="r" t="t"/>
+            <a:pathLst>
+              <a:path extrusionOk="0" h="120000" w="120000">
+                <a:moveTo>
+                  <a:pt x="0" y="0"/>
+                </a:moveTo>
+                <a:lnTo>
+                  <a:pt x="120000" y="0"/>
+                </a:lnTo>
+                <a:lnTo>
+                  <a:pt x="120000" y="120000"/>
+                </a:lnTo>
+                <a:lnTo>
+                  <a:pt x="0" y="120000"/>
+                </a:lnTo>
+                <a:close/>
+              </a:path>
+            </a:pathLst>
+          </a:custGeom>
+        </p:spPr>
+      </p:sp>
+      <p:sp>
+        <p:nvSpPr>
+          <p:cNvPr id="225" name="Google Shape;225;g8ed50b543c_0_27:notes"/>
+          <p:cNvSpPr txBox="1"/>
+          <p:nvPr>
+            <p:ph idx="1" type="body"/>
+          </p:nvPr>
+        </p:nvSpPr>
+        <p:spPr>
+          <a:xfrm>
+            <a:off x="685800" y="4343400"/>
+            <a:ext cx="5486400" cy="4114800"/>
+          </a:xfrm>
+          <a:prstGeom prst="rect">
+            <a:avLst/>
+          </a:prstGeom>
+        </p:spPr>
+        <p:txBody>
+          <a:bodyPr anchorCtr="0" anchor="t" bIns="91425" lIns="91425" spcFirstLastPara="1" rIns="91425" wrap="square" tIns="91425">
+            <a:noAutofit/>
+          </a:bodyPr>
+          <a:lstStyle/>
+          <a:p>
+            <a:pPr indent="0" lvl="0" marL="0" rtl="0" algn="l">
+              <a:spcBef>
+                <a:spcPts val="0"/>
+              </a:spcBef>
+              <a:spcAft>
+                <a:spcPts val="0"/>
+              </a:spcAft>
+              <a:buNone/>
+            </a:pPr>
+            <a:r>
+              <a:t/>
+            </a:r>
+            <a:endParaRPr/>
+          </a:p>
+        </p:txBody>
+      </p:sp>
+    </p:spTree>
+  </p:cSld>
+  <p:clrMapOvr>
+    <a:masterClrMapping/>
+  </p:clrMapOvr>
+</p:notes>
+</file>
+
+<file path=ppt/notesSlides/notesSlide25.xml><?xml version="1.0" encoding="utf-8"?>
+<p:notes xmlns:a="http://schemas.openxmlformats.org/drawingml/2006/main" xmlns:r="http://schemas.openxmlformats.org/officeDocument/2006/relationships" xmlns:mc="http://schemas.openxmlformats.org/markup-compatibility/2006" xmlns:mv="urn:schemas-microsoft-com:mac:vml" xmlns:p="http://schemas.openxmlformats.org/presentationml/2006/main" xmlns:c="http://schemas.openxmlformats.org/drawingml/2006/chart" xmlns:dgm="http://schemas.openxmlformats.org/drawingml/2006/diagram" xmlns:o="urn:schemas-microsoft-com:office:office" xmlns:v="urn:schemas-microsoft-com:vml" xmlns:pvml="urn:schemas-microsoft-com:office:powerpoint" xmlns:com="http://schemas.openxmlformats.org/drawingml/2006/compatibility" xmlns:p14="http://schemas.microsoft.com/office/powerpoint/2010/main" xmlns:p15="http://schemas.microsoft.com/office/powerpoint/2012/main" xmlns:ahyp="http://schemas.microsoft.com/office/drawing/2018/hyperlinkcolor" showMasterPhAnim="0" showMasterSp="0">
+  <p:cSld>
+    <p:spTree>
+      <p:nvGrpSpPr>
+        <p:cNvPr id="228" name="Shape 228"/>
+        <p:cNvGrpSpPr/>
+        <p:nvPr/>
+      </p:nvGrpSpPr>
+      <p:grpSpPr>
+        <a:xfrm>
+          <a:off x="0" y="0"/>
+          <a:ext cx="0" cy="0"/>
+          <a:chOff x="0" y="0"/>
+          <a:chExt cx="0" cy="0"/>
+        </a:xfrm>
+      </p:grpSpPr>
+      <p:sp>
+        <p:nvSpPr>
+          <p:cNvPr id="229" name="Google Shape;229;g8e6cd9d375_0_130:notes"/>
           <p:cNvSpPr/>
           <p:nvPr>
             <p:ph idx="2" type="sldImg"/>
@@ -2085,7 +2492,7 @@
       </p:sp>
       <p:sp>
         <p:nvSpPr>
-          <p:cNvPr id="209" name="Google Shape;209;g8e6cd9d375_0_130:notes"/>
+          <p:cNvPr id="230" name="Google Shape;230;g8e6cd9d375_0_130:notes"/>
           <p:cNvSpPr txBox="1"/>
           <p:nvPr>
             <p:ph idx="1" type="body"/>
@@ -2140,7 +2547,7 @@
 </file>
 
 <file path=ppt/notesSlides/notesSlide3.xml><?xml version="1.0" encoding="utf-8"?>
-<p:notes xmlns:a="http://schemas.openxmlformats.org/drawingml/2006/main" xmlns:r="http://schemas.openxmlformats.org/officeDocument/2006/relationships" xmlns:mc="http://schemas.openxmlformats.org/markup-compatibility/2006" xmlns:mv="urn:schemas-microsoft-com:mac:vml" xmlns:p="http://schemas.openxmlformats.org/presentationml/2006/main" xmlns:c="http://schemas.openxmlformats.org/drawingml/2006/chart" xmlns:dgm="http://schemas.openxmlformats.org/drawingml/2006/diagram" xmlns:o="urn:schemas-microsoft-com:office:office" xmlns:v="urn:schemas-microsoft-com:vml" xmlns:pvml="urn:schemas-microsoft-com:office:powerpoint" xmlns:com="http://schemas.openxmlformats.org/drawingml/2006/compatibility" xmlns:p14="http://schemas.microsoft.com/office/powerpoint/2010/main" xmlns:p15="http://schemas.microsoft.com/office/powerpoint/2012/main" showMasterPhAnim="0" showMasterSp="0">
+<p:notes xmlns:a="http://schemas.openxmlformats.org/drawingml/2006/main" xmlns:r="http://schemas.openxmlformats.org/officeDocument/2006/relationships" xmlns:mc="http://schemas.openxmlformats.org/markup-compatibility/2006" xmlns:mv="urn:schemas-microsoft-com:mac:vml" xmlns:p="http://schemas.openxmlformats.org/presentationml/2006/main" xmlns:c="http://schemas.openxmlformats.org/drawingml/2006/chart" xmlns:dgm="http://schemas.openxmlformats.org/drawingml/2006/diagram" xmlns:o="urn:schemas-microsoft-com:office:office" xmlns:v="urn:schemas-microsoft-com:vml" xmlns:pvml="urn:schemas-microsoft-com:office:powerpoint" xmlns:com="http://schemas.openxmlformats.org/drawingml/2006/compatibility" xmlns:p14="http://schemas.microsoft.com/office/powerpoint/2010/main" xmlns:p15="http://schemas.microsoft.com/office/powerpoint/2012/main" xmlns:ahyp="http://schemas.microsoft.com/office/drawing/2018/hyperlinkcolor" showMasterPhAnim="0" showMasterSp="0">
   <p:cSld>
     <p:spTree>
       <p:nvGrpSpPr>
@@ -2239,7 +2646,7 @@
 </file>
 
 <file path=ppt/notesSlides/notesSlide4.xml><?xml version="1.0" encoding="utf-8"?>
-<p:notes xmlns:a="http://schemas.openxmlformats.org/drawingml/2006/main" xmlns:r="http://schemas.openxmlformats.org/officeDocument/2006/relationships" xmlns:mc="http://schemas.openxmlformats.org/markup-compatibility/2006" xmlns:mv="urn:schemas-microsoft-com:mac:vml" xmlns:p="http://schemas.openxmlformats.org/presentationml/2006/main" xmlns:c="http://schemas.openxmlformats.org/drawingml/2006/chart" xmlns:dgm="http://schemas.openxmlformats.org/drawingml/2006/diagram" xmlns:o="urn:schemas-microsoft-com:office:office" xmlns:v="urn:schemas-microsoft-com:vml" xmlns:pvml="urn:schemas-microsoft-com:office:powerpoint" xmlns:com="http://schemas.openxmlformats.org/drawingml/2006/compatibility" xmlns:p14="http://schemas.microsoft.com/office/powerpoint/2010/main" xmlns:p15="http://schemas.microsoft.com/office/powerpoint/2012/main" showMasterPhAnim="0" showMasterSp="0">
+<p:notes xmlns:a="http://schemas.openxmlformats.org/drawingml/2006/main" xmlns:r="http://schemas.openxmlformats.org/officeDocument/2006/relationships" xmlns:mc="http://schemas.openxmlformats.org/markup-compatibility/2006" xmlns:mv="urn:schemas-microsoft-com:mac:vml" xmlns:p="http://schemas.openxmlformats.org/presentationml/2006/main" xmlns:c="http://schemas.openxmlformats.org/drawingml/2006/chart" xmlns:dgm="http://schemas.openxmlformats.org/drawingml/2006/diagram" xmlns:o="urn:schemas-microsoft-com:office:office" xmlns:v="urn:schemas-microsoft-com:vml" xmlns:pvml="urn:schemas-microsoft-com:office:powerpoint" xmlns:com="http://schemas.openxmlformats.org/drawingml/2006/compatibility" xmlns:p14="http://schemas.microsoft.com/office/powerpoint/2010/main" xmlns:p15="http://schemas.microsoft.com/office/powerpoint/2012/main" xmlns:ahyp="http://schemas.microsoft.com/office/drawing/2018/hyperlinkcolor" showMasterPhAnim="0" showMasterSp="0">
   <p:cSld>
     <p:spTree>
       <p:nvGrpSpPr>
@@ -2338,7 +2745,7 @@
 </file>
 
 <file path=ppt/notesSlides/notesSlide5.xml><?xml version="1.0" encoding="utf-8"?>
-<p:notes xmlns:a="http://schemas.openxmlformats.org/drawingml/2006/main" xmlns:r="http://schemas.openxmlformats.org/officeDocument/2006/relationships" xmlns:mc="http://schemas.openxmlformats.org/markup-compatibility/2006" xmlns:mv="urn:schemas-microsoft-com:mac:vml" xmlns:p="http://schemas.openxmlformats.org/presentationml/2006/main" xmlns:c="http://schemas.openxmlformats.org/drawingml/2006/chart" xmlns:dgm="http://schemas.openxmlformats.org/drawingml/2006/diagram" xmlns:o="urn:schemas-microsoft-com:office:office" xmlns:v="urn:schemas-microsoft-com:vml" xmlns:pvml="urn:schemas-microsoft-com:office:powerpoint" xmlns:com="http://schemas.openxmlformats.org/drawingml/2006/compatibility" xmlns:p14="http://schemas.microsoft.com/office/powerpoint/2010/main" xmlns:p15="http://schemas.microsoft.com/office/powerpoint/2012/main" showMasterPhAnim="0" showMasterSp="0">
+<p:notes xmlns:a="http://schemas.openxmlformats.org/drawingml/2006/main" xmlns:r="http://schemas.openxmlformats.org/officeDocument/2006/relationships" xmlns:mc="http://schemas.openxmlformats.org/markup-compatibility/2006" xmlns:mv="urn:schemas-microsoft-com:mac:vml" xmlns:p="http://schemas.openxmlformats.org/presentationml/2006/main" xmlns:c="http://schemas.openxmlformats.org/drawingml/2006/chart" xmlns:dgm="http://schemas.openxmlformats.org/drawingml/2006/diagram" xmlns:o="urn:schemas-microsoft-com:office:office" xmlns:v="urn:schemas-microsoft-com:vml" xmlns:pvml="urn:schemas-microsoft-com:office:powerpoint" xmlns:com="http://schemas.openxmlformats.org/drawingml/2006/compatibility" xmlns:p14="http://schemas.microsoft.com/office/powerpoint/2010/main" xmlns:p15="http://schemas.microsoft.com/office/powerpoint/2012/main" xmlns:ahyp="http://schemas.microsoft.com/office/drawing/2018/hyperlinkcolor" showMasterPhAnim="0" showMasterSp="0">
   <p:cSld>
     <p:spTree>
       <p:nvGrpSpPr>
@@ -2422,7 +2829,8 @@
               <a:buNone/>
             </a:pPr>
             <a:r>
-              <a:t/>
+              <a:rPr lang="en"/>
+              <a:t>Added if-else ladder example</a:t>
             </a:r>
             <a:endParaRPr/>
           </a:p>
@@ -2437,7 +2845,7 @@
 </file>
 
 <file path=ppt/notesSlides/notesSlide6.xml><?xml version="1.0" encoding="utf-8"?>
-<p:notes xmlns:a="http://schemas.openxmlformats.org/drawingml/2006/main" xmlns:r="http://schemas.openxmlformats.org/officeDocument/2006/relationships" xmlns:mc="http://schemas.openxmlformats.org/markup-compatibility/2006" xmlns:mv="urn:schemas-microsoft-com:mac:vml" xmlns:p="http://schemas.openxmlformats.org/presentationml/2006/main" xmlns:c="http://schemas.openxmlformats.org/drawingml/2006/chart" xmlns:dgm="http://schemas.openxmlformats.org/drawingml/2006/diagram" xmlns:o="urn:schemas-microsoft-com:office:office" xmlns:v="urn:schemas-microsoft-com:vml" xmlns:pvml="urn:schemas-microsoft-com:office:powerpoint" xmlns:com="http://schemas.openxmlformats.org/drawingml/2006/compatibility" xmlns:p14="http://schemas.microsoft.com/office/powerpoint/2010/main" xmlns:p15="http://schemas.microsoft.com/office/powerpoint/2012/main" showMasterPhAnim="0" showMasterSp="0">
+<p:notes xmlns:a="http://schemas.openxmlformats.org/drawingml/2006/main" xmlns:r="http://schemas.openxmlformats.org/officeDocument/2006/relationships" xmlns:mc="http://schemas.openxmlformats.org/markup-compatibility/2006" xmlns:mv="urn:schemas-microsoft-com:mac:vml" xmlns:p="http://schemas.openxmlformats.org/presentationml/2006/main" xmlns:c="http://schemas.openxmlformats.org/drawingml/2006/chart" xmlns:dgm="http://schemas.openxmlformats.org/drawingml/2006/diagram" xmlns:o="urn:schemas-microsoft-com:office:office" xmlns:v="urn:schemas-microsoft-com:vml" xmlns:pvml="urn:schemas-microsoft-com:office:powerpoint" xmlns:com="http://schemas.openxmlformats.org/drawingml/2006/compatibility" xmlns:p14="http://schemas.microsoft.com/office/powerpoint/2010/main" xmlns:p15="http://schemas.microsoft.com/office/powerpoint/2012/main" xmlns:ahyp="http://schemas.microsoft.com/office/drawing/2018/hyperlinkcolor" showMasterPhAnim="0" showMasterSp="0">
   <p:cSld>
     <p:spTree>
       <p:nvGrpSpPr>
@@ -2536,7 +2944,7 @@
 </file>
 
 <file path=ppt/notesSlides/notesSlide7.xml><?xml version="1.0" encoding="utf-8"?>
-<p:notes xmlns:a="http://schemas.openxmlformats.org/drawingml/2006/main" xmlns:r="http://schemas.openxmlformats.org/officeDocument/2006/relationships" xmlns:mc="http://schemas.openxmlformats.org/markup-compatibility/2006" xmlns:mv="urn:schemas-microsoft-com:mac:vml" xmlns:p="http://schemas.openxmlformats.org/presentationml/2006/main" xmlns:c="http://schemas.openxmlformats.org/drawingml/2006/chart" xmlns:dgm="http://schemas.openxmlformats.org/drawingml/2006/diagram" xmlns:o="urn:schemas-microsoft-com:office:office" xmlns:v="urn:schemas-microsoft-com:vml" xmlns:pvml="urn:schemas-microsoft-com:office:powerpoint" xmlns:com="http://schemas.openxmlformats.org/drawingml/2006/compatibility" xmlns:p14="http://schemas.microsoft.com/office/powerpoint/2010/main" xmlns:p15="http://schemas.microsoft.com/office/powerpoint/2012/main" showMasterPhAnim="0" showMasterSp="0">
+<p:notes xmlns:a="http://schemas.openxmlformats.org/drawingml/2006/main" xmlns:r="http://schemas.openxmlformats.org/officeDocument/2006/relationships" xmlns:mc="http://schemas.openxmlformats.org/markup-compatibility/2006" xmlns:mv="urn:schemas-microsoft-com:mac:vml" xmlns:p="http://schemas.openxmlformats.org/presentationml/2006/main" xmlns:c="http://schemas.openxmlformats.org/drawingml/2006/chart" xmlns:dgm="http://schemas.openxmlformats.org/drawingml/2006/diagram" xmlns:o="urn:schemas-microsoft-com:office:office" xmlns:v="urn:schemas-microsoft-com:vml" xmlns:pvml="urn:schemas-microsoft-com:office:powerpoint" xmlns:com="http://schemas.openxmlformats.org/drawingml/2006/compatibility" xmlns:p14="http://schemas.microsoft.com/office/powerpoint/2010/main" xmlns:p15="http://schemas.microsoft.com/office/powerpoint/2012/main" xmlns:ahyp="http://schemas.microsoft.com/office/drawing/2018/hyperlinkcolor" showMasterPhAnim="0" showMasterSp="0">
   <p:cSld>
     <p:spTree>
       <p:nvGrpSpPr>
@@ -2635,7 +3043,7 @@
 </file>
 
 <file path=ppt/notesSlides/notesSlide8.xml><?xml version="1.0" encoding="utf-8"?>
-<p:notes xmlns:a="http://schemas.openxmlformats.org/drawingml/2006/main" xmlns:r="http://schemas.openxmlformats.org/officeDocument/2006/relationships" xmlns:mc="http://schemas.openxmlformats.org/markup-compatibility/2006" xmlns:mv="urn:schemas-microsoft-com:mac:vml" xmlns:p="http://schemas.openxmlformats.org/presentationml/2006/main" xmlns:c="http://schemas.openxmlformats.org/drawingml/2006/chart" xmlns:dgm="http://schemas.openxmlformats.org/drawingml/2006/diagram" xmlns:o="urn:schemas-microsoft-com:office:office" xmlns:v="urn:schemas-microsoft-com:vml" xmlns:pvml="urn:schemas-microsoft-com:office:powerpoint" xmlns:com="http://schemas.openxmlformats.org/drawingml/2006/compatibility" xmlns:p14="http://schemas.microsoft.com/office/powerpoint/2010/main" xmlns:p15="http://schemas.microsoft.com/office/powerpoint/2012/main" showMasterPhAnim="0" showMasterSp="0">
+<p:notes xmlns:a="http://schemas.openxmlformats.org/drawingml/2006/main" xmlns:r="http://schemas.openxmlformats.org/officeDocument/2006/relationships" xmlns:mc="http://schemas.openxmlformats.org/markup-compatibility/2006" xmlns:mv="urn:schemas-microsoft-com:mac:vml" xmlns:p="http://schemas.openxmlformats.org/presentationml/2006/main" xmlns:c="http://schemas.openxmlformats.org/drawingml/2006/chart" xmlns:dgm="http://schemas.openxmlformats.org/drawingml/2006/diagram" xmlns:o="urn:schemas-microsoft-com:office:office" xmlns:v="urn:schemas-microsoft-com:vml" xmlns:pvml="urn:schemas-microsoft-com:office:powerpoint" xmlns:com="http://schemas.openxmlformats.org/drawingml/2006/compatibility" xmlns:p14="http://schemas.microsoft.com/office/powerpoint/2010/main" xmlns:p15="http://schemas.microsoft.com/office/powerpoint/2012/main" xmlns:ahyp="http://schemas.microsoft.com/office/drawing/2018/hyperlinkcolor" showMasterPhAnim="0" showMasterSp="0">
   <p:cSld>
     <p:spTree>
       <p:nvGrpSpPr>
@@ -2734,7 +3142,7 @@
 </file>
 
 <file path=ppt/notesSlides/notesSlide9.xml><?xml version="1.0" encoding="utf-8"?>
-<p:notes xmlns:a="http://schemas.openxmlformats.org/drawingml/2006/main" xmlns:r="http://schemas.openxmlformats.org/officeDocument/2006/relationships" xmlns:mc="http://schemas.openxmlformats.org/markup-compatibility/2006" xmlns:mv="urn:schemas-microsoft-com:mac:vml" xmlns:p="http://schemas.openxmlformats.org/presentationml/2006/main" xmlns:c="http://schemas.openxmlformats.org/drawingml/2006/chart" xmlns:dgm="http://schemas.openxmlformats.org/drawingml/2006/diagram" xmlns:o="urn:schemas-microsoft-com:office:office" xmlns:v="urn:schemas-microsoft-com:vml" xmlns:pvml="urn:schemas-microsoft-com:office:powerpoint" xmlns:com="http://schemas.openxmlformats.org/drawingml/2006/compatibility" xmlns:p14="http://schemas.microsoft.com/office/powerpoint/2010/main" xmlns:p15="http://schemas.microsoft.com/office/powerpoint/2012/main" showMasterPhAnim="0" showMasterSp="0">
+<p:notes xmlns:a="http://schemas.openxmlformats.org/drawingml/2006/main" xmlns:r="http://schemas.openxmlformats.org/officeDocument/2006/relationships" xmlns:mc="http://schemas.openxmlformats.org/markup-compatibility/2006" xmlns:mv="urn:schemas-microsoft-com:mac:vml" xmlns:p="http://schemas.openxmlformats.org/presentationml/2006/main" xmlns:c="http://schemas.openxmlformats.org/drawingml/2006/chart" xmlns:dgm="http://schemas.openxmlformats.org/drawingml/2006/diagram" xmlns:o="urn:schemas-microsoft-com:office:office" xmlns:v="urn:schemas-microsoft-com:vml" xmlns:pvml="urn:schemas-microsoft-com:office:powerpoint" xmlns:com="http://schemas.openxmlformats.org/drawingml/2006/compatibility" xmlns:p14="http://schemas.microsoft.com/office/powerpoint/2010/main" xmlns:p15="http://schemas.microsoft.com/office/powerpoint/2012/main" xmlns:ahyp="http://schemas.microsoft.com/office/drawing/2018/hyperlinkcolor" showMasterPhAnim="0" showMasterSp="0">
   <p:cSld>
     <p:spTree>
       <p:nvGrpSpPr>
@@ -2833,7 +3241,7 @@
 </file>
 
 <file path=ppt/slideLayouts/slideLayout1.xml><?xml version="1.0" encoding="utf-8"?>
-<p:sldLayout xmlns:a="http://schemas.openxmlformats.org/drawingml/2006/main" xmlns:r="http://schemas.openxmlformats.org/officeDocument/2006/relationships" xmlns:mc="http://schemas.openxmlformats.org/markup-compatibility/2006" xmlns:mv="urn:schemas-microsoft-com:mac:vml" xmlns:p="http://schemas.openxmlformats.org/presentationml/2006/main" xmlns:c="http://schemas.openxmlformats.org/drawingml/2006/chart" xmlns:dgm="http://schemas.openxmlformats.org/drawingml/2006/diagram" xmlns:o="urn:schemas-microsoft-com:office:office" xmlns:v="urn:schemas-microsoft-com:vml" xmlns:pvml="urn:schemas-microsoft-com:office:powerpoint" xmlns:com="http://schemas.openxmlformats.org/drawingml/2006/compatibility" xmlns:p14="http://schemas.microsoft.com/office/powerpoint/2010/main" xmlns:p15="http://schemas.microsoft.com/office/powerpoint/2012/main" matchingName="Title slide" type="title">
+<p:sldLayout xmlns:a="http://schemas.openxmlformats.org/drawingml/2006/main" xmlns:r="http://schemas.openxmlformats.org/officeDocument/2006/relationships" xmlns:mc="http://schemas.openxmlformats.org/markup-compatibility/2006" xmlns:mv="urn:schemas-microsoft-com:mac:vml" xmlns:p="http://schemas.openxmlformats.org/presentationml/2006/main" xmlns:c="http://schemas.openxmlformats.org/drawingml/2006/chart" xmlns:dgm="http://schemas.openxmlformats.org/drawingml/2006/diagram" xmlns:o="urn:schemas-microsoft-com:office:office" xmlns:v="urn:schemas-microsoft-com:vml" xmlns:pvml="urn:schemas-microsoft-com:office:powerpoint" xmlns:com="http://schemas.openxmlformats.org/drawingml/2006/compatibility" xmlns:p14="http://schemas.microsoft.com/office/powerpoint/2010/main" xmlns:p15="http://schemas.microsoft.com/office/powerpoint/2012/main" xmlns:ahyp="http://schemas.microsoft.com/office/drawing/2018/hyperlinkcolor" matchingName="Title slide" type="title">
   <p:cSld name="TITLE">
     <p:spTree>
       <p:nvGrpSpPr>
@@ -3212,7 +3620,7 @@
 </file>
 
 <file path=ppt/slideLayouts/slideLayout10.xml><?xml version="1.0" encoding="utf-8"?>
-<p:sldLayout xmlns:a="http://schemas.openxmlformats.org/drawingml/2006/main" xmlns:r="http://schemas.openxmlformats.org/officeDocument/2006/relationships" xmlns:mc="http://schemas.openxmlformats.org/markup-compatibility/2006" xmlns:mv="urn:schemas-microsoft-com:mac:vml" xmlns:p="http://schemas.openxmlformats.org/presentationml/2006/main" xmlns:c="http://schemas.openxmlformats.org/drawingml/2006/chart" xmlns:dgm="http://schemas.openxmlformats.org/drawingml/2006/diagram" xmlns:o="urn:schemas-microsoft-com:office:office" xmlns:v="urn:schemas-microsoft-com:vml" xmlns:pvml="urn:schemas-microsoft-com:office:powerpoint" xmlns:com="http://schemas.openxmlformats.org/drawingml/2006/compatibility" xmlns:p14="http://schemas.microsoft.com/office/powerpoint/2010/main" xmlns:p15="http://schemas.microsoft.com/office/powerpoint/2012/main" matchingName="Big number">
+<p:sldLayout xmlns:a="http://schemas.openxmlformats.org/drawingml/2006/main" xmlns:r="http://schemas.openxmlformats.org/officeDocument/2006/relationships" xmlns:mc="http://schemas.openxmlformats.org/markup-compatibility/2006" xmlns:mv="urn:schemas-microsoft-com:mac:vml" xmlns:p="http://schemas.openxmlformats.org/presentationml/2006/main" xmlns:c="http://schemas.openxmlformats.org/drawingml/2006/chart" xmlns:dgm="http://schemas.openxmlformats.org/drawingml/2006/diagram" xmlns:o="urn:schemas-microsoft-com:office:office" xmlns:v="urn:schemas-microsoft-com:vml" xmlns:pvml="urn:schemas-microsoft-com:office:powerpoint" xmlns:com="http://schemas.openxmlformats.org/drawingml/2006/compatibility" xmlns:p14="http://schemas.microsoft.com/office/powerpoint/2010/main" xmlns:p15="http://schemas.microsoft.com/office/powerpoint/2012/main" xmlns:ahyp="http://schemas.microsoft.com/office/drawing/2018/hyperlinkcolor" matchingName="Big number">
   <p:cSld name="BIG_NUMBER">
     <p:spTree>
       <p:nvGrpSpPr>
@@ -3568,7 +3976,7 @@
 </file>
 
 <file path=ppt/slideLayouts/slideLayout11.xml><?xml version="1.0" encoding="utf-8"?>
-<p:sldLayout xmlns:a="http://schemas.openxmlformats.org/drawingml/2006/main" xmlns:r="http://schemas.openxmlformats.org/officeDocument/2006/relationships" xmlns:mc="http://schemas.openxmlformats.org/markup-compatibility/2006" xmlns:mv="urn:schemas-microsoft-com:mac:vml" xmlns:p="http://schemas.openxmlformats.org/presentationml/2006/main" xmlns:c="http://schemas.openxmlformats.org/drawingml/2006/chart" xmlns:dgm="http://schemas.openxmlformats.org/drawingml/2006/diagram" xmlns:o="urn:schemas-microsoft-com:office:office" xmlns:v="urn:schemas-microsoft-com:vml" xmlns:pvml="urn:schemas-microsoft-com:office:powerpoint" xmlns:com="http://schemas.openxmlformats.org/drawingml/2006/compatibility" xmlns:p14="http://schemas.microsoft.com/office/powerpoint/2010/main" xmlns:p15="http://schemas.microsoft.com/office/powerpoint/2012/main" matchingName="Blank" type="blank">
+<p:sldLayout xmlns:a="http://schemas.openxmlformats.org/drawingml/2006/main" xmlns:r="http://schemas.openxmlformats.org/officeDocument/2006/relationships" xmlns:mc="http://schemas.openxmlformats.org/markup-compatibility/2006" xmlns:mv="urn:schemas-microsoft-com:mac:vml" xmlns:p="http://schemas.openxmlformats.org/presentationml/2006/main" xmlns:c="http://schemas.openxmlformats.org/drawingml/2006/chart" xmlns:dgm="http://schemas.openxmlformats.org/drawingml/2006/diagram" xmlns:o="urn:schemas-microsoft-com:office:office" xmlns:v="urn:schemas-microsoft-com:vml" xmlns:pvml="urn:schemas-microsoft-com:office:powerpoint" xmlns:com="http://schemas.openxmlformats.org/drawingml/2006/compatibility" xmlns:p14="http://schemas.microsoft.com/office/powerpoint/2010/main" xmlns:p15="http://schemas.microsoft.com/office/powerpoint/2012/main" xmlns:ahyp="http://schemas.microsoft.com/office/drawing/2018/hyperlinkcolor" matchingName="Blank" type="blank">
   <p:cSld name="BLANK">
     <p:spTree>
       <p:nvGrpSpPr>
@@ -3670,7 +4078,7 @@
 </file>
 
 <file path=ppt/slideLayouts/slideLayout12.xml><?xml version="1.0" encoding="utf-8"?>
-<p:sldLayout xmlns:a="http://schemas.openxmlformats.org/drawingml/2006/main" xmlns:r="http://schemas.openxmlformats.org/officeDocument/2006/relationships" xmlns:mc="http://schemas.openxmlformats.org/markup-compatibility/2006" xmlns:mv="urn:schemas-microsoft-com:mac:vml" xmlns:p="http://schemas.openxmlformats.org/presentationml/2006/main" xmlns:c="http://schemas.openxmlformats.org/drawingml/2006/chart" xmlns:dgm="http://schemas.openxmlformats.org/drawingml/2006/diagram" xmlns:o="urn:schemas-microsoft-com:office:office" xmlns:v="urn:schemas-microsoft-com:vml" xmlns:pvml="urn:schemas-microsoft-com:office:powerpoint" xmlns:com="http://schemas.openxmlformats.org/drawingml/2006/compatibility" xmlns:p14="http://schemas.microsoft.com/office/powerpoint/2010/main" xmlns:p15="http://schemas.microsoft.com/office/powerpoint/2012/main" matchingName="Section Title 3" showMasterSp="0">
+<p:sldLayout xmlns:a="http://schemas.openxmlformats.org/drawingml/2006/main" xmlns:r="http://schemas.openxmlformats.org/officeDocument/2006/relationships" xmlns:mc="http://schemas.openxmlformats.org/markup-compatibility/2006" xmlns:mv="urn:schemas-microsoft-com:mac:vml" xmlns:p="http://schemas.openxmlformats.org/presentationml/2006/main" xmlns:c="http://schemas.openxmlformats.org/drawingml/2006/chart" xmlns:dgm="http://schemas.openxmlformats.org/drawingml/2006/diagram" xmlns:o="urn:schemas-microsoft-com:office:office" xmlns:v="urn:schemas-microsoft-com:vml" xmlns:pvml="urn:schemas-microsoft-com:office:powerpoint" xmlns:com="http://schemas.openxmlformats.org/drawingml/2006/compatibility" xmlns:p14="http://schemas.microsoft.com/office/powerpoint/2010/main" xmlns:p15="http://schemas.microsoft.com/office/powerpoint/2012/main" xmlns:ahyp="http://schemas.microsoft.com/office/drawing/2018/hyperlinkcolor" matchingName="Section Title 3" showMasterSp="0">
   <p:cSld name="Section Title 3">
     <p:bg>
       <p:bgPr>
@@ -6523,7 +6931,7 @@
 </file>
 
 <file path=ppt/slideLayouts/slideLayout2.xml><?xml version="1.0" encoding="utf-8"?>
-<p:sldLayout xmlns:a="http://schemas.openxmlformats.org/drawingml/2006/main" xmlns:r="http://schemas.openxmlformats.org/officeDocument/2006/relationships" xmlns:mc="http://schemas.openxmlformats.org/markup-compatibility/2006" xmlns:mv="urn:schemas-microsoft-com:mac:vml" xmlns:p="http://schemas.openxmlformats.org/presentationml/2006/main" xmlns:c="http://schemas.openxmlformats.org/drawingml/2006/chart" xmlns:dgm="http://schemas.openxmlformats.org/drawingml/2006/diagram" xmlns:o="urn:schemas-microsoft-com:office:office" xmlns:v="urn:schemas-microsoft-com:vml" xmlns:pvml="urn:schemas-microsoft-com:office:powerpoint" xmlns:com="http://schemas.openxmlformats.org/drawingml/2006/compatibility" xmlns:p14="http://schemas.microsoft.com/office/powerpoint/2010/main" xmlns:p15="http://schemas.microsoft.com/office/powerpoint/2012/main" matchingName="Section header" type="secHead">
+<p:sldLayout xmlns:a="http://schemas.openxmlformats.org/drawingml/2006/main" xmlns:r="http://schemas.openxmlformats.org/officeDocument/2006/relationships" xmlns:mc="http://schemas.openxmlformats.org/markup-compatibility/2006" xmlns:mv="urn:schemas-microsoft-com:mac:vml" xmlns:p="http://schemas.openxmlformats.org/presentationml/2006/main" xmlns:c="http://schemas.openxmlformats.org/drawingml/2006/chart" xmlns:dgm="http://schemas.openxmlformats.org/drawingml/2006/diagram" xmlns:o="urn:schemas-microsoft-com:office:office" xmlns:v="urn:schemas-microsoft-com:vml" xmlns:pvml="urn:schemas-microsoft-com:office:powerpoint" xmlns:com="http://schemas.openxmlformats.org/drawingml/2006/compatibility" xmlns:p14="http://schemas.microsoft.com/office/powerpoint/2010/main" xmlns:p15="http://schemas.microsoft.com/office/powerpoint/2012/main" xmlns:ahyp="http://schemas.microsoft.com/office/drawing/2018/hyperlinkcolor" matchingName="Section header" type="secHead">
   <p:cSld name="SECTION_HEADER">
     <p:spTree>
       <p:nvGrpSpPr>
@@ -6750,7 +7158,7 @@
 </file>
 
 <file path=ppt/slideLayouts/slideLayout3.xml><?xml version="1.0" encoding="utf-8"?>
-<p:sldLayout xmlns:a="http://schemas.openxmlformats.org/drawingml/2006/main" xmlns:r="http://schemas.openxmlformats.org/officeDocument/2006/relationships" xmlns:mc="http://schemas.openxmlformats.org/markup-compatibility/2006" xmlns:mv="urn:schemas-microsoft-com:mac:vml" xmlns:p="http://schemas.openxmlformats.org/presentationml/2006/main" xmlns:c="http://schemas.openxmlformats.org/drawingml/2006/chart" xmlns:dgm="http://schemas.openxmlformats.org/drawingml/2006/diagram" xmlns:o="urn:schemas-microsoft-com:office:office" xmlns:v="urn:schemas-microsoft-com:vml" xmlns:pvml="urn:schemas-microsoft-com:office:powerpoint" xmlns:com="http://schemas.openxmlformats.org/drawingml/2006/compatibility" xmlns:p14="http://schemas.microsoft.com/office/powerpoint/2010/main" xmlns:p15="http://schemas.microsoft.com/office/powerpoint/2012/main" matchingName="Title and body" type="tx">
+<p:sldLayout xmlns:a="http://schemas.openxmlformats.org/drawingml/2006/main" xmlns:r="http://schemas.openxmlformats.org/officeDocument/2006/relationships" xmlns:mc="http://schemas.openxmlformats.org/markup-compatibility/2006" xmlns:mv="urn:schemas-microsoft-com:mac:vml" xmlns:p="http://schemas.openxmlformats.org/presentationml/2006/main" xmlns:c="http://schemas.openxmlformats.org/drawingml/2006/chart" xmlns:dgm="http://schemas.openxmlformats.org/drawingml/2006/diagram" xmlns:o="urn:schemas-microsoft-com:office:office" xmlns:v="urn:schemas-microsoft-com:vml" xmlns:pvml="urn:schemas-microsoft-com:office:powerpoint" xmlns:com="http://schemas.openxmlformats.org/drawingml/2006/compatibility" xmlns:p14="http://schemas.microsoft.com/office/powerpoint/2010/main" xmlns:p15="http://schemas.microsoft.com/office/powerpoint/2012/main" xmlns:ahyp="http://schemas.microsoft.com/office/drawing/2018/hyperlinkcolor" matchingName="Title and body" type="tx">
   <p:cSld name="TITLE_AND_BODY">
     <p:spTree>
       <p:nvGrpSpPr>
@@ -7102,7 +7510,7 @@
 </file>
 
 <file path=ppt/slideLayouts/slideLayout4.xml><?xml version="1.0" encoding="utf-8"?>
-<p:sldLayout xmlns:a="http://schemas.openxmlformats.org/drawingml/2006/main" xmlns:r="http://schemas.openxmlformats.org/officeDocument/2006/relationships" xmlns:mc="http://schemas.openxmlformats.org/markup-compatibility/2006" xmlns:mv="urn:schemas-microsoft-com:mac:vml" xmlns:p="http://schemas.openxmlformats.org/presentationml/2006/main" xmlns:c="http://schemas.openxmlformats.org/drawingml/2006/chart" xmlns:dgm="http://schemas.openxmlformats.org/drawingml/2006/diagram" xmlns:o="urn:schemas-microsoft-com:office:office" xmlns:v="urn:schemas-microsoft-com:vml" xmlns:pvml="urn:schemas-microsoft-com:office:powerpoint" xmlns:com="http://schemas.openxmlformats.org/drawingml/2006/compatibility" xmlns:p14="http://schemas.microsoft.com/office/powerpoint/2010/main" xmlns:p15="http://schemas.microsoft.com/office/powerpoint/2012/main" matchingName="Title and two columns" type="twoColTx">
+<p:sldLayout xmlns:a="http://schemas.openxmlformats.org/drawingml/2006/main" xmlns:r="http://schemas.openxmlformats.org/officeDocument/2006/relationships" xmlns:mc="http://schemas.openxmlformats.org/markup-compatibility/2006" xmlns:mv="urn:schemas-microsoft-com:mac:vml" xmlns:p="http://schemas.openxmlformats.org/presentationml/2006/main" xmlns:c="http://schemas.openxmlformats.org/drawingml/2006/chart" xmlns:dgm="http://schemas.openxmlformats.org/drawingml/2006/diagram" xmlns:o="urn:schemas-microsoft-com:office:office" xmlns:v="urn:schemas-microsoft-com:vml" xmlns:pvml="urn:schemas-microsoft-com:office:powerpoint" xmlns:com="http://schemas.openxmlformats.org/drawingml/2006/compatibility" xmlns:p14="http://schemas.microsoft.com/office/powerpoint/2010/main" xmlns:p15="http://schemas.microsoft.com/office/powerpoint/2012/main" xmlns:ahyp="http://schemas.microsoft.com/office/drawing/2018/hyperlinkcolor" matchingName="Title and two columns" type="twoColTx">
   <p:cSld name="TITLE_AND_TWO_COLUMNS">
     <p:spTree>
       <p:nvGrpSpPr>
@@ -7579,7 +7987,7 @@
 </file>
 
 <file path=ppt/slideLayouts/slideLayout5.xml><?xml version="1.0" encoding="utf-8"?>
-<p:sldLayout xmlns:a="http://schemas.openxmlformats.org/drawingml/2006/main" xmlns:r="http://schemas.openxmlformats.org/officeDocument/2006/relationships" xmlns:mc="http://schemas.openxmlformats.org/markup-compatibility/2006" xmlns:mv="urn:schemas-microsoft-com:mac:vml" xmlns:p="http://schemas.openxmlformats.org/presentationml/2006/main" xmlns:c="http://schemas.openxmlformats.org/drawingml/2006/chart" xmlns:dgm="http://schemas.openxmlformats.org/drawingml/2006/diagram" xmlns:o="urn:schemas-microsoft-com:office:office" xmlns:v="urn:schemas-microsoft-com:vml" xmlns:pvml="urn:schemas-microsoft-com:office:powerpoint" xmlns:com="http://schemas.openxmlformats.org/drawingml/2006/compatibility" xmlns:p14="http://schemas.microsoft.com/office/powerpoint/2010/main" xmlns:p15="http://schemas.microsoft.com/office/powerpoint/2012/main" matchingName="Title only" type="titleOnly">
+<p:sldLayout xmlns:a="http://schemas.openxmlformats.org/drawingml/2006/main" xmlns:r="http://schemas.openxmlformats.org/officeDocument/2006/relationships" xmlns:mc="http://schemas.openxmlformats.org/markup-compatibility/2006" xmlns:mv="urn:schemas-microsoft-com:mac:vml" xmlns:p="http://schemas.openxmlformats.org/presentationml/2006/main" xmlns:c="http://schemas.openxmlformats.org/drawingml/2006/chart" xmlns:dgm="http://schemas.openxmlformats.org/drawingml/2006/diagram" xmlns:o="urn:schemas-microsoft-com:office:office" xmlns:v="urn:schemas-microsoft-com:vml" xmlns:pvml="urn:schemas-microsoft-com:office:powerpoint" xmlns:com="http://schemas.openxmlformats.org/drawingml/2006/compatibility" xmlns:p14="http://schemas.microsoft.com/office/powerpoint/2010/main" xmlns:p15="http://schemas.microsoft.com/office/powerpoint/2012/main" xmlns:ahyp="http://schemas.microsoft.com/office/drawing/2018/hyperlinkcolor" matchingName="Title only" type="titleOnly">
   <p:cSld name="TITLE_ONLY">
     <p:spTree>
       <p:nvGrpSpPr>
@@ -7806,7 +8214,7 @@
 </file>
 
 <file path=ppt/slideLayouts/slideLayout6.xml><?xml version="1.0" encoding="utf-8"?>
-<p:sldLayout xmlns:a="http://schemas.openxmlformats.org/drawingml/2006/main" xmlns:r="http://schemas.openxmlformats.org/officeDocument/2006/relationships" xmlns:mc="http://schemas.openxmlformats.org/markup-compatibility/2006" xmlns:mv="urn:schemas-microsoft-com:mac:vml" xmlns:p="http://schemas.openxmlformats.org/presentationml/2006/main" xmlns:c="http://schemas.openxmlformats.org/drawingml/2006/chart" xmlns:dgm="http://schemas.openxmlformats.org/drawingml/2006/diagram" xmlns:o="urn:schemas-microsoft-com:office:office" xmlns:v="urn:schemas-microsoft-com:vml" xmlns:pvml="urn:schemas-microsoft-com:office:powerpoint" xmlns:com="http://schemas.openxmlformats.org/drawingml/2006/compatibility" xmlns:p14="http://schemas.microsoft.com/office/powerpoint/2010/main" xmlns:p15="http://schemas.microsoft.com/office/powerpoint/2012/main" matchingName="One column text">
+<p:sldLayout xmlns:a="http://schemas.openxmlformats.org/drawingml/2006/main" xmlns:r="http://schemas.openxmlformats.org/officeDocument/2006/relationships" xmlns:mc="http://schemas.openxmlformats.org/markup-compatibility/2006" xmlns:mv="urn:schemas-microsoft-com:mac:vml" xmlns:p="http://schemas.openxmlformats.org/presentationml/2006/main" xmlns:c="http://schemas.openxmlformats.org/drawingml/2006/chart" xmlns:dgm="http://schemas.openxmlformats.org/drawingml/2006/diagram" xmlns:o="urn:schemas-microsoft-com:office:office" xmlns:v="urn:schemas-microsoft-com:vml" xmlns:pvml="urn:schemas-microsoft-com:office:powerpoint" xmlns:com="http://schemas.openxmlformats.org/drawingml/2006/compatibility" xmlns:p14="http://schemas.microsoft.com/office/powerpoint/2010/main" xmlns:p15="http://schemas.microsoft.com/office/powerpoint/2012/main" xmlns:ahyp="http://schemas.microsoft.com/office/drawing/2018/hyperlinkcolor" matchingName="One column text">
   <p:cSld name="ONE_COLUMN_TEXT">
     <p:spTree>
       <p:nvGrpSpPr>
@@ -8158,7 +8566,7 @@
 </file>
 
 <file path=ppt/slideLayouts/slideLayout7.xml><?xml version="1.0" encoding="utf-8"?>
-<p:sldLayout xmlns:a="http://schemas.openxmlformats.org/drawingml/2006/main" xmlns:r="http://schemas.openxmlformats.org/officeDocument/2006/relationships" xmlns:mc="http://schemas.openxmlformats.org/markup-compatibility/2006" xmlns:mv="urn:schemas-microsoft-com:mac:vml" xmlns:p="http://schemas.openxmlformats.org/presentationml/2006/main" xmlns:c="http://schemas.openxmlformats.org/drawingml/2006/chart" xmlns:dgm="http://schemas.openxmlformats.org/drawingml/2006/diagram" xmlns:o="urn:schemas-microsoft-com:office:office" xmlns:v="urn:schemas-microsoft-com:vml" xmlns:pvml="urn:schemas-microsoft-com:office:powerpoint" xmlns:com="http://schemas.openxmlformats.org/drawingml/2006/compatibility" xmlns:p14="http://schemas.microsoft.com/office/powerpoint/2010/main" xmlns:p15="http://schemas.microsoft.com/office/powerpoint/2012/main" matchingName="Main point">
+<p:sldLayout xmlns:a="http://schemas.openxmlformats.org/drawingml/2006/main" xmlns:r="http://schemas.openxmlformats.org/officeDocument/2006/relationships" xmlns:mc="http://schemas.openxmlformats.org/markup-compatibility/2006" xmlns:mv="urn:schemas-microsoft-com:mac:vml" xmlns:p="http://schemas.openxmlformats.org/presentationml/2006/main" xmlns:c="http://schemas.openxmlformats.org/drawingml/2006/chart" xmlns:dgm="http://schemas.openxmlformats.org/drawingml/2006/diagram" xmlns:o="urn:schemas-microsoft-com:office:office" xmlns:v="urn:schemas-microsoft-com:vml" xmlns:pvml="urn:schemas-microsoft-com:office:powerpoint" xmlns:com="http://schemas.openxmlformats.org/drawingml/2006/compatibility" xmlns:p14="http://schemas.microsoft.com/office/powerpoint/2010/main" xmlns:p15="http://schemas.microsoft.com/office/powerpoint/2012/main" xmlns:ahyp="http://schemas.microsoft.com/office/drawing/2018/hyperlinkcolor" matchingName="Main point">
   <p:cSld name="MAIN_POINT">
     <p:spTree>
       <p:nvGrpSpPr>
@@ -8385,7 +8793,7 @@
 </file>
 
 <file path=ppt/slideLayouts/slideLayout8.xml><?xml version="1.0" encoding="utf-8"?>
-<p:sldLayout xmlns:a="http://schemas.openxmlformats.org/drawingml/2006/main" xmlns:r="http://schemas.openxmlformats.org/officeDocument/2006/relationships" xmlns:mc="http://schemas.openxmlformats.org/markup-compatibility/2006" xmlns:mv="urn:schemas-microsoft-com:mac:vml" xmlns:p="http://schemas.openxmlformats.org/presentationml/2006/main" xmlns:c="http://schemas.openxmlformats.org/drawingml/2006/chart" xmlns:dgm="http://schemas.openxmlformats.org/drawingml/2006/diagram" xmlns:o="urn:schemas-microsoft-com:office:office" xmlns:v="urn:schemas-microsoft-com:vml" xmlns:pvml="urn:schemas-microsoft-com:office:powerpoint" xmlns:com="http://schemas.openxmlformats.org/drawingml/2006/compatibility" xmlns:p14="http://schemas.microsoft.com/office/powerpoint/2010/main" xmlns:p15="http://schemas.microsoft.com/office/powerpoint/2012/main" matchingName="Section title and description">
+<p:sldLayout xmlns:a="http://schemas.openxmlformats.org/drawingml/2006/main" xmlns:r="http://schemas.openxmlformats.org/officeDocument/2006/relationships" xmlns:mc="http://schemas.openxmlformats.org/markup-compatibility/2006" xmlns:mv="urn:schemas-microsoft-com:mac:vml" xmlns:p="http://schemas.openxmlformats.org/presentationml/2006/main" xmlns:c="http://schemas.openxmlformats.org/drawingml/2006/chart" xmlns:dgm="http://schemas.openxmlformats.org/drawingml/2006/diagram" xmlns:o="urn:schemas-microsoft-com:office:office" xmlns:v="urn:schemas-microsoft-com:vml" xmlns:pvml="urn:schemas-microsoft-com:office:powerpoint" xmlns:com="http://schemas.openxmlformats.org/drawingml/2006/compatibility" xmlns:p14="http://schemas.microsoft.com/office/powerpoint/2010/main" xmlns:p15="http://schemas.microsoft.com/office/powerpoint/2012/main" xmlns:ahyp="http://schemas.microsoft.com/office/drawing/2018/hyperlinkcolor" matchingName="Section title and description">
   <p:cSld name="SECTION_TITLE_AND_DESCRIPTION">
     <p:spTree>
       <p:nvGrpSpPr>
@@ -8932,7 +9340,7 @@
 </file>
 
 <file path=ppt/slideLayouts/slideLayout9.xml><?xml version="1.0" encoding="utf-8"?>
-<p:sldLayout xmlns:a="http://schemas.openxmlformats.org/drawingml/2006/main" xmlns:r="http://schemas.openxmlformats.org/officeDocument/2006/relationships" xmlns:mc="http://schemas.openxmlformats.org/markup-compatibility/2006" xmlns:mv="urn:schemas-microsoft-com:mac:vml" xmlns:p="http://schemas.openxmlformats.org/presentationml/2006/main" xmlns:c="http://schemas.openxmlformats.org/drawingml/2006/chart" xmlns:dgm="http://schemas.openxmlformats.org/drawingml/2006/diagram" xmlns:o="urn:schemas-microsoft-com:office:office" xmlns:v="urn:schemas-microsoft-com:vml" xmlns:pvml="urn:schemas-microsoft-com:office:powerpoint" xmlns:com="http://schemas.openxmlformats.org/drawingml/2006/compatibility" xmlns:p14="http://schemas.microsoft.com/office/powerpoint/2010/main" xmlns:p15="http://schemas.microsoft.com/office/powerpoint/2012/main" matchingName="Caption">
+<p:sldLayout xmlns:a="http://schemas.openxmlformats.org/drawingml/2006/main" xmlns:r="http://schemas.openxmlformats.org/officeDocument/2006/relationships" xmlns:mc="http://schemas.openxmlformats.org/markup-compatibility/2006" xmlns:mv="urn:schemas-microsoft-com:mac:vml" xmlns:p="http://schemas.openxmlformats.org/presentationml/2006/main" xmlns:c="http://schemas.openxmlformats.org/drawingml/2006/chart" xmlns:dgm="http://schemas.openxmlformats.org/drawingml/2006/diagram" xmlns:o="urn:schemas-microsoft-com:office:office" xmlns:v="urn:schemas-microsoft-com:vml" xmlns:pvml="urn:schemas-microsoft-com:office:powerpoint" xmlns:com="http://schemas.openxmlformats.org/drawingml/2006/compatibility" xmlns:p14="http://schemas.microsoft.com/office/powerpoint/2010/main" xmlns:p15="http://schemas.microsoft.com/office/powerpoint/2012/main" xmlns:ahyp="http://schemas.microsoft.com/office/drawing/2018/hyperlinkcolor" matchingName="Caption">
   <p:cSld name="CAPTION_ONLY">
     <p:spTree>
       <p:nvGrpSpPr>
@@ -9074,7 +9482,7 @@
 </file>
 
 <file path=ppt/slideMasters/slideMaster1.xml><?xml version="1.0" encoding="utf-8"?>
-<p:sldMaster xmlns:a="http://schemas.openxmlformats.org/drawingml/2006/main" xmlns:r="http://schemas.openxmlformats.org/officeDocument/2006/relationships" xmlns:mc="http://schemas.openxmlformats.org/markup-compatibility/2006" xmlns:mv="urn:schemas-microsoft-com:mac:vml" xmlns:p="http://schemas.openxmlformats.org/presentationml/2006/main" xmlns:c="http://schemas.openxmlformats.org/drawingml/2006/chart" xmlns:dgm="http://schemas.openxmlformats.org/drawingml/2006/diagram" xmlns:o="urn:schemas-microsoft-com:office:office" xmlns:v="urn:schemas-microsoft-com:vml" xmlns:pvml="urn:schemas-microsoft-com:office:powerpoint" xmlns:com="http://schemas.openxmlformats.org/drawingml/2006/compatibility" xmlns:p14="http://schemas.microsoft.com/office/powerpoint/2010/main" xmlns:p15="http://schemas.microsoft.com/office/powerpoint/2012/main">
+<p:sldMaster xmlns:a="http://schemas.openxmlformats.org/drawingml/2006/main" xmlns:r="http://schemas.openxmlformats.org/officeDocument/2006/relationships" xmlns:mc="http://schemas.openxmlformats.org/markup-compatibility/2006" xmlns:mv="urn:schemas-microsoft-com:mac:vml" xmlns:p="http://schemas.openxmlformats.org/presentationml/2006/main" xmlns:c="http://schemas.openxmlformats.org/drawingml/2006/chart" xmlns:dgm="http://schemas.openxmlformats.org/drawingml/2006/diagram" xmlns:o="urn:schemas-microsoft-com:office:office" xmlns:v="urn:schemas-microsoft-com:vml" xmlns:pvml="urn:schemas-microsoft-com:office:powerpoint" xmlns:com="http://schemas.openxmlformats.org/drawingml/2006/compatibility" xmlns:p14="http://schemas.microsoft.com/office/powerpoint/2010/main" xmlns:p15="http://schemas.microsoft.com/office/powerpoint/2012/main" xmlns:ahyp="http://schemas.microsoft.com/office/drawing/2018/hyperlinkcolor">
   <p:cSld name="simple-light-2">
     <p:bg>
       <p:bgPr>
@@ -10336,7 +10744,7 @@
 </file>
 
 <file path=ppt/slides/slide1.xml><?xml version="1.0" encoding="utf-8"?>
-<p:sld xmlns:a="http://schemas.openxmlformats.org/drawingml/2006/main" xmlns:r="http://schemas.openxmlformats.org/officeDocument/2006/relationships" xmlns:mc="http://schemas.openxmlformats.org/markup-compatibility/2006" xmlns:mv="urn:schemas-microsoft-com:mac:vml" xmlns:p="http://schemas.openxmlformats.org/presentationml/2006/main" xmlns:c="http://schemas.openxmlformats.org/drawingml/2006/chart" xmlns:dgm="http://schemas.openxmlformats.org/drawingml/2006/diagram" xmlns:o="urn:schemas-microsoft-com:office:office" xmlns:v="urn:schemas-microsoft-com:vml" xmlns:pvml="urn:schemas-microsoft-com:office:powerpoint" xmlns:com="http://schemas.openxmlformats.org/drawingml/2006/compatibility" xmlns:p14="http://schemas.microsoft.com/office/powerpoint/2010/main" xmlns:p15="http://schemas.microsoft.com/office/powerpoint/2012/main">
+<p:sld xmlns:a="http://schemas.openxmlformats.org/drawingml/2006/main" xmlns:r="http://schemas.openxmlformats.org/officeDocument/2006/relationships" xmlns:mc="http://schemas.openxmlformats.org/markup-compatibility/2006" xmlns:mv="urn:schemas-microsoft-com:mac:vml" xmlns:p="http://schemas.openxmlformats.org/presentationml/2006/main" xmlns:c="http://schemas.openxmlformats.org/drawingml/2006/chart" xmlns:dgm="http://schemas.openxmlformats.org/drawingml/2006/diagram" xmlns:o="urn:schemas-microsoft-com:office:office" xmlns:v="urn:schemas-microsoft-com:vml" xmlns:pvml="urn:schemas-microsoft-com:office:powerpoint" xmlns:com="http://schemas.openxmlformats.org/drawingml/2006/compatibility" xmlns:p14="http://schemas.microsoft.com/office/powerpoint/2010/main" xmlns:p15="http://schemas.microsoft.com/office/powerpoint/2012/main" xmlns:ahyp="http://schemas.microsoft.com/office/drawing/2018/hyperlinkcolor">
   <p:cSld>
     <p:spTree>
       <p:nvGrpSpPr>
@@ -10452,7 +10860,7 @@
 </file>
 
 <file path=ppt/slides/slide10.xml><?xml version="1.0" encoding="utf-8"?>
-<p:sld xmlns:a="http://schemas.openxmlformats.org/drawingml/2006/main" xmlns:r="http://schemas.openxmlformats.org/officeDocument/2006/relationships" xmlns:mc="http://schemas.openxmlformats.org/markup-compatibility/2006" xmlns:mv="urn:schemas-microsoft-com:mac:vml" xmlns:p="http://schemas.openxmlformats.org/presentationml/2006/main" xmlns:c="http://schemas.openxmlformats.org/drawingml/2006/chart" xmlns:dgm="http://schemas.openxmlformats.org/drawingml/2006/diagram" xmlns:o="urn:schemas-microsoft-com:office:office" xmlns:v="urn:schemas-microsoft-com:vml" xmlns:pvml="urn:schemas-microsoft-com:office:powerpoint" xmlns:com="http://schemas.openxmlformats.org/drawingml/2006/compatibility" xmlns:p14="http://schemas.microsoft.com/office/powerpoint/2010/main" xmlns:p15="http://schemas.microsoft.com/office/powerpoint/2012/main">
+<p:sld xmlns:a="http://schemas.openxmlformats.org/drawingml/2006/main" xmlns:r="http://schemas.openxmlformats.org/officeDocument/2006/relationships" xmlns:mc="http://schemas.openxmlformats.org/markup-compatibility/2006" xmlns:mv="urn:schemas-microsoft-com:mac:vml" xmlns:p="http://schemas.openxmlformats.org/presentationml/2006/main" xmlns:c="http://schemas.openxmlformats.org/drawingml/2006/chart" xmlns:dgm="http://schemas.openxmlformats.org/drawingml/2006/diagram" xmlns:o="urn:schemas-microsoft-com:office:office" xmlns:v="urn:schemas-microsoft-com:vml" xmlns:pvml="urn:schemas-microsoft-com:office:powerpoint" xmlns:com="http://schemas.openxmlformats.org/drawingml/2006/compatibility" xmlns:p14="http://schemas.microsoft.com/office/powerpoint/2010/main" xmlns:p15="http://schemas.microsoft.com/office/powerpoint/2012/main" xmlns:ahyp="http://schemas.microsoft.com/office/drawing/2018/hyperlinkcolor">
   <p:cSld>
     <p:spTree>
       <p:nvGrpSpPr>
@@ -11015,7 +11423,7 @@
 </file>
 
 <file path=ppt/slides/slide11.xml><?xml version="1.0" encoding="utf-8"?>
-<p:sld xmlns:a="http://schemas.openxmlformats.org/drawingml/2006/main" xmlns:r="http://schemas.openxmlformats.org/officeDocument/2006/relationships" xmlns:mc="http://schemas.openxmlformats.org/markup-compatibility/2006" xmlns:mv="urn:schemas-microsoft-com:mac:vml" xmlns:p="http://schemas.openxmlformats.org/presentationml/2006/main" xmlns:c="http://schemas.openxmlformats.org/drawingml/2006/chart" xmlns:dgm="http://schemas.openxmlformats.org/drawingml/2006/diagram" xmlns:o="urn:schemas-microsoft-com:office:office" xmlns:v="urn:schemas-microsoft-com:vml" xmlns:pvml="urn:schemas-microsoft-com:office:powerpoint" xmlns:com="http://schemas.openxmlformats.org/drawingml/2006/compatibility" xmlns:p14="http://schemas.microsoft.com/office/powerpoint/2010/main" xmlns:p15="http://schemas.microsoft.com/office/powerpoint/2012/main">
+<p:sld xmlns:a="http://schemas.openxmlformats.org/drawingml/2006/main" xmlns:r="http://schemas.openxmlformats.org/officeDocument/2006/relationships" xmlns:mc="http://schemas.openxmlformats.org/markup-compatibility/2006" xmlns:mv="urn:schemas-microsoft-com:mac:vml" xmlns:p="http://schemas.openxmlformats.org/presentationml/2006/main" xmlns:c="http://schemas.openxmlformats.org/drawingml/2006/chart" xmlns:dgm="http://schemas.openxmlformats.org/drawingml/2006/diagram" xmlns:o="urn:schemas-microsoft-com:office:office" xmlns:v="urn:schemas-microsoft-com:vml" xmlns:pvml="urn:schemas-microsoft-com:office:powerpoint" xmlns:com="http://schemas.openxmlformats.org/drawingml/2006/compatibility" xmlns:p14="http://schemas.microsoft.com/office/powerpoint/2010/main" xmlns:p15="http://schemas.microsoft.com/office/powerpoint/2012/main" xmlns:ahyp="http://schemas.microsoft.com/office/drawing/2018/hyperlinkcolor">
   <p:cSld>
     <p:spTree>
       <p:nvGrpSpPr>
@@ -11222,7 +11630,7 @@
                   <a:schemeClr val="dk1"/>
                 </a:solidFill>
                 <a:highlight>
-                  <a:srgbClr val="F7F7F7"/>
+                  <a:srgbClr val="FFFFFF"/>
                 </a:highlight>
               </a:rPr>
               <a:t>main() {</a:t>
@@ -11232,7 +11640,7 @@
                 <a:schemeClr val="dk1"/>
               </a:solidFill>
               <a:highlight>
-                <a:srgbClr val="F7F7F7"/>
+                <a:srgbClr val="FFFFFF"/>
               </a:highlight>
             </a:endParaRPr>
           </a:p>
@@ -11254,7 +11662,7 @@
                 <a:schemeClr val="dk1"/>
               </a:solidFill>
               <a:highlight>
-                <a:srgbClr val="F7F7F7"/>
+                <a:srgbClr val="FFFFFF"/>
               </a:highlight>
             </a:endParaRPr>
           </a:p>
@@ -11274,17 +11682,17 @@
                   <a:schemeClr val="dk1"/>
                 </a:solidFill>
                 <a:highlight>
-                  <a:srgbClr val="F7F7F7"/>
-                </a:highlight>
-              </a:rPr>
-              <a:t>    int i;</a:t>
+                  <a:srgbClr val="FFFFFF"/>
+                </a:highlight>
+              </a:rPr>
+              <a:t>    int i = 1;</a:t>
             </a:r>
             <a:endParaRPr sz="1200">
               <a:solidFill>
                 <a:schemeClr val="dk1"/>
               </a:solidFill>
               <a:highlight>
-                <a:srgbClr val="F7F7F7"/>
+                <a:srgbClr val="FFFFFF"/>
               </a:highlight>
             </a:endParaRPr>
           </a:p>
@@ -11306,7 +11714,7 @@
                 <a:schemeClr val="dk1"/>
               </a:solidFill>
               <a:highlight>
-                <a:srgbClr val="F7F7F7"/>
+                <a:srgbClr val="FFFFFF"/>
               </a:highlight>
             </a:endParaRPr>
           </a:p>
@@ -11326,7 +11734,7 @@
                   <a:schemeClr val="dk1"/>
                 </a:solidFill>
                 <a:highlight>
-                  <a:srgbClr val="F7F7F7"/>
+                  <a:srgbClr val="FFFFFF"/>
                 </a:highlight>
               </a:rPr>
               <a:t>   do {</a:t>
@@ -11336,7 +11744,7 @@
                 <a:schemeClr val="dk1"/>
               </a:solidFill>
               <a:highlight>
-                <a:srgbClr val="F7F7F7"/>
+                <a:srgbClr val="FFFFFF"/>
               </a:highlight>
             </a:endParaRPr>
           </a:p>
@@ -11358,7 +11766,7 @@
                 <a:schemeClr val="dk1"/>
               </a:solidFill>
               <a:highlight>
-                <a:srgbClr val="F7F7F7"/>
+                <a:srgbClr val="FFFFFF"/>
               </a:highlight>
             </a:endParaRPr>
           </a:p>
@@ -11378,7 +11786,7 @@
                   <a:schemeClr val="dk1"/>
                 </a:solidFill>
                 <a:highlight>
-                  <a:srgbClr val="F7F7F7"/>
+                  <a:srgbClr val="FFFFFF"/>
                 </a:highlight>
               </a:rPr>
               <a:t>       printf("%d ", i );</a:t>
@@ -11388,7 +11796,7 @@
                 <a:schemeClr val="dk1"/>
               </a:solidFill>
               <a:highlight>
-                <a:srgbClr val="F7F7F7"/>
+                <a:srgbClr val="FFFFFF"/>
               </a:highlight>
             </a:endParaRPr>
           </a:p>
@@ -11410,7 +11818,7 @@
                 <a:schemeClr val="dk1"/>
               </a:solidFill>
               <a:highlight>
-                <a:srgbClr val="F7F7F7"/>
+                <a:srgbClr val="FFFFFF"/>
               </a:highlight>
             </a:endParaRPr>
           </a:p>
@@ -11430,7 +11838,7 @@
                   <a:schemeClr val="dk1"/>
                 </a:solidFill>
                 <a:highlight>
-                  <a:srgbClr val="F7F7F7"/>
+                  <a:srgbClr val="FFFFFF"/>
                 </a:highlight>
               </a:rPr>
               <a:t>       i++;    // i += 1, i = i+1;</a:t>
@@ -11440,7 +11848,7 @@
                 <a:schemeClr val="dk1"/>
               </a:solidFill>
               <a:highlight>
-                <a:srgbClr val="F7F7F7"/>
+                <a:srgbClr val="FFFFFF"/>
               </a:highlight>
             </a:endParaRPr>
           </a:p>
@@ -11462,7 +11870,7 @@
                 <a:schemeClr val="dk1"/>
               </a:solidFill>
               <a:highlight>
-                <a:srgbClr val="F7F7F7"/>
+                <a:srgbClr val="FFFFFF"/>
               </a:highlight>
             </a:endParaRPr>
           </a:p>
@@ -11482,7 +11890,7 @@
                   <a:schemeClr val="dk1"/>
                 </a:solidFill>
                 <a:highlight>
-                  <a:srgbClr val="F7F7F7"/>
+                  <a:srgbClr val="FFFFFF"/>
                 </a:highlight>
               </a:rPr>
               <a:t>    } while ( i &lt; 11 );</a:t>
@@ -11492,7 +11900,7 @@
                 <a:schemeClr val="dk1"/>
               </a:solidFill>
               <a:highlight>
-                <a:srgbClr val="F7F7F7"/>
+                <a:srgbClr val="FFFFFF"/>
               </a:highlight>
             </a:endParaRPr>
           </a:p>
@@ -11679,7 +12087,7 @@
 </file>
 
 <file path=ppt/slides/slide12.xml><?xml version="1.0" encoding="utf-8"?>
-<p:sld xmlns:a="http://schemas.openxmlformats.org/drawingml/2006/main" xmlns:r="http://schemas.openxmlformats.org/officeDocument/2006/relationships" xmlns:mc="http://schemas.openxmlformats.org/markup-compatibility/2006" xmlns:mv="urn:schemas-microsoft-com:mac:vml" xmlns:p="http://schemas.openxmlformats.org/presentationml/2006/main" xmlns:c="http://schemas.openxmlformats.org/drawingml/2006/chart" xmlns:dgm="http://schemas.openxmlformats.org/drawingml/2006/diagram" xmlns:o="urn:schemas-microsoft-com:office:office" xmlns:v="urn:schemas-microsoft-com:vml" xmlns:pvml="urn:schemas-microsoft-com:office:powerpoint" xmlns:com="http://schemas.openxmlformats.org/drawingml/2006/compatibility" xmlns:p14="http://schemas.microsoft.com/office/powerpoint/2010/main" xmlns:p15="http://schemas.microsoft.com/office/powerpoint/2012/main">
+<p:sld xmlns:a="http://schemas.openxmlformats.org/drawingml/2006/main" xmlns:r="http://schemas.openxmlformats.org/officeDocument/2006/relationships" xmlns:mc="http://schemas.openxmlformats.org/markup-compatibility/2006" xmlns:mv="urn:schemas-microsoft-com:mac:vml" xmlns:p="http://schemas.openxmlformats.org/presentationml/2006/main" xmlns:c="http://schemas.openxmlformats.org/drawingml/2006/chart" xmlns:dgm="http://schemas.openxmlformats.org/drawingml/2006/diagram" xmlns:o="urn:schemas-microsoft-com:office:office" xmlns:v="urn:schemas-microsoft-com:vml" xmlns:pvml="urn:schemas-microsoft-com:office:powerpoint" xmlns:com="http://schemas.openxmlformats.org/drawingml/2006/compatibility" xmlns:p14="http://schemas.microsoft.com/office/powerpoint/2010/main" xmlns:p15="http://schemas.microsoft.com/office/powerpoint/2012/main" xmlns:ahyp="http://schemas.microsoft.com/office/drawing/2018/hyperlinkcolor">
   <p:cSld>
     <p:spTree>
       <p:nvGrpSpPr>
@@ -11703,6 +12111,2082 @@
         </p:nvSpPr>
         <p:spPr>
           <a:xfrm>
+            <a:off x="288150" y="137250"/>
+            <a:ext cx="8567700" cy="4952100"/>
+          </a:xfrm>
+          <a:prstGeom prst="rect">
+            <a:avLst/>
+          </a:prstGeom>
+          <a:noFill/>
+          <a:ln>
+            <a:noFill/>
+          </a:ln>
+        </p:spPr>
+        <p:txBody>
+          <a:bodyPr anchorCtr="0" anchor="t" bIns="91425" lIns="91425" spcFirstLastPara="1" rIns="91425" wrap="square" tIns="91425">
+            <a:noAutofit/>
+          </a:bodyPr>
+          <a:lstStyle/>
+          <a:p>
+            <a:pPr indent="0" lvl="0" marL="0" rtl="0" algn="l">
+              <a:spcBef>
+                <a:spcPts val="0"/>
+              </a:spcBef>
+              <a:spcAft>
+                <a:spcPts val="0"/>
+              </a:spcAft>
+              <a:buNone/>
+            </a:pPr>
+            <a:r>
+              <a:rPr b="1" lang="en">
+                <a:solidFill>
+                  <a:srgbClr val="222222"/>
+                </a:solidFill>
+                <a:highlight>
+                  <a:srgbClr val="FFFFFF"/>
+                </a:highlight>
+              </a:rPr>
+              <a:t>Nested loops- </a:t>
+            </a:r>
+            <a:r>
+              <a:rPr lang="en" sz="1000">
+                <a:solidFill>
+                  <a:schemeClr val="dk1"/>
+                </a:solidFill>
+                <a:highlight>
+                  <a:srgbClr val="FFFFFF"/>
+                </a:highlight>
+              </a:rPr>
+              <a:t>C programming allows to use one loop inside another loop. </a:t>
+            </a:r>
+            <a:endParaRPr sz="1000">
+              <a:solidFill>
+                <a:schemeClr val="dk1"/>
+              </a:solidFill>
+              <a:highlight>
+                <a:srgbClr val="FFFFFF"/>
+              </a:highlight>
+            </a:endParaRPr>
+          </a:p>
+          <a:p>
+            <a:pPr indent="0" lvl="0" marL="0" rtl="0" algn="l">
+              <a:spcBef>
+                <a:spcPts val="0"/>
+              </a:spcBef>
+              <a:spcAft>
+                <a:spcPts val="0"/>
+              </a:spcAft>
+              <a:buNone/>
+            </a:pPr>
+            <a:r>
+              <a:t/>
+            </a:r>
+            <a:endParaRPr sz="1000">
+              <a:solidFill>
+                <a:schemeClr val="dk1"/>
+              </a:solidFill>
+              <a:highlight>
+                <a:srgbClr val="FFFFFF"/>
+              </a:highlight>
+            </a:endParaRPr>
+          </a:p>
+          <a:p>
+            <a:pPr indent="0" lvl="0" marL="0" rtl="0" algn="l">
+              <a:spcBef>
+                <a:spcPts val="0"/>
+              </a:spcBef>
+              <a:spcAft>
+                <a:spcPts val="0"/>
+              </a:spcAft>
+              <a:buNone/>
+            </a:pPr>
+            <a:r>
+              <a:rPr lang="en" sz="1000">
+                <a:solidFill>
+                  <a:srgbClr val="222222"/>
+                </a:solidFill>
+                <a:highlight>
+                  <a:srgbClr val="FFFFFF"/>
+                </a:highlight>
+              </a:rPr>
+              <a:t>Nested loops are useful when for each pass through the outer loop, you need to repeat some action on the data in the outer loop. For example, you read a file line by line and for each line you must count how many times the word “the” is found.</a:t>
+            </a:r>
+            <a:endParaRPr sz="1000">
+              <a:solidFill>
+                <a:srgbClr val="222222"/>
+              </a:solidFill>
+              <a:highlight>
+                <a:srgbClr val="FFFFFF"/>
+              </a:highlight>
+            </a:endParaRPr>
+          </a:p>
+          <a:p>
+            <a:pPr indent="0" lvl="0" marL="0" rtl="0" algn="l">
+              <a:spcBef>
+                <a:spcPts val="0"/>
+              </a:spcBef>
+              <a:spcAft>
+                <a:spcPts val="0"/>
+              </a:spcAft>
+              <a:buNone/>
+            </a:pPr>
+            <a:r>
+              <a:t/>
+            </a:r>
+            <a:endParaRPr sz="1000">
+              <a:solidFill>
+                <a:srgbClr val="222222"/>
+              </a:solidFill>
+              <a:highlight>
+                <a:srgbClr val="FFFFFF"/>
+              </a:highlight>
+            </a:endParaRPr>
+          </a:p>
+          <a:p>
+            <a:pPr indent="0" lvl="0" marL="0" rtl="0" algn="l">
+              <a:spcBef>
+                <a:spcPts val="0"/>
+              </a:spcBef>
+              <a:spcAft>
+                <a:spcPts val="0"/>
+              </a:spcAft>
+              <a:buNone/>
+            </a:pPr>
+            <a:r>
+              <a:t/>
+            </a:r>
+            <a:endParaRPr sz="1000">
+              <a:solidFill>
+                <a:srgbClr val="222222"/>
+              </a:solidFill>
+              <a:highlight>
+                <a:srgbClr val="FFFFFF"/>
+              </a:highlight>
+            </a:endParaRPr>
+          </a:p>
+          <a:p>
+            <a:pPr indent="0" lvl="0" marL="0" rtl="0" algn="l">
+              <a:spcBef>
+                <a:spcPts val="0"/>
+              </a:spcBef>
+              <a:spcAft>
+                <a:spcPts val="0"/>
+              </a:spcAft>
+              <a:buNone/>
+            </a:pPr>
+            <a:r>
+              <a:rPr lang="en" sz="1050">
+                <a:solidFill>
+                  <a:schemeClr val="dk1"/>
+                </a:solidFill>
+                <a:highlight>
+                  <a:srgbClr val="FFFFFF"/>
+                </a:highlight>
+              </a:rPr>
+              <a:t>for ( init; condition; increment ) {</a:t>
+            </a:r>
+            <a:endParaRPr sz="1050">
+              <a:solidFill>
+                <a:schemeClr val="dk1"/>
+              </a:solidFill>
+              <a:highlight>
+                <a:srgbClr val="FFFFFF"/>
+              </a:highlight>
+            </a:endParaRPr>
+          </a:p>
+          <a:p>
+            <a:pPr indent="0" lvl="0" marL="0" rtl="0" algn="l">
+              <a:spcBef>
+                <a:spcPts val="0"/>
+              </a:spcBef>
+              <a:spcAft>
+                <a:spcPts val="0"/>
+              </a:spcAft>
+              <a:buNone/>
+            </a:pPr>
+            <a:r>
+              <a:t/>
+            </a:r>
+            <a:endParaRPr sz="1050">
+              <a:solidFill>
+                <a:schemeClr val="dk1"/>
+              </a:solidFill>
+              <a:highlight>
+                <a:srgbClr val="FFFFFF"/>
+              </a:highlight>
+            </a:endParaRPr>
+          </a:p>
+          <a:p>
+            <a:pPr indent="0" lvl="0" marL="0" rtl="0" algn="l">
+              <a:spcBef>
+                <a:spcPts val="0"/>
+              </a:spcBef>
+              <a:spcAft>
+                <a:spcPts val="0"/>
+              </a:spcAft>
+              <a:buNone/>
+            </a:pPr>
+            <a:r>
+              <a:rPr lang="en" sz="1050">
+                <a:solidFill>
+                  <a:schemeClr val="dk1"/>
+                </a:solidFill>
+                <a:highlight>
+                  <a:srgbClr val="FFFFFF"/>
+                </a:highlight>
+              </a:rPr>
+              <a:t>   for ( init; condition; increment ) {</a:t>
+            </a:r>
+            <a:endParaRPr sz="1050">
+              <a:solidFill>
+                <a:schemeClr val="dk1"/>
+              </a:solidFill>
+              <a:highlight>
+                <a:srgbClr val="FFFFFF"/>
+              </a:highlight>
+            </a:endParaRPr>
+          </a:p>
+          <a:p>
+            <a:pPr indent="0" lvl="0" marL="0" rtl="0" algn="l">
+              <a:spcBef>
+                <a:spcPts val="0"/>
+              </a:spcBef>
+              <a:spcAft>
+                <a:spcPts val="0"/>
+              </a:spcAft>
+              <a:buNone/>
+            </a:pPr>
+            <a:r>
+              <a:rPr lang="en" sz="1050">
+                <a:solidFill>
+                  <a:schemeClr val="dk1"/>
+                </a:solidFill>
+                <a:highlight>
+                  <a:srgbClr val="FFFFFF"/>
+                </a:highlight>
+              </a:rPr>
+              <a:t>      statement(s);</a:t>
+            </a:r>
+            <a:endParaRPr sz="1050">
+              <a:solidFill>
+                <a:schemeClr val="dk1"/>
+              </a:solidFill>
+              <a:highlight>
+                <a:srgbClr val="FFFFFF"/>
+              </a:highlight>
+            </a:endParaRPr>
+          </a:p>
+          <a:p>
+            <a:pPr indent="0" lvl="0" marL="0" rtl="0" algn="l">
+              <a:spcBef>
+                <a:spcPts val="0"/>
+              </a:spcBef>
+              <a:spcAft>
+                <a:spcPts val="0"/>
+              </a:spcAft>
+              <a:buNone/>
+            </a:pPr>
+            <a:r>
+              <a:rPr lang="en" sz="1050">
+                <a:solidFill>
+                  <a:schemeClr val="dk1"/>
+                </a:solidFill>
+                <a:highlight>
+                  <a:srgbClr val="FFFFFF"/>
+                </a:highlight>
+              </a:rPr>
+              <a:t>   }</a:t>
+            </a:r>
+            <a:endParaRPr sz="1050">
+              <a:solidFill>
+                <a:schemeClr val="dk1"/>
+              </a:solidFill>
+              <a:highlight>
+                <a:srgbClr val="FFFFFF"/>
+              </a:highlight>
+            </a:endParaRPr>
+          </a:p>
+          <a:p>
+            <a:pPr indent="0" lvl="0" marL="0" rtl="0" algn="l">
+              <a:spcBef>
+                <a:spcPts val="0"/>
+              </a:spcBef>
+              <a:spcAft>
+                <a:spcPts val="0"/>
+              </a:spcAft>
+              <a:buNone/>
+            </a:pPr>
+            <a:r>
+              <a:rPr lang="en" sz="1050">
+                <a:solidFill>
+                  <a:schemeClr val="dk1"/>
+                </a:solidFill>
+                <a:highlight>
+                  <a:srgbClr val="FFFFFF"/>
+                </a:highlight>
+              </a:rPr>
+              <a:t>   statement(s);</a:t>
+            </a:r>
+            <a:endParaRPr sz="1050">
+              <a:solidFill>
+                <a:schemeClr val="dk1"/>
+              </a:solidFill>
+              <a:highlight>
+                <a:srgbClr val="FFFFFF"/>
+              </a:highlight>
+            </a:endParaRPr>
+          </a:p>
+          <a:p>
+            <a:pPr indent="0" lvl="0" marL="0" marR="50800" rtl="0" algn="l">
+              <a:lnSpc>
+                <a:spcPct val="115000"/>
+              </a:lnSpc>
+              <a:spcBef>
+                <a:spcPts val="0"/>
+              </a:spcBef>
+              <a:spcAft>
+                <a:spcPts val="0"/>
+              </a:spcAft>
+              <a:buClr>
+                <a:schemeClr val="dk1"/>
+              </a:buClr>
+              <a:buSzPts val="1100"/>
+              <a:buFont typeface="Arial"/>
+              <a:buNone/>
+            </a:pPr>
+            <a:r>
+              <a:rPr lang="en" sz="1050">
+                <a:solidFill>
+                  <a:schemeClr val="dk1"/>
+                </a:solidFill>
+                <a:highlight>
+                  <a:srgbClr val="FFFFFF"/>
+                </a:highlight>
+              </a:rPr>
+              <a:t>}</a:t>
+            </a:r>
+            <a:endParaRPr sz="1050">
+              <a:solidFill>
+                <a:schemeClr val="dk1"/>
+              </a:solidFill>
+              <a:highlight>
+                <a:srgbClr val="FFFFFF"/>
+              </a:highlight>
+            </a:endParaRPr>
+          </a:p>
+          <a:p>
+            <a:pPr indent="0" lvl="0" marL="0" rtl="0" algn="l">
+              <a:spcBef>
+                <a:spcPts val="0"/>
+              </a:spcBef>
+              <a:spcAft>
+                <a:spcPts val="0"/>
+              </a:spcAft>
+              <a:buNone/>
+            </a:pPr>
+            <a:r>
+              <a:t/>
+            </a:r>
+            <a:endParaRPr sz="1000">
+              <a:solidFill>
+                <a:srgbClr val="222222"/>
+              </a:solidFill>
+              <a:highlight>
+                <a:srgbClr val="FFFFFF"/>
+              </a:highlight>
+            </a:endParaRPr>
+          </a:p>
+          <a:p>
+            <a:pPr indent="0" lvl="0" marL="0" rtl="0" algn="l">
+              <a:spcBef>
+                <a:spcPts val="0"/>
+              </a:spcBef>
+              <a:spcAft>
+                <a:spcPts val="0"/>
+              </a:spcAft>
+              <a:buNone/>
+            </a:pPr>
+            <a:r>
+              <a:t/>
+            </a:r>
+            <a:endParaRPr sz="1000">
+              <a:solidFill>
+                <a:srgbClr val="222222"/>
+              </a:solidFill>
+              <a:highlight>
+                <a:srgbClr val="FFFFFF"/>
+              </a:highlight>
+            </a:endParaRPr>
+          </a:p>
+          <a:p>
+            <a:pPr indent="0" lvl="0" marL="0" rtl="0" algn="l">
+              <a:spcBef>
+                <a:spcPts val="0"/>
+              </a:spcBef>
+              <a:spcAft>
+                <a:spcPts val="0"/>
+              </a:spcAft>
+              <a:buNone/>
+            </a:pPr>
+            <a:r>
+              <a:rPr lang="en" sz="950">
+                <a:solidFill>
+                  <a:srgbClr val="000088"/>
+                </a:solidFill>
+                <a:highlight>
+                  <a:srgbClr val="FFFFFF"/>
+                </a:highlight>
+              </a:rPr>
+              <a:t>int</a:t>
+            </a:r>
+            <a:r>
+              <a:rPr lang="en" sz="950">
+                <a:solidFill>
+                  <a:schemeClr val="dk1"/>
+                </a:solidFill>
+                <a:highlight>
+                  <a:srgbClr val="FFFFFF"/>
+                </a:highlight>
+              </a:rPr>
+              <a:t> main </a:t>
+            </a:r>
+            <a:r>
+              <a:rPr lang="en" sz="950">
+                <a:solidFill>
+                  <a:srgbClr val="666600"/>
+                </a:solidFill>
+                <a:highlight>
+                  <a:srgbClr val="FFFFFF"/>
+                </a:highlight>
+              </a:rPr>
+              <a:t>()</a:t>
+            </a:r>
+            <a:r>
+              <a:rPr lang="en" sz="950">
+                <a:solidFill>
+                  <a:schemeClr val="dk1"/>
+                </a:solidFill>
+                <a:highlight>
+                  <a:srgbClr val="FFFFFF"/>
+                </a:highlight>
+              </a:rPr>
+              <a:t> </a:t>
+            </a:r>
+            <a:r>
+              <a:rPr lang="en" sz="950">
+                <a:solidFill>
+                  <a:srgbClr val="666600"/>
+                </a:solidFill>
+                <a:highlight>
+                  <a:srgbClr val="FFFFFF"/>
+                </a:highlight>
+              </a:rPr>
+              <a:t>{</a:t>
+            </a:r>
+            <a:endParaRPr sz="950">
+              <a:solidFill>
+                <a:schemeClr val="dk1"/>
+              </a:solidFill>
+              <a:highlight>
+                <a:srgbClr val="FFFFFF"/>
+              </a:highlight>
+            </a:endParaRPr>
+          </a:p>
+          <a:p>
+            <a:pPr indent="0" lvl="0" marL="0" rtl="0" algn="l">
+              <a:spcBef>
+                <a:spcPts val="0"/>
+              </a:spcBef>
+              <a:spcAft>
+                <a:spcPts val="0"/>
+              </a:spcAft>
+              <a:buNone/>
+            </a:pPr>
+            <a:r>
+              <a:t/>
+            </a:r>
+            <a:endParaRPr sz="950">
+              <a:solidFill>
+                <a:schemeClr val="dk1"/>
+              </a:solidFill>
+              <a:highlight>
+                <a:srgbClr val="FFFFFF"/>
+              </a:highlight>
+            </a:endParaRPr>
+          </a:p>
+          <a:p>
+            <a:pPr indent="0" lvl="0" marL="0" rtl="0" algn="l">
+              <a:spcBef>
+                <a:spcPts val="0"/>
+              </a:spcBef>
+              <a:spcAft>
+                <a:spcPts val="0"/>
+              </a:spcAft>
+              <a:buNone/>
+            </a:pPr>
+            <a:r>
+              <a:rPr lang="en" sz="950">
+                <a:solidFill>
+                  <a:schemeClr val="dk1"/>
+                </a:solidFill>
+                <a:highlight>
+                  <a:srgbClr val="FFFFFF"/>
+                </a:highlight>
+              </a:rPr>
+              <a:t>   </a:t>
+            </a:r>
+            <a:r>
+              <a:rPr lang="en" sz="950">
+                <a:solidFill>
+                  <a:srgbClr val="880000"/>
+                </a:solidFill>
+                <a:highlight>
+                  <a:srgbClr val="FFFFFF"/>
+                </a:highlight>
+              </a:rPr>
+              <a:t>/* local variable definition */</a:t>
+            </a:r>
+            <a:endParaRPr sz="950">
+              <a:solidFill>
+                <a:schemeClr val="dk1"/>
+              </a:solidFill>
+              <a:highlight>
+                <a:srgbClr val="FFFFFF"/>
+              </a:highlight>
+            </a:endParaRPr>
+          </a:p>
+          <a:p>
+            <a:pPr indent="0" lvl="0" marL="0" rtl="0" algn="l">
+              <a:spcBef>
+                <a:spcPts val="0"/>
+              </a:spcBef>
+              <a:spcAft>
+                <a:spcPts val="0"/>
+              </a:spcAft>
+              <a:buNone/>
+            </a:pPr>
+            <a:r>
+              <a:rPr lang="en" sz="950">
+                <a:solidFill>
+                  <a:schemeClr val="dk1"/>
+                </a:solidFill>
+                <a:highlight>
+                  <a:srgbClr val="FFFFFF"/>
+                </a:highlight>
+              </a:rPr>
+              <a:t>   </a:t>
+            </a:r>
+            <a:r>
+              <a:rPr lang="en" sz="950">
+                <a:solidFill>
+                  <a:srgbClr val="000088"/>
+                </a:solidFill>
+                <a:highlight>
+                  <a:srgbClr val="FFFFFF"/>
+                </a:highlight>
+              </a:rPr>
+              <a:t>int</a:t>
+            </a:r>
+            <a:r>
+              <a:rPr lang="en" sz="950">
+                <a:solidFill>
+                  <a:schemeClr val="dk1"/>
+                </a:solidFill>
+                <a:highlight>
+                  <a:srgbClr val="FFFFFF"/>
+                </a:highlight>
+              </a:rPr>
+              <a:t> i</a:t>
+            </a:r>
+            <a:r>
+              <a:rPr lang="en" sz="950">
+                <a:solidFill>
+                  <a:srgbClr val="666600"/>
+                </a:solidFill>
+                <a:highlight>
+                  <a:srgbClr val="FFFFFF"/>
+                </a:highlight>
+              </a:rPr>
+              <a:t>,</a:t>
+            </a:r>
+            <a:r>
+              <a:rPr lang="en" sz="950">
+                <a:solidFill>
+                  <a:schemeClr val="dk1"/>
+                </a:solidFill>
+                <a:highlight>
+                  <a:srgbClr val="FFFFFF"/>
+                </a:highlight>
+              </a:rPr>
+              <a:t> j</a:t>
+            </a:r>
+            <a:r>
+              <a:rPr lang="en" sz="950">
+                <a:solidFill>
+                  <a:srgbClr val="666600"/>
+                </a:solidFill>
+                <a:highlight>
+                  <a:srgbClr val="FFFFFF"/>
+                </a:highlight>
+              </a:rPr>
+              <a:t>;</a:t>
+            </a:r>
+            <a:endParaRPr sz="950">
+              <a:solidFill>
+                <a:schemeClr val="dk1"/>
+              </a:solidFill>
+              <a:highlight>
+                <a:srgbClr val="FFFFFF"/>
+              </a:highlight>
+            </a:endParaRPr>
+          </a:p>
+          <a:p>
+            <a:pPr indent="0" lvl="0" marL="0" rtl="0" algn="l">
+              <a:spcBef>
+                <a:spcPts val="0"/>
+              </a:spcBef>
+              <a:spcAft>
+                <a:spcPts val="0"/>
+              </a:spcAft>
+              <a:buNone/>
+            </a:pPr>
+            <a:r>
+              <a:rPr lang="en" sz="950">
+                <a:solidFill>
+                  <a:schemeClr val="dk1"/>
+                </a:solidFill>
+                <a:highlight>
+                  <a:srgbClr val="FFFFFF"/>
+                </a:highlight>
+              </a:rPr>
+              <a:t>   </a:t>
+            </a:r>
+            <a:endParaRPr sz="950">
+              <a:solidFill>
+                <a:schemeClr val="dk1"/>
+              </a:solidFill>
+              <a:highlight>
+                <a:srgbClr val="FFFFFF"/>
+              </a:highlight>
+            </a:endParaRPr>
+          </a:p>
+          <a:p>
+            <a:pPr indent="0" lvl="0" marL="0" rtl="0" algn="l">
+              <a:spcBef>
+                <a:spcPts val="0"/>
+              </a:spcBef>
+              <a:spcAft>
+                <a:spcPts val="0"/>
+              </a:spcAft>
+              <a:buNone/>
+            </a:pPr>
+            <a:r>
+              <a:rPr lang="en" sz="950">
+                <a:solidFill>
+                  <a:schemeClr val="dk1"/>
+                </a:solidFill>
+                <a:highlight>
+                  <a:srgbClr val="FFFFFF"/>
+                </a:highlight>
+              </a:rPr>
+              <a:t>   </a:t>
+            </a:r>
+            <a:r>
+              <a:rPr lang="en" sz="950">
+                <a:solidFill>
+                  <a:srgbClr val="000088"/>
+                </a:solidFill>
+                <a:highlight>
+                  <a:srgbClr val="FFFFFF"/>
+                </a:highlight>
+              </a:rPr>
+              <a:t>for</a:t>
+            </a:r>
+            <a:r>
+              <a:rPr lang="en" sz="950">
+                <a:solidFill>
+                  <a:srgbClr val="666600"/>
+                </a:solidFill>
+                <a:highlight>
+                  <a:srgbClr val="FFFFFF"/>
+                </a:highlight>
+              </a:rPr>
+              <a:t>(</a:t>
+            </a:r>
+            <a:r>
+              <a:rPr lang="en" sz="950">
+                <a:solidFill>
+                  <a:schemeClr val="dk1"/>
+                </a:solidFill>
+                <a:highlight>
+                  <a:srgbClr val="FFFFFF"/>
+                </a:highlight>
+              </a:rPr>
+              <a:t>i </a:t>
+            </a:r>
+            <a:r>
+              <a:rPr lang="en" sz="950">
+                <a:solidFill>
+                  <a:srgbClr val="666600"/>
+                </a:solidFill>
+                <a:highlight>
+                  <a:srgbClr val="FFFFFF"/>
+                </a:highlight>
+              </a:rPr>
+              <a:t>=</a:t>
+            </a:r>
+            <a:r>
+              <a:rPr lang="en" sz="950">
+                <a:solidFill>
+                  <a:schemeClr val="dk1"/>
+                </a:solidFill>
+                <a:highlight>
+                  <a:srgbClr val="FFFFFF"/>
+                </a:highlight>
+              </a:rPr>
+              <a:t> </a:t>
+            </a:r>
+            <a:r>
+              <a:rPr lang="en" sz="950">
+                <a:solidFill>
+                  <a:srgbClr val="006666"/>
+                </a:solidFill>
+                <a:highlight>
+                  <a:srgbClr val="FFFFFF"/>
+                </a:highlight>
+              </a:rPr>
+              <a:t>2</a:t>
+            </a:r>
+            <a:r>
+              <a:rPr lang="en" sz="950">
+                <a:solidFill>
+                  <a:srgbClr val="666600"/>
+                </a:solidFill>
+                <a:highlight>
+                  <a:srgbClr val="FFFFFF"/>
+                </a:highlight>
+              </a:rPr>
+              <a:t>;</a:t>
+            </a:r>
+            <a:r>
+              <a:rPr lang="en" sz="950">
+                <a:solidFill>
+                  <a:schemeClr val="dk1"/>
+                </a:solidFill>
+                <a:highlight>
+                  <a:srgbClr val="FFFFFF"/>
+                </a:highlight>
+              </a:rPr>
+              <a:t> i </a:t>
+            </a:r>
+            <a:r>
+              <a:rPr lang="en" sz="950">
+                <a:solidFill>
+                  <a:srgbClr val="666600"/>
+                </a:solidFill>
+                <a:highlight>
+                  <a:srgbClr val="FFFFFF"/>
+                </a:highlight>
+              </a:rPr>
+              <a:t>&lt; </a:t>
+            </a:r>
+            <a:r>
+              <a:rPr lang="en" sz="950">
+                <a:solidFill>
+                  <a:srgbClr val="006666"/>
+                </a:solidFill>
+                <a:highlight>
+                  <a:srgbClr val="FFFFFF"/>
+                </a:highlight>
+              </a:rPr>
+              <a:t>20</a:t>
+            </a:r>
+            <a:r>
+              <a:rPr lang="en" sz="950">
+                <a:solidFill>
+                  <a:srgbClr val="666600"/>
+                </a:solidFill>
+                <a:highlight>
+                  <a:srgbClr val="FFFFFF"/>
+                </a:highlight>
+              </a:rPr>
+              <a:t>;</a:t>
+            </a:r>
+            <a:r>
+              <a:rPr lang="en" sz="950">
+                <a:solidFill>
+                  <a:schemeClr val="dk1"/>
+                </a:solidFill>
+                <a:highlight>
+                  <a:srgbClr val="FFFFFF"/>
+                </a:highlight>
+              </a:rPr>
+              <a:t> i</a:t>
+            </a:r>
+            <a:r>
+              <a:rPr lang="en" sz="950">
+                <a:solidFill>
+                  <a:srgbClr val="666600"/>
+                </a:solidFill>
+                <a:highlight>
+                  <a:srgbClr val="FFFFFF"/>
+                </a:highlight>
+              </a:rPr>
+              <a:t>++)</a:t>
+            </a:r>
+            <a:r>
+              <a:rPr lang="en" sz="950">
+                <a:solidFill>
+                  <a:schemeClr val="dk1"/>
+                </a:solidFill>
+                <a:highlight>
+                  <a:srgbClr val="FFFFFF"/>
+                </a:highlight>
+              </a:rPr>
+              <a:t> </a:t>
+            </a:r>
+            <a:r>
+              <a:rPr lang="en" sz="950">
+                <a:solidFill>
+                  <a:srgbClr val="666600"/>
+                </a:solidFill>
+                <a:highlight>
+                  <a:srgbClr val="FFFFFF"/>
+                </a:highlight>
+              </a:rPr>
+              <a:t>{</a:t>
+            </a:r>
+            <a:endParaRPr sz="950">
+              <a:solidFill>
+                <a:schemeClr val="dk1"/>
+              </a:solidFill>
+              <a:highlight>
+                <a:srgbClr val="FFFFFF"/>
+              </a:highlight>
+            </a:endParaRPr>
+          </a:p>
+          <a:p>
+            <a:pPr indent="0" lvl="0" marL="0" rtl="0" algn="l">
+              <a:spcBef>
+                <a:spcPts val="0"/>
+              </a:spcBef>
+              <a:spcAft>
+                <a:spcPts val="0"/>
+              </a:spcAft>
+              <a:buNone/>
+            </a:pPr>
+            <a:r>
+              <a:t/>
+            </a:r>
+            <a:endParaRPr sz="950">
+              <a:solidFill>
+                <a:schemeClr val="dk1"/>
+              </a:solidFill>
+              <a:highlight>
+                <a:srgbClr val="FFFFFF"/>
+              </a:highlight>
+            </a:endParaRPr>
+          </a:p>
+          <a:p>
+            <a:pPr indent="0" lvl="0" marL="0" rtl="0" algn="l">
+              <a:spcBef>
+                <a:spcPts val="0"/>
+              </a:spcBef>
+              <a:spcAft>
+                <a:spcPts val="0"/>
+              </a:spcAft>
+              <a:buNone/>
+            </a:pPr>
+            <a:r>
+              <a:rPr lang="en" sz="950">
+                <a:solidFill>
+                  <a:schemeClr val="dk1"/>
+                </a:solidFill>
+                <a:highlight>
+                  <a:srgbClr val="FFFFFF"/>
+                </a:highlight>
+              </a:rPr>
+              <a:t>      </a:t>
+            </a:r>
+            <a:r>
+              <a:rPr lang="en" sz="950">
+                <a:solidFill>
+                  <a:srgbClr val="000088"/>
+                </a:solidFill>
+                <a:highlight>
+                  <a:srgbClr val="FFFFFF"/>
+                </a:highlight>
+              </a:rPr>
+              <a:t>for</a:t>
+            </a:r>
+            <a:r>
+              <a:rPr lang="en" sz="950">
+                <a:solidFill>
+                  <a:srgbClr val="666600"/>
+                </a:solidFill>
+                <a:highlight>
+                  <a:srgbClr val="FFFFFF"/>
+                </a:highlight>
+              </a:rPr>
+              <a:t>(</a:t>
+            </a:r>
+            <a:r>
+              <a:rPr lang="en" sz="950">
+                <a:solidFill>
+                  <a:schemeClr val="dk1"/>
+                </a:solidFill>
+                <a:highlight>
+                  <a:srgbClr val="FFFFFF"/>
+                </a:highlight>
+              </a:rPr>
+              <a:t>j </a:t>
+            </a:r>
+            <a:r>
+              <a:rPr lang="en" sz="950">
+                <a:solidFill>
+                  <a:srgbClr val="666600"/>
+                </a:solidFill>
+                <a:highlight>
+                  <a:srgbClr val="FFFFFF"/>
+                </a:highlight>
+              </a:rPr>
+              <a:t>=</a:t>
+            </a:r>
+            <a:r>
+              <a:rPr lang="en" sz="950">
+                <a:solidFill>
+                  <a:schemeClr val="dk1"/>
+                </a:solidFill>
+                <a:highlight>
+                  <a:srgbClr val="FFFFFF"/>
+                </a:highlight>
+              </a:rPr>
+              <a:t> </a:t>
+            </a:r>
+            <a:r>
+              <a:rPr lang="en" sz="950">
+                <a:solidFill>
+                  <a:srgbClr val="006666"/>
+                </a:solidFill>
+                <a:highlight>
+                  <a:srgbClr val="FFFFFF"/>
+                </a:highlight>
+              </a:rPr>
+              <a:t>2</a:t>
+            </a:r>
+            <a:r>
+              <a:rPr lang="en" sz="950">
+                <a:solidFill>
+                  <a:srgbClr val="666600"/>
+                </a:solidFill>
+                <a:highlight>
+                  <a:srgbClr val="FFFFFF"/>
+                </a:highlight>
+              </a:rPr>
+              <a:t>;</a:t>
+            </a:r>
+            <a:r>
+              <a:rPr lang="en" sz="950">
+                <a:solidFill>
+                  <a:schemeClr val="dk1"/>
+                </a:solidFill>
+                <a:highlight>
+                  <a:srgbClr val="FFFFFF"/>
+                </a:highlight>
+              </a:rPr>
+              <a:t> j </a:t>
+            </a:r>
+            <a:r>
+              <a:rPr lang="en" sz="950">
+                <a:solidFill>
+                  <a:srgbClr val="666600"/>
+                </a:solidFill>
+                <a:highlight>
+                  <a:srgbClr val="FFFFFF"/>
+                </a:highlight>
+              </a:rPr>
+              <a:t>&lt;=</a:t>
+            </a:r>
+            <a:r>
+              <a:rPr lang="en" sz="950">
+                <a:solidFill>
+                  <a:schemeClr val="dk1"/>
+                </a:solidFill>
+                <a:highlight>
+                  <a:srgbClr val="FFFFFF"/>
+                </a:highlight>
+              </a:rPr>
+              <a:t> </a:t>
+            </a:r>
+            <a:r>
+              <a:rPr lang="en" sz="950">
+                <a:solidFill>
+                  <a:srgbClr val="666600"/>
+                </a:solidFill>
+                <a:highlight>
+                  <a:srgbClr val="FFFFFF"/>
+                </a:highlight>
+              </a:rPr>
+              <a:t>( </a:t>
+            </a:r>
+            <a:r>
+              <a:rPr lang="en" sz="950">
+                <a:solidFill>
+                  <a:schemeClr val="dk1"/>
+                </a:solidFill>
+                <a:highlight>
+                  <a:srgbClr val="FFFFFF"/>
+                </a:highlight>
+              </a:rPr>
+              <a:t>i </a:t>
+            </a:r>
+            <a:r>
+              <a:rPr lang="en" sz="950">
+                <a:solidFill>
+                  <a:srgbClr val="666600"/>
+                </a:solidFill>
+                <a:highlight>
+                  <a:srgbClr val="FFFFFF"/>
+                </a:highlight>
+              </a:rPr>
+              <a:t>/ </a:t>
+            </a:r>
+            <a:r>
+              <a:rPr lang="en" sz="950">
+                <a:solidFill>
+                  <a:schemeClr val="dk1"/>
+                </a:solidFill>
+                <a:highlight>
+                  <a:srgbClr val="FFFFFF"/>
+                </a:highlight>
+              </a:rPr>
+              <a:t>j </a:t>
+            </a:r>
+            <a:r>
+              <a:rPr lang="en" sz="950">
+                <a:solidFill>
+                  <a:srgbClr val="666600"/>
+                </a:solidFill>
+                <a:highlight>
+                  <a:srgbClr val="FFFFFF"/>
+                </a:highlight>
+              </a:rPr>
+              <a:t>);</a:t>
+            </a:r>
+            <a:r>
+              <a:rPr lang="en" sz="950">
+                <a:solidFill>
+                  <a:schemeClr val="dk1"/>
+                </a:solidFill>
+                <a:highlight>
+                  <a:srgbClr val="FFFFFF"/>
+                </a:highlight>
+              </a:rPr>
+              <a:t> j</a:t>
+            </a:r>
+            <a:r>
+              <a:rPr lang="en" sz="950">
+                <a:solidFill>
+                  <a:srgbClr val="666600"/>
+                </a:solidFill>
+                <a:highlight>
+                  <a:srgbClr val="FFFFFF"/>
+                </a:highlight>
+              </a:rPr>
+              <a:t>++)</a:t>
+            </a:r>
+            <a:r>
+              <a:rPr lang="en" sz="950">
+                <a:solidFill>
+                  <a:schemeClr val="dk1"/>
+                </a:solidFill>
+                <a:highlight>
+                  <a:srgbClr val="FFFFFF"/>
+                </a:highlight>
+              </a:rPr>
+              <a:t>  {</a:t>
+            </a:r>
+            <a:endParaRPr sz="950">
+              <a:solidFill>
+                <a:schemeClr val="dk1"/>
+              </a:solidFill>
+              <a:highlight>
+                <a:srgbClr val="FFFFFF"/>
+              </a:highlight>
+            </a:endParaRPr>
+          </a:p>
+          <a:p>
+            <a:pPr indent="0" lvl="0" marL="0" rtl="0" algn="l">
+              <a:spcBef>
+                <a:spcPts val="0"/>
+              </a:spcBef>
+              <a:spcAft>
+                <a:spcPts val="0"/>
+              </a:spcAft>
+              <a:buNone/>
+            </a:pPr>
+            <a:r>
+              <a:rPr lang="en" sz="950">
+                <a:solidFill>
+                  <a:schemeClr val="dk1"/>
+                </a:solidFill>
+                <a:highlight>
+                  <a:srgbClr val="FFFFFF"/>
+                </a:highlight>
+              </a:rPr>
+              <a:t>      	</a:t>
+            </a:r>
+            <a:r>
+              <a:rPr lang="en" sz="950">
+                <a:solidFill>
+                  <a:srgbClr val="000088"/>
+                </a:solidFill>
+                <a:highlight>
+                  <a:srgbClr val="FFFFFF"/>
+                </a:highlight>
+              </a:rPr>
+              <a:t>if</a:t>
+            </a:r>
+            <a:r>
+              <a:rPr lang="en" sz="950">
+                <a:solidFill>
+                  <a:srgbClr val="666600"/>
+                </a:solidFill>
+                <a:highlight>
+                  <a:srgbClr val="FFFFFF"/>
+                </a:highlight>
+              </a:rPr>
+              <a:t>(!( </a:t>
+            </a:r>
+            <a:r>
+              <a:rPr lang="en" sz="950">
+                <a:solidFill>
+                  <a:schemeClr val="dk1"/>
+                </a:solidFill>
+                <a:highlight>
+                  <a:srgbClr val="FFFFFF"/>
+                </a:highlight>
+              </a:rPr>
+              <a:t>i</a:t>
+            </a:r>
+            <a:r>
+              <a:rPr lang="en" sz="950">
+                <a:solidFill>
+                  <a:srgbClr val="666600"/>
+                </a:solidFill>
+                <a:highlight>
+                  <a:srgbClr val="FFFFFF"/>
+                </a:highlight>
+              </a:rPr>
+              <a:t>%</a:t>
+            </a:r>
+            <a:r>
+              <a:rPr lang="en" sz="950">
+                <a:solidFill>
+                  <a:schemeClr val="dk1"/>
+                </a:solidFill>
+                <a:highlight>
+                  <a:srgbClr val="FFFFFF"/>
+                </a:highlight>
+              </a:rPr>
+              <a:t>j </a:t>
+            </a:r>
+            <a:r>
+              <a:rPr lang="en" sz="950">
+                <a:solidFill>
+                  <a:srgbClr val="666600"/>
+                </a:solidFill>
+                <a:highlight>
+                  <a:srgbClr val="FFFFFF"/>
+                </a:highlight>
+              </a:rPr>
+              <a:t>))</a:t>
+            </a:r>
+            <a:endParaRPr sz="950">
+              <a:solidFill>
+                <a:srgbClr val="666600"/>
+              </a:solidFill>
+              <a:highlight>
+                <a:srgbClr val="FFFFFF"/>
+              </a:highlight>
+            </a:endParaRPr>
+          </a:p>
+          <a:p>
+            <a:pPr indent="457200" lvl="0" marL="0" rtl="0" algn="l">
+              <a:spcBef>
+                <a:spcPts val="0"/>
+              </a:spcBef>
+              <a:spcAft>
+                <a:spcPts val="0"/>
+              </a:spcAft>
+              <a:buNone/>
+            </a:pPr>
+            <a:r>
+              <a:rPr lang="en" sz="950">
+                <a:solidFill>
+                  <a:schemeClr val="dk1"/>
+                </a:solidFill>
+                <a:highlight>
+                  <a:srgbClr val="FFFFFF"/>
+                </a:highlight>
+              </a:rPr>
+              <a:t> </a:t>
+            </a:r>
+            <a:r>
+              <a:rPr lang="en" sz="950">
+                <a:solidFill>
+                  <a:srgbClr val="000088"/>
+                </a:solidFill>
+                <a:highlight>
+                  <a:srgbClr val="FFFFFF"/>
+                </a:highlight>
+              </a:rPr>
+              <a:t>break</a:t>
+            </a:r>
+            <a:r>
+              <a:rPr lang="en" sz="950">
+                <a:solidFill>
+                  <a:srgbClr val="666600"/>
+                </a:solidFill>
+                <a:highlight>
+                  <a:srgbClr val="FFFFFF"/>
+                </a:highlight>
+              </a:rPr>
+              <a:t>;</a:t>
+            </a:r>
+            <a:r>
+              <a:rPr lang="en" sz="950">
+                <a:solidFill>
+                  <a:schemeClr val="dk1"/>
+                </a:solidFill>
+                <a:highlight>
+                  <a:srgbClr val="FFFFFF"/>
+                </a:highlight>
+              </a:rPr>
+              <a:t> </a:t>
+            </a:r>
+            <a:r>
+              <a:rPr lang="en" sz="950">
+                <a:solidFill>
+                  <a:srgbClr val="880000"/>
+                </a:solidFill>
+                <a:highlight>
+                  <a:srgbClr val="FFFFFF"/>
+                </a:highlight>
+              </a:rPr>
+              <a:t>// if factor found, not prime</a:t>
+            </a:r>
+            <a:endParaRPr sz="950">
+              <a:solidFill>
+                <a:srgbClr val="880000"/>
+              </a:solidFill>
+              <a:highlight>
+                <a:srgbClr val="FFFFFF"/>
+              </a:highlight>
+            </a:endParaRPr>
+          </a:p>
+          <a:p>
+            <a:pPr indent="0" lvl="0" marL="0" rtl="0" algn="l">
+              <a:spcBef>
+                <a:spcPts val="0"/>
+              </a:spcBef>
+              <a:spcAft>
+                <a:spcPts val="0"/>
+              </a:spcAft>
+              <a:buNone/>
+            </a:pPr>
+            <a:r>
+              <a:rPr lang="en" sz="950">
+                <a:solidFill>
+                  <a:srgbClr val="880000"/>
+                </a:solidFill>
+                <a:highlight>
+                  <a:srgbClr val="FFFFFF"/>
+                </a:highlight>
+              </a:rPr>
+              <a:t>      }</a:t>
+            </a:r>
+            <a:endParaRPr sz="950">
+              <a:solidFill>
+                <a:srgbClr val="880000"/>
+              </a:solidFill>
+              <a:highlight>
+                <a:srgbClr val="FFFFFF"/>
+              </a:highlight>
+            </a:endParaRPr>
+          </a:p>
+          <a:p>
+            <a:pPr indent="0" lvl="0" marL="0" rtl="0" algn="l">
+              <a:spcBef>
+                <a:spcPts val="0"/>
+              </a:spcBef>
+              <a:spcAft>
+                <a:spcPts val="0"/>
+              </a:spcAft>
+              <a:buNone/>
+            </a:pPr>
+            <a:r>
+              <a:rPr lang="en" sz="950">
+                <a:solidFill>
+                  <a:schemeClr val="dk1"/>
+                </a:solidFill>
+                <a:highlight>
+                  <a:srgbClr val="FFFFFF"/>
+                </a:highlight>
+              </a:rPr>
+              <a:t>      </a:t>
+            </a:r>
+            <a:r>
+              <a:rPr lang="en" sz="950">
+                <a:solidFill>
+                  <a:srgbClr val="000088"/>
+                </a:solidFill>
+                <a:highlight>
+                  <a:srgbClr val="FFFFFF"/>
+                </a:highlight>
+              </a:rPr>
+              <a:t>if</a:t>
+            </a:r>
+            <a:r>
+              <a:rPr lang="en" sz="950">
+                <a:solidFill>
+                  <a:srgbClr val="666600"/>
+                </a:solidFill>
+                <a:highlight>
+                  <a:srgbClr val="FFFFFF"/>
+                </a:highlight>
+              </a:rPr>
+              <a:t>(</a:t>
+            </a:r>
+            <a:r>
+              <a:rPr lang="en" sz="950">
+                <a:solidFill>
+                  <a:schemeClr val="dk1"/>
+                </a:solidFill>
+                <a:highlight>
+                  <a:srgbClr val="FFFFFF"/>
+                </a:highlight>
+              </a:rPr>
+              <a:t>j </a:t>
+            </a:r>
+            <a:r>
+              <a:rPr lang="en" sz="950">
+                <a:solidFill>
+                  <a:srgbClr val="666600"/>
+                </a:solidFill>
+                <a:highlight>
+                  <a:srgbClr val="FFFFFF"/>
+                </a:highlight>
+              </a:rPr>
+              <a:t>&gt;</a:t>
+            </a:r>
+            <a:r>
+              <a:rPr lang="en" sz="950">
+                <a:solidFill>
+                  <a:schemeClr val="dk1"/>
+                </a:solidFill>
+                <a:highlight>
+                  <a:srgbClr val="FFFFFF"/>
+                </a:highlight>
+              </a:rPr>
+              <a:t> </a:t>
+            </a:r>
+            <a:r>
+              <a:rPr lang="en" sz="950">
+                <a:solidFill>
+                  <a:srgbClr val="666600"/>
+                </a:solidFill>
+                <a:highlight>
+                  <a:srgbClr val="FFFFFF"/>
+                </a:highlight>
+              </a:rPr>
+              <a:t>(</a:t>
+            </a:r>
+            <a:r>
+              <a:rPr lang="en" sz="950">
+                <a:solidFill>
+                  <a:schemeClr val="dk1"/>
+                </a:solidFill>
+                <a:highlight>
+                  <a:srgbClr val="FFFFFF"/>
+                </a:highlight>
+              </a:rPr>
+              <a:t>i</a:t>
+            </a:r>
+            <a:r>
+              <a:rPr lang="en" sz="950">
+                <a:solidFill>
+                  <a:srgbClr val="666600"/>
+                </a:solidFill>
+                <a:highlight>
+                  <a:srgbClr val="FFFFFF"/>
+                </a:highlight>
+              </a:rPr>
+              <a:t>/</a:t>
+            </a:r>
+            <a:r>
+              <a:rPr lang="en" sz="950">
+                <a:solidFill>
+                  <a:schemeClr val="dk1"/>
+                </a:solidFill>
+                <a:highlight>
+                  <a:srgbClr val="FFFFFF"/>
+                </a:highlight>
+              </a:rPr>
+              <a:t>j</a:t>
+            </a:r>
+            <a:r>
+              <a:rPr lang="en" sz="950">
+                <a:solidFill>
+                  <a:srgbClr val="666600"/>
+                </a:solidFill>
+                <a:highlight>
+                  <a:srgbClr val="FFFFFF"/>
+                </a:highlight>
+              </a:rPr>
+              <a:t>))</a:t>
+            </a:r>
+            <a:r>
+              <a:rPr lang="en" sz="950">
+                <a:solidFill>
+                  <a:schemeClr val="dk1"/>
+                </a:solidFill>
+                <a:highlight>
+                  <a:srgbClr val="FFFFFF"/>
+                </a:highlight>
+              </a:rPr>
+              <a:t> printf</a:t>
+            </a:r>
+            <a:r>
+              <a:rPr lang="en" sz="950">
+                <a:solidFill>
+                  <a:srgbClr val="666600"/>
+                </a:solidFill>
+                <a:highlight>
+                  <a:srgbClr val="FFFFFF"/>
+                </a:highlight>
+              </a:rPr>
+              <a:t>(</a:t>
+            </a:r>
+            <a:r>
+              <a:rPr lang="en" sz="950">
+                <a:solidFill>
+                  <a:srgbClr val="008800"/>
+                </a:solidFill>
+                <a:highlight>
+                  <a:srgbClr val="FFFFFF"/>
+                </a:highlight>
+              </a:rPr>
+              <a:t>"%d is prime\n"</a:t>
+            </a:r>
+            <a:r>
+              <a:rPr lang="en" sz="950">
+                <a:solidFill>
+                  <a:srgbClr val="666600"/>
+                </a:solidFill>
+                <a:highlight>
+                  <a:srgbClr val="FFFFFF"/>
+                </a:highlight>
+              </a:rPr>
+              <a:t>,</a:t>
+            </a:r>
+            <a:r>
+              <a:rPr lang="en" sz="950">
+                <a:solidFill>
+                  <a:schemeClr val="dk1"/>
+                </a:solidFill>
+                <a:highlight>
+                  <a:srgbClr val="FFFFFF"/>
+                </a:highlight>
+              </a:rPr>
+              <a:t> i</a:t>
+            </a:r>
+            <a:r>
+              <a:rPr lang="en" sz="950">
+                <a:solidFill>
+                  <a:srgbClr val="666600"/>
+                </a:solidFill>
+                <a:highlight>
+                  <a:srgbClr val="FFFFFF"/>
+                </a:highlight>
+              </a:rPr>
+              <a:t>);</a:t>
+            </a:r>
+            <a:endParaRPr sz="950">
+              <a:solidFill>
+                <a:schemeClr val="dk1"/>
+              </a:solidFill>
+              <a:highlight>
+                <a:srgbClr val="FFFFFF"/>
+              </a:highlight>
+            </a:endParaRPr>
+          </a:p>
+          <a:p>
+            <a:pPr indent="0" lvl="0" marL="0" rtl="0" algn="l">
+              <a:spcBef>
+                <a:spcPts val="0"/>
+              </a:spcBef>
+              <a:spcAft>
+                <a:spcPts val="0"/>
+              </a:spcAft>
+              <a:buNone/>
+            </a:pPr>
+            <a:r>
+              <a:rPr lang="en" sz="950">
+                <a:solidFill>
+                  <a:schemeClr val="dk1"/>
+                </a:solidFill>
+                <a:highlight>
+                  <a:srgbClr val="FFFFFF"/>
+                </a:highlight>
+              </a:rPr>
+              <a:t>   </a:t>
+            </a:r>
+            <a:r>
+              <a:rPr lang="en" sz="950">
+                <a:solidFill>
+                  <a:srgbClr val="666600"/>
+                </a:solidFill>
+                <a:highlight>
+                  <a:srgbClr val="FFFFFF"/>
+                </a:highlight>
+              </a:rPr>
+              <a:t>}</a:t>
+            </a:r>
+            <a:endParaRPr sz="950">
+              <a:solidFill>
+                <a:schemeClr val="dk1"/>
+              </a:solidFill>
+              <a:highlight>
+                <a:srgbClr val="FFFFFF"/>
+              </a:highlight>
+            </a:endParaRPr>
+          </a:p>
+          <a:p>
+            <a:pPr indent="0" lvl="0" marL="0" rtl="0" algn="l">
+              <a:spcBef>
+                <a:spcPts val="0"/>
+              </a:spcBef>
+              <a:spcAft>
+                <a:spcPts val="0"/>
+              </a:spcAft>
+              <a:buNone/>
+            </a:pPr>
+            <a:r>
+              <a:rPr lang="en" sz="950">
+                <a:solidFill>
+                  <a:schemeClr val="dk1"/>
+                </a:solidFill>
+                <a:highlight>
+                  <a:srgbClr val="FFFFFF"/>
+                </a:highlight>
+              </a:rPr>
+              <a:t> </a:t>
+            </a:r>
+            <a:endParaRPr sz="950">
+              <a:solidFill>
+                <a:schemeClr val="dk1"/>
+              </a:solidFill>
+              <a:highlight>
+                <a:srgbClr val="FFFFFF"/>
+              </a:highlight>
+            </a:endParaRPr>
+          </a:p>
+          <a:p>
+            <a:pPr indent="0" lvl="0" marL="0" rtl="0" algn="l">
+              <a:spcBef>
+                <a:spcPts val="0"/>
+              </a:spcBef>
+              <a:spcAft>
+                <a:spcPts val="0"/>
+              </a:spcAft>
+              <a:buNone/>
+            </a:pPr>
+            <a:r>
+              <a:rPr lang="en" sz="950">
+                <a:solidFill>
+                  <a:schemeClr val="dk1"/>
+                </a:solidFill>
+                <a:highlight>
+                  <a:srgbClr val="FFFFFF"/>
+                </a:highlight>
+              </a:rPr>
+              <a:t>   </a:t>
+            </a:r>
+            <a:r>
+              <a:rPr lang="en" sz="950">
+                <a:solidFill>
+                  <a:srgbClr val="000088"/>
+                </a:solidFill>
+                <a:highlight>
+                  <a:srgbClr val="FFFFFF"/>
+                </a:highlight>
+              </a:rPr>
+              <a:t>return</a:t>
+            </a:r>
+            <a:r>
+              <a:rPr lang="en" sz="950">
+                <a:solidFill>
+                  <a:schemeClr val="dk1"/>
+                </a:solidFill>
+                <a:highlight>
+                  <a:srgbClr val="FFFFFF"/>
+                </a:highlight>
+              </a:rPr>
+              <a:t> </a:t>
+            </a:r>
+            <a:r>
+              <a:rPr lang="en" sz="950">
+                <a:solidFill>
+                  <a:srgbClr val="006666"/>
+                </a:solidFill>
+                <a:highlight>
+                  <a:srgbClr val="FFFFFF"/>
+                </a:highlight>
+              </a:rPr>
+              <a:t>0</a:t>
+            </a:r>
+            <a:r>
+              <a:rPr lang="en" sz="950">
+                <a:solidFill>
+                  <a:srgbClr val="666600"/>
+                </a:solidFill>
+                <a:highlight>
+                  <a:srgbClr val="FFFFFF"/>
+                </a:highlight>
+              </a:rPr>
+              <a:t>;</a:t>
+            </a:r>
+            <a:endParaRPr sz="950">
+              <a:solidFill>
+                <a:schemeClr val="dk1"/>
+              </a:solidFill>
+              <a:highlight>
+                <a:srgbClr val="FFFFFF"/>
+              </a:highlight>
+            </a:endParaRPr>
+          </a:p>
+          <a:p>
+            <a:pPr indent="0" lvl="0" marL="25400" marR="25400" rtl="0" algn="l">
+              <a:lnSpc>
+                <a:spcPct val="115000"/>
+              </a:lnSpc>
+              <a:spcBef>
+                <a:spcPts val="0"/>
+              </a:spcBef>
+              <a:spcAft>
+                <a:spcPts val="0"/>
+              </a:spcAft>
+              <a:buClr>
+                <a:schemeClr val="dk1"/>
+              </a:buClr>
+              <a:buSzPts val="1100"/>
+              <a:buFont typeface="Arial"/>
+              <a:buNone/>
+            </a:pPr>
+            <a:r>
+              <a:rPr lang="en" sz="950">
+                <a:solidFill>
+                  <a:srgbClr val="666600"/>
+                </a:solidFill>
+                <a:highlight>
+                  <a:srgbClr val="FFFFFF"/>
+                </a:highlight>
+              </a:rPr>
+              <a:t>}</a:t>
+            </a:r>
+            <a:endParaRPr sz="950">
+              <a:solidFill>
+                <a:srgbClr val="666600"/>
+              </a:solidFill>
+              <a:highlight>
+                <a:srgbClr val="FFFFFF"/>
+              </a:highlight>
+            </a:endParaRPr>
+          </a:p>
+          <a:p>
+            <a:pPr indent="0" lvl="0" marL="0" rtl="0" algn="l">
+              <a:spcBef>
+                <a:spcPts val="0"/>
+              </a:spcBef>
+              <a:spcAft>
+                <a:spcPts val="0"/>
+              </a:spcAft>
+              <a:buNone/>
+            </a:pPr>
+            <a:r>
+              <a:t/>
+            </a:r>
+            <a:endParaRPr sz="1000">
+              <a:solidFill>
+                <a:srgbClr val="222222"/>
+              </a:solidFill>
+              <a:highlight>
+                <a:srgbClr val="FFFFFF"/>
+              </a:highlight>
+            </a:endParaRPr>
+          </a:p>
+        </p:txBody>
+      </p:sp>
+      <p:sp>
+        <p:nvSpPr>
+          <p:cNvPr id="158" name="Google Shape;158;p25"/>
+          <p:cNvSpPr txBox="1"/>
+          <p:nvPr/>
+        </p:nvSpPr>
+        <p:spPr>
+          <a:xfrm>
+            <a:off x="4832175" y="1809725"/>
+            <a:ext cx="3431400" cy="2355000"/>
+          </a:xfrm>
+          <a:prstGeom prst="rect">
+            <a:avLst/>
+          </a:prstGeom>
+          <a:noFill/>
+          <a:ln cap="flat" cmpd="sng" w="9525">
+            <a:solidFill>
+              <a:srgbClr val="000000"/>
+            </a:solidFill>
+            <a:prstDash val="dot"/>
+            <a:round/>
+            <a:headEnd len="sm" w="sm" type="none"/>
+            <a:tailEnd len="sm" w="sm" type="none"/>
+          </a:ln>
+        </p:spPr>
+        <p:txBody>
+          <a:bodyPr anchorCtr="0" anchor="t" bIns="91425" lIns="91425" spcFirstLastPara="1" rIns="91425" wrap="square" tIns="91425">
+            <a:noAutofit/>
+          </a:bodyPr>
+          <a:lstStyle/>
+          <a:p>
+            <a:pPr indent="0" lvl="0" marL="0" rtl="0" algn="l">
+              <a:spcBef>
+                <a:spcPts val="0"/>
+              </a:spcBef>
+              <a:spcAft>
+                <a:spcPts val="0"/>
+              </a:spcAft>
+              <a:buNone/>
+            </a:pPr>
+            <a:r>
+              <a:rPr lang="en"/>
+              <a:t>Output: </a:t>
+            </a:r>
+            <a:endParaRPr/>
+          </a:p>
+          <a:p>
+            <a:pPr indent="0" lvl="0" marL="0" rtl="0" algn="l">
+              <a:spcBef>
+                <a:spcPts val="0"/>
+              </a:spcBef>
+              <a:spcAft>
+                <a:spcPts val="0"/>
+              </a:spcAft>
+              <a:buNone/>
+            </a:pPr>
+            <a:r>
+              <a:t/>
+            </a:r>
+            <a:endParaRPr/>
+          </a:p>
+          <a:p>
+            <a:pPr indent="0" lvl="0" marL="0" rtl="0" algn="l">
+              <a:spcBef>
+                <a:spcPts val="0"/>
+              </a:spcBef>
+              <a:spcAft>
+                <a:spcPts val="0"/>
+              </a:spcAft>
+              <a:buNone/>
+            </a:pPr>
+            <a:r>
+              <a:rPr lang="en" sz="1150">
+                <a:solidFill>
+                  <a:schemeClr val="dk1"/>
+                </a:solidFill>
+                <a:highlight>
+                  <a:srgbClr val="FFFFFF"/>
+                </a:highlight>
+              </a:rPr>
+              <a:t>2 is prime</a:t>
+            </a:r>
+            <a:endParaRPr sz="1150">
+              <a:solidFill>
+                <a:schemeClr val="dk1"/>
+              </a:solidFill>
+              <a:highlight>
+                <a:srgbClr val="FFFFFF"/>
+              </a:highlight>
+            </a:endParaRPr>
+          </a:p>
+          <a:p>
+            <a:pPr indent="0" lvl="0" marL="0" rtl="0" algn="l">
+              <a:spcBef>
+                <a:spcPts val="0"/>
+              </a:spcBef>
+              <a:spcAft>
+                <a:spcPts val="0"/>
+              </a:spcAft>
+              <a:buNone/>
+            </a:pPr>
+            <a:r>
+              <a:rPr lang="en" sz="1150">
+                <a:solidFill>
+                  <a:schemeClr val="dk1"/>
+                </a:solidFill>
+                <a:highlight>
+                  <a:srgbClr val="FFFFFF"/>
+                </a:highlight>
+              </a:rPr>
+              <a:t>3 is prime</a:t>
+            </a:r>
+            <a:endParaRPr sz="1150">
+              <a:solidFill>
+                <a:schemeClr val="dk1"/>
+              </a:solidFill>
+              <a:highlight>
+                <a:srgbClr val="FFFFFF"/>
+              </a:highlight>
+            </a:endParaRPr>
+          </a:p>
+          <a:p>
+            <a:pPr indent="0" lvl="0" marL="0" rtl="0" algn="l">
+              <a:spcBef>
+                <a:spcPts val="0"/>
+              </a:spcBef>
+              <a:spcAft>
+                <a:spcPts val="0"/>
+              </a:spcAft>
+              <a:buNone/>
+            </a:pPr>
+            <a:r>
+              <a:rPr lang="en" sz="1150">
+                <a:solidFill>
+                  <a:schemeClr val="dk1"/>
+                </a:solidFill>
+                <a:highlight>
+                  <a:srgbClr val="FFFFFF"/>
+                </a:highlight>
+              </a:rPr>
+              <a:t>5 is prime</a:t>
+            </a:r>
+            <a:endParaRPr sz="1150">
+              <a:solidFill>
+                <a:schemeClr val="dk1"/>
+              </a:solidFill>
+              <a:highlight>
+                <a:srgbClr val="FFFFFF"/>
+              </a:highlight>
+            </a:endParaRPr>
+          </a:p>
+          <a:p>
+            <a:pPr indent="0" lvl="0" marL="0" rtl="0" algn="l">
+              <a:spcBef>
+                <a:spcPts val="0"/>
+              </a:spcBef>
+              <a:spcAft>
+                <a:spcPts val="0"/>
+              </a:spcAft>
+              <a:buNone/>
+            </a:pPr>
+            <a:r>
+              <a:rPr lang="en" sz="1150">
+                <a:solidFill>
+                  <a:schemeClr val="dk1"/>
+                </a:solidFill>
+                <a:highlight>
+                  <a:srgbClr val="FFFFFF"/>
+                </a:highlight>
+              </a:rPr>
+              <a:t>7 is prime</a:t>
+            </a:r>
+            <a:endParaRPr sz="1150">
+              <a:solidFill>
+                <a:schemeClr val="dk1"/>
+              </a:solidFill>
+              <a:highlight>
+                <a:srgbClr val="FFFFFF"/>
+              </a:highlight>
+            </a:endParaRPr>
+          </a:p>
+          <a:p>
+            <a:pPr indent="0" lvl="0" marL="0" rtl="0" algn="l">
+              <a:spcBef>
+                <a:spcPts val="0"/>
+              </a:spcBef>
+              <a:spcAft>
+                <a:spcPts val="0"/>
+              </a:spcAft>
+              <a:buNone/>
+            </a:pPr>
+            <a:r>
+              <a:rPr lang="en" sz="1150">
+                <a:solidFill>
+                  <a:schemeClr val="dk1"/>
+                </a:solidFill>
+                <a:highlight>
+                  <a:srgbClr val="FFFFFF"/>
+                </a:highlight>
+              </a:rPr>
+              <a:t>11 is prime</a:t>
+            </a:r>
+            <a:endParaRPr sz="1150">
+              <a:solidFill>
+                <a:schemeClr val="dk1"/>
+              </a:solidFill>
+              <a:highlight>
+                <a:srgbClr val="FFFFFF"/>
+              </a:highlight>
+            </a:endParaRPr>
+          </a:p>
+          <a:p>
+            <a:pPr indent="0" lvl="0" marL="0" rtl="0" algn="l">
+              <a:spcBef>
+                <a:spcPts val="0"/>
+              </a:spcBef>
+              <a:spcAft>
+                <a:spcPts val="0"/>
+              </a:spcAft>
+              <a:buNone/>
+            </a:pPr>
+            <a:r>
+              <a:rPr lang="en" sz="1150">
+                <a:solidFill>
+                  <a:schemeClr val="dk1"/>
+                </a:solidFill>
+                <a:highlight>
+                  <a:srgbClr val="FFFFFF"/>
+                </a:highlight>
+              </a:rPr>
+              <a:t>13 is prime</a:t>
+            </a:r>
+            <a:endParaRPr sz="1150">
+              <a:solidFill>
+                <a:schemeClr val="dk1"/>
+              </a:solidFill>
+              <a:highlight>
+                <a:srgbClr val="FFFFFF"/>
+              </a:highlight>
+            </a:endParaRPr>
+          </a:p>
+          <a:p>
+            <a:pPr indent="0" lvl="0" marL="0" rtl="0" algn="l">
+              <a:spcBef>
+                <a:spcPts val="0"/>
+              </a:spcBef>
+              <a:spcAft>
+                <a:spcPts val="0"/>
+              </a:spcAft>
+              <a:buNone/>
+            </a:pPr>
+            <a:r>
+              <a:rPr lang="en" sz="1150">
+                <a:solidFill>
+                  <a:schemeClr val="dk1"/>
+                </a:solidFill>
+                <a:highlight>
+                  <a:srgbClr val="FFFFFF"/>
+                </a:highlight>
+              </a:rPr>
+              <a:t>17 is prime</a:t>
+            </a:r>
+            <a:endParaRPr sz="1150">
+              <a:solidFill>
+                <a:schemeClr val="dk1"/>
+              </a:solidFill>
+              <a:highlight>
+                <a:srgbClr val="FFFFFF"/>
+              </a:highlight>
+            </a:endParaRPr>
+          </a:p>
+          <a:p>
+            <a:pPr indent="0" lvl="0" marL="0" marR="50800" rtl="0" algn="l">
+              <a:lnSpc>
+                <a:spcPct val="115000"/>
+              </a:lnSpc>
+              <a:spcBef>
+                <a:spcPts val="0"/>
+              </a:spcBef>
+              <a:spcAft>
+                <a:spcPts val="0"/>
+              </a:spcAft>
+              <a:buClr>
+                <a:schemeClr val="dk1"/>
+              </a:buClr>
+              <a:buSzPts val="1100"/>
+              <a:buFont typeface="Arial"/>
+              <a:buNone/>
+            </a:pPr>
+            <a:r>
+              <a:rPr lang="en" sz="1150">
+                <a:solidFill>
+                  <a:schemeClr val="dk1"/>
+                </a:solidFill>
+                <a:highlight>
+                  <a:srgbClr val="FFFFFF"/>
+                </a:highlight>
+              </a:rPr>
+              <a:t>19 is prime</a:t>
+            </a:r>
+            <a:endParaRPr sz="1150">
+              <a:solidFill>
+                <a:schemeClr val="dk1"/>
+              </a:solidFill>
+              <a:highlight>
+                <a:srgbClr val="FFFFFF"/>
+              </a:highlight>
+            </a:endParaRPr>
+          </a:p>
+          <a:p>
+            <a:pPr indent="0" lvl="0" marL="0" rtl="0" algn="l">
+              <a:spcBef>
+                <a:spcPts val="0"/>
+              </a:spcBef>
+              <a:spcAft>
+                <a:spcPts val="0"/>
+              </a:spcAft>
+              <a:buNone/>
+            </a:pPr>
+            <a:r>
+              <a:t/>
+            </a:r>
+            <a:endParaRPr/>
+          </a:p>
+        </p:txBody>
+      </p:sp>
+    </p:spTree>
+  </p:cSld>
+  <p:clrMapOvr>
+    <a:masterClrMapping/>
+  </p:clrMapOvr>
+</p:sld>
+</file>
+
+<file path=ppt/slides/slide13.xml><?xml version="1.0" encoding="utf-8"?>
+<p:sld xmlns:a="http://schemas.openxmlformats.org/drawingml/2006/main" xmlns:r="http://schemas.openxmlformats.org/officeDocument/2006/relationships" xmlns:mc="http://schemas.openxmlformats.org/markup-compatibility/2006" xmlns:mv="urn:schemas-microsoft-com:mac:vml" xmlns:p="http://schemas.openxmlformats.org/presentationml/2006/main" xmlns:c="http://schemas.openxmlformats.org/drawingml/2006/chart" xmlns:dgm="http://schemas.openxmlformats.org/drawingml/2006/diagram" xmlns:o="urn:schemas-microsoft-com:office:office" xmlns:v="urn:schemas-microsoft-com:vml" xmlns:pvml="urn:schemas-microsoft-com:office:powerpoint" xmlns:com="http://schemas.openxmlformats.org/drawingml/2006/compatibility" xmlns:p14="http://schemas.microsoft.com/office/powerpoint/2010/main" xmlns:p15="http://schemas.microsoft.com/office/powerpoint/2012/main" xmlns:ahyp="http://schemas.microsoft.com/office/drawing/2018/hyperlinkcolor">
+  <p:cSld>
+    <p:spTree>
+      <p:nvGrpSpPr>
+        <p:cNvPr id="162" name="Shape 162"/>
+        <p:cNvGrpSpPr/>
+        <p:nvPr/>
+      </p:nvGrpSpPr>
+      <p:grpSpPr>
+        <a:xfrm>
+          <a:off x="0" y="0"/>
+          <a:ext cx="0" cy="0"/>
+          <a:chOff x="0" y="0"/>
+          <a:chExt cx="0" cy="0"/>
+        </a:xfrm>
+      </p:grpSpPr>
+      <p:sp>
+        <p:nvSpPr>
+          <p:cNvPr id="163" name="Google Shape;163;p26"/>
+          <p:cNvSpPr txBox="1"/>
+          <p:nvPr/>
+        </p:nvSpPr>
+        <p:spPr>
+          <a:xfrm>
             <a:off x="468850" y="0"/>
             <a:ext cx="8549400" cy="4215300"/>
           </a:xfrm>
@@ -12452,7 +14936,7 @@
       </p:sp>
       <p:sp>
         <p:nvSpPr>
-          <p:cNvPr id="158" name="Google Shape;158;p25"/>
+          <p:cNvPr id="164" name="Google Shape;164;p26"/>
           <p:cNvSpPr txBox="1"/>
           <p:nvPr/>
         </p:nvSpPr>
@@ -12562,12 +15046,12 @@
 </p:sld>
 </file>
 
-<file path=ppt/slides/slide13.xml><?xml version="1.0" encoding="utf-8"?>
-<p:sld xmlns:a="http://schemas.openxmlformats.org/drawingml/2006/main" xmlns:r="http://schemas.openxmlformats.org/officeDocument/2006/relationships" xmlns:mc="http://schemas.openxmlformats.org/markup-compatibility/2006" xmlns:mv="urn:schemas-microsoft-com:mac:vml" xmlns:p="http://schemas.openxmlformats.org/presentationml/2006/main" xmlns:c="http://schemas.openxmlformats.org/drawingml/2006/chart" xmlns:dgm="http://schemas.openxmlformats.org/drawingml/2006/diagram" xmlns:o="urn:schemas-microsoft-com:office:office" xmlns:v="urn:schemas-microsoft-com:vml" xmlns:pvml="urn:schemas-microsoft-com:office:powerpoint" xmlns:com="http://schemas.openxmlformats.org/drawingml/2006/compatibility" xmlns:p14="http://schemas.microsoft.com/office/powerpoint/2010/main" xmlns:p15="http://schemas.microsoft.com/office/powerpoint/2012/main">
+<file path=ppt/slides/slide14.xml><?xml version="1.0" encoding="utf-8"?>
+<p:sld xmlns:a="http://schemas.openxmlformats.org/drawingml/2006/main" xmlns:r="http://schemas.openxmlformats.org/officeDocument/2006/relationships" xmlns:mc="http://schemas.openxmlformats.org/markup-compatibility/2006" xmlns:mv="urn:schemas-microsoft-com:mac:vml" xmlns:p="http://schemas.openxmlformats.org/presentationml/2006/main" xmlns:c="http://schemas.openxmlformats.org/drawingml/2006/chart" xmlns:dgm="http://schemas.openxmlformats.org/drawingml/2006/diagram" xmlns:o="urn:schemas-microsoft-com:office:office" xmlns:v="urn:schemas-microsoft-com:vml" xmlns:pvml="urn:schemas-microsoft-com:office:powerpoint" xmlns:com="http://schemas.openxmlformats.org/drawingml/2006/compatibility" xmlns:p14="http://schemas.microsoft.com/office/powerpoint/2010/main" xmlns:p15="http://schemas.microsoft.com/office/powerpoint/2012/main" xmlns:ahyp="http://schemas.microsoft.com/office/drawing/2018/hyperlinkcolor">
   <p:cSld>
     <p:spTree>
       <p:nvGrpSpPr>
-        <p:cNvPr id="162" name="Shape 162"/>
+        <p:cNvPr id="168" name="Shape 168"/>
         <p:cNvGrpSpPr/>
         <p:nvPr/>
       </p:nvGrpSpPr>
@@ -12581,7 +15065,7 @@
       </p:grpSpPr>
       <p:sp>
         <p:nvSpPr>
-          <p:cNvPr id="163" name="Google Shape;163;p26"/>
+          <p:cNvPr id="169" name="Google Shape;169;p27"/>
           <p:cNvSpPr txBox="1"/>
           <p:nvPr/>
         </p:nvSpPr>
@@ -12905,12 +15389,12 @@
 </p:sld>
 </file>
 
-<file path=ppt/slides/slide14.xml><?xml version="1.0" encoding="utf-8"?>
-<p:sld xmlns:a="http://schemas.openxmlformats.org/drawingml/2006/main" xmlns:r="http://schemas.openxmlformats.org/officeDocument/2006/relationships" xmlns:mc="http://schemas.openxmlformats.org/markup-compatibility/2006" xmlns:mv="urn:schemas-microsoft-com:mac:vml" xmlns:p="http://schemas.openxmlformats.org/presentationml/2006/main" xmlns:c="http://schemas.openxmlformats.org/drawingml/2006/chart" xmlns:dgm="http://schemas.openxmlformats.org/drawingml/2006/diagram" xmlns:o="urn:schemas-microsoft-com:office:office" xmlns:v="urn:schemas-microsoft-com:vml" xmlns:pvml="urn:schemas-microsoft-com:office:powerpoint" xmlns:com="http://schemas.openxmlformats.org/drawingml/2006/compatibility" xmlns:p14="http://schemas.microsoft.com/office/powerpoint/2010/main" xmlns:p15="http://schemas.microsoft.com/office/powerpoint/2012/main">
+<file path=ppt/slides/slide15.xml><?xml version="1.0" encoding="utf-8"?>
+<p:sld xmlns:a="http://schemas.openxmlformats.org/drawingml/2006/main" xmlns:r="http://schemas.openxmlformats.org/officeDocument/2006/relationships" xmlns:mc="http://schemas.openxmlformats.org/markup-compatibility/2006" xmlns:mv="urn:schemas-microsoft-com:mac:vml" xmlns:p="http://schemas.openxmlformats.org/presentationml/2006/main" xmlns:c="http://schemas.openxmlformats.org/drawingml/2006/chart" xmlns:dgm="http://schemas.openxmlformats.org/drawingml/2006/diagram" xmlns:o="urn:schemas-microsoft-com:office:office" xmlns:v="urn:schemas-microsoft-com:vml" xmlns:pvml="urn:schemas-microsoft-com:office:powerpoint" xmlns:com="http://schemas.openxmlformats.org/drawingml/2006/compatibility" xmlns:p14="http://schemas.microsoft.com/office/powerpoint/2010/main" xmlns:p15="http://schemas.microsoft.com/office/powerpoint/2012/main" xmlns:ahyp="http://schemas.microsoft.com/office/drawing/2018/hyperlinkcolor">
   <p:cSld>
     <p:spTree>
       <p:nvGrpSpPr>
-        <p:cNvPr id="167" name="Shape 167"/>
+        <p:cNvPr id="173" name="Shape 173"/>
         <p:cNvGrpSpPr/>
         <p:nvPr/>
       </p:nvGrpSpPr>
@@ -12924,7 +15408,7 @@
       </p:grpSpPr>
       <p:sp>
         <p:nvSpPr>
-          <p:cNvPr id="168" name="Google Shape;168;p27"/>
+          <p:cNvPr id="174" name="Google Shape;174;p28"/>
           <p:cNvSpPr txBox="1"/>
           <p:nvPr/>
         </p:nvSpPr>
@@ -13342,7 +15826,7 @@
       </p:sp>
       <p:sp>
         <p:nvSpPr>
-          <p:cNvPr id="169" name="Google Shape;169;p27"/>
+          <p:cNvPr id="175" name="Google Shape;175;p28"/>
           <p:cNvSpPr txBox="1"/>
           <p:nvPr/>
         </p:nvSpPr>
@@ -13440,12 +15924,12 @@
 </p:sld>
 </file>
 
-<file path=ppt/slides/slide15.xml><?xml version="1.0" encoding="utf-8"?>
-<p:sld xmlns:a="http://schemas.openxmlformats.org/drawingml/2006/main" xmlns:r="http://schemas.openxmlformats.org/officeDocument/2006/relationships" xmlns:mc="http://schemas.openxmlformats.org/markup-compatibility/2006" xmlns:mv="urn:schemas-microsoft-com:mac:vml" xmlns:p="http://schemas.openxmlformats.org/presentationml/2006/main" xmlns:c="http://schemas.openxmlformats.org/drawingml/2006/chart" xmlns:dgm="http://schemas.openxmlformats.org/drawingml/2006/diagram" xmlns:o="urn:schemas-microsoft-com:office:office" xmlns:v="urn:schemas-microsoft-com:vml" xmlns:pvml="urn:schemas-microsoft-com:office:powerpoint" xmlns:com="http://schemas.openxmlformats.org/drawingml/2006/compatibility" xmlns:p14="http://schemas.microsoft.com/office/powerpoint/2010/main" xmlns:p15="http://schemas.microsoft.com/office/powerpoint/2012/main">
+<file path=ppt/slides/slide16.xml><?xml version="1.0" encoding="utf-8"?>
+<p:sld xmlns:a="http://schemas.openxmlformats.org/drawingml/2006/main" xmlns:r="http://schemas.openxmlformats.org/officeDocument/2006/relationships" xmlns:mc="http://schemas.openxmlformats.org/markup-compatibility/2006" xmlns:mv="urn:schemas-microsoft-com:mac:vml" xmlns:p="http://schemas.openxmlformats.org/presentationml/2006/main" xmlns:c="http://schemas.openxmlformats.org/drawingml/2006/chart" xmlns:dgm="http://schemas.openxmlformats.org/drawingml/2006/diagram" xmlns:o="urn:schemas-microsoft-com:office:office" xmlns:v="urn:schemas-microsoft-com:vml" xmlns:pvml="urn:schemas-microsoft-com:office:powerpoint" xmlns:com="http://schemas.openxmlformats.org/drawingml/2006/compatibility" xmlns:p14="http://schemas.microsoft.com/office/powerpoint/2010/main" xmlns:p15="http://schemas.microsoft.com/office/powerpoint/2012/main" xmlns:ahyp="http://schemas.microsoft.com/office/drawing/2018/hyperlinkcolor">
   <p:cSld>
     <p:spTree>
       <p:nvGrpSpPr>
-        <p:cNvPr id="173" name="Shape 173"/>
+        <p:cNvPr id="179" name="Shape 179"/>
         <p:cNvGrpSpPr/>
         <p:nvPr/>
       </p:nvGrpSpPr>
@@ -13459,7 +15943,7 @@
       </p:grpSpPr>
       <p:sp>
         <p:nvSpPr>
-          <p:cNvPr id="174" name="Google Shape;174;p28"/>
+          <p:cNvPr id="180" name="Google Shape;180;p29"/>
           <p:cNvSpPr txBox="1"/>
           <p:nvPr/>
         </p:nvSpPr>
@@ -13764,12 +16248,12 @@
 </p:sld>
 </file>
 
-<file path=ppt/slides/slide16.xml><?xml version="1.0" encoding="utf-8"?>
-<p:sld xmlns:a="http://schemas.openxmlformats.org/drawingml/2006/main" xmlns:r="http://schemas.openxmlformats.org/officeDocument/2006/relationships" xmlns:mc="http://schemas.openxmlformats.org/markup-compatibility/2006" xmlns:mv="urn:schemas-microsoft-com:mac:vml" xmlns:p="http://schemas.openxmlformats.org/presentationml/2006/main" xmlns:c="http://schemas.openxmlformats.org/drawingml/2006/chart" xmlns:dgm="http://schemas.openxmlformats.org/drawingml/2006/diagram" xmlns:o="urn:schemas-microsoft-com:office:office" xmlns:v="urn:schemas-microsoft-com:vml" xmlns:pvml="urn:schemas-microsoft-com:office:powerpoint" xmlns:com="http://schemas.openxmlformats.org/drawingml/2006/compatibility" xmlns:p14="http://schemas.microsoft.com/office/powerpoint/2010/main" xmlns:p15="http://schemas.microsoft.com/office/powerpoint/2012/main">
+<file path=ppt/slides/slide17.xml><?xml version="1.0" encoding="utf-8"?>
+<p:sld xmlns:a="http://schemas.openxmlformats.org/drawingml/2006/main" xmlns:r="http://schemas.openxmlformats.org/officeDocument/2006/relationships" xmlns:mc="http://schemas.openxmlformats.org/markup-compatibility/2006" xmlns:mv="urn:schemas-microsoft-com:mac:vml" xmlns:p="http://schemas.openxmlformats.org/presentationml/2006/main" xmlns:c="http://schemas.openxmlformats.org/drawingml/2006/chart" xmlns:dgm="http://schemas.openxmlformats.org/drawingml/2006/diagram" xmlns:o="urn:schemas-microsoft-com:office:office" xmlns:v="urn:schemas-microsoft-com:vml" xmlns:pvml="urn:schemas-microsoft-com:office:powerpoint" xmlns:com="http://schemas.openxmlformats.org/drawingml/2006/compatibility" xmlns:p14="http://schemas.microsoft.com/office/powerpoint/2010/main" xmlns:p15="http://schemas.microsoft.com/office/powerpoint/2012/main" xmlns:ahyp="http://schemas.microsoft.com/office/drawing/2018/hyperlinkcolor">
   <p:cSld>
     <p:spTree>
       <p:nvGrpSpPr>
-        <p:cNvPr id="178" name="Shape 178"/>
+        <p:cNvPr id="184" name="Shape 184"/>
         <p:cNvGrpSpPr/>
         <p:nvPr/>
       </p:nvGrpSpPr>
@@ -13783,7 +16267,347 @@
       </p:grpSpPr>
       <p:sp>
         <p:nvSpPr>
-          <p:cNvPr id="179" name="Google Shape;179;p29"/>
+          <p:cNvPr id="185" name="Google Shape;185;p30"/>
+          <p:cNvSpPr txBox="1"/>
+          <p:nvPr>
+            <p:ph idx="1" type="body"/>
+          </p:nvPr>
+        </p:nvSpPr>
+        <p:spPr>
+          <a:xfrm>
+            <a:off x="311700" y="307275"/>
+            <a:ext cx="8520600" cy="4500300"/>
+          </a:xfrm>
+          <a:prstGeom prst="rect">
+            <a:avLst/>
+          </a:prstGeom>
+        </p:spPr>
+        <p:txBody>
+          <a:bodyPr anchorCtr="0" anchor="t" bIns="91425" lIns="91425" spcFirstLastPara="1" rIns="91425" wrap="square" tIns="91425">
+            <a:noAutofit/>
+          </a:bodyPr>
+          <a:lstStyle/>
+          <a:p>
+            <a:pPr indent="0" lvl="0" marL="457200" rtl="0" algn="l">
+              <a:spcBef>
+                <a:spcPts val="800"/>
+              </a:spcBef>
+              <a:spcAft>
+                <a:spcPts val="0"/>
+              </a:spcAft>
+              <a:buNone/>
+            </a:pPr>
+            <a:r>
+              <a:rPr b="1" lang="en" sz="1400">
+                <a:solidFill>
+                  <a:schemeClr val="dk1"/>
+                </a:solidFill>
+                <a:highlight>
+                  <a:srgbClr val="FFFFFF"/>
+                </a:highlight>
+              </a:rPr>
+              <a:t>Usage Of Functions</a:t>
+            </a:r>
+            <a:endParaRPr b="1" sz="1400">
+              <a:solidFill>
+                <a:schemeClr val="dk1"/>
+              </a:solidFill>
+              <a:highlight>
+                <a:srgbClr val="FFFFFF"/>
+              </a:highlight>
+            </a:endParaRPr>
+          </a:p>
+          <a:p>
+            <a:pPr indent="-292100" lvl="0" marL="457200" rtl="0" algn="l">
+              <a:lnSpc>
+                <a:spcPct val="150000"/>
+              </a:lnSpc>
+              <a:spcBef>
+                <a:spcPts val="800"/>
+              </a:spcBef>
+              <a:spcAft>
+                <a:spcPts val="0"/>
+              </a:spcAft>
+              <a:buClr>
+                <a:schemeClr val="dk1"/>
+              </a:buClr>
+              <a:buSzPts val="1000"/>
+              <a:buFont typeface="Arial"/>
+              <a:buChar char="●"/>
+            </a:pPr>
+            <a:r>
+              <a:rPr lang="en" sz="1000" u="sng">
+                <a:solidFill>
+                  <a:schemeClr val="dk1"/>
+                </a:solidFill>
+                <a:highlight>
+                  <a:srgbClr val="FFFFFF"/>
+                </a:highlight>
+              </a:rPr>
+              <a:t>Organization</a:t>
+            </a:r>
+            <a:r>
+              <a:rPr lang="en" sz="1000">
+                <a:solidFill>
+                  <a:schemeClr val="dk1"/>
+                </a:solidFill>
+                <a:highlight>
+                  <a:srgbClr val="FFFFFF"/>
+                </a:highlight>
+              </a:rPr>
+              <a:t> - As programs grow in complexity, having all the code live inside the main() function becomes increasingly complicated. A function is almost like a mini-program. This allows us to reduce a complicated program into smaller, more manageable chunks, which reduces the overall complexity of our program.</a:t>
+            </a:r>
+            <a:endParaRPr sz="1000">
+              <a:solidFill>
+                <a:schemeClr val="dk1"/>
+              </a:solidFill>
+              <a:highlight>
+                <a:srgbClr val="FFFFFF"/>
+              </a:highlight>
+            </a:endParaRPr>
+          </a:p>
+          <a:p>
+            <a:pPr indent="-292100" lvl="0" marL="457200" rtl="0" algn="l">
+              <a:lnSpc>
+                <a:spcPct val="150000"/>
+              </a:lnSpc>
+              <a:spcBef>
+                <a:spcPts val="0"/>
+              </a:spcBef>
+              <a:spcAft>
+                <a:spcPts val="0"/>
+              </a:spcAft>
+              <a:buClr>
+                <a:schemeClr val="dk1"/>
+              </a:buClr>
+              <a:buSzPts val="1000"/>
+              <a:buFont typeface="Arial"/>
+              <a:buChar char="●"/>
+            </a:pPr>
+            <a:r>
+              <a:rPr lang="en" sz="1000" u="sng">
+                <a:solidFill>
+                  <a:schemeClr val="dk1"/>
+                </a:solidFill>
+                <a:highlight>
+                  <a:srgbClr val="FFFFFF"/>
+                </a:highlight>
+              </a:rPr>
+              <a:t>Reusability</a:t>
+            </a:r>
+            <a:r>
+              <a:rPr lang="en" sz="1000">
+                <a:solidFill>
+                  <a:schemeClr val="dk1"/>
+                </a:solidFill>
+                <a:highlight>
+                  <a:srgbClr val="FFFFFF"/>
+                </a:highlight>
+              </a:rPr>
+              <a:t> - Once a function is written, it can be called multiple times from within the program. This avoids duplicated code (“Don’t Repeat Yourself”) and minimizes the probability of copy/paste errors. Functions can also be shared with other programs, reducing the amount of code that has to be written from scratch (and retested) each time.</a:t>
+            </a:r>
+            <a:endParaRPr sz="1000">
+              <a:solidFill>
+                <a:schemeClr val="dk1"/>
+              </a:solidFill>
+              <a:highlight>
+                <a:srgbClr val="FFFFFF"/>
+              </a:highlight>
+            </a:endParaRPr>
+          </a:p>
+          <a:p>
+            <a:pPr indent="0" lvl="0" marL="0" rtl="0" algn="l">
+              <a:lnSpc>
+                <a:spcPct val="150000"/>
+              </a:lnSpc>
+              <a:spcBef>
+                <a:spcPts val="800"/>
+              </a:spcBef>
+              <a:spcAft>
+                <a:spcPts val="0"/>
+              </a:spcAft>
+              <a:buNone/>
+            </a:pPr>
+            <a:r>
+              <a:t/>
+            </a:r>
+            <a:endParaRPr sz="1000">
+              <a:solidFill>
+                <a:schemeClr val="dk1"/>
+              </a:solidFill>
+              <a:highlight>
+                <a:srgbClr val="FFFFFF"/>
+              </a:highlight>
+            </a:endParaRPr>
+          </a:p>
+          <a:p>
+            <a:pPr indent="-292100" lvl="0" marL="457200" rtl="0" algn="l">
+              <a:lnSpc>
+                <a:spcPct val="150000"/>
+              </a:lnSpc>
+              <a:spcBef>
+                <a:spcPts val="800"/>
+              </a:spcBef>
+              <a:spcAft>
+                <a:spcPts val="0"/>
+              </a:spcAft>
+              <a:buClr>
+                <a:schemeClr val="dk1"/>
+              </a:buClr>
+              <a:buSzPts val="1000"/>
+              <a:buFont typeface="Arial"/>
+              <a:buChar char="●"/>
+            </a:pPr>
+            <a:r>
+              <a:rPr lang="en" sz="1000" u="sng">
+                <a:solidFill>
+                  <a:schemeClr val="dk1"/>
+                </a:solidFill>
+                <a:highlight>
+                  <a:srgbClr val="FFFFFF"/>
+                </a:highlight>
+              </a:rPr>
+              <a:t>Extensibility</a:t>
+            </a:r>
+            <a:r>
+              <a:rPr lang="en" sz="1000">
+                <a:solidFill>
+                  <a:schemeClr val="dk1"/>
+                </a:solidFill>
+                <a:highlight>
+                  <a:srgbClr val="FFFFFF"/>
+                </a:highlight>
+              </a:rPr>
+              <a:t> - When we need to extend our program to handle a case it didn’t handle before, functions allow us to make the change in one place and have that change take effect every time the function is called.</a:t>
+            </a:r>
+            <a:endParaRPr sz="1000">
+              <a:solidFill>
+                <a:schemeClr val="dk1"/>
+              </a:solidFill>
+              <a:highlight>
+                <a:srgbClr val="FFFFFF"/>
+              </a:highlight>
+            </a:endParaRPr>
+          </a:p>
+          <a:p>
+            <a:pPr indent="0" lvl="0" marL="0" rtl="0" algn="l">
+              <a:lnSpc>
+                <a:spcPct val="150000"/>
+              </a:lnSpc>
+              <a:spcBef>
+                <a:spcPts val="800"/>
+              </a:spcBef>
+              <a:spcAft>
+                <a:spcPts val="0"/>
+              </a:spcAft>
+              <a:buNone/>
+            </a:pPr>
+            <a:r>
+              <a:t/>
+            </a:r>
+            <a:endParaRPr sz="1000">
+              <a:solidFill>
+                <a:schemeClr val="dk1"/>
+              </a:solidFill>
+              <a:highlight>
+                <a:srgbClr val="FFFFFF"/>
+              </a:highlight>
+            </a:endParaRPr>
+          </a:p>
+          <a:p>
+            <a:pPr indent="-292100" lvl="0" marL="457200" rtl="0" algn="l">
+              <a:lnSpc>
+                <a:spcPct val="150000"/>
+              </a:lnSpc>
+              <a:spcBef>
+                <a:spcPts val="800"/>
+              </a:spcBef>
+              <a:spcAft>
+                <a:spcPts val="0"/>
+              </a:spcAft>
+              <a:buClr>
+                <a:schemeClr val="dk1"/>
+              </a:buClr>
+              <a:buSzPts val="1000"/>
+              <a:buFont typeface="Arial"/>
+              <a:buChar char="●"/>
+            </a:pPr>
+            <a:r>
+              <a:rPr lang="en" sz="1000" u="sng">
+                <a:solidFill>
+                  <a:schemeClr val="dk1"/>
+                </a:solidFill>
+                <a:highlight>
+                  <a:srgbClr val="FFFFFF"/>
+                </a:highlight>
+              </a:rPr>
+              <a:t>Abstraction</a:t>
+            </a:r>
+            <a:r>
+              <a:rPr lang="en" sz="1000">
+                <a:solidFill>
+                  <a:schemeClr val="dk1"/>
+                </a:solidFill>
+                <a:highlight>
+                  <a:srgbClr val="FFFFFF"/>
+                </a:highlight>
+              </a:rPr>
+              <a:t> - In order to use a function, you only need to know its name, inputs, outputs, and where it lives. You don’t need to know how it works, or what other code it’s dependent upon to use it. This lowers the amount of knowledge required to use other people’s code (including everything in the standard library).</a:t>
+            </a:r>
+            <a:endParaRPr sz="1000">
+              <a:solidFill>
+                <a:schemeClr val="dk1"/>
+              </a:solidFill>
+              <a:highlight>
+                <a:srgbClr val="FFFFFF"/>
+              </a:highlight>
+            </a:endParaRPr>
+          </a:p>
+          <a:p>
+            <a:pPr indent="0" lvl="0" marL="0" rtl="0" algn="l">
+              <a:spcBef>
+                <a:spcPts val="800"/>
+              </a:spcBef>
+              <a:spcAft>
+                <a:spcPts val="1600"/>
+              </a:spcAft>
+              <a:buNone/>
+            </a:pPr>
+            <a:r>
+              <a:t/>
+            </a:r>
+            <a:endParaRPr/>
+          </a:p>
+        </p:txBody>
+      </p:sp>
+    </p:spTree>
+  </p:cSld>
+  <p:clrMapOvr>
+    <a:masterClrMapping/>
+  </p:clrMapOvr>
+</p:sld>
+</file>
+
+<file path=ppt/slides/slide18.xml><?xml version="1.0" encoding="utf-8"?>
+<p:sld xmlns:a="http://schemas.openxmlformats.org/drawingml/2006/main" xmlns:r="http://schemas.openxmlformats.org/officeDocument/2006/relationships" xmlns:mc="http://schemas.openxmlformats.org/markup-compatibility/2006" xmlns:mv="urn:schemas-microsoft-com:mac:vml" xmlns:p="http://schemas.openxmlformats.org/presentationml/2006/main" xmlns:c="http://schemas.openxmlformats.org/drawingml/2006/chart" xmlns:dgm="http://schemas.openxmlformats.org/drawingml/2006/diagram" xmlns:o="urn:schemas-microsoft-com:office:office" xmlns:v="urn:schemas-microsoft-com:vml" xmlns:pvml="urn:schemas-microsoft-com:office:powerpoint" xmlns:com="http://schemas.openxmlformats.org/drawingml/2006/compatibility" xmlns:p14="http://schemas.microsoft.com/office/powerpoint/2010/main" xmlns:p15="http://schemas.microsoft.com/office/powerpoint/2012/main" xmlns:ahyp="http://schemas.microsoft.com/office/drawing/2018/hyperlinkcolor">
+  <p:cSld>
+    <p:spTree>
+      <p:nvGrpSpPr>
+        <p:cNvPr id="189" name="Shape 189"/>
+        <p:cNvGrpSpPr/>
+        <p:nvPr/>
+      </p:nvGrpSpPr>
+      <p:grpSpPr>
+        <a:xfrm>
+          <a:off x="0" y="0"/>
+          <a:ext cx="0" cy="0"/>
+          <a:chOff x="0" y="0"/>
+          <a:chExt cx="0" cy="0"/>
+        </a:xfrm>
+      </p:grpSpPr>
+      <p:sp>
+        <p:nvSpPr>
+          <p:cNvPr id="190" name="Google Shape;190;p31"/>
           <p:cNvSpPr txBox="1"/>
           <p:nvPr/>
         </p:nvSpPr>
@@ -15768,7 +18592,7 @@
       </p:sp>
       <p:sp>
         <p:nvSpPr>
-          <p:cNvPr id="180" name="Google Shape;180;p29"/>
+          <p:cNvPr id="191" name="Google Shape;191;p31"/>
           <p:cNvSpPr txBox="1"/>
           <p:nvPr/>
         </p:nvSpPr>
@@ -15891,12 +18715,12 @@
 </p:sld>
 </file>
 
-<file path=ppt/slides/slide17.xml><?xml version="1.0" encoding="utf-8"?>
-<p:sld xmlns:a="http://schemas.openxmlformats.org/drawingml/2006/main" xmlns:r="http://schemas.openxmlformats.org/officeDocument/2006/relationships" xmlns:mc="http://schemas.openxmlformats.org/markup-compatibility/2006" xmlns:mv="urn:schemas-microsoft-com:mac:vml" xmlns:p="http://schemas.openxmlformats.org/presentationml/2006/main" xmlns:c="http://schemas.openxmlformats.org/drawingml/2006/chart" xmlns:dgm="http://schemas.openxmlformats.org/drawingml/2006/diagram" xmlns:o="urn:schemas-microsoft-com:office:office" xmlns:v="urn:schemas-microsoft-com:vml" xmlns:pvml="urn:schemas-microsoft-com:office:powerpoint" xmlns:com="http://schemas.openxmlformats.org/drawingml/2006/compatibility" xmlns:p14="http://schemas.microsoft.com/office/powerpoint/2010/main" xmlns:p15="http://schemas.microsoft.com/office/powerpoint/2012/main">
+<file path=ppt/slides/slide19.xml><?xml version="1.0" encoding="utf-8"?>
+<p:sld xmlns:a="http://schemas.openxmlformats.org/drawingml/2006/main" xmlns:r="http://schemas.openxmlformats.org/officeDocument/2006/relationships" xmlns:mc="http://schemas.openxmlformats.org/markup-compatibility/2006" xmlns:mv="urn:schemas-microsoft-com:mac:vml" xmlns:p="http://schemas.openxmlformats.org/presentationml/2006/main" xmlns:c="http://schemas.openxmlformats.org/drawingml/2006/chart" xmlns:dgm="http://schemas.openxmlformats.org/drawingml/2006/diagram" xmlns:o="urn:schemas-microsoft-com:office:office" xmlns:v="urn:schemas-microsoft-com:vml" xmlns:pvml="urn:schemas-microsoft-com:office:powerpoint" xmlns:com="http://schemas.openxmlformats.org/drawingml/2006/compatibility" xmlns:p14="http://schemas.microsoft.com/office/powerpoint/2010/main" xmlns:p15="http://schemas.microsoft.com/office/powerpoint/2012/main" xmlns:ahyp="http://schemas.microsoft.com/office/drawing/2018/hyperlinkcolor">
   <p:cSld>
     <p:spTree>
       <p:nvGrpSpPr>
-        <p:cNvPr id="184" name="Shape 184"/>
+        <p:cNvPr id="195" name="Shape 195"/>
         <p:cNvGrpSpPr/>
         <p:nvPr/>
       </p:nvGrpSpPr>
@@ -15910,7 +18734,7 @@
       </p:grpSpPr>
       <p:sp>
         <p:nvSpPr>
-          <p:cNvPr id="185" name="Google Shape;185;p30"/>
+          <p:cNvPr id="196" name="Google Shape;196;p32"/>
           <p:cNvSpPr txBox="1"/>
           <p:nvPr/>
         </p:nvSpPr>
@@ -16500,7 +19324,7 @@
       </p:sp>
       <p:pic>
         <p:nvPicPr>
-          <p:cNvPr descr="Arrays in C" id="186" name="Google Shape;186;p30"/>
+          <p:cNvPr descr="Arrays in C" id="197" name="Google Shape;197;p32"/>
           <p:cNvPicPr preferRelativeResize="0"/>
           <p:nvPr/>
         </p:nvPicPr>
@@ -16528,7 +19352,7 @@
       </p:pic>
       <p:sp>
         <p:nvSpPr>
-          <p:cNvPr id="187" name="Google Shape;187;p30"/>
+          <p:cNvPr id="198" name="Google Shape;198;p32"/>
           <p:cNvSpPr txBox="1"/>
           <p:nvPr/>
         </p:nvSpPr>
@@ -16569,7 +19393,7 @@
       </p:sp>
       <p:pic>
         <p:nvPicPr>
-          <p:cNvPr descr="Array Presentation" id="188" name="Google Shape;188;p30"/>
+          <p:cNvPr descr="Array Presentation" id="199" name="Google Shape;199;p32"/>
           <p:cNvPicPr preferRelativeResize="0"/>
           <p:nvPr/>
         </p:nvPicPr>
@@ -16597,7 +19421,7 @@
       </p:pic>
       <p:sp>
         <p:nvSpPr>
-          <p:cNvPr id="189" name="Google Shape;189;p30"/>
+          <p:cNvPr id="200" name="Google Shape;200;p32"/>
           <p:cNvSpPr txBox="1"/>
           <p:nvPr/>
         </p:nvSpPr>
@@ -16644,2528 +19468,8 @@
 </p:sld>
 </file>
 
-<file path=ppt/slides/slide18.xml><?xml version="1.0" encoding="utf-8"?>
-<p:sld xmlns:a="http://schemas.openxmlformats.org/drawingml/2006/main" xmlns:r="http://schemas.openxmlformats.org/officeDocument/2006/relationships" xmlns:mc="http://schemas.openxmlformats.org/markup-compatibility/2006" xmlns:mv="urn:schemas-microsoft-com:mac:vml" xmlns:p="http://schemas.openxmlformats.org/presentationml/2006/main" xmlns:c="http://schemas.openxmlformats.org/drawingml/2006/chart" xmlns:dgm="http://schemas.openxmlformats.org/drawingml/2006/diagram" xmlns:o="urn:schemas-microsoft-com:office:office" xmlns:v="urn:schemas-microsoft-com:vml" xmlns:pvml="urn:schemas-microsoft-com:office:powerpoint" xmlns:com="http://schemas.openxmlformats.org/drawingml/2006/compatibility" xmlns:p14="http://schemas.microsoft.com/office/powerpoint/2010/main" xmlns:p15="http://schemas.microsoft.com/office/powerpoint/2012/main">
-  <p:cSld>
-    <p:spTree>
-      <p:nvGrpSpPr>
-        <p:cNvPr id="193" name="Shape 193"/>
-        <p:cNvGrpSpPr/>
-        <p:nvPr/>
-      </p:nvGrpSpPr>
-      <p:grpSpPr>
-        <a:xfrm>
-          <a:off x="0" y="0"/>
-          <a:ext cx="0" cy="0"/>
-          <a:chOff x="0" y="0"/>
-          <a:chExt cx="0" cy="0"/>
-        </a:xfrm>
-      </p:grpSpPr>
-      <p:sp>
-        <p:nvSpPr>
-          <p:cNvPr id="194" name="Google Shape;194;p31"/>
-          <p:cNvSpPr txBox="1"/>
-          <p:nvPr/>
-        </p:nvSpPr>
-        <p:spPr>
-          <a:xfrm>
-            <a:off x="364050" y="-108350"/>
-            <a:ext cx="8415900" cy="4897800"/>
-          </a:xfrm>
-          <a:prstGeom prst="rect">
-            <a:avLst/>
-          </a:prstGeom>
-          <a:noFill/>
-          <a:ln>
-            <a:noFill/>
-          </a:ln>
-        </p:spPr>
-        <p:txBody>
-          <a:bodyPr anchorCtr="0" anchor="t" bIns="91425" lIns="91425" spcFirstLastPara="1" rIns="91425" wrap="square" tIns="91425">
-            <a:noAutofit/>
-          </a:bodyPr>
-          <a:lstStyle/>
-          <a:p>
-            <a:pPr indent="0" lvl="0" marL="0" rtl="0" algn="l">
-              <a:lnSpc>
-                <a:spcPct val="100000"/>
-              </a:lnSpc>
-              <a:spcBef>
-                <a:spcPts val="1800"/>
-              </a:spcBef>
-              <a:spcAft>
-                <a:spcPts val="0"/>
-              </a:spcAft>
-              <a:buNone/>
-            </a:pPr>
-            <a:r>
-              <a:rPr b="1" lang="en" sz="1550">
-                <a:solidFill>
-                  <a:schemeClr val="dk1"/>
-                </a:solidFill>
-              </a:rPr>
-              <a:t>Accessing Array Elements: </a:t>
-            </a:r>
-            <a:r>
-              <a:rPr lang="en" sz="1200">
-                <a:solidFill>
-                  <a:schemeClr val="dk1"/>
-                </a:solidFill>
-                <a:highlight>
-                  <a:srgbClr val="FFFFFF"/>
-                </a:highlight>
-              </a:rPr>
-              <a:t>An element is accessed by indexing the array name. This is done by placing the index of the element within square brackets after the name of the array.</a:t>
-            </a:r>
-            <a:endParaRPr sz="1200">
-              <a:solidFill>
-                <a:schemeClr val="dk1"/>
-              </a:solidFill>
-              <a:highlight>
-                <a:srgbClr val="FFFFFF"/>
-              </a:highlight>
-            </a:endParaRPr>
-          </a:p>
-          <a:p>
-            <a:pPr indent="0" lvl="0" marL="0" rtl="0" algn="l">
-              <a:lnSpc>
-                <a:spcPct val="100000"/>
-              </a:lnSpc>
-              <a:spcBef>
-                <a:spcPts val="1800"/>
-              </a:spcBef>
-              <a:spcAft>
-                <a:spcPts val="0"/>
-              </a:spcAft>
-              <a:buNone/>
-            </a:pPr>
-            <a:r>
-              <a:rPr b="1" lang="en" sz="1050">
-                <a:solidFill>
-                  <a:schemeClr val="dk1"/>
-                </a:solidFill>
-              </a:rPr>
-              <a:t>Ex-</a:t>
-            </a:r>
-            <a:r>
-              <a:rPr b="1" lang="en" sz="1550">
-                <a:solidFill>
-                  <a:schemeClr val="dk1"/>
-                </a:solidFill>
-              </a:rPr>
-              <a:t> </a:t>
-            </a:r>
-            <a:r>
-              <a:rPr lang="en" sz="1150">
-                <a:solidFill>
-                  <a:schemeClr val="dk1"/>
-                </a:solidFill>
-                <a:highlight>
-                  <a:srgbClr val="FFFFFF"/>
-                </a:highlight>
-              </a:rPr>
-              <a:t>double salary = balance[2];  (</a:t>
-            </a:r>
-            <a:r>
-              <a:rPr lang="en" sz="1200">
-                <a:solidFill>
-                  <a:schemeClr val="dk1"/>
-                </a:solidFill>
-                <a:highlight>
-                  <a:srgbClr val="FFFFFF"/>
-                </a:highlight>
-              </a:rPr>
-              <a:t>This statement will take the 3rd element from the array and assign the value to salary variable.)</a:t>
-            </a:r>
-            <a:endParaRPr sz="1200">
-              <a:solidFill>
-                <a:schemeClr val="dk1"/>
-              </a:solidFill>
-              <a:highlight>
-                <a:srgbClr val="FFFFFF"/>
-              </a:highlight>
-            </a:endParaRPr>
-          </a:p>
-          <a:p>
-            <a:pPr indent="0" lvl="0" marL="0" rtl="0" algn="l">
-              <a:lnSpc>
-                <a:spcPct val="115000"/>
-              </a:lnSpc>
-              <a:spcBef>
-                <a:spcPts val="1800"/>
-              </a:spcBef>
-              <a:spcAft>
-                <a:spcPts val="0"/>
-              </a:spcAft>
-              <a:buNone/>
-            </a:pPr>
-            <a:r>
-              <a:rPr lang="en" sz="950">
-                <a:solidFill>
-                  <a:srgbClr val="000088"/>
-                </a:solidFill>
-                <a:highlight>
-                  <a:srgbClr val="FFFFFF"/>
-                </a:highlight>
-              </a:rPr>
-              <a:t>int</a:t>
-            </a:r>
-            <a:r>
-              <a:rPr lang="en" sz="950">
-                <a:solidFill>
-                  <a:schemeClr val="dk1"/>
-                </a:solidFill>
-                <a:highlight>
-                  <a:srgbClr val="FFFFFF"/>
-                </a:highlight>
-              </a:rPr>
-              <a:t> main </a:t>
-            </a:r>
-            <a:r>
-              <a:rPr lang="en" sz="950">
-                <a:solidFill>
-                  <a:srgbClr val="666600"/>
-                </a:solidFill>
-                <a:highlight>
-                  <a:srgbClr val="FFFFFF"/>
-                </a:highlight>
-              </a:rPr>
-              <a:t>()</a:t>
-            </a:r>
-            <a:r>
-              <a:rPr lang="en" sz="950">
-                <a:solidFill>
-                  <a:schemeClr val="dk1"/>
-                </a:solidFill>
-                <a:highlight>
-                  <a:srgbClr val="FFFFFF"/>
-                </a:highlight>
-              </a:rPr>
-              <a:t> </a:t>
-            </a:r>
-            <a:r>
-              <a:rPr lang="en" sz="950">
-                <a:solidFill>
-                  <a:srgbClr val="666600"/>
-                </a:solidFill>
-                <a:highlight>
-                  <a:srgbClr val="FFFFFF"/>
-                </a:highlight>
-              </a:rPr>
-              <a:t>{</a:t>
-            </a:r>
-            <a:endParaRPr sz="950">
-              <a:solidFill>
-                <a:schemeClr val="dk1"/>
-              </a:solidFill>
-              <a:highlight>
-                <a:srgbClr val="FFFFFF"/>
-              </a:highlight>
-            </a:endParaRPr>
-          </a:p>
-          <a:p>
-            <a:pPr indent="0" lvl="0" marL="0" rtl="0" algn="l">
-              <a:lnSpc>
-                <a:spcPct val="100000"/>
-              </a:lnSpc>
-              <a:spcBef>
-                <a:spcPts val="1800"/>
-              </a:spcBef>
-              <a:spcAft>
-                <a:spcPts val="0"/>
-              </a:spcAft>
-              <a:buNone/>
-            </a:pPr>
-            <a:r>
-              <a:rPr lang="en" sz="950">
-                <a:solidFill>
-                  <a:schemeClr val="dk1"/>
-                </a:solidFill>
-                <a:highlight>
-                  <a:srgbClr val="FFFFFF"/>
-                </a:highlight>
-              </a:rPr>
-              <a:t>   </a:t>
-            </a:r>
-            <a:r>
-              <a:rPr lang="en" sz="950">
-                <a:solidFill>
-                  <a:srgbClr val="000088"/>
-                </a:solidFill>
-                <a:highlight>
-                  <a:srgbClr val="FFFFFF"/>
-                </a:highlight>
-              </a:rPr>
-              <a:t>i</a:t>
-            </a:r>
-            <a:r>
-              <a:rPr lang="en" sz="950">
-                <a:solidFill>
-                  <a:srgbClr val="000088"/>
-                </a:solidFill>
-                <a:highlight>
-                  <a:srgbClr val="FFFFFF"/>
-                </a:highlight>
-              </a:rPr>
-              <a:t>nt</a:t>
-            </a:r>
-            <a:r>
-              <a:rPr lang="en" sz="950">
-                <a:solidFill>
-                  <a:schemeClr val="dk1"/>
-                </a:solidFill>
-                <a:highlight>
-                  <a:srgbClr val="FFFFFF"/>
-                </a:highlight>
-              </a:rPr>
-              <a:t> n</a:t>
-            </a:r>
-            <a:r>
-              <a:rPr lang="en" sz="950">
-                <a:solidFill>
-                  <a:srgbClr val="666600"/>
-                </a:solidFill>
-                <a:highlight>
-                  <a:srgbClr val="FFFFFF"/>
-                </a:highlight>
-              </a:rPr>
-              <a:t>[</a:t>
-            </a:r>
-            <a:r>
-              <a:rPr lang="en" sz="950">
-                <a:solidFill>
-                  <a:schemeClr val="dk1"/>
-                </a:solidFill>
-                <a:highlight>
-                  <a:srgbClr val="FFFFFF"/>
-                </a:highlight>
-              </a:rPr>
-              <a:t> </a:t>
-            </a:r>
-            <a:r>
-              <a:rPr lang="en" sz="950">
-                <a:solidFill>
-                  <a:srgbClr val="006666"/>
-                </a:solidFill>
-                <a:highlight>
-                  <a:srgbClr val="FFFFFF"/>
-                </a:highlight>
-              </a:rPr>
-              <a:t>10</a:t>
-            </a:r>
-            <a:r>
-              <a:rPr lang="en" sz="950">
-                <a:solidFill>
-                  <a:schemeClr val="dk1"/>
-                </a:solidFill>
-                <a:highlight>
-                  <a:srgbClr val="FFFFFF"/>
-                </a:highlight>
-              </a:rPr>
-              <a:t> </a:t>
-            </a:r>
-            <a:r>
-              <a:rPr lang="en" sz="950">
-                <a:solidFill>
-                  <a:srgbClr val="666600"/>
-                </a:solidFill>
-                <a:highlight>
-                  <a:srgbClr val="FFFFFF"/>
-                </a:highlight>
-              </a:rPr>
-              <a:t>], i, j;</a:t>
-            </a:r>
-            <a:r>
-              <a:rPr lang="en" sz="950">
-                <a:solidFill>
-                  <a:schemeClr val="dk1"/>
-                </a:solidFill>
-                <a:highlight>
-                  <a:srgbClr val="FFFFFF"/>
-                </a:highlight>
-              </a:rPr>
-              <a:t> </a:t>
-            </a:r>
-            <a:r>
-              <a:rPr lang="en" sz="950">
-                <a:solidFill>
-                  <a:srgbClr val="880000"/>
-                </a:solidFill>
-                <a:highlight>
-                  <a:srgbClr val="FFFFFF"/>
-                </a:highlight>
-              </a:rPr>
-              <a:t>/* n is an array of 10 integers */</a:t>
-            </a:r>
-            <a:r>
-              <a:rPr lang="en" sz="950">
-                <a:solidFill>
-                  <a:schemeClr val="dk1"/>
-                </a:solidFill>
-                <a:highlight>
-                  <a:srgbClr val="FFFFFF"/>
-                </a:highlight>
-              </a:rPr>
-              <a:t>  </a:t>
-            </a:r>
-            <a:endParaRPr sz="950">
-              <a:solidFill>
-                <a:schemeClr val="dk1"/>
-              </a:solidFill>
-              <a:highlight>
-                <a:srgbClr val="FFFFFF"/>
-              </a:highlight>
-            </a:endParaRPr>
-          </a:p>
-          <a:p>
-            <a:pPr indent="0" lvl="0" marL="0" rtl="0" algn="l">
-              <a:lnSpc>
-                <a:spcPct val="100000"/>
-              </a:lnSpc>
-              <a:spcBef>
-                <a:spcPts val="1800"/>
-              </a:spcBef>
-              <a:spcAft>
-                <a:spcPts val="0"/>
-              </a:spcAft>
-              <a:buNone/>
-            </a:pPr>
-            <a:r>
-              <a:rPr lang="en" sz="950">
-                <a:solidFill>
-                  <a:schemeClr val="dk1"/>
-                </a:solidFill>
-                <a:highlight>
-                  <a:srgbClr val="FFFFFF"/>
-                </a:highlight>
-              </a:rPr>
-              <a:t>   </a:t>
-            </a:r>
-            <a:r>
-              <a:rPr lang="en" sz="950">
-                <a:solidFill>
-                  <a:srgbClr val="000088"/>
-                </a:solidFill>
-                <a:highlight>
-                  <a:srgbClr val="FFFFFF"/>
-                </a:highlight>
-              </a:rPr>
-              <a:t>for</a:t>
-            </a:r>
-            <a:r>
-              <a:rPr lang="en" sz="950">
-                <a:solidFill>
-                  <a:schemeClr val="dk1"/>
-                </a:solidFill>
-                <a:highlight>
-                  <a:srgbClr val="FFFFFF"/>
-                </a:highlight>
-              </a:rPr>
-              <a:t> </a:t>
-            </a:r>
-            <a:r>
-              <a:rPr lang="en" sz="950">
-                <a:solidFill>
-                  <a:srgbClr val="666600"/>
-                </a:solidFill>
-                <a:highlight>
-                  <a:srgbClr val="FFFFFF"/>
-                </a:highlight>
-              </a:rPr>
-              <a:t>(</a:t>
-            </a:r>
-            <a:r>
-              <a:rPr lang="en" sz="950">
-                <a:solidFill>
-                  <a:schemeClr val="dk1"/>
-                </a:solidFill>
-                <a:highlight>
-                  <a:srgbClr val="FFFFFF"/>
-                </a:highlight>
-              </a:rPr>
-              <a:t> i </a:t>
-            </a:r>
-            <a:r>
-              <a:rPr lang="en" sz="950">
-                <a:solidFill>
-                  <a:srgbClr val="666600"/>
-                </a:solidFill>
-                <a:highlight>
-                  <a:srgbClr val="FFFFFF"/>
-                </a:highlight>
-              </a:rPr>
-              <a:t>=</a:t>
-            </a:r>
-            <a:r>
-              <a:rPr lang="en" sz="950">
-                <a:solidFill>
-                  <a:schemeClr val="dk1"/>
-                </a:solidFill>
-                <a:highlight>
-                  <a:srgbClr val="FFFFFF"/>
-                </a:highlight>
-              </a:rPr>
-              <a:t> </a:t>
-            </a:r>
-            <a:r>
-              <a:rPr lang="en" sz="950">
-                <a:solidFill>
-                  <a:srgbClr val="006666"/>
-                </a:solidFill>
-                <a:highlight>
-                  <a:srgbClr val="FFFFFF"/>
-                </a:highlight>
-              </a:rPr>
-              <a:t>0</a:t>
-            </a:r>
-            <a:r>
-              <a:rPr lang="en" sz="950">
-                <a:solidFill>
-                  <a:srgbClr val="666600"/>
-                </a:solidFill>
-                <a:highlight>
-                  <a:srgbClr val="FFFFFF"/>
-                </a:highlight>
-              </a:rPr>
-              <a:t>;</a:t>
-            </a:r>
-            <a:r>
-              <a:rPr lang="en" sz="950">
-                <a:solidFill>
-                  <a:schemeClr val="dk1"/>
-                </a:solidFill>
-                <a:highlight>
-                  <a:srgbClr val="FFFFFF"/>
-                </a:highlight>
-              </a:rPr>
-              <a:t> i </a:t>
-            </a:r>
-            <a:r>
-              <a:rPr lang="en" sz="950">
-                <a:solidFill>
-                  <a:srgbClr val="666600"/>
-                </a:solidFill>
-                <a:highlight>
-                  <a:srgbClr val="FFFFFF"/>
-                </a:highlight>
-              </a:rPr>
-              <a:t>&lt;</a:t>
-            </a:r>
-            <a:r>
-              <a:rPr lang="en" sz="950">
-                <a:solidFill>
-                  <a:schemeClr val="dk1"/>
-                </a:solidFill>
-                <a:highlight>
-                  <a:srgbClr val="FFFFFF"/>
-                </a:highlight>
-              </a:rPr>
-              <a:t> </a:t>
-            </a:r>
-            <a:r>
-              <a:rPr lang="en" sz="950">
-                <a:solidFill>
-                  <a:srgbClr val="006666"/>
-                </a:solidFill>
-                <a:highlight>
-                  <a:srgbClr val="FFFFFF"/>
-                </a:highlight>
-              </a:rPr>
-              <a:t>10</a:t>
-            </a:r>
-            <a:r>
-              <a:rPr lang="en" sz="950">
-                <a:solidFill>
-                  <a:srgbClr val="666600"/>
-                </a:solidFill>
-                <a:highlight>
-                  <a:srgbClr val="FFFFFF"/>
-                </a:highlight>
-              </a:rPr>
-              <a:t>;</a:t>
-            </a:r>
-            <a:r>
-              <a:rPr lang="en" sz="950">
-                <a:solidFill>
-                  <a:schemeClr val="dk1"/>
-                </a:solidFill>
-                <a:highlight>
-                  <a:srgbClr val="FFFFFF"/>
-                </a:highlight>
-              </a:rPr>
-              <a:t> i</a:t>
-            </a:r>
-            <a:r>
-              <a:rPr lang="en" sz="950">
-                <a:solidFill>
-                  <a:srgbClr val="666600"/>
-                </a:solidFill>
-                <a:highlight>
-                  <a:srgbClr val="FFFFFF"/>
-                </a:highlight>
-              </a:rPr>
-              <a:t>++</a:t>
-            </a:r>
-            <a:r>
-              <a:rPr lang="en" sz="950">
-                <a:solidFill>
-                  <a:schemeClr val="dk1"/>
-                </a:solidFill>
-                <a:highlight>
-                  <a:srgbClr val="FFFFFF"/>
-                </a:highlight>
-              </a:rPr>
-              <a:t> </a:t>
-            </a:r>
-            <a:r>
-              <a:rPr lang="en" sz="950">
-                <a:solidFill>
-                  <a:srgbClr val="666600"/>
-                </a:solidFill>
-                <a:highlight>
-                  <a:srgbClr val="FFFFFF"/>
-                </a:highlight>
-              </a:rPr>
-              <a:t>)</a:t>
-            </a:r>
-            <a:r>
-              <a:rPr lang="en" sz="950">
-                <a:solidFill>
-                  <a:schemeClr val="dk1"/>
-                </a:solidFill>
-                <a:highlight>
-                  <a:srgbClr val="FFFFFF"/>
-                </a:highlight>
-              </a:rPr>
-              <a:t> </a:t>
-            </a:r>
-            <a:r>
-              <a:rPr lang="en" sz="950">
-                <a:solidFill>
-                  <a:srgbClr val="666600"/>
-                </a:solidFill>
-                <a:highlight>
-                  <a:srgbClr val="FFFFFF"/>
-                </a:highlight>
-              </a:rPr>
-              <a:t>{</a:t>
-            </a:r>
-            <a:endParaRPr sz="950">
-              <a:solidFill>
-                <a:schemeClr val="dk1"/>
-              </a:solidFill>
-              <a:highlight>
-                <a:srgbClr val="FFFFFF"/>
-              </a:highlight>
-            </a:endParaRPr>
-          </a:p>
-          <a:p>
-            <a:pPr indent="0" lvl="0" marL="0" rtl="0" algn="l">
-              <a:lnSpc>
-                <a:spcPct val="100000"/>
-              </a:lnSpc>
-              <a:spcBef>
-                <a:spcPts val="1800"/>
-              </a:spcBef>
-              <a:spcAft>
-                <a:spcPts val="0"/>
-              </a:spcAft>
-              <a:buNone/>
-            </a:pPr>
-            <a:r>
-              <a:rPr lang="en" sz="950">
-                <a:solidFill>
-                  <a:schemeClr val="dk1"/>
-                </a:solidFill>
-                <a:highlight>
-                  <a:srgbClr val="FFFFFF"/>
-                </a:highlight>
-              </a:rPr>
-              <a:t>      n</a:t>
-            </a:r>
-            <a:r>
-              <a:rPr lang="en" sz="950">
-                <a:solidFill>
-                  <a:srgbClr val="666600"/>
-                </a:solidFill>
-                <a:highlight>
-                  <a:srgbClr val="FFFFFF"/>
-                </a:highlight>
-              </a:rPr>
-              <a:t>[</a:t>
-            </a:r>
-            <a:r>
-              <a:rPr lang="en" sz="950">
-                <a:solidFill>
-                  <a:schemeClr val="dk1"/>
-                </a:solidFill>
-                <a:highlight>
-                  <a:srgbClr val="FFFFFF"/>
-                </a:highlight>
-              </a:rPr>
-              <a:t> i </a:t>
-            </a:r>
-            <a:r>
-              <a:rPr lang="en" sz="950">
-                <a:solidFill>
-                  <a:srgbClr val="666600"/>
-                </a:solidFill>
-                <a:highlight>
-                  <a:srgbClr val="FFFFFF"/>
-                </a:highlight>
-              </a:rPr>
-              <a:t>]</a:t>
-            </a:r>
-            <a:r>
-              <a:rPr lang="en" sz="950">
-                <a:solidFill>
-                  <a:schemeClr val="dk1"/>
-                </a:solidFill>
-                <a:highlight>
-                  <a:srgbClr val="FFFFFF"/>
-                </a:highlight>
-              </a:rPr>
-              <a:t> </a:t>
-            </a:r>
-            <a:r>
-              <a:rPr lang="en" sz="950">
-                <a:solidFill>
-                  <a:srgbClr val="666600"/>
-                </a:solidFill>
-                <a:highlight>
-                  <a:srgbClr val="FFFFFF"/>
-                </a:highlight>
-              </a:rPr>
-              <a:t>=</a:t>
-            </a:r>
-            <a:r>
-              <a:rPr lang="en" sz="950">
-                <a:solidFill>
-                  <a:schemeClr val="dk1"/>
-                </a:solidFill>
-                <a:highlight>
-                  <a:srgbClr val="FFFFFF"/>
-                </a:highlight>
-              </a:rPr>
-              <a:t> i </a:t>
-            </a:r>
-            <a:r>
-              <a:rPr lang="en" sz="950">
-                <a:solidFill>
-                  <a:srgbClr val="666600"/>
-                </a:solidFill>
-                <a:highlight>
-                  <a:srgbClr val="FFFFFF"/>
-                </a:highlight>
-              </a:rPr>
-              <a:t>+</a:t>
-            </a:r>
-            <a:r>
-              <a:rPr lang="en" sz="950">
-                <a:solidFill>
-                  <a:schemeClr val="dk1"/>
-                </a:solidFill>
-                <a:highlight>
-                  <a:srgbClr val="FFFFFF"/>
-                </a:highlight>
-              </a:rPr>
-              <a:t> </a:t>
-            </a:r>
-            <a:r>
-              <a:rPr lang="en" sz="950">
-                <a:solidFill>
-                  <a:srgbClr val="006666"/>
-                </a:solidFill>
-                <a:highlight>
-                  <a:srgbClr val="FFFFFF"/>
-                </a:highlight>
-              </a:rPr>
-              <a:t>100</a:t>
-            </a:r>
-            <a:r>
-              <a:rPr lang="en" sz="950">
-                <a:solidFill>
-                  <a:srgbClr val="666600"/>
-                </a:solidFill>
-                <a:highlight>
-                  <a:srgbClr val="FFFFFF"/>
-                </a:highlight>
-              </a:rPr>
-              <a:t>;</a:t>
-            </a:r>
-            <a:r>
-              <a:rPr lang="en" sz="950">
-                <a:solidFill>
-                  <a:schemeClr val="dk1"/>
-                </a:solidFill>
-                <a:highlight>
-                  <a:srgbClr val="FFFFFF"/>
-                </a:highlight>
-              </a:rPr>
-              <a:t> </a:t>
-            </a:r>
-            <a:r>
-              <a:rPr lang="en" sz="950">
-                <a:solidFill>
-                  <a:srgbClr val="880000"/>
-                </a:solidFill>
-                <a:highlight>
-                  <a:srgbClr val="FFFFFF"/>
-                </a:highlight>
-              </a:rPr>
-              <a:t>/* set element at location i to i + 100 */</a:t>
-            </a:r>
-            <a:endParaRPr sz="950">
-              <a:solidFill>
-                <a:schemeClr val="dk1"/>
-              </a:solidFill>
-              <a:highlight>
-                <a:srgbClr val="FFFFFF"/>
-              </a:highlight>
-            </a:endParaRPr>
-          </a:p>
-          <a:p>
-            <a:pPr indent="0" lvl="0" marL="0" rtl="0" algn="l">
-              <a:lnSpc>
-                <a:spcPct val="100000"/>
-              </a:lnSpc>
-              <a:spcBef>
-                <a:spcPts val="1800"/>
-              </a:spcBef>
-              <a:spcAft>
-                <a:spcPts val="0"/>
-              </a:spcAft>
-              <a:buNone/>
-            </a:pPr>
-            <a:r>
-              <a:rPr lang="en" sz="950">
-                <a:solidFill>
-                  <a:schemeClr val="dk1"/>
-                </a:solidFill>
-                <a:highlight>
-                  <a:srgbClr val="FFFFFF"/>
-                </a:highlight>
-              </a:rPr>
-              <a:t>   </a:t>
-            </a:r>
-            <a:r>
-              <a:rPr lang="en" sz="950">
-                <a:solidFill>
-                  <a:srgbClr val="666600"/>
-                </a:solidFill>
-                <a:highlight>
-                  <a:srgbClr val="FFFFFF"/>
-                </a:highlight>
-              </a:rPr>
-              <a:t>}</a:t>
-            </a:r>
-            <a:endParaRPr sz="950">
-              <a:solidFill>
-                <a:schemeClr val="dk1"/>
-              </a:solidFill>
-              <a:highlight>
-                <a:srgbClr val="FFFFFF"/>
-              </a:highlight>
-            </a:endParaRPr>
-          </a:p>
-          <a:p>
-            <a:pPr indent="0" lvl="0" marL="0" rtl="0" algn="l">
-              <a:lnSpc>
-                <a:spcPct val="100000"/>
-              </a:lnSpc>
-              <a:spcBef>
-                <a:spcPts val="1800"/>
-              </a:spcBef>
-              <a:spcAft>
-                <a:spcPts val="0"/>
-              </a:spcAft>
-              <a:buNone/>
-            </a:pPr>
-            <a:r>
-              <a:rPr lang="en" sz="950">
-                <a:solidFill>
-                  <a:schemeClr val="dk1"/>
-                </a:solidFill>
-                <a:highlight>
-                  <a:srgbClr val="FFFFFF"/>
-                </a:highlight>
-              </a:rPr>
-              <a:t>  </a:t>
-            </a:r>
-            <a:r>
-              <a:rPr lang="en" sz="950">
-                <a:solidFill>
-                  <a:srgbClr val="000088"/>
-                </a:solidFill>
-                <a:highlight>
-                  <a:srgbClr val="FFFFFF"/>
-                </a:highlight>
-              </a:rPr>
-              <a:t>for</a:t>
-            </a:r>
-            <a:r>
-              <a:rPr lang="en" sz="950">
-                <a:solidFill>
-                  <a:schemeClr val="dk1"/>
-                </a:solidFill>
-                <a:highlight>
-                  <a:srgbClr val="FFFFFF"/>
-                </a:highlight>
-              </a:rPr>
-              <a:t> </a:t>
-            </a:r>
-            <a:r>
-              <a:rPr lang="en" sz="950">
-                <a:solidFill>
-                  <a:srgbClr val="666600"/>
-                </a:solidFill>
-                <a:highlight>
-                  <a:srgbClr val="FFFFFF"/>
-                </a:highlight>
-              </a:rPr>
-              <a:t>(</a:t>
-            </a:r>
-            <a:r>
-              <a:rPr lang="en" sz="950">
-                <a:solidFill>
-                  <a:schemeClr val="dk1"/>
-                </a:solidFill>
-                <a:highlight>
-                  <a:srgbClr val="FFFFFF"/>
-                </a:highlight>
-              </a:rPr>
-              <a:t>j </a:t>
-            </a:r>
-            <a:r>
-              <a:rPr lang="en" sz="950">
-                <a:solidFill>
-                  <a:srgbClr val="666600"/>
-                </a:solidFill>
-                <a:highlight>
-                  <a:srgbClr val="FFFFFF"/>
-                </a:highlight>
-              </a:rPr>
-              <a:t>=</a:t>
-            </a:r>
-            <a:r>
-              <a:rPr lang="en" sz="950">
-                <a:solidFill>
-                  <a:schemeClr val="dk1"/>
-                </a:solidFill>
-                <a:highlight>
-                  <a:srgbClr val="FFFFFF"/>
-                </a:highlight>
-              </a:rPr>
-              <a:t> </a:t>
-            </a:r>
-            <a:r>
-              <a:rPr lang="en" sz="950">
-                <a:solidFill>
-                  <a:srgbClr val="006666"/>
-                </a:solidFill>
-                <a:highlight>
-                  <a:srgbClr val="FFFFFF"/>
-                </a:highlight>
-              </a:rPr>
-              <a:t>0</a:t>
-            </a:r>
-            <a:r>
-              <a:rPr lang="en" sz="950">
-                <a:solidFill>
-                  <a:srgbClr val="666600"/>
-                </a:solidFill>
-                <a:highlight>
-                  <a:srgbClr val="FFFFFF"/>
-                </a:highlight>
-              </a:rPr>
-              <a:t>;</a:t>
-            </a:r>
-            <a:r>
-              <a:rPr lang="en" sz="950">
-                <a:solidFill>
-                  <a:schemeClr val="dk1"/>
-                </a:solidFill>
-                <a:highlight>
-                  <a:srgbClr val="FFFFFF"/>
-                </a:highlight>
-              </a:rPr>
-              <a:t> j </a:t>
-            </a:r>
-            <a:r>
-              <a:rPr lang="en" sz="950">
-                <a:solidFill>
-                  <a:srgbClr val="666600"/>
-                </a:solidFill>
-                <a:highlight>
-                  <a:srgbClr val="FFFFFF"/>
-                </a:highlight>
-              </a:rPr>
-              <a:t>&lt;</a:t>
-            </a:r>
-            <a:r>
-              <a:rPr lang="en" sz="950">
-                <a:solidFill>
-                  <a:schemeClr val="dk1"/>
-                </a:solidFill>
-                <a:highlight>
-                  <a:srgbClr val="FFFFFF"/>
-                </a:highlight>
-              </a:rPr>
-              <a:t> </a:t>
-            </a:r>
-            <a:r>
-              <a:rPr lang="en" sz="950">
-                <a:solidFill>
-                  <a:srgbClr val="006666"/>
-                </a:solidFill>
-                <a:highlight>
-                  <a:srgbClr val="FFFFFF"/>
-                </a:highlight>
-              </a:rPr>
-              <a:t>10</a:t>
-            </a:r>
-            <a:r>
-              <a:rPr lang="en" sz="950">
-                <a:solidFill>
-                  <a:srgbClr val="666600"/>
-                </a:solidFill>
-                <a:highlight>
-                  <a:srgbClr val="FFFFFF"/>
-                </a:highlight>
-              </a:rPr>
-              <a:t>;</a:t>
-            </a:r>
-            <a:r>
-              <a:rPr lang="en" sz="950">
-                <a:solidFill>
-                  <a:schemeClr val="dk1"/>
-                </a:solidFill>
-                <a:highlight>
-                  <a:srgbClr val="FFFFFF"/>
-                </a:highlight>
-              </a:rPr>
-              <a:t> j</a:t>
-            </a:r>
-            <a:r>
-              <a:rPr lang="en" sz="950">
-                <a:solidFill>
-                  <a:srgbClr val="666600"/>
-                </a:solidFill>
-                <a:highlight>
-                  <a:srgbClr val="FFFFFF"/>
-                </a:highlight>
-              </a:rPr>
-              <a:t>++</a:t>
-            </a:r>
-            <a:r>
-              <a:rPr lang="en" sz="950">
-                <a:solidFill>
-                  <a:schemeClr val="dk1"/>
-                </a:solidFill>
-                <a:highlight>
-                  <a:srgbClr val="FFFFFF"/>
-                </a:highlight>
-              </a:rPr>
-              <a:t> </a:t>
-            </a:r>
-            <a:r>
-              <a:rPr lang="en" sz="950">
-                <a:solidFill>
-                  <a:srgbClr val="666600"/>
-                </a:solidFill>
-                <a:highlight>
-                  <a:srgbClr val="FFFFFF"/>
-                </a:highlight>
-              </a:rPr>
-              <a:t>)</a:t>
-            </a:r>
-            <a:r>
-              <a:rPr lang="en" sz="950">
-                <a:solidFill>
-                  <a:schemeClr val="dk1"/>
-                </a:solidFill>
-                <a:highlight>
-                  <a:srgbClr val="FFFFFF"/>
-                </a:highlight>
-              </a:rPr>
-              <a:t> </a:t>
-            </a:r>
-            <a:r>
-              <a:rPr lang="en" sz="950">
-                <a:solidFill>
-                  <a:srgbClr val="666600"/>
-                </a:solidFill>
-                <a:highlight>
-                  <a:srgbClr val="FFFFFF"/>
-                </a:highlight>
-              </a:rPr>
-              <a:t>{</a:t>
-            </a:r>
-            <a:endParaRPr sz="950">
-              <a:solidFill>
-                <a:schemeClr val="dk1"/>
-              </a:solidFill>
-              <a:highlight>
-                <a:srgbClr val="FFFFFF"/>
-              </a:highlight>
-            </a:endParaRPr>
-          </a:p>
-          <a:p>
-            <a:pPr indent="0" lvl="0" marL="0" rtl="0" algn="l">
-              <a:lnSpc>
-                <a:spcPct val="100000"/>
-              </a:lnSpc>
-              <a:spcBef>
-                <a:spcPts val="1800"/>
-              </a:spcBef>
-              <a:spcAft>
-                <a:spcPts val="0"/>
-              </a:spcAft>
-              <a:buNone/>
-            </a:pPr>
-            <a:r>
-              <a:rPr lang="en" sz="950">
-                <a:solidFill>
-                  <a:schemeClr val="dk1"/>
-                </a:solidFill>
-                <a:highlight>
-                  <a:srgbClr val="FFFFFF"/>
-                </a:highlight>
-              </a:rPr>
-              <a:t>      printf</a:t>
-            </a:r>
-            <a:r>
-              <a:rPr lang="en" sz="950">
-                <a:solidFill>
-                  <a:srgbClr val="666600"/>
-                </a:solidFill>
-                <a:highlight>
-                  <a:srgbClr val="FFFFFF"/>
-                </a:highlight>
-              </a:rPr>
-              <a:t>(</a:t>
-            </a:r>
-            <a:r>
-              <a:rPr lang="en" sz="950">
-                <a:solidFill>
-                  <a:srgbClr val="008800"/>
-                </a:solidFill>
-                <a:highlight>
-                  <a:srgbClr val="FFFFFF"/>
-                </a:highlight>
-              </a:rPr>
-              <a:t>"Element[%d] = %d\n"</a:t>
-            </a:r>
-            <a:r>
-              <a:rPr lang="en" sz="950">
-                <a:solidFill>
-                  <a:srgbClr val="666600"/>
-                </a:solidFill>
-                <a:highlight>
-                  <a:srgbClr val="FFFFFF"/>
-                </a:highlight>
-              </a:rPr>
-              <a:t>,</a:t>
-            </a:r>
-            <a:r>
-              <a:rPr lang="en" sz="950">
-                <a:solidFill>
-                  <a:schemeClr val="dk1"/>
-                </a:solidFill>
-                <a:highlight>
-                  <a:srgbClr val="FFFFFF"/>
-                </a:highlight>
-              </a:rPr>
-              <a:t> j</a:t>
-            </a:r>
-            <a:r>
-              <a:rPr lang="en" sz="950">
-                <a:solidFill>
-                  <a:srgbClr val="666600"/>
-                </a:solidFill>
-                <a:highlight>
-                  <a:srgbClr val="FFFFFF"/>
-                </a:highlight>
-              </a:rPr>
-              <a:t>,</a:t>
-            </a:r>
-            <a:r>
-              <a:rPr lang="en" sz="950">
-                <a:solidFill>
-                  <a:schemeClr val="dk1"/>
-                </a:solidFill>
-                <a:highlight>
-                  <a:srgbClr val="FFFFFF"/>
-                </a:highlight>
-              </a:rPr>
-              <a:t> n</a:t>
-            </a:r>
-            <a:r>
-              <a:rPr lang="en" sz="950">
-                <a:solidFill>
-                  <a:srgbClr val="666600"/>
-                </a:solidFill>
-                <a:highlight>
-                  <a:srgbClr val="FFFFFF"/>
-                </a:highlight>
-              </a:rPr>
-              <a:t>[</a:t>
-            </a:r>
-            <a:r>
-              <a:rPr lang="en" sz="950">
-                <a:solidFill>
-                  <a:schemeClr val="dk1"/>
-                </a:solidFill>
-                <a:highlight>
-                  <a:srgbClr val="FFFFFF"/>
-                </a:highlight>
-              </a:rPr>
-              <a:t>j</a:t>
-            </a:r>
-            <a:r>
-              <a:rPr lang="en" sz="950">
-                <a:solidFill>
-                  <a:srgbClr val="666600"/>
-                </a:solidFill>
-                <a:highlight>
-                  <a:srgbClr val="FFFFFF"/>
-                </a:highlight>
-              </a:rPr>
-              <a:t>]</a:t>
-            </a:r>
-            <a:r>
-              <a:rPr lang="en" sz="950">
-                <a:solidFill>
-                  <a:schemeClr val="dk1"/>
-                </a:solidFill>
-                <a:highlight>
-                  <a:srgbClr val="FFFFFF"/>
-                </a:highlight>
-              </a:rPr>
-              <a:t> </a:t>
-            </a:r>
-            <a:r>
-              <a:rPr lang="en" sz="950">
-                <a:solidFill>
-                  <a:srgbClr val="666600"/>
-                </a:solidFill>
-                <a:highlight>
-                  <a:srgbClr val="FFFFFF"/>
-                </a:highlight>
-              </a:rPr>
-              <a:t>);</a:t>
-            </a:r>
-            <a:endParaRPr sz="950">
-              <a:solidFill>
-                <a:schemeClr val="dk1"/>
-              </a:solidFill>
-              <a:highlight>
-                <a:srgbClr val="FFFFFF"/>
-              </a:highlight>
-            </a:endParaRPr>
-          </a:p>
-          <a:p>
-            <a:pPr indent="0" lvl="0" marL="0" rtl="0" algn="l">
-              <a:lnSpc>
-                <a:spcPct val="100000"/>
-              </a:lnSpc>
-              <a:spcBef>
-                <a:spcPts val="1800"/>
-              </a:spcBef>
-              <a:spcAft>
-                <a:spcPts val="0"/>
-              </a:spcAft>
-              <a:buNone/>
-            </a:pPr>
-            <a:r>
-              <a:rPr lang="en" sz="950">
-                <a:solidFill>
-                  <a:schemeClr val="dk1"/>
-                </a:solidFill>
-                <a:highlight>
-                  <a:srgbClr val="FFFFFF"/>
-                </a:highlight>
-              </a:rPr>
-              <a:t>   </a:t>
-            </a:r>
-            <a:r>
-              <a:rPr lang="en" sz="950">
-                <a:solidFill>
-                  <a:srgbClr val="666600"/>
-                </a:solidFill>
-                <a:highlight>
-                  <a:srgbClr val="FFFFFF"/>
-                </a:highlight>
-              </a:rPr>
-              <a:t>}</a:t>
-            </a:r>
-            <a:endParaRPr sz="950">
-              <a:solidFill>
-                <a:schemeClr val="dk1"/>
-              </a:solidFill>
-              <a:highlight>
-                <a:srgbClr val="FFFFFF"/>
-              </a:highlight>
-            </a:endParaRPr>
-          </a:p>
-          <a:p>
-            <a:pPr indent="0" lvl="0" marL="0" rtl="0" algn="l">
-              <a:lnSpc>
-                <a:spcPct val="100000"/>
-              </a:lnSpc>
-              <a:spcBef>
-                <a:spcPts val="1800"/>
-              </a:spcBef>
-              <a:spcAft>
-                <a:spcPts val="0"/>
-              </a:spcAft>
-              <a:buNone/>
-            </a:pPr>
-            <a:r>
-              <a:rPr lang="en" sz="950">
-                <a:solidFill>
-                  <a:schemeClr val="dk1"/>
-                </a:solidFill>
-                <a:highlight>
-                  <a:srgbClr val="FFFFFF"/>
-                </a:highlight>
-              </a:rPr>
-              <a:t>   </a:t>
-            </a:r>
-            <a:r>
-              <a:rPr lang="en" sz="950">
-                <a:solidFill>
-                  <a:srgbClr val="000088"/>
-                </a:solidFill>
-                <a:highlight>
-                  <a:srgbClr val="FFFFFF"/>
-                </a:highlight>
-              </a:rPr>
-              <a:t>return</a:t>
-            </a:r>
-            <a:r>
-              <a:rPr lang="en" sz="950">
-                <a:solidFill>
-                  <a:schemeClr val="dk1"/>
-                </a:solidFill>
-                <a:highlight>
-                  <a:srgbClr val="FFFFFF"/>
-                </a:highlight>
-              </a:rPr>
-              <a:t> </a:t>
-            </a:r>
-            <a:r>
-              <a:rPr lang="en" sz="950">
-                <a:solidFill>
-                  <a:srgbClr val="006666"/>
-                </a:solidFill>
-                <a:highlight>
-                  <a:srgbClr val="FFFFFF"/>
-                </a:highlight>
-              </a:rPr>
-              <a:t>0</a:t>
-            </a:r>
-            <a:r>
-              <a:rPr lang="en" sz="950">
-                <a:solidFill>
-                  <a:srgbClr val="666600"/>
-                </a:solidFill>
-                <a:highlight>
-                  <a:srgbClr val="FFFFFF"/>
-                </a:highlight>
-              </a:rPr>
-              <a:t>;</a:t>
-            </a:r>
-            <a:endParaRPr sz="950">
-              <a:solidFill>
-                <a:schemeClr val="dk1"/>
-              </a:solidFill>
-              <a:highlight>
-                <a:srgbClr val="FFFFFF"/>
-              </a:highlight>
-            </a:endParaRPr>
-          </a:p>
-          <a:p>
-            <a:pPr indent="0" lvl="0" marL="25400" marR="25400" rtl="0" algn="l">
-              <a:lnSpc>
-                <a:spcPct val="100000"/>
-              </a:lnSpc>
-              <a:spcBef>
-                <a:spcPts val="400"/>
-              </a:spcBef>
-              <a:spcAft>
-                <a:spcPts val="0"/>
-              </a:spcAft>
-              <a:buNone/>
-            </a:pPr>
-            <a:r>
-              <a:rPr lang="en" sz="950">
-                <a:solidFill>
-                  <a:srgbClr val="666600"/>
-                </a:solidFill>
-                <a:highlight>
-                  <a:srgbClr val="FFFFFF"/>
-                </a:highlight>
-              </a:rPr>
-              <a:t>}</a:t>
-            </a:r>
-            <a:endParaRPr sz="950">
-              <a:solidFill>
-                <a:srgbClr val="666600"/>
-              </a:solidFill>
-              <a:highlight>
-                <a:srgbClr val="FFFFFF"/>
-              </a:highlight>
-            </a:endParaRPr>
-          </a:p>
-          <a:p>
-            <a:pPr indent="0" lvl="0" marL="0" rtl="0" algn="l">
-              <a:lnSpc>
-                <a:spcPct val="115000"/>
-              </a:lnSpc>
-              <a:spcBef>
-                <a:spcPts val="0"/>
-              </a:spcBef>
-              <a:spcAft>
-                <a:spcPts val="0"/>
-              </a:spcAft>
-              <a:buNone/>
-            </a:pPr>
-            <a:r>
-              <a:t/>
-            </a:r>
-            <a:endParaRPr sz="1100">
-              <a:solidFill>
-                <a:srgbClr val="666600"/>
-              </a:solidFill>
-            </a:endParaRPr>
-          </a:p>
-          <a:p>
-            <a:pPr indent="0" lvl="0" marL="0" rtl="0" algn="l">
-              <a:lnSpc>
-                <a:spcPct val="115000"/>
-              </a:lnSpc>
-              <a:spcBef>
-                <a:spcPts val="1800"/>
-              </a:spcBef>
-              <a:spcAft>
-                <a:spcPts val="0"/>
-              </a:spcAft>
-              <a:buNone/>
-            </a:pPr>
-            <a:r>
-              <a:t/>
-            </a:r>
-            <a:endParaRPr sz="1200">
-              <a:solidFill>
-                <a:schemeClr val="dk1"/>
-              </a:solidFill>
-              <a:highlight>
-                <a:srgbClr val="FFFFFF"/>
-              </a:highlight>
-            </a:endParaRPr>
-          </a:p>
-          <a:p>
-            <a:pPr indent="0" lvl="0" marL="0" rtl="0" algn="l">
-              <a:lnSpc>
-                <a:spcPct val="115000"/>
-              </a:lnSpc>
-              <a:spcBef>
-                <a:spcPts val="1800"/>
-              </a:spcBef>
-              <a:spcAft>
-                <a:spcPts val="0"/>
-              </a:spcAft>
-              <a:buClr>
-                <a:schemeClr val="dk1"/>
-              </a:buClr>
-              <a:buSzPts val="1100"/>
-              <a:buFont typeface="Arial"/>
-              <a:buNone/>
-            </a:pPr>
-            <a:r>
-              <a:rPr b="1" lang="en" sz="1550">
-                <a:solidFill>
-                  <a:schemeClr val="dk1"/>
-                </a:solidFill>
-              </a:rPr>
-              <a:t> </a:t>
-            </a:r>
-            <a:endParaRPr b="1" sz="1550">
-              <a:solidFill>
-                <a:schemeClr val="dk1"/>
-              </a:solidFill>
-            </a:endParaRPr>
-          </a:p>
-          <a:p>
-            <a:pPr indent="0" lvl="0" marL="0" rtl="0" algn="l">
-              <a:lnSpc>
-                <a:spcPct val="115000"/>
-              </a:lnSpc>
-              <a:spcBef>
-                <a:spcPts val="400"/>
-              </a:spcBef>
-              <a:spcAft>
-                <a:spcPts val="0"/>
-              </a:spcAft>
-              <a:buClr>
-                <a:schemeClr val="dk1"/>
-              </a:buClr>
-              <a:buSzPts val="1100"/>
-              <a:buFont typeface="Arial"/>
-              <a:buNone/>
-            </a:pPr>
-            <a:r>
-              <a:t/>
-            </a:r>
-            <a:endParaRPr sz="1100">
-              <a:solidFill>
-                <a:schemeClr val="dk1"/>
-              </a:solidFill>
-            </a:endParaRPr>
-          </a:p>
-          <a:p>
-            <a:pPr indent="0" lvl="0" marL="0" rtl="0" algn="l">
-              <a:spcBef>
-                <a:spcPts val="0"/>
-              </a:spcBef>
-              <a:spcAft>
-                <a:spcPts val="0"/>
-              </a:spcAft>
-              <a:buNone/>
-            </a:pPr>
-            <a:r>
-              <a:t/>
-            </a:r>
-            <a:endParaRPr/>
-          </a:p>
-        </p:txBody>
-      </p:sp>
-      <p:sp>
-        <p:nvSpPr>
-          <p:cNvPr id="195" name="Google Shape;195;p31"/>
-          <p:cNvSpPr txBox="1"/>
-          <p:nvPr/>
-        </p:nvSpPr>
-        <p:spPr>
-          <a:xfrm>
-            <a:off x="5020000" y="1405200"/>
-            <a:ext cx="2694600" cy="2535600"/>
-          </a:xfrm>
-          <a:prstGeom prst="rect">
-            <a:avLst/>
-          </a:prstGeom>
-          <a:noFill/>
-          <a:ln cap="flat" cmpd="sng" w="9525">
-            <a:solidFill>
-              <a:srgbClr val="000000"/>
-            </a:solidFill>
-            <a:prstDash val="dot"/>
-            <a:round/>
-            <a:headEnd len="sm" w="sm" type="none"/>
-            <a:tailEnd len="sm" w="sm" type="none"/>
-          </a:ln>
-        </p:spPr>
-        <p:txBody>
-          <a:bodyPr anchorCtr="0" anchor="t" bIns="91425" lIns="91425" spcFirstLastPara="1" rIns="91425" wrap="square" tIns="91425">
-            <a:noAutofit/>
-          </a:bodyPr>
-          <a:lstStyle/>
-          <a:p>
-            <a:pPr indent="0" lvl="0" marL="0" rtl="0" algn="l">
-              <a:spcBef>
-                <a:spcPts val="0"/>
-              </a:spcBef>
-              <a:spcAft>
-                <a:spcPts val="0"/>
-              </a:spcAft>
-              <a:buNone/>
-            </a:pPr>
-            <a:r>
-              <a:rPr lang="en"/>
-              <a:t>Output: </a:t>
-            </a:r>
-            <a:endParaRPr/>
-          </a:p>
-          <a:p>
-            <a:pPr indent="0" lvl="0" marL="0" rtl="0" algn="l">
-              <a:spcBef>
-                <a:spcPts val="0"/>
-              </a:spcBef>
-              <a:spcAft>
-                <a:spcPts val="0"/>
-              </a:spcAft>
-              <a:buNone/>
-            </a:pPr>
-            <a:r>
-              <a:t/>
-            </a:r>
-            <a:endParaRPr/>
-          </a:p>
-          <a:p>
-            <a:pPr indent="0" lvl="0" marL="0" rtl="0" algn="l">
-              <a:lnSpc>
-                <a:spcPct val="115000"/>
-              </a:lnSpc>
-              <a:spcBef>
-                <a:spcPts val="0"/>
-              </a:spcBef>
-              <a:spcAft>
-                <a:spcPts val="0"/>
-              </a:spcAft>
-              <a:buNone/>
-            </a:pPr>
-            <a:r>
-              <a:rPr lang="en" sz="950">
-                <a:solidFill>
-                  <a:schemeClr val="dk1"/>
-                </a:solidFill>
-                <a:highlight>
-                  <a:srgbClr val="FFFFFF"/>
-                </a:highlight>
-              </a:rPr>
-              <a:t>Element[0] = 100</a:t>
-            </a:r>
-            <a:endParaRPr sz="950">
-              <a:solidFill>
-                <a:schemeClr val="dk1"/>
-              </a:solidFill>
-              <a:highlight>
-                <a:srgbClr val="FFFFFF"/>
-              </a:highlight>
-            </a:endParaRPr>
-          </a:p>
-          <a:p>
-            <a:pPr indent="0" lvl="0" marL="0" rtl="0" algn="l">
-              <a:lnSpc>
-                <a:spcPct val="115000"/>
-              </a:lnSpc>
-              <a:spcBef>
-                <a:spcPts val="0"/>
-              </a:spcBef>
-              <a:spcAft>
-                <a:spcPts val="0"/>
-              </a:spcAft>
-              <a:buNone/>
-            </a:pPr>
-            <a:r>
-              <a:rPr lang="en" sz="950">
-                <a:solidFill>
-                  <a:schemeClr val="dk1"/>
-                </a:solidFill>
-                <a:highlight>
-                  <a:srgbClr val="FFFFFF"/>
-                </a:highlight>
-              </a:rPr>
-              <a:t>Element[1] = 101</a:t>
-            </a:r>
-            <a:endParaRPr sz="950">
-              <a:solidFill>
-                <a:schemeClr val="dk1"/>
-              </a:solidFill>
-              <a:highlight>
-                <a:srgbClr val="FFFFFF"/>
-              </a:highlight>
-            </a:endParaRPr>
-          </a:p>
-          <a:p>
-            <a:pPr indent="0" lvl="0" marL="0" rtl="0" algn="l">
-              <a:lnSpc>
-                <a:spcPct val="115000"/>
-              </a:lnSpc>
-              <a:spcBef>
-                <a:spcPts val="0"/>
-              </a:spcBef>
-              <a:spcAft>
-                <a:spcPts val="0"/>
-              </a:spcAft>
-              <a:buNone/>
-            </a:pPr>
-            <a:r>
-              <a:rPr lang="en" sz="950">
-                <a:solidFill>
-                  <a:schemeClr val="dk1"/>
-                </a:solidFill>
-                <a:highlight>
-                  <a:srgbClr val="FFFFFF"/>
-                </a:highlight>
-              </a:rPr>
-              <a:t>Element[2] = 102</a:t>
-            </a:r>
-            <a:endParaRPr sz="950">
-              <a:solidFill>
-                <a:schemeClr val="dk1"/>
-              </a:solidFill>
-              <a:highlight>
-                <a:srgbClr val="FFFFFF"/>
-              </a:highlight>
-            </a:endParaRPr>
-          </a:p>
-          <a:p>
-            <a:pPr indent="0" lvl="0" marL="0" rtl="0" algn="l">
-              <a:lnSpc>
-                <a:spcPct val="115000"/>
-              </a:lnSpc>
-              <a:spcBef>
-                <a:spcPts val="0"/>
-              </a:spcBef>
-              <a:spcAft>
-                <a:spcPts val="0"/>
-              </a:spcAft>
-              <a:buNone/>
-            </a:pPr>
-            <a:r>
-              <a:rPr lang="en" sz="950">
-                <a:solidFill>
-                  <a:schemeClr val="dk1"/>
-                </a:solidFill>
-                <a:highlight>
-                  <a:srgbClr val="FFFFFF"/>
-                </a:highlight>
-              </a:rPr>
-              <a:t>Element[3] = 103</a:t>
-            </a:r>
-            <a:endParaRPr sz="950">
-              <a:solidFill>
-                <a:schemeClr val="dk1"/>
-              </a:solidFill>
-              <a:highlight>
-                <a:srgbClr val="FFFFFF"/>
-              </a:highlight>
-            </a:endParaRPr>
-          </a:p>
-          <a:p>
-            <a:pPr indent="0" lvl="0" marL="0" rtl="0" algn="l">
-              <a:lnSpc>
-                <a:spcPct val="115000"/>
-              </a:lnSpc>
-              <a:spcBef>
-                <a:spcPts val="0"/>
-              </a:spcBef>
-              <a:spcAft>
-                <a:spcPts val="0"/>
-              </a:spcAft>
-              <a:buNone/>
-            </a:pPr>
-            <a:r>
-              <a:rPr lang="en" sz="950">
-                <a:solidFill>
-                  <a:schemeClr val="dk1"/>
-                </a:solidFill>
-                <a:highlight>
-                  <a:srgbClr val="FFFFFF"/>
-                </a:highlight>
-              </a:rPr>
-              <a:t>Element[4] = 104</a:t>
-            </a:r>
-            <a:endParaRPr sz="950">
-              <a:solidFill>
-                <a:schemeClr val="dk1"/>
-              </a:solidFill>
-              <a:highlight>
-                <a:srgbClr val="FFFFFF"/>
-              </a:highlight>
-            </a:endParaRPr>
-          </a:p>
-          <a:p>
-            <a:pPr indent="0" lvl="0" marL="0" rtl="0" algn="l">
-              <a:lnSpc>
-                <a:spcPct val="115000"/>
-              </a:lnSpc>
-              <a:spcBef>
-                <a:spcPts val="0"/>
-              </a:spcBef>
-              <a:spcAft>
-                <a:spcPts val="0"/>
-              </a:spcAft>
-              <a:buNone/>
-            </a:pPr>
-            <a:r>
-              <a:rPr lang="en" sz="950">
-                <a:solidFill>
-                  <a:schemeClr val="dk1"/>
-                </a:solidFill>
-                <a:highlight>
-                  <a:srgbClr val="FFFFFF"/>
-                </a:highlight>
-              </a:rPr>
-              <a:t>Element[5] = 105</a:t>
-            </a:r>
-            <a:endParaRPr sz="950">
-              <a:solidFill>
-                <a:schemeClr val="dk1"/>
-              </a:solidFill>
-              <a:highlight>
-                <a:srgbClr val="FFFFFF"/>
-              </a:highlight>
-            </a:endParaRPr>
-          </a:p>
-          <a:p>
-            <a:pPr indent="0" lvl="0" marL="0" rtl="0" algn="l">
-              <a:lnSpc>
-                <a:spcPct val="115000"/>
-              </a:lnSpc>
-              <a:spcBef>
-                <a:spcPts val="0"/>
-              </a:spcBef>
-              <a:spcAft>
-                <a:spcPts val="0"/>
-              </a:spcAft>
-              <a:buNone/>
-            </a:pPr>
-            <a:r>
-              <a:rPr lang="en" sz="950">
-                <a:solidFill>
-                  <a:schemeClr val="dk1"/>
-                </a:solidFill>
-                <a:highlight>
-                  <a:srgbClr val="FFFFFF"/>
-                </a:highlight>
-              </a:rPr>
-              <a:t>Element[6] = 106</a:t>
-            </a:r>
-            <a:endParaRPr sz="950">
-              <a:solidFill>
-                <a:schemeClr val="dk1"/>
-              </a:solidFill>
-              <a:highlight>
-                <a:srgbClr val="FFFFFF"/>
-              </a:highlight>
-            </a:endParaRPr>
-          </a:p>
-          <a:p>
-            <a:pPr indent="0" lvl="0" marL="0" rtl="0" algn="l">
-              <a:lnSpc>
-                <a:spcPct val="115000"/>
-              </a:lnSpc>
-              <a:spcBef>
-                <a:spcPts val="0"/>
-              </a:spcBef>
-              <a:spcAft>
-                <a:spcPts val="0"/>
-              </a:spcAft>
-              <a:buNone/>
-            </a:pPr>
-            <a:r>
-              <a:rPr lang="en" sz="950">
-                <a:solidFill>
-                  <a:schemeClr val="dk1"/>
-                </a:solidFill>
-                <a:highlight>
-                  <a:srgbClr val="FFFFFF"/>
-                </a:highlight>
-              </a:rPr>
-              <a:t>Element[7] = 107</a:t>
-            </a:r>
-            <a:endParaRPr sz="950">
-              <a:solidFill>
-                <a:schemeClr val="dk1"/>
-              </a:solidFill>
-              <a:highlight>
-                <a:srgbClr val="FFFFFF"/>
-              </a:highlight>
-            </a:endParaRPr>
-          </a:p>
-          <a:p>
-            <a:pPr indent="0" lvl="0" marL="0" rtl="0" algn="l">
-              <a:lnSpc>
-                <a:spcPct val="115000"/>
-              </a:lnSpc>
-              <a:spcBef>
-                <a:spcPts val="0"/>
-              </a:spcBef>
-              <a:spcAft>
-                <a:spcPts val="0"/>
-              </a:spcAft>
-              <a:buNone/>
-            </a:pPr>
-            <a:r>
-              <a:rPr lang="en" sz="950">
-                <a:solidFill>
-                  <a:schemeClr val="dk1"/>
-                </a:solidFill>
-                <a:highlight>
-                  <a:srgbClr val="FFFFFF"/>
-                </a:highlight>
-              </a:rPr>
-              <a:t>Element[8] = 108</a:t>
-            </a:r>
-            <a:endParaRPr sz="950">
-              <a:solidFill>
-                <a:schemeClr val="dk1"/>
-              </a:solidFill>
-              <a:highlight>
-                <a:srgbClr val="FFFFFF"/>
-              </a:highlight>
-            </a:endParaRPr>
-          </a:p>
-          <a:p>
-            <a:pPr indent="0" lvl="0" marL="0" marR="50800" rtl="0" algn="l">
-              <a:lnSpc>
-                <a:spcPct val="115000"/>
-              </a:lnSpc>
-              <a:spcBef>
-                <a:spcPts val="0"/>
-              </a:spcBef>
-              <a:spcAft>
-                <a:spcPts val="0"/>
-              </a:spcAft>
-              <a:buClr>
-                <a:schemeClr val="dk1"/>
-              </a:buClr>
-              <a:buSzPts val="1100"/>
-              <a:buFont typeface="Arial"/>
-              <a:buNone/>
-            </a:pPr>
-            <a:r>
-              <a:rPr lang="en" sz="950">
-                <a:solidFill>
-                  <a:schemeClr val="dk1"/>
-                </a:solidFill>
-                <a:highlight>
-                  <a:srgbClr val="FFFFFF"/>
-                </a:highlight>
-              </a:rPr>
-              <a:t>Element[9] = 109</a:t>
-            </a:r>
-            <a:endParaRPr sz="950">
-              <a:solidFill>
-                <a:schemeClr val="dk1"/>
-              </a:solidFill>
-              <a:highlight>
-                <a:srgbClr val="FFFFFF"/>
-              </a:highlight>
-            </a:endParaRPr>
-          </a:p>
-          <a:p>
-            <a:pPr indent="0" lvl="0" marL="0" rtl="0" algn="l">
-              <a:spcBef>
-                <a:spcPts val="0"/>
-              </a:spcBef>
-              <a:spcAft>
-                <a:spcPts val="0"/>
-              </a:spcAft>
-              <a:buNone/>
-            </a:pPr>
-            <a:r>
-              <a:t/>
-            </a:r>
-            <a:endParaRPr/>
-          </a:p>
-        </p:txBody>
-      </p:sp>
-    </p:spTree>
-  </p:cSld>
-  <p:clrMapOvr>
-    <a:masterClrMapping/>
-  </p:clrMapOvr>
-</p:sld>
-</file>
-
-<file path=ppt/slides/slide19.xml><?xml version="1.0" encoding="utf-8"?>
-<p:sld xmlns:a="http://schemas.openxmlformats.org/drawingml/2006/main" xmlns:r="http://schemas.openxmlformats.org/officeDocument/2006/relationships" xmlns:mc="http://schemas.openxmlformats.org/markup-compatibility/2006" xmlns:mv="urn:schemas-microsoft-com:mac:vml" xmlns:p="http://schemas.openxmlformats.org/presentationml/2006/main" xmlns:c="http://schemas.openxmlformats.org/drawingml/2006/chart" xmlns:dgm="http://schemas.openxmlformats.org/drawingml/2006/diagram" xmlns:o="urn:schemas-microsoft-com:office:office" xmlns:v="urn:schemas-microsoft-com:vml" xmlns:pvml="urn:schemas-microsoft-com:office:powerpoint" xmlns:com="http://schemas.openxmlformats.org/drawingml/2006/compatibility" xmlns:p14="http://schemas.microsoft.com/office/powerpoint/2010/main" xmlns:p15="http://schemas.microsoft.com/office/powerpoint/2012/main">
-  <p:cSld>
-    <p:spTree>
-      <p:nvGrpSpPr>
-        <p:cNvPr id="199" name="Shape 199"/>
-        <p:cNvGrpSpPr/>
-        <p:nvPr/>
-      </p:nvGrpSpPr>
-      <p:grpSpPr>
-        <a:xfrm>
-          <a:off x="0" y="0"/>
-          <a:ext cx="0" cy="0"/>
-          <a:chOff x="0" y="0"/>
-          <a:chExt cx="0" cy="0"/>
-        </a:xfrm>
-      </p:grpSpPr>
-      <p:sp>
-        <p:nvSpPr>
-          <p:cNvPr id="200" name="Google Shape;200;p32"/>
-          <p:cNvSpPr txBox="1"/>
-          <p:nvPr/>
-        </p:nvSpPr>
-        <p:spPr>
-          <a:xfrm>
-            <a:off x="374950" y="234875"/>
-            <a:ext cx="8524200" cy="4710000"/>
-          </a:xfrm>
-          <a:prstGeom prst="rect">
-            <a:avLst/>
-          </a:prstGeom>
-          <a:noFill/>
-          <a:ln>
-            <a:noFill/>
-          </a:ln>
-        </p:spPr>
-        <p:txBody>
-          <a:bodyPr anchorCtr="0" anchor="t" bIns="91425" lIns="91425" spcFirstLastPara="1" rIns="91425" wrap="square" tIns="91425">
-            <a:noAutofit/>
-          </a:bodyPr>
-          <a:lstStyle/>
-          <a:p>
-            <a:pPr indent="0" lvl="0" marL="0" rtl="0" algn="ctr">
-              <a:lnSpc>
-                <a:spcPct val="85714"/>
-              </a:lnSpc>
-              <a:spcBef>
-                <a:spcPts val="0"/>
-              </a:spcBef>
-              <a:spcAft>
-                <a:spcPts val="0"/>
-              </a:spcAft>
-              <a:buClr>
-                <a:schemeClr val="dk1"/>
-              </a:buClr>
-              <a:buSzPts val="1100"/>
-              <a:buFont typeface="Arial"/>
-              <a:buNone/>
-            </a:pPr>
-            <a:r>
-              <a:rPr b="1" lang="en" u="sng"/>
-              <a:t>C - Pointers</a:t>
-            </a:r>
-            <a:endParaRPr b="1" u="sng"/>
-          </a:p>
-          <a:p>
-            <a:pPr indent="0" lvl="0" marL="25400" marR="25400" rtl="0" algn="just">
-              <a:lnSpc>
-                <a:spcPct val="115000"/>
-              </a:lnSpc>
-              <a:spcBef>
-                <a:spcPts val="600"/>
-              </a:spcBef>
-              <a:spcAft>
-                <a:spcPts val="0"/>
-              </a:spcAft>
-              <a:buNone/>
-            </a:pPr>
-            <a:r>
-              <a:rPr lang="en" sz="1000">
-                <a:solidFill>
-                  <a:schemeClr val="dk1"/>
-                </a:solidFill>
-              </a:rPr>
-              <a:t>A pointer is a variable whose value is the address of another variable, i.e., direct address of the memory location. Like any variable or constant, you must declare a pointer before using it to store any variable address. The general form of a pointer variable declaration is</a:t>
-            </a:r>
-            <a:r>
-              <a:rPr lang="en" sz="1100">
-                <a:solidFill>
-                  <a:schemeClr val="dk1"/>
-                </a:solidFill>
-              </a:rPr>
-              <a:t> </a:t>
-            </a:r>
-            <a:endParaRPr sz="1100">
-              <a:solidFill>
-                <a:schemeClr val="dk1"/>
-              </a:solidFill>
-            </a:endParaRPr>
-          </a:p>
-          <a:p>
-            <a:pPr indent="0" lvl="0" marL="50800" marR="50800" rtl="0" algn="l">
-              <a:lnSpc>
-                <a:spcPct val="115000"/>
-              </a:lnSpc>
-              <a:spcBef>
-                <a:spcPts val="700"/>
-              </a:spcBef>
-              <a:spcAft>
-                <a:spcPts val="0"/>
-              </a:spcAft>
-              <a:buNone/>
-            </a:pPr>
-            <a:r>
-              <a:rPr b="1" lang="en" sz="1000">
-                <a:solidFill>
-                  <a:schemeClr val="dk1"/>
-                </a:solidFill>
-                <a:highlight>
-                  <a:srgbClr val="FFFFFF"/>
-                </a:highlight>
-              </a:rPr>
-              <a:t>type *var-name;</a:t>
-            </a:r>
-            <a:r>
-              <a:rPr b="1" lang="en" sz="1000">
-                <a:solidFill>
-                  <a:schemeClr val="dk1"/>
-                </a:solidFill>
-                <a:highlight>
-                  <a:srgbClr val="EEEEEE"/>
-                </a:highlight>
-              </a:rPr>
-              <a:t> </a:t>
-            </a:r>
-            <a:r>
-              <a:rPr lang="en" sz="1000">
-                <a:solidFill>
-                  <a:schemeClr val="dk1"/>
-                </a:solidFill>
-                <a:highlight>
-                  <a:srgbClr val="FFFFFF"/>
-                </a:highlight>
-              </a:rPr>
-              <a:t>Here, type is the pointer's base type; it must be a valid C data type and var-name is the name of the pointer variable.</a:t>
-            </a:r>
-            <a:endParaRPr b="1" sz="1000">
-              <a:solidFill>
-                <a:schemeClr val="dk1"/>
-              </a:solidFill>
-              <a:highlight>
-                <a:srgbClr val="EEEEEE"/>
-              </a:highlight>
-            </a:endParaRPr>
-          </a:p>
-          <a:p>
-            <a:pPr indent="0" lvl="0" marL="0" marR="25400" rtl="0" algn="just">
-              <a:lnSpc>
-                <a:spcPct val="115000"/>
-              </a:lnSpc>
-              <a:spcBef>
-                <a:spcPts val="600"/>
-              </a:spcBef>
-              <a:spcAft>
-                <a:spcPts val="0"/>
-              </a:spcAft>
-              <a:buNone/>
-            </a:pPr>
-            <a:r>
-              <a:rPr b="1" lang="en" sz="1100">
-                <a:solidFill>
-                  <a:schemeClr val="dk1"/>
-                </a:solidFill>
-              </a:rPr>
-              <a:t> Valid Pointer Declaration-</a:t>
-            </a:r>
-            <a:endParaRPr b="1" sz="1100">
-              <a:solidFill>
-                <a:schemeClr val="dk1"/>
-              </a:solidFill>
-            </a:endParaRPr>
-          </a:p>
-          <a:p>
-            <a:pPr indent="0" lvl="0" marL="457200" marR="25400" rtl="0" algn="just">
-              <a:lnSpc>
-                <a:spcPct val="115000"/>
-              </a:lnSpc>
-              <a:spcBef>
-                <a:spcPts val="700"/>
-              </a:spcBef>
-              <a:spcAft>
-                <a:spcPts val="0"/>
-              </a:spcAft>
-              <a:buNone/>
-            </a:pPr>
-            <a:r>
-              <a:rPr lang="en" sz="1050">
-                <a:solidFill>
-                  <a:schemeClr val="dk1"/>
-                </a:solidFill>
-                <a:highlight>
-                  <a:srgbClr val="FFFFFF"/>
-                </a:highlight>
-              </a:rPr>
-              <a:t>int    *ip;    /* pointer to an integer */</a:t>
-            </a:r>
-            <a:endParaRPr sz="1050">
-              <a:solidFill>
-                <a:schemeClr val="dk1"/>
-              </a:solidFill>
-              <a:highlight>
-                <a:srgbClr val="FFFFFF"/>
-              </a:highlight>
-            </a:endParaRPr>
-          </a:p>
-          <a:p>
-            <a:pPr indent="0" lvl="0" marL="457200" marR="25400" rtl="0" algn="just">
-              <a:lnSpc>
-                <a:spcPct val="115000"/>
-              </a:lnSpc>
-              <a:spcBef>
-                <a:spcPts val="700"/>
-              </a:spcBef>
-              <a:spcAft>
-                <a:spcPts val="0"/>
-              </a:spcAft>
-              <a:buNone/>
-            </a:pPr>
-            <a:r>
-              <a:rPr lang="en" sz="1050">
-                <a:solidFill>
-                  <a:schemeClr val="dk1"/>
-                </a:solidFill>
-                <a:highlight>
-                  <a:srgbClr val="FFFFFF"/>
-                </a:highlight>
-              </a:rPr>
-              <a:t>double *dp;    /* pointer to a double */</a:t>
-            </a:r>
-            <a:endParaRPr sz="1050">
-              <a:solidFill>
-                <a:schemeClr val="dk1"/>
-              </a:solidFill>
-              <a:highlight>
-                <a:srgbClr val="FFFFFF"/>
-              </a:highlight>
-            </a:endParaRPr>
-          </a:p>
-          <a:p>
-            <a:pPr indent="0" lvl="0" marL="457200" marR="25400" rtl="0" algn="just">
-              <a:lnSpc>
-                <a:spcPct val="115000"/>
-              </a:lnSpc>
-              <a:spcBef>
-                <a:spcPts val="700"/>
-              </a:spcBef>
-              <a:spcAft>
-                <a:spcPts val="0"/>
-              </a:spcAft>
-              <a:buNone/>
-            </a:pPr>
-            <a:r>
-              <a:rPr lang="en" sz="1050">
-                <a:solidFill>
-                  <a:schemeClr val="dk1"/>
-                </a:solidFill>
-                <a:highlight>
-                  <a:srgbClr val="FFFFFF"/>
-                </a:highlight>
-              </a:rPr>
-              <a:t>float  *fp;    /* pointer to a float */</a:t>
-            </a:r>
-            <a:endParaRPr sz="1050">
-              <a:solidFill>
-                <a:schemeClr val="dk1"/>
-              </a:solidFill>
-              <a:highlight>
-                <a:srgbClr val="FFFFFF"/>
-              </a:highlight>
-            </a:endParaRPr>
-          </a:p>
-          <a:p>
-            <a:pPr indent="0" lvl="0" marL="457200" marR="50800" rtl="0" algn="l">
-              <a:lnSpc>
-                <a:spcPct val="115000"/>
-              </a:lnSpc>
-              <a:spcBef>
-                <a:spcPts val="700"/>
-              </a:spcBef>
-              <a:spcAft>
-                <a:spcPts val="0"/>
-              </a:spcAft>
-              <a:buNone/>
-            </a:pPr>
-            <a:r>
-              <a:rPr lang="en" sz="1050">
-                <a:solidFill>
-                  <a:schemeClr val="dk1"/>
-                </a:solidFill>
-                <a:highlight>
-                  <a:srgbClr val="FFFFFF"/>
-                </a:highlight>
-              </a:rPr>
-              <a:t>char   *ch     /* pointer to a character */</a:t>
-            </a:r>
-            <a:endParaRPr sz="1050">
-              <a:solidFill>
-                <a:schemeClr val="dk1"/>
-              </a:solidFill>
-              <a:highlight>
-                <a:srgbClr val="FFFFFF"/>
-              </a:highlight>
-            </a:endParaRPr>
-          </a:p>
-          <a:p>
-            <a:pPr indent="0" lvl="0" marL="0" marR="25400" rtl="0" algn="just">
-              <a:lnSpc>
-                <a:spcPct val="115000"/>
-              </a:lnSpc>
-              <a:spcBef>
-                <a:spcPts val="600"/>
-              </a:spcBef>
-              <a:spcAft>
-                <a:spcPts val="0"/>
-              </a:spcAft>
-              <a:buNone/>
-            </a:pPr>
-            <a:r>
-              <a:rPr lang="en" sz="1100">
-                <a:solidFill>
-                  <a:schemeClr val="dk1"/>
-                </a:solidFill>
-                <a:highlight>
-                  <a:srgbClr val="FFFFFF"/>
-                </a:highlight>
-              </a:rPr>
-              <a:t>The actual data type of the value of all pointers, whether integer, float, character, or otherwise, is the same, a long hexadecimal number that represents a memory address. </a:t>
-            </a:r>
-            <a:endParaRPr sz="1100">
-              <a:solidFill>
-                <a:schemeClr val="dk1"/>
-              </a:solidFill>
-              <a:highlight>
-                <a:srgbClr val="FFFFFF"/>
-              </a:highlight>
-            </a:endParaRPr>
-          </a:p>
-          <a:p>
-            <a:pPr indent="0" lvl="0" marL="0" marR="25400" rtl="0" algn="just">
-              <a:lnSpc>
-                <a:spcPct val="115000"/>
-              </a:lnSpc>
-              <a:spcBef>
-                <a:spcPts val="700"/>
-              </a:spcBef>
-              <a:spcAft>
-                <a:spcPts val="0"/>
-              </a:spcAft>
-              <a:buNone/>
-            </a:pPr>
-            <a:r>
-              <a:rPr b="1" lang="en" sz="1100">
-                <a:solidFill>
-                  <a:schemeClr val="dk1"/>
-                </a:solidFill>
-                <a:highlight>
-                  <a:srgbClr val="FFFFFF"/>
-                </a:highlight>
-              </a:rPr>
-              <a:t>Address of C Variable-  </a:t>
-            </a:r>
-            <a:r>
-              <a:rPr lang="en" sz="1050">
-                <a:highlight>
-                  <a:srgbClr val="FFFFFF"/>
-                </a:highlight>
-              </a:rPr>
-              <a:t>printf("%d", &amp;var);</a:t>
-            </a:r>
-            <a:endParaRPr b="1" sz="1100">
-              <a:highlight>
-                <a:srgbClr val="FFFFFF"/>
-              </a:highlight>
-            </a:endParaRPr>
-          </a:p>
-          <a:p>
-            <a:pPr indent="0" lvl="0" marL="0" rtl="0" algn="l">
-              <a:lnSpc>
-                <a:spcPct val="115000"/>
-              </a:lnSpc>
-              <a:spcBef>
-                <a:spcPts val="1800"/>
-              </a:spcBef>
-              <a:spcAft>
-                <a:spcPts val="0"/>
-              </a:spcAft>
-              <a:buNone/>
-            </a:pPr>
-            <a:r>
-              <a:rPr b="1" lang="en" sz="1450">
-                <a:solidFill>
-                  <a:schemeClr val="dk1"/>
-                </a:solidFill>
-              </a:rPr>
-              <a:t>How to Use Pointers?</a:t>
-            </a:r>
-            <a:endParaRPr b="1" sz="1450">
-              <a:solidFill>
-                <a:schemeClr val="dk1"/>
-              </a:solidFill>
-            </a:endParaRPr>
-          </a:p>
-          <a:p>
-            <a:pPr indent="-292100" lvl="0" marL="457200" rtl="0" algn="l">
-              <a:lnSpc>
-                <a:spcPct val="150000"/>
-              </a:lnSpc>
-              <a:spcBef>
-                <a:spcPts val="1800"/>
-              </a:spcBef>
-              <a:spcAft>
-                <a:spcPts val="0"/>
-              </a:spcAft>
-              <a:buClr>
-                <a:schemeClr val="dk1"/>
-              </a:buClr>
-              <a:buSzPts val="1000"/>
-              <a:buAutoNum type="arabicPeriod"/>
-            </a:pPr>
-            <a:r>
-              <a:rPr lang="en" sz="1000">
-                <a:solidFill>
-                  <a:schemeClr val="dk1"/>
-                </a:solidFill>
-                <a:highlight>
-                  <a:srgbClr val="FFFFFF"/>
-                </a:highlight>
-              </a:rPr>
-              <a:t>define a pointer variable </a:t>
-            </a:r>
-            <a:endParaRPr sz="1000">
-              <a:solidFill>
-                <a:schemeClr val="dk1"/>
-              </a:solidFill>
-              <a:highlight>
-                <a:srgbClr val="FFFFFF"/>
-              </a:highlight>
-            </a:endParaRPr>
-          </a:p>
-          <a:p>
-            <a:pPr indent="-292100" lvl="0" marL="457200" rtl="0" algn="l">
-              <a:lnSpc>
-                <a:spcPct val="150000"/>
-              </a:lnSpc>
-              <a:spcBef>
-                <a:spcPts val="0"/>
-              </a:spcBef>
-              <a:spcAft>
-                <a:spcPts val="0"/>
-              </a:spcAft>
-              <a:buClr>
-                <a:schemeClr val="dk1"/>
-              </a:buClr>
-              <a:buSzPts val="1000"/>
-              <a:buAutoNum type="arabicPeriod"/>
-            </a:pPr>
-            <a:r>
-              <a:rPr lang="en" sz="1000">
-                <a:solidFill>
-                  <a:schemeClr val="dk1"/>
-                </a:solidFill>
-                <a:highlight>
-                  <a:srgbClr val="FFFFFF"/>
-                </a:highlight>
-              </a:rPr>
-              <a:t>assign the address of a variable to a pointer</a:t>
-            </a:r>
-            <a:endParaRPr sz="1000">
-              <a:solidFill>
-                <a:schemeClr val="dk1"/>
-              </a:solidFill>
-              <a:highlight>
-                <a:srgbClr val="FFFFFF"/>
-              </a:highlight>
-            </a:endParaRPr>
-          </a:p>
-          <a:p>
-            <a:pPr indent="-292100" lvl="0" marL="457200" rtl="0" algn="l">
-              <a:lnSpc>
-                <a:spcPct val="150000"/>
-              </a:lnSpc>
-              <a:spcBef>
-                <a:spcPts val="0"/>
-              </a:spcBef>
-              <a:spcAft>
-                <a:spcPts val="0"/>
-              </a:spcAft>
-              <a:buClr>
-                <a:schemeClr val="dk1"/>
-              </a:buClr>
-              <a:buSzPts val="1000"/>
-              <a:buAutoNum type="arabicPeriod"/>
-            </a:pPr>
-            <a:r>
-              <a:rPr lang="en" sz="1000">
-                <a:solidFill>
-                  <a:schemeClr val="dk1"/>
-                </a:solidFill>
-                <a:highlight>
-                  <a:srgbClr val="FFFFFF"/>
-                </a:highlight>
-              </a:rPr>
-              <a:t>finally access the value at the address available in the pointer variable</a:t>
-            </a:r>
-            <a:endParaRPr b="1" sz="1250">
-              <a:solidFill>
-                <a:schemeClr val="dk1"/>
-              </a:solidFill>
-            </a:endParaRPr>
-          </a:p>
-          <a:p>
-            <a:pPr indent="0" lvl="0" marL="0" marR="25400" rtl="0" algn="just">
-              <a:lnSpc>
-                <a:spcPct val="115000"/>
-              </a:lnSpc>
-              <a:spcBef>
-                <a:spcPts val="600"/>
-              </a:spcBef>
-              <a:spcAft>
-                <a:spcPts val="0"/>
-              </a:spcAft>
-              <a:buClr>
-                <a:schemeClr val="dk1"/>
-              </a:buClr>
-              <a:buSzPts val="1100"/>
-              <a:buFont typeface="Arial"/>
-              <a:buNone/>
-            </a:pPr>
-            <a:r>
-              <a:t/>
-            </a:r>
-            <a:endParaRPr sz="1100">
-              <a:solidFill>
-                <a:schemeClr val="dk1"/>
-              </a:solidFill>
-              <a:highlight>
-                <a:srgbClr val="FFFFFF"/>
-              </a:highlight>
-            </a:endParaRPr>
-          </a:p>
-          <a:p>
-            <a:pPr indent="0" lvl="0" marL="0" rtl="0" algn="l">
-              <a:lnSpc>
-                <a:spcPct val="115000"/>
-              </a:lnSpc>
-              <a:spcBef>
-                <a:spcPts val="700"/>
-              </a:spcBef>
-              <a:spcAft>
-                <a:spcPts val="0"/>
-              </a:spcAft>
-              <a:buClr>
-                <a:schemeClr val="dk1"/>
-              </a:buClr>
-              <a:buSzPts val="1100"/>
-              <a:buFont typeface="Arial"/>
-              <a:buNone/>
-            </a:pPr>
-            <a:r>
-              <a:t/>
-            </a:r>
-            <a:endParaRPr sz="1100">
-              <a:solidFill>
-                <a:schemeClr val="dk1"/>
-              </a:solidFill>
-            </a:endParaRPr>
-          </a:p>
-          <a:p>
-            <a:pPr indent="0" lvl="0" marL="0" rtl="0" algn="l">
-              <a:spcBef>
-                <a:spcPts val="0"/>
-              </a:spcBef>
-              <a:spcAft>
-                <a:spcPts val="0"/>
-              </a:spcAft>
-              <a:buNone/>
-            </a:pPr>
-            <a:r>
-              <a:t/>
-            </a:r>
-            <a:endParaRPr/>
-          </a:p>
-        </p:txBody>
-      </p:sp>
-    </p:spTree>
-  </p:cSld>
-  <p:clrMapOvr>
-    <a:masterClrMapping/>
-  </p:clrMapOvr>
-</p:sld>
-</file>
-
 <file path=ppt/slides/slide2.xml><?xml version="1.0" encoding="utf-8"?>
-<p:sld xmlns:a="http://schemas.openxmlformats.org/drawingml/2006/main" xmlns:r="http://schemas.openxmlformats.org/officeDocument/2006/relationships" xmlns:mc="http://schemas.openxmlformats.org/markup-compatibility/2006" xmlns:mv="urn:schemas-microsoft-com:mac:vml" xmlns:p="http://schemas.openxmlformats.org/presentationml/2006/main" xmlns:c="http://schemas.openxmlformats.org/drawingml/2006/chart" xmlns:dgm="http://schemas.openxmlformats.org/drawingml/2006/diagram" xmlns:o="urn:schemas-microsoft-com:office:office" xmlns:v="urn:schemas-microsoft-com:vml" xmlns:pvml="urn:schemas-microsoft-com:office:powerpoint" xmlns:com="http://schemas.openxmlformats.org/drawingml/2006/compatibility" xmlns:p14="http://schemas.microsoft.com/office/powerpoint/2010/main" xmlns:p15="http://schemas.microsoft.com/office/powerpoint/2012/main">
+<p:sld xmlns:a="http://schemas.openxmlformats.org/drawingml/2006/main" xmlns:r="http://schemas.openxmlformats.org/officeDocument/2006/relationships" xmlns:mc="http://schemas.openxmlformats.org/markup-compatibility/2006" xmlns:mv="urn:schemas-microsoft-com:mac:vml" xmlns:p="http://schemas.openxmlformats.org/presentationml/2006/main" xmlns:c="http://schemas.openxmlformats.org/drawingml/2006/chart" xmlns:dgm="http://schemas.openxmlformats.org/drawingml/2006/diagram" xmlns:o="urn:schemas-microsoft-com:office:office" xmlns:v="urn:schemas-microsoft-com:vml" xmlns:pvml="urn:schemas-microsoft-com:office:powerpoint" xmlns:com="http://schemas.openxmlformats.org/drawingml/2006/compatibility" xmlns:p14="http://schemas.microsoft.com/office/powerpoint/2010/main" xmlns:p15="http://schemas.microsoft.com/office/powerpoint/2012/main" xmlns:ahyp="http://schemas.microsoft.com/office/drawing/2018/hyperlinkcolor">
   <p:cSld>
     <p:spTree>
       <p:nvGrpSpPr>
@@ -19582,7 +19886,7 @@
 </file>
 
 <file path=ppt/slides/slide20.xml><?xml version="1.0" encoding="utf-8"?>
-<p:sld xmlns:a="http://schemas.openxmlformats.org/drawingml/2006/main" xmlns:r="http://schemas.openxmlformats.org/officeDocument/2006/relationships" xmlns:mc="http://schemas.openxmlformats.org/markup-compatibility/2006" xmlns:mv="urn:schemas-microsoft-com:mac:vml" xmlns:p="http://schemas.openxmlformats.org/presentationml/2006/main" xmlns:c="http://schemas.openxmlformats.org/drawingml/2006/chart" xmlns:dgm="http://schemas.openxmlformats.org/drawingml/2006/diagram" xmlns:o="urn:schemas-microsoft-com:office:office" xmlns:v="urn:schemas-microsoft-com:vml" xmlns:pvml="urn:schemas-microsoft-com:office:powerpoint" xmlns:com="http://schemas.openxmlformats.org/drawingml/2006/compatibility" xmlns:p14="http://schemas.microsoft.com/office/powerpoint/2010/main" xmlns:p15="http://schemas.microsoft.com/office/powerpoint/2012/main">
+<p:sld xmlns:a="http://schemas.openxmlformats.org/drawingml/2006/main" xmlns:r="http://schemas.openxmlformats.org/officeDocument/2006/relationships" xmlns:mc="http://schemas.openxmlformats.org/markup-compatibility/2006" xmlns:mv="urn:schemas-microsoft-com:mac:vml" xmlns:p="http://schemas.openxmlformats.org/presentationml/2006/main" xmlns:c="http://schemas.openxmlformats.org/drawingml/2006/chart" xmlns:dgm="http://schemas.openxmlformats.org/drawingml/2006/diagram" xmlns:o="urn:schemas-microsoft-com:office:office" xmlns:v="urn:schemas-microsoft-com:vml" xmlns:pvml="urn:schemas-microsoft-com:office:powerpoint" xmlns:com="http://schemas.openxmlformats.org/drawingml/2006/compatibility" xmlns:p14="http://schemas.microsoft.com/office/powerpoint/2010/main" xmlns:p15="http://schemas.microsoft.com/office/powerpoint/2012/main" xmlns:ahyp="http://schemas.microsoft.com/office/drawing/2018/hyperlinkcolor">
   <p:cSld>
     <p:spTree>
       <p:nvGrpSpPr>
@@ -19606,6 +19910,2526 @@
         </p:nvSpPr>
         <p:spPr>
           <a:xfrm>
+            <a:off x="364050" y="-108350"/>
+            <a:ext cx="8415900" cy="4897800"/>
+          </a:xfrm>
+          <a:prstGeom prst="rect">
+            <a:avLst/>
+          </a:prstGeom>
+          <a:noFill/>
+          <a:ln>
+            <a:noFill/>
+          </a:ln>
+        </p:spPr>
+        <p:txBody>
+          <a:bodyPr anchorCtr="0" anchor="t" bIns="91425" lIns="91425" spcFirstLastPara="1" rIns="91425" wrap="square" tIns="91425">
+            <a:noAutofit/>
+          </a:bodyPr>
+          <a:lstStyle/>
+          <a:p>
+            <a:pPr indent="0" lvl="0" marL="0" rtl="0" algn="l">
+              <a:lnSpc>
+                <a:spcPct val="100000"/>
+              </a:lnSpc>
+              <a:spcBef>
+                <a:spcPts val="1800"/>
+              </a:spcBef>
+              <a:spcAft>
+                <a:spcPts val="0"/>
+              </a:spcAft>
+              <a:buNone/>
+            </a:pPr>
+            <a:r>
+              <a:rPr b="1" lang="en" sz="1550">
+                <a:solidFill>
+                  <a:schemeClr val="dk1"/>
+                </a:solidFill>
+              </a:rPr>
+              <a:t>Accessing Array Elements: </a:t>
+            </a:r>
+            <a:r>
+              <a:rPr lang="en" sz="1200">
+                <a:solidFill>
+                  <a:schemeClr val="dk1"/>
+                </a:solidFill>
+                <a:highlight>
+                  <a:srgbClr val="FFFFFF"/>
+                </a:highlight>
+              </a:rPr>
+              <a:t>An element is accessed by indexing the array name. This is done by placing the index of the element within square brackets after the name of the array.</a:t>
+            </a:r>
+            <a:endParaRPr sz="1200">
+              <a:solidFill>
+                <a:schemeClr val="dk1"/>
+              </a:solidFill>
+              <a:highlight>
+                <a:srgbClr val="FFFFFF"/>
+              </a:highlight>
+            </a:endParaRPr>
+          </a:p>
+          <a:p>
+            <a:pPr indent="0" lvl="0" marL="0" rtl="0" algn="l">
+              <a:lnSpc>
+                <a:spcPct val="100000"/>
+              </a:lnSpc>
+              <a:spcBef>
+                <a:spcPts val="1800"/>
+              </a:spcBef>
+              <a:spcAft>
+                <a:spcPts val="0"/>
+              </a:spcAft>
+              <a:buNone/>
+            </a:pPr>
+            <a:r>
+              <a:rPr b="1" lang="en" sz="1050">
+                <a:solidFill>
+                  <a:schemeClr val="dk1"/>
+                </a:solidFill>
+              </a:rPr>
+              <a:t>Ex-</a:t>
+            </a:r>
+            <a:r>
+              <a:rPr b="1" lang="en" sz="1550">
+                <a:solidFill>
+                  <a:schemeClr val="dk1"/>
+                </a:solidFill>
+              </a:rPr>
+              <a:t> </a:t>
+            </a:r>
+            <a:r>
+              <a:rPr lang="en" sz="1150">
+                <a:solidFill>
+                  <a:schemeClr val="dk1"/>
+                </a:solidFill>
+                <a:highlight>
+                  <a:srgbClr val="FFFFFF"/>
+                </a:highlight>
+              </a:rPr>
+              <a:t>double salary = balance[2];  (</a:t>
+            </a:r>
+            <a:r>
+              <a:rPr lang="en" sz="1200">
+                <a:solidFill>
+                  <a:schemeClr val="dk1"/>
+                </a:solidFill>
+                <a:highlight>
+                  <a:srgbClr val="FFFFFF"/>
+                </a:highlight>
+              </a:rPr>
+              <a:t>This statement will take the 3rd element from the array and assign the value to salary variable.)</a:t>
+            </a:r>
+            <a:endParaRPr sz="1200">
+              <a:solidFill>
+                <a:schemeClr val="dk1"/>
+              </a:solidFill>
+              <a:highlight>
+                <a:srgbClr val="FFFFFF"/>
+              </a:highlight>
+            </a:endParaRPr>
+          </a:p>
+          <a:p>
+            <a:pPr indent="0" lvl="0" marL="0" rtl="0" algn="l">
+              <a:lnSpc>
+                <a:spcPct val="115000"/>
+              </a:lnSpc>
+              <a:spcBef>
+                <a:spcPts val="1800"/>
+              </a:spcBef>
+              <a:spcAft>
+                <a:spcPts val="0"/>
+              </a:spcAft>
+              <a:buNone/>
+            </a:pPr>
+            <a:r>
+              <a:rPr lang="en" sz="950">
+                <a:solidFill>
+                  <a:srgbClr val="000088"/>
+                </a:solidFill>
+                <a:highlight>
+                  <a:srgbClr val="FFFFFF"/>
+                </a:highlight>
+              </a:rPr>
+              <a:t>int</a:t>
+            </a:r>
+            <a:r>
+              <a:rPr lang="en" sz="950">
+                <a:solidFill>
+                  <a:schemeClr val="dk1"/>
+                </a:solidFill>
+                <a:highlight>
+                  <a:srgbClr val="FFFFFF"/>
+                </a:highlight>
+              </a:rPr>
+              <a:t> main </a:t>
+            </a:r>
+            <a:r>
+              <a:rPr lang="en" sz="950">
+                <a:solidFill>
+                  <a:srgbClr val="666600"/>
+                </a:solidFill>
+                <a:highlight>
+                  <a:srgbClr val="FFFFFF"/>
+                </a:highlight>
+              </a:rPr>
+              <a:t>()</a:t>
+            </a:r>
+            <a:r>
+              <a:rPr lang="en" sz="950">
+                <a:solidFill>
+                  <a:schemeClr val="dk1"/>
+                </a:solidFill>
+                <a:highlight>
+                  <a:srgbClr val="FFFFFF"/>
+                </a:highlight>
+              </a:rPr>
+              <a:t> </a:t>
+            </a:r>
+            <a:r>
+              <a:rPr lang="en" sz="950">
+                <a:solidFill>
+                  <a:srgbClr val="666600"/>
+                </a:solidFill>
+                <a:highlight>
+                  <a:srgbClr val="FFFFFF"/>
+                </a:highlight>
+              </a:rPr>
+              <a:t>{</a:t>
+            </a:r>
+            <a:endParaRPr sz="950">
+              <a:solidFill>
+                <a:schemeClr val="dk1"/>
+              </a:solidFill>
+              <a:highlight>
+                <a:srgbClr val="FFFFFF"/>
+              </a:highlight>
+            </a:endParaRPr>
+          </a:p>
+          <a:p>
+            <a:pPr indent="0" lvl="0" marL="0" rtl="0" algn="l">
+              <a:lnSpc>
+                <a:spcPct val="100000"/>
+              </a:lnSpc>
+              <a:spcBef>
+                <a:spcPts val="1800"/>
+              </a:spcBef>
+              <a:spcAft>
+                <a:spcPts val="0"/>
+              </a:spcAft>
+              <a:buNone/>
+            </a:pPr>
+            <a:r>
+              <a:rPr lang="en" sz="950">
+                <a:solidFill>
+                  <a:schemeClr val="dk1"/>
+                </a:solidFill>
+                <a:highlight>
+                  <a:srgbClr val="FFFFFF"/>
+                </a:highlight>
+              </a:rPr>
+              <a:t>   </a:t>
+            </a:r>
+            <a:r>
+              <a:rPr lang="en" sz="950">
+                <a:solidFill>
+                  <a:srgbClr val="000088"/>
+                </a:solidFill>
+                <a:highlight>
+                  <a:srgbClr val="FFFFFF"/>
+                </a:highlight>
+              </a:rPr>
+              <a:t>i</a:t>
+            </a:r>
+            <a:r>
+              <a:rPr lang="en" sz="950">
+                <a:solidFill>
+                  <a:srgbClr val="000088"/>
+                </a:solidFill>
+                <a:highlight>
+                  <a:srgbClr val="FFFFFF"/>
+                </a:highlight>
+              </a:rPr>
+              <a:t>nt</a:t>
+            </a:r>
+            <a:r>
+              <a:rPr lang="en" sz="950">
+                <a:solidFill>
+                  <a:schemeClr val="dk1"/>
+                </a:solidFill>
+                <a:highlight>
+                  <a:srgbClr val="FFFFFF"/>
+                </a:highlight>
+              </a:rPr>
+              <a:t> n</a:t>
+            </a:r>
+            <a:r>
+              <a:rPr lang="en" sz="950">
+                <a:solidFill>
+                  <a:srgbClr val="666600"/>
+                </a:solidFill>
+                <a:highlight>
+                  <a:srgbClr val="FFFFFF"/>
+                </a:highlight>
+              </a:rPr>
+              <a:t>[</a:t>
+            </a:r>
+            <a:r>
+              <a:rPr lang="en" sz="950">
+                <a:solidFill>
+                  <a:schemeClr val="dk1"/>
+                </a:solidFill>
+                <a:highlight>
+                  <a:srgbClr val="FFFFFF"/>
+                </a:highlight>
+              </a:rPr>
+              <a:t> </a:t>
+            </a:r>
+            <a:r>
+              <a:rPr lang="en" sz="950">
+                <a:solidFill>
+                  <a:srgbClr val="006666"/>
+                </a:solidFill>
+                <a:highlight>
+                  <a:srgbClr val="FFFFFF"/>
+                </a:highlight>
+              </a:rPr>
+              <a:t>10</a:t>
+            </a:r>
+            <a:r>
+              <a:rPr lang="en" sz="950">
+                <a:solidFill>
+                  <a:schemeClr val="dk1"/>
+                </a:solidFill>
+                <a:highlight>
+                  <a:srgbClr val="FFFFFF"/>
+                </a:highlight>
+              </a:rPr>
+              <a:t> </a:t>
+            </a:r>
+            <a:r>
+              <a:rPr lang="en" sz="950">
+                <a:solidFill>
+                  <a:srgbClr val="666600"/>
+                </a:solidFill>
+                <a:highlight>
+                  <a:srgbClr val="FFFFFF"/>
+                </a:highlight>
+              </a:rPr>
+              <a:t>], i, j;</a:t>
+            </a:r>
+            <a:r>
+              <a:rPr lang="en" sz="950">
+                <a:solidFill>
+                  <a:schemeClr val="dk1"/>
+                </a:solidFill>
+                <a:highlight>
+                  <a:srgbClr val="FFFFFF"/>
+                </a:highlight>
+              </a:rPr>
+              <a:t> </a:t>
+            </a:r>
+            <a:r>
+              <a:rPr lang="en" sz="950">
+                <a:solidFill>
+                  <a:srgbClr val="880000"/>
+                </a:solidFill>
+                <a:highlight>
+                  <a:srgbClr val="FFFFFF"/>
+                </a:highlight>
+              </a:rPr>
+              <a:t>/* n is an array of 10 integers */</a:t>
+            </a:r>
+            <a:r>
+              <a:rPr lang="en" sz="950">
+                <a:solidFill>
+                  <a:schemeClr val="dk1"/>
+                </a:solidFill>
+                <a:highlight>
+                  <a:srgbClr val="FFFFFF"/>
+                </a:highlight>
+              </a:rPr>
+              <a:t>  </a:t>
+            </a:r>
+            <a:endParaRPr sz="950">
+              <a:solidFill>
+                <a:schemeClr val="dk1"/>
+              </a:solidFill>
+              <a:highlight>
+                <a:srgbClr val="FFFFFF"/>
+              </a:highlight>
+            </a:endParaRPr>
+          </a:p>
+          <a:p>
+            <a:pPr indent="0" lvl="0" marL="0" rtl="0" algn="l">
+              <a:lnSpc>
+                <a:spcPct val="100000"/>
+              </a:lnSpc>
+              <a:spcBef>
+                <a:spcPts val="1800"/>
+              </a:spcBef>
+              <a:spcAft>
+                <a:spcPts val="0"/>
+              </a:spcAft>
+              <a:buNone/>
+            </a:pPr>
+            <a:r>
+              <a:rPr lang="en" sz="950">
+                <a:solidFill>
+                  <a:schemeClr val="dk1"/>
+                </a:solidFill>
+                <a:highlight>
+                  <a:srgbClr val="FFFFFF"/>
+                </a:highlight>
+              </a:rPr>
+              <a:t>   </a:t>
+            </a:r>
+            <a:r>
+              <a:rPr lang="en" sz="950">
+                <a:solidFill>
+                  <a:srgbClr val="000088"/>
+                </a:solidFill>
+                <a:highlight>
+                  <a:srgbClr val="FFFFFF"/>
+                </a:highlight>
+              </a:rPr>
+              <a:t>for</a:t>
+            </a:r>
+            <a:r>
+              <a:rPr lang="en" sz="950">
+                <a:solidFill>
+                  <a:schemeClr val="dk1"/>
+                </a:solidFill>
+                <a:highlight>
+                  <a:srgbClr val="FFFFFF"/>
+                </a:highlight>
+              </a:rPr>
+              <a:t> </a:t>
+            </a:r>
+            <a:r>
+              <a:rPr lang="en" sz="950">
+                <a:solidFill>
+                  <a:srgbClr val="666600"/>
+                </a:solidFill>
+                <a:highlight>
+                  <a:srgbClr val="FFFFFF"/>
+                </a:highlight>
+              </a:rPr>
+              <a:t>(</a:t>
+            </a:r>
+            <a:r>
+              <a:rPr lang="en" sz="950">
+                <a:solidFill>
+                  <a:schemeClr val="dk1"/>
+                </a:solidFill>
+                <a:highlight>
+                  <a:srgbClr val="FFFFFF"/>
+                </a:highlight>
+              </a:rPr>
+              <a:t> i </a:t>
+            </a:r>
+            <a:r>
+              <a:rPr lang="en" sz="950">
+                <a:solidFill>
+                  <a:srgbClr val="666600"/>
+                </a:solidFill>
+                <a:highlight>
+                  <a:srgbClr val="FFFFFF"/>
+                </a:highlight>
+              </a:rPr>
+              <a:t>=</a:t>
+            </a:r>
+            <a:r>
+              <a:rPr lang="en" sz="950">
+                <a:solidFill>
+                  <a:schemeClr val="dk1"/>
+                </a:solidFill>
+                <a:highlight>
+                  <a:srgbClr val="FFFFFF"/>
+                </a:highlight>
+              </a:rPr>
+              <a:t> </a:t>
+            </a:r>
+            <a:r>
+              <a:rPr lang="en" sz="950">
+                <a:solidFill>
+                  <a:srgbClr val="006666"/>
+                </a:solidFill>
+                <a:highlight>
+                  <a:srgbClr val="FFFFFF"/>
+                </a:highlight>
+              </a:rPr>
+              <a:t>0</a:t>
+            </a:r>
+            <a:r>
+              <a:rPr lang="en" sz="950">
+                <a:solidFill>
+                  <a:srgbClr val="666600"/>
+                </a:solidFill>
+                <a:highlight>
+                  <a:srgbClr val="FFFFFF"/>
+                </a:highlight>
+              </a:rPr>
+              <a:t>;</a:t>
+            </a:r>
+            <a:r>
+              <a:rPr lang="en" sz="950">
+                <a:solidFill>
+                  <a:schemeClr val="dk1"/>
+                </a:solidFill>
+                <a:highlight>
+                  <a:srgbClr val="FFFFFF"/>
+                </a:highlight>
+              </a:rPr>
+              <a:t> i </a:t>
+            </a:r>
+            <a:r>
+              <a:rPr lang="en" sz="950">
+                <a:solidFill>
+                  <a:srgbClr val="666600"/>
+                </a:solidFill>
+                <a:highlight>
+                  <a:srgbClr val="FFFFFF"/>
+                </a:highlight>
+              </a:rPr>
+              <a:t>&lt;</a:t>
+            </a:r>
+            <a:r>
+              <a:rPr lang="en" sz="950">
+                <a:solidFill>
+                  <a:schemeClr val="dk1"/>
+                </a:solidFill>
+                <a:highlight>
+                  <a:srgbClr val="FFFFFF"/>
+                </a:highlight>
+              </a:rPr>
+              <a:t> </a:t>
+            </a:r>
+            <a:r>
+              <a:rPr lang="en" sz="950">
+                <a:solidFill>
+                  <a:srgbClr val="006666"/>
+                </a:solidFill>
+                <a:highlight>
+                  <a:srgbClr val="FFFFFF"/>
+                </a:highlight>
+              </a:rPr>
+              <a:t>10</a:t>
+            </a:r>
+            <a:r>
+              <a:rPr lang="en" sz="950">
+                <a:solidFill>
+                  <a:srgbClr val="666600"/>
+                </a:solidFill>
+                <a:highlight>
+                  <a:srgbClr val="FFFFFF"/>
+                </a:highlight>
+              </a:rPr>
+              <a:t>;</a:t>
+            </a:r>
+            <a:r>
+              <a:rPr lang="en" sz="950">
+                <a:solidFill>
+                  <a:schemeClr val="dk1"/>
+                </a:solidFill>
+                <a:highlight>
+                  <a:srgbClr val="FFFFFF"/>
+                </a:highlight>
+              </a:rPr>
+              <a:t> i</a:t>
+            </a:r>
+            <a:r>
+              <a:rPr lang="en" sz="950">
+                <a:solidFill>
+                  <a:srgbClr val="666600"/>
+                </a:solidFill>
+                <a:highlight>
+                  <a:srgbClr val="FFFFFF"/>
+                </a:highlight>
+              </a:rPr>
+              <a:t>++</a:t>
+            </a:r>
+            <a:r>
+              <a:rPr lang="en" sz="950">
+                <a:solidFill>
+                  <a:schemeClr val="dk1"/>
+                </a:solidFill>
+                <a:highlight>
+                  <a:srgbClr val="FFFFFF"/>
+                </a:highlight>
+              </a:rPr>
+              <a:t> </a:t>
+            </a:r>
+            <a:r>
+              <a:rPr lang="en" sz="950">
+                <a:solidFill>
+                  <a:srgbClr val="666600"/>
+                </a:solidFill>
+                <a:highlight>
+                  <a:srgbClr val="FFFFFF"/>
+                </a:highlight>
+              </a:rPr>
+              <a:t>)</a:t>
+            </a:r>
+            <a:r>
+              <a:rPr lang="en" sz="950">
+                <a:solidFill>
+                  <a:schemeClr val="dk1"/>
+                </a:solidFill>
+                <a:highlight>
+                  <a:srgbClr val="FFFFFF"/>
+                </a:highlight>
+              </a:rPr>
+              <a:t> </a:t>
+            </a:r>
+            <a:r>
+              <a:rPr lang="en" sz="950">
+                <a:solidFill>
+                  <a:srgbClr val="666600"/>
+                </a:solidFill>
+                <a:highlight>
+                  <a:srgbClr val="FFFFFF"/>
+                </a:highlight>
+              </a:rPr>
+              <a:t>{</a:t>
+            </a:r>
+            <a:endParaRPr sz="950">
+              <a:solidFill>
+                <a:schemeClr val="dk1"/>
+              </a:solidFill>
+              <a:highlight>
+                <a:srgbClr val="FFFFFF"/>
+              </a:highlight>
+            </a:endParaRPr>
+          </a:p>
+          <a:p>
+            <a:pPr indent="0" lvl="0" marL="0" rtl="0" algn="l">
+              <a:lnSpc>
+                <a:spcPct val="100000"/>
+              </a:lnSpc>
+              <a:spcBef>
+                <a:spcPts val="1800"/>
+              </a:spcBef>
+              <a:spcAft>
+                <a:spcPts val="0"/>
+              </a:spcAft>
+              <a:buNone/>
+            </a:pPr>
+            <a:r>
+              <a:rPr lang="en" sz="950">
+                <a:solidFill>
+                  <a:schemeClr val="dk1"/>
+                </a:solidFill>
+                <a:highlight>
+                  <a:srgbClr val="FFFFFF"/>
+                </a:highlight>
+              </a:rPr>
+              <a:t>      n</a:t>
+            </a:r>
+            <a:r>
+              <a:rPr lang="en" sz="950">
+                <a:solidFill>
+                  <a:srgbClr val="666600"/>
+                </a:solidFill>
+                <a:highlight>
+                  <a:srgbClr val="FFFFFF"/>
+                </a:highlight>
+              </a:rPr>
+              <a:t>[</a:t>
+            </a:r>
+            <a:r>
+              <a:rPr lang="en" sz="950">
+                <a:solidFill>
+                  <a:schemeClr val="dk1"/>
+                </a:solidFill>
+                <a:highlight>
+                  <a:srgbClr val="FFFFFF"/>
+                </a:highlight>
+              </a:rPr>
+              <a:t> i </a:t>
+            </a:r>
+            <a:r>
+              <a:rPr lang="en" sz="950">
+                <a:solidFill>
+                  <a:srgbClr val="666600"/>
+                </a:solidFill>
+                <a:highlight>
+                  <a:srgbClr val="FFFFFF"/>
+                </a:highlight>
+              </a:rPr>
+              <a:t>]</a:t>
+            </a:r>
+            <a:r>
+              <a:rPr lang="en" sz="950">
+                <a:solidFill>
+                  <a:schemeClr val="dk1"/>
+                </a:solidFill>
+                <a:highlight>
+                  <a:srgbClr val="FFFFFF"/>
+                </a:highlight>
+              </a:rPr>
+              <a:t> </a:t>
+            </a:r>
+            <a:r>
+              <a:rPr lang="en" sz="950">
+                <a:solidFill>
+                  <a:srgbClr val="666600"/>
+                </a:solidFill>
+                <a:highlight>
+                  <a:srgbClr val="FFFFFF"/>
+                </a:highlight>
+              </a:rPr>
+              <a:t>=</a:t>
+            </a:r>
+            <a:r>
+              <a:rPr lang="en" sz="950">
+                <a:solidFill>
+                  <a:schemeClr val="dk1"/>
+                </a:solidFill>
+                <a:highlight>
+                  <a:srgbClr val="FFFFFF"/>
+                </a:highlight>
+              </a:rPr>
+              <a:t> i </a:t>
+            </a:r>
+            <a:r>
+              <a:rPr lang="en" sz="950">
+                <a:solidFill>
+                  <a:srgbClr val="666600"/>
+                </a:solidFill>
+                <a:highlight>
+                  <a:srgbClr val="FFFFFF"/>
+                </a:highlight>
+              </a:rPr>
+              <a:t>+</a:t>
+            </a:r>
+            <a:r>
+              <a:rPr lang="en" sz="950">
+                <a:solidFill>
+                  <a:schemeClr val="dk1"/>
+                </a:solidFill>
+                <a:highlight>
+                  <a:srgbClr val="FFFFFF"/>
+                </a:highlight>
+              </a:rPr>
+              <a:t> </a:t>
+            </a:r>
+            <a:r>
+              <a:rPr lang="en" sz="950">
+                <a:solidFill>
+                  <a:srgbClr val="006666"/>
+                </a:solidFill>
+                <a:highlight>
+                  <a:srgbClr val="FFFFFF"/>
+                </a:highlight>
+              </a:rPr>
+              <a:t>100</a:t>
+            </a:r>
+            <a:r>
+              <a:rPr lang="en" sz="950">
+                <a:solidFill>
+                  <a:srgbClr val="666600"/>
+                </a:solidFill>
+                <a:highlight>
+                  <a:srgbClr val="FFFFFF"/>
+                </a:highlight>
+              </a:rPr>
+              <a:t>;</a:t>
+            </a:r>
+            <a:r>
+              <a:rPr lang="en" sz="950">
+                <a:solidFill>
+                  <a:schemeClr val="dk1"/>
+                </a:solidFill>
+                <a:highlight>
+                  <a:srgbClr val="FFFFFF"/>
+                </a:highlight>
+              </a:rPr>
+              <a:t> </a:t>
+            </a:r>
+            <a:r>
+              <a:rPr lang="en" sz="950">
+                <a:solidFill>
+                  <a:srgbClr val="880000"/>
+                </a:solidFill>
+                <a:highlight>
+                  <a:srgbClr val="FFFFFF"/>
+                </a:highlight>
+              </a:rPr>
+              <a:t>/* set element at location i to i + 100 */</a:t>
+            </a:r>
+            <a:endParaRPr sz="950">
+              <a:solidFill>
+                <a:schemeClr val="dk1"/>
+              </a:solidFill>
+              <a:highlight>
+                <a:srgbClr val="FFFFFF"/>
+              </a:highlight>
+            </a:endParaRPr>
+          </a:p>
+          <a:p>
+            <a:pPr indent="0" lvl="0" marL="0" rtl="0" algn="l">
+              <a:lnSpc>
+                <a:spcPct val="100000"/>
+              </a:lnSpc>
+              <a:spcBef>
+                <a:spcPts val="1800"/>
+              </a:spcBef>
+              <a:spcAft>
+                <a:spcPts val="0"/>
+              </a:spcAft>
+              <a:buNone/>
+            </a:pPr>
+            <a:r>
+              <a:rPr lang="en" sz="950">
+                <a:solidFill>
+                  <a:schemeClr val="dk1"/>
+                </a:solidFill>
+                <a:highlight>
+                  <a:srgbClr val="FFFFFF"/>
+                </a:highlight>
+              </a:rPr>
+              <a:t>   </a:t>
+            </a:r>
+            <a:r>
+              <a:rPr lang="en" sz="950">
+                <a:solidFill>
+                  <a:srgbClr val="666600"/>
+                </a:solidFill>
+                <a:highlight>
+                  <a:srgbClr val="FFFFFF"/>
+                </a:highlight>
+              </a:rPr>
+              <a:t>}</a:t>
+            </a:r>
+            <a:endParaRPr sz="950">
+              <a:solidFill>
+                <a:schemeClr val="dk1"/>
+              </a:solidFill>
+              <a:highlight>
+                <a:srgbClr val="FFFFFF"/>
+              </a:highlight>
+            </a:endParaRPr>
+          </a:p>
+          <a:p>
+            <a:pPr indent="0" lvl="0" marL="0" rtl="0" algn="l">
+              <a:lnSpc>
+                <a:spcPct val="100000"/>
+              </a:lnSpc>
+              <a:spcBef>
+                <a:spcPts val="1800"/>
+              </a:spcBef>
+              <a:spcAft>
+                <a:spcPts val="0"/>
+              </a:spcAft>
+              <a:buNone/>
+            </a:pPr>
+            <a:r>
+              <a:rPr lang="en" sz="950">
+                <a:solidFill>
+                  <a:schemeClr val="dk1"/>
+                </a:solidFill>
+                <a:highlight>
+                  <a:srgbClr val="FFFFFF"/>
+                </a:highlight>
+              </a:rPr>
+              <a:t>  </a:t>
+            </a:r>
+            <a:r>
+              <a:rPr lang="en" sz="950">
+                <a:solidFill>
+                  <a:srgbClr val="000088"/>
+                </a:solidFill>
+                <a:highlight>
+                  <a:srgbClr val="FFFFFF"/>
+                </a:highlight>
+              </a:rPr>
+              <a:t>for</a:t>
+            </a:r>
+            <a:r>
+              <a:rPr lang="en" sz="950">
+                <a:solidFill>
+                  <a:schemeClr val="dk1"/>
+                </a:solidFill>
+                <a:highlight>
+                  <a:srgbClr val="FFFFFF"/>
+                </a:highlight>
+              </a:rPr>
+              <a:t> </a:t>
+            </a:r>
+            <a:r>
+              <a:rPr lang="en" sz="950">
+                <a:solidFill>
+                  <a:srgbClr val="666600"/>
+                </a:solidFill>
+                <a:highlight>
+                  <a:srgbClr val="FFFFFF"/>
+                </a:highlight>
+              </a:rPr>
+              <a:t>(</a:t>
+            </a:r>
+            <a:r>
+              <a:rPr lang="en" sz="950">
+                <a:solidFill>
+                  <a:schemeClr val="dk1"/>
+                </a:solidFill>
+                <a:highlight>
+                  <a:srgbClr val="FFFFFF"/>
+                </a:highlight>
+              </a:rPr>
+              <a:t>j </a:t>
+            </a:r>
+            <a:r>
+              <a:rPr lang="en" sz="950">
+                <a:solidFill>
+                  <a:srgbClr val="666600"/>
+                </a:solidFill>
+                <a:highlight>
+                  <a:srgbClr val="FFFFFF"/>
+                </a:highlight>
+              </a:rPr>
+              <a:t>=</a:t>
+            </a:r>
+            <a:r>
+              <a:rPr lang="en" sz="950">
+                <a:solidFill>
+                  <a:schemeClr val="dk1"/>
+                </a:solidFill>
+                <a:highlight>
+                  <a:srgbClr val="FFFFFF"/>
+                </a:highlight>
+              </a:rPr>
+              <a:t> </a:t>
+            </a:r>
+            <a:r>
+              <a:rPr lang="en" sz="950">
+                <a:solidFill>
+                  <a:srgbClr val="006666"/>
+                </a:solidFill>
+                <a:highlight>
+                  <a:srgbClr val="FFFFFF"/>
+                </a:highlight>
+              </a:rPr>
+              <a:t>0</a:t>
+            </a:r>
+            <a:r>
+              <a:rPr lang="en" sz="950">
+                <a:solidFill>
+                  <a:srgbClr val="666600"/>
+                </a:solidFill>
+                <a:highlight>
+                  <a:srgbClr val="FFFFFF"/>
+                </a:highlight>
+              </a:rPr>
+              <a:t>;</a:t>
+            </a:r>
+            <a:r>
+              <a:rPr lang="en" sz="950">
+                <a:solidFill>
+                  <a:schemeClr val="dk1"/>
+                </a:solidFill>
+                <a:highlight>
+                  <a:srgbClr val="FFFFFF"/>
+                </a:highlight>
+              </a:rPr>
+              <a:t> j </a:t>
+            </a:r>
+            <a:r>
+              <a:rPr lang="en" sz="950">
+                <a:solidFill>
+                  <a:srgbClr val="666600"/>
+                </a:solidFill>
+                <a:highlight>
+                  <a:srgbClr val="FFFFFF"/>
+                </a:highlight>
+              </a:rPr>
+              <a:t>&lt;</a:t>
+            </a:r>
+            <a:r>
+              <a:rPr lang="en" sz="950">
+                <a:solidFill>
+                  <a:schemeClr val="dk1"/>
+                </a:solidFill>
+                <a:highlight>
+                  <a:srgbClr val="FFFFFF"/>
+                </a:highlight>
+              </a:rPr>
+              <a:t> </a:t>
+            </a:r>
+            <a:r>
+              <a:rPr lang="en" sz="950">
+                <a:solidFill>
+                  <a:srgbClr val="006666"/>
+                </a:solidFill>
+                <a:highlight>
+                  <a:srgbClr val="FFFFFF"/>
+                </a:highlight>
+              </a:rPr>
+              <a:t>10</a:t>
+            </a:r>
+            <a:r>
+              <a:rPr lang="en" sz="950">
+                <a:solidFill>
+                  <a:srgbClr val="666600"/>
+                </a:solidFill>
+                <a:highlight>
+                  <a:srgbClr val="FFFFFF"/>
+                </a:highlight>
+              </a:rPr>
+              <a:t>;</a:t>
+            </a:r>
+            <a:r>
+              <a:rPr lang="en" sz="950">
+                <a:solidFill>
+                  <a:schemeClr val="dk1"/>
+                </a:solidFill>
+                <a:highlight>
+                  <a:srgbClr val="FFFFFF"/>
+                </a:highlight>
+              </a:rPr>
+              <a:t> j</a:t>
+            </a:r>
+            <a:r>
+              <a:rPr lang="en" sz="950">
+                <a:solidFill>
+                  <a:srgbClr val="666600"/>
+                </a:solidFill>
+                <a:highlight>
+                  <a:srgbClr val="FFFFFF"/>
+                </a:highlight>
+              </a:rPr>
+              <a:t>++</a:t>
+            </a:r>
+            <a:r>
+              <a:rPr lang="en" sz="950">
+                <a:solidFill>
+                  <a:schemeClr val="dk1"/>
+                </a:solidFill>
+                <a:highlight>
+                  <a:srgbClr val="FFFFFF"/>
+                </a:highlight>
+              </a:rPr>
+              <a:t> </a:t>
+            </a:r>
+            <a:r>
+              <a:rPr lang="en" sz="950">
+                <a:solidFill>
+                  <a:srgbClr val="666600"/>
+                </a:solidFill>
+                <a:highlight>
+                  <a:srgbClr val="FFFFFF"/>
+                </a:highlight>
+              </a:rPr>
+              <a:t>)</a:t>
+            </a:r>
+            <a:r>
+              <a:rPr lang="en" sz="950">
+                <a:solidFill>
+                  <a:schemeClr val="dk1"/>
+                </a:solidFill>
+                <a:highlight>
+                  <a:srgbClr val="FFFFFF"/>
+                </a:highlight>
+              </a:rPr>
+              <a:t> </a:t>
+            </a:r>
+            <a:r>
+              <a:rPr lang="en" sz="950">
+                <a:solidFill>
+                  <a:srgbClr val="666600"/>
+                </a:solidFill>
+                <a:highlight>
+                  <a:srgbClr val="FFFFFF"/>
+                </a:highlight>
+              </a:rPr>
+              <a:t>{</a:t>
+            </a:r>
+            <a:endParaRPr sz="950">
+              <a:solidFill>
+                <a:schemeClr val="dk1"/>
+              </a:solidFill>
+              <a:highlight>
+                <a:srgbClr val="FFFFFF"/>
+              </a:highlight>
+            </a:endParaRPr>
+          </a:p>
+          <a:p>
+            <a:pPr indent="0" lvl="0" marL="0" rtl="0" algn="l">
+              <a:lnSpc>
+                <a:spcPct val="100000"/>
+              </a:lnSpc>
+              <a:spcBef>
+                <a:spcPts val="1800"/>
+              </a:spcBef>
+              <a:spcAft>
+                <a:spcPts val="0"/>
+              </a:spcAft>
+              <a:buNone/>
+            </a:pPr>
+            <a:r>
+              <a:rPr lang="en" sz="950">
+                <a:solidFill>
+                  <a:schemeClr val="dk1"/>
+                </a:solidFill>
+                <a:highlight>
+                  <a:srgbClr val="FFFFFF"/>
+                </a:highlight>
+              </a:rPr>
+              <a:t>      printf</a:t>
+            </a:r>
+            <a:r>
+              <a:rPr lang="en" sz="950">
+                <a:solidFill>
+                  <a:srgbClr val="666600"/>
+                </a:solidFill>
+                <a:highlight>
+                  <a:srgbClr val="FFFFFF"/>
+                </a:highlight>
+              </a:rPr>
+              <a:t>(</a:t>
+            </a:r>
+            <a:r>
+              <a:rPr lang="en" sz="950">
+                <a:solidFill>
+                  <a:srgbClr val="008800"/>
+                </a:solidFill>
+                <a:highlight>
+                  <a:srgbClr val="FFFFFF"/>
+                </a:highlight>
+              </a:rPr>
+              <a:t>"Element[%d] = %d\n"</a:t>
+            </a:r>
+            <a:r>
+              <a:rPr lang="en" sz="950">
+                <a:solidFill>
+                  <a:srgbClr val="666600"/>
+                </a:solidFill>
+                <a:highlight>
+                  <a:srgbClr val="FFFFFF"/>
+                </a:highlight>
+              </a:rPr>
+              <a:t>,</a:t>
+            </a:r>
+            <a:r>
+              <a:rPr lang="en" sz="950">
+                <a:solidFill>
+                  <a:schemeClr val="dk1"/>
+                </a:solidFill>
+                <a:highlight>
+                  <a:srgbClr val="FFFFFF"/>
+                </a:highlight>
+              </a:rPr>
+              <a:t> j</a:t>
+            </a:r>
+            <a:r>
+              <a:rPr lang="en" sz="950">
+                <a:solidFill>
+                  <a:srgbClr val="666600"/>
+                </a:solidFill>
+                <a:highlight>
+                  <a:srgbClr val="FFFFFF"/>
+                </a:highlight>
+              </a:rPr>
+              <a:t>,</a:t>
+            </a:r>
+            <a:r>
+              <a:rPr lang="en" sz="950">
+                <a:solidFill>
+                  <a:schemeClr val="dk1"/>
+                </a:solidFill>
+                <a:highlight>
+                  <a:srgbClr val="FFFFFF"/>
+                </a:highlight>
+              </a:rPr>
+              <a:t> n</a:t>
+            </a:r>
+            <a:r>
+              <a:rPr lang="en" sz="950">
+                <a:solidFill>
+                  <a:srgbClr val="666600"/>
+                </a:solidFill>
+                <a:highlight>
+                  <a:srgbClr val="FFFFFF"/>
+                </a:highlight>
+              </a:rPr>
+              <a:t>[</a:t>
+            </a:r>
+            <a:r>
+              <a:rPr lang="en" sz="950">
+                <a:solidFill>
+                  <a:schemeClr val="dk1"/>
+                </a:solidFill>
+                <a:highlight>
+                  <a:srgbClr val="FFFFFF"/>
+                </a:highlight>
+              </a:rPr>
+              <a:t>j</a:t>
+            </a:r>
+            <a:r>
+              <a:rPr lang="en" sz="950">
+                <a:solidFill>
+                  <a:srgbClr val="666600"/>
+                </a:solidFill>
+                <a:highlight>
+                  <a:srgbClr val="FFFFFF"/>
+                </a:highlight>
+              </a:rPr>
+              <a:t>]</a:t>
+            </a:r>
+            <a:r>
+              <a:rPr lang="en" sz="950">
+                <a:solidFill>
+                  <a:schemeClr val="dk1"/>
+                </a:solidFill>
+                <a:highlight>
+                  <a:srgbClr val="FFFFFF"/>
+                </a:highlight>
+              </a:rPr>
+              <a:t> </a:t>
+            </a:r>
+            <a:r>
+              <a:rPr lang="en" sz="950">
+                <a:solidFill>
+                  <a:srgbClr val="666600"/>
+                </a:solidFill>
+                <a:highlight>
+                  <a:srgbClr val="FFFFFF"/>
+                </a:highlight>
+              </a:rPr>
+              <a:t>);</a:t>
+            </a:r>
+            <a:endParaRPr sz="950">
+              <a:solidFill>
+                <a:schemeClr val="dk1"/>
+              </a:solidFill>
+              <a:highlight>
+                <a:srgbClr val="FFFFFF"/>
+              </a:highlight>
+            </a:endParaRPr>
+          </a:p>
+          <a:p>
+            <a:pPr indent="0" lvl="0" marL="0" rtl="0" algn="l">
+              <a:lnSpc>
+                <a:spcPct val="100000"/>
+              </a:lnSpc>
+              <a:spcBef>
+                <a:spcPts val="1800"/>
+              </a:spcBef>
+              <a:spcAft>
+                <a:spcPts val="0"/>
+              </a:spcAft>
+              <a:buNone/>
+            </a:pPr>
+            <a:r>
+              <a:rPr lang="en" sz="950">
+                <a:solidFill>
+                  <a:schemeClr val="dk1"/>
+                </a:solidFill>
+                <a:highlight>
+                  <a:srgbClr val="FFFFFF"/>
+                </a:highlight>
+              </a:rPr>
+              <a:t>   </a:t>
+            </a:r>
+            <a:r>
+              <a:rPr lang="en" sz="950">
+                <a:solidFill>
+                  <a:srgbClr val="666600"/>
+                </a:solidFill>
+                <a:highlight>
+                  <a:srgbClr val="FFFFFF"/>
+                </a:highlight>
+              </a:rPr>
+              <a:t>}</a:t>
+            </a:r>
+            <a:endParaRPr sz="950">
+              <a:solidFill>
+                <a:schemeClr val="dk1"/>
+              </a:solidFill>
+              <a:highlight>
+                <a:srgbClr val="FFFFFF"/>
+              </a:highlight>
+            </a:endParaRPr>
+          </a:p>
+          <a:p>
+            <a:pPr indent="0" lvl="0" marL="0" rtl="0" algn="l">
+              <a:lnSpc>
+                <a:spcPct val="100000"/>
+              </a:lnSpc>
+              <a:spcBef>
+                <a:spcPts val="1800"/>
+              </a:spcBef>
+              <a:spcAft>
+                <a:spcPts val="0"/>
+              </a:spcAft>
+              <a:buNone/>
+            </a:pPr>
+            <a:r>
+              <a:rPr lang="en" sz="950">
+                <a:solidFill>
+                  <a:schemeClr val="dk1"/>
+                </a:solidFill>
+                <a:highlight>
+                  <a:srgbClr val="FFFFFF"/>
+                </a:highlight>
+              </a:rPr>
+              <a:t>   </a:t>
+            </a:r>
+            <a:r>
+              <a:rPr lang="en" sz="950">
+                <a:solidFill>
+                  <a:srgbClr val="000088"/>
+                </a:solidFill>
+                <a:highlight>
+                  <a:srgbClr val="FFFFFF"/>
+                </a:highlight>
+              </a:rPr>
+              <a:t>return</a:t>
+            </a:r>
+            <a:r>
+              <a:rPr lang="en" sz="950">
+                <a:solidFill>
+                  <a:schemeClr val="dk1"/>
+                </a:solidFill>
+                <a:highlight>
+                  <a:srgbClr val="FFFFFF"/>
+                </a:highlight>
+              </a:rPr>
+              <a:t> </a:t>
+            </a:r>
+            <a:r>
+              <a:rPr lang="en" sz="950">
+                <a:solidFill>
+                  <a:srgbClr val="006666"/>
+                </a:solidFill>
+                <a:highlight>
+                  <a:srgbClr val="FFFFFF"/>
+                </a:highlight>
+              </a:rPr>
+              <a:t>0</a:t>
+            </a:r>
+            <a:r>
+              <a:rPr lang="en" sz="950">
+                <a:solidFill>
+                  <a:srgbClr val="666600"/>
+                </a:solidFill>
+                <a:highlight>
+                  <a:srgbClr val="FFFFFF"/>
+                </a:highlight>
+              </a:rPr>
+              <a:t>;</a:t>
+            </a:r>
+            <a:endParaRPr sz="950">
+              <a:solidFill>
+                <a:schemeClr val="dk1"/>
+              </a:solidFill>
+              <a:highlight>
+                <a:srgbClr val="FFFFFF"/>
+              </a:highlight>
+            </a:endParaRPr>
+          </a:p>
+          <a:p>
+            <a:pPr indent="0" lvl="0" marL="25400" marR="25400" rtl="0" algn="l">
+              <a:lnSpc>
+                <a:spcPct val="100000"/>
+              </a:lnSpc>
+              <a:spcBef>
+                <a:spcPts val="400"/>
+              </a:spcBef>
+              <a:spcAft>
+                <a:spcPts val="0"/>
+              </a:spcAft>
+              <a:buNone/>
+            </a:pPr>
+            <a:r>
+              <a:rPr lang="en" sz="950">
+                <a:solidFill>
+                  <a:srgbClr val="666600"/>
+                </a:solidFill>
+                <a:highlight>
+                  <a:srgbClr val="FFFFFF"/>
+                </a:highlight>
+              </a:rPr>
+              <a:t>}</a:t>
+            </a:r>
+            <a:endParaRPr sz="950">
+              <a:solidFill>
+                <a:srgbClr val="666600"/>
+              </a:solidFill>
+              <a:highlight>
+                <a:srgbClr val="FFFFFF"/>
+              </a:highlight>
+            </a:endParaRPr>
+          </a:p>
+          <a:p>
+            <a:pPr indent="0" lvl="0" marL="0" rtl="0" algn="l">
+              <a:lnSpc>
+                <a:spcPct val="115000"/>
+              </a:lnSpc>
+              <a:spcBef>
+                <a:spcPts val="0"/>
+              </a:spcBef>
+              <a:spcAft>
+                <a:spcPts val="0"/>
+              </a:spcAft>
+              <a:buNone/>
+            </a:pPr>
+            <a:r>
+              <a:t/>
+            </a:r>
+            <a:endParaRPr sz="1100">
+              <a:solidFill>
+                <a:srgbClr val="666600"/>
+              </a:solidFill>
+            </a:endParaRPr>
+          </a:p>
+          <a:p>
+            <a:pPr indent="0" lvl="0" marL="0" rtl="0" algn="l">
+              <a:lnSpc>
+                <a:spcPct val="115000"/>
+              </a:lnSpc>
+              <a:spcBef>
+                <a:spcPts val="1800"/>
+              </a:spcBef>
+              <a:spcAft>
+                <a:spcPts val="0"/>
+              </a:spcAft>
+              <a:buNone/>
+            </a:pPr>
+            <a:r>
+              <a:t/>
+            </a:r>
+            <a:endParaRPr sz="1200">
+              <a:solidFill>
+                <a:schemeClr val="dk1"/>
+              </a:solidFill>
+              <a:highlight>
+                <a:srgbClr val="FFFFFF"/>
+              </a:highlight>
+            </a:endParaRPr>
+          </a:p>
+          <a:p>
+            <a:pPr indent="0" lvl="0" marL="0" rtl="0" algn="l">
+              <a:lnSpc>
+                <a:spcPct val="115000"/>
+              </a:lnSpc>
+              <a:spcBef>
+                <a:spcPts val="1800"/>
+              </a:spcBef>
+              <a:spcAft>
+                <a:spcPts val="0"/>
+              </a:spcAft>
+              <a:buClr>
+                <a:schemeClr val="dk1"/>
+              </a:buClr>
+              <a:buSzPts val="1100"/>
+              <a:buFont typeface="Arial"/>
+              <a:buNone/>
+            </a:pPr>
+            <a:r>
+              <a:rPr b="1" lang="en" sz="1550">
+                <a:solidFill>
+                  <a:schemeClr val="dk1"/>
+                </a:solidFill>
+              </a:rPr>
+              <a:t> </a:t>
+            </a:r>
+            <a:endParaRPr b="1" sz="1550">
+              <a:solidFill>
+                <a:schemeClr val="dk1"/>
+              </a:solidFill>
+            </a:endParaRPr>
+          </a:p>
+          <a:p>
+            <a:pPr indent="0" lvl="0" marL="0" rtl="0" algn="l">
+              <a:lnSpc>
+                <a:spcPct val="115000"/>
+              </a:lnSpc>
+              <a:spcBef>
+                <a:spcPts val="400"/>
+              </a:spcBef>
+              <a:spcAft>
+                <a:spcPts val="0"/>
+              </a:spcAft>
+              <a:buClr>
+                <a:schemeClr val="dk1"/>
+              </a:buClr>
+              <a:buSzPts val="1100"/>
+              <a:buFont typeface="Arial"/>
+              <a:buNone/>
+            </a:pPr>
+            <a:r>
+              <a:t/>
+            </a:r>
+            <a:endParaRPr sz="1100">
+              <a:solidFill>
+                <a:schemeClr val="dk1"/>
+              </a:solidFill>
+            </a:endParaRPr>
+          </a:p>
+          <a:p>
+            <a:pPr indent="0" lvl="0" marL="0" rtl="0" algn="l">
+              <a:spcBef>
+                <a:spcPts val="0"/>
+              </a:spcBef>
+              <a:spcAft>
+                <a:spcPts val="0"/>
+              </a:spcAft>
+              <a:buNone/>
+            </a:pPr>
+            <a:r>
+              <a:t/>
+            </a:r>
+            <a:endParaRPr/>
+          </a:p>
+        </p:txBody>
+      </p:sp>
+      <p:sp>
+        <p:nvSpPr>
+          <p:cNvPr id="206" name="Google Shape;206;p33"/>
+          <p:cNvSpPr txBox="1"/>
+          <p:nvPr/>
+        </p:nvSpPr>
+        <p:spPr>
+          <a:xfrm>
+            <a:off x="5020000" y="1405200"/>
+            <a:ext cx="2694600" cy="2535600"/>
+          </a:xfrm>
+          <a:prstGeom prst="rect">
+            <a:avLst/>
+          </a:prstGeom>
+          <a:noFill/>
+          <a:ln cap="flat" cmpd="sng" w="9525">
+            <a:solidFill>
+              <a:srgbClr val="000000"/>
+            </a:solidFill>
+            <a:prstDash val="dot"/>
+            <a:round/>
+            <a:headEnd len="sm" w="sm" type="none"/>
+            <a:tailEnd len="sm" w="sm" type="none"/>
+          </a:ln>
+        </p:spPr>
+        <p:txBody>
+          <a:bodyPr anchorCtr="0" anchor="t" bIns="91425" lIns="91425" spcFirstLastPara="1" rIns="91425" wrap="square" tIns="91425">
+            <a:noAutofit/>
+          </a:bodyPr>
+          <a:lstStyle/>
+          <a:p>
+            <a:pPr indent="0" lvl="0" marL="0" rtl="0" algn="l">
+              <a:spcBef>
+                <a:spcPts val="0"/>
+              </a:spcBef>
+              <a:spcAft>
+                <a:spcPts val="0"/>
+              </a:spcAft>
+              <a:buNone/>
+            </a:pPr>
+            <a:r>
+              <a:rPr lang="en"/>
+              <a:t>Output: </a:t>
+            </a:r>
+            <a:endParaRPr/>
+          </a:p>
+          <a:p>
+            <a:pPr indent="0" lvl="0" marL="0" rtl="0" algn="l">
+              <a:spcBef>
+                <a:spcPts val="0"/>
+              </a:spcBef>
+              <a:spcAft>
+                <a:spcPts val="0"/>
+              </a:spcAft>
+              <a:buNone/>
+            </a:pPr>
+            <a:r>
+              <a:t/>
+            </a:r>
+            <a:endParaRPr/>
+          </a:p>
+          <a:p>
+            <a:pPr indent="0" lvl="0" marL="0" rtl="0" algn="l">
+              <a:lnSpc>
+                <a:spcPct val="115000"/>
+              </a:lnSpc>
+              <a:spcBef>
+                <a:spcPts val="0"/>
+              </a:spcBef>
+              <a:spcAft>
+                <a:spcPts val="0"/>
+              </a:spcAft>
+              <a:buNone/>
+            </a:pPr>
+            <a:r>
+              <a:rPr lang="en" sz="950">
+                <a:solidFill>
+                  <a:schemeClr val="dk1"/>
+                </a:solidFill>
+                <a:highlight>
+                  <a:srgbClr val="FFFFFF"/>
+                </a:highlight>
+              </a:rPr>
+              <a:t>Element[0] = 100</a:t>
+            </a:r>
+            <a:endParaRPr sz="950">
+              <a:solidFill>
+                <a:schemeClr val="dk1"/>
+              </a:solidFill>
+              <a:highlight>
+                <a:srgbClr val="FFFFFF"/>
+              </a:highlight>
+            </a:endParaRPr>
+          </a:p>
+          <a:p>
+            <a:pPr indent="0" lvl="0" marL="0" rtl="0" algn="l">
+              <a:lnSpc>
+                <a:spcPct val="115000"/>
+              </a:lnSpc>
+              <a:spcBef>
+                <a:spcPts val="0"/>
+              </a:spcBef>
+              <a:spcAft>
+                <a:spcPts val="0"/>
+              </a:spcAft>
+              <a:buNone/>
+            </a:pPr>
+            <a:r>
+              <a:rPr lang="en" sz="950">
+                <a:solidFill>
+                  <a:schemeClr val="dk1"/>
+                </a:solidFill>
+                <a:highlight>
+                  <a:srgbClr val="FFFFFF"/>
+                </a:highlight>
+              </a:rPr>
+              <a:t>Element[1] = 101</a:t>
+            </a:r>
+            <a:endParaRPr sz="950">
+              <a:solidFill>
+                <a:schemeClr val="dk1"/>
+              </a:solidFill>
+              <a:highlight>
+                <a:srgbClr val="FFFFFF"/>
+              </a:highlight>
+            </a:endParaRPr>
+          </a:p>
+          <a:p>
+            <a:pPr indent="0" lvl="0" marL="0" rtl="0" algn="l">
+              <a:lnSpc>
+                <a:spcPct val="115000"/>
+              </a:lnSpc>
+              <a:spcBef>
+                <a:spcPts val="0"/>
+              </a:spcBef>
+              <a:spcAft>
+                <a:spcPts val="0"/>
+              </a:spcAft>
+              <a:buNone/>
+            </a:pPr>
+            <a:r>
+              <a:rPr lang="en" sz="950">
+                <a:solidFill>
+                  <a:schemeClr val="dk1"/>
+                </a:solidFill>
+                <a:highlight>
+                  <a:srgbClr val="FFFFFF"/>
+                </a:highlight>
+              </a:rPr>
+              <a:t>Element[2] = 102</a:t>
+            </a:r>
+            <a:endParaRPr sz="950">
+              <a:solidFill>
+                <a:schemeClr val="dk1"/>
+              </a:solidFill>
+              <a:highlight>
+                <a:srgbClr val="FFFFFF"/>
+              </a:highlight>
+            </a:endParaRPr>
+          </a:p>
+          <a:p>
+            <a:pPr indent="0" lvl="0" marL="0" rtl="0" algn="l">
+              <a:lnSpc>
+                <a:spcPct val="115000"/>
+              </a:lnSpc>
+              <a:spcBef>
+                <a:spcPts val="0"/>
+              </a:spcBef>
+              <a:spcAft>
+                <a:spcPts val="0"/>
+              </a:spcAft>
+              <a:buNone/>
+            </a:pPr>
+            <a:r>
+              <a:rPr lang="en" sz="950">
+                <a:solidFill>
+                  <a:schemeClr val="dk1"/>
+                </a:solidFill>
+                <a:highlight>
+                  <a:srgbClr val="FFFFFF"/>
+                </a:highlight>
+              </a:rPr>
+              <a:t>Element[3] = 103</a:t>
+            </a:r>
+            <a:endParaRPr sz="950">
+              <a:solidFill>
+                <a:schemeClr val="dk1"/>
+              </a:solidFill>
+              <a:highlight>
+                <a:srgbClr val="FFFFFF"/>
+              </a:highlight>
+            </a:endParaRPr>
+          </a:p>
+          <a:p>
+            <a:pPr indent="0" lvl="0" marL="0" rtl="0" algn="l">
+              <a:lnSpc>
+                <a:spcPct val="115000"/>
+              </a:lnSpc>
+              <a:spcBef>
+                <a:spcPts val="0"/>
+              </a:spcBef>
+              <a:spcAft>
+                <a:spcPts val="0"/>
+              </a:spcAft>
+              <a:buNone/>
+            </a:pPr>
+            <a:r>
+              <a:rPr lang="en" sz="950">
+                <a:solidFill>
+                  <a:schemeClr val="dk1"/>
+                </a:solidFill>
+                <a:highlight>
+                  <a:srgbClr val="FFFFFF"/>
+                </a:highlight>
+              </a:rPr>
+              <a:t>Element[4] = 104</a:t>
+            </a:r>
+            <a:endParaRPr sz="950">
+              <a:solidFill>
+                <a:schemeClr val="dk1"/>
+              </a:solidFill>
+              <a:highlight>
+                <a:srgbClr val="FFFFFF"/>
+              </a:highlight>
+            </a:endParaRPr>
+          </a:p>
+          <a:p>
+            <a:pPr indent="0" lvl="0" marL="0" rtl="0" algn="l">
+              <a:lnSpc>
+                <a:spcPct val="115000"/>
+              </a:lnSpc>
+              <a:spcBef>
+                <a:spcPts val="0"/>
+              </a:spcBef>
+              <a:spcAft>
+                <a:spcPts val="0"/>
+              </a:spcAft>
+              <a:buNone/>
+            </a:pPr>
+            <a:r>
+              <a:rPr lang="en" sz="950">
+                <a:solidFill>
+                  <a:schemeClr val="dk1"/>
+                </a:solidFill>
+                <a:highlight>
+                  <a:srgbClr val="FFFFFF"/>
+                </a:highlight>
+              </a:rPr>
+              <a:t>Element[5] = 105</a:t>
+            </a:r>
+            <a:endParaRPr sz="950">
+              <a:solidFill>
+                <a:schemeClr val="dk1"/>
+              </a:solidFill>
+              <a:highlight>
+                <a:srgbClr val="FFFFFF"/>
+              </a:highlight>
+            </a:endParaRPr>
+          </a:p>
+          <a:p>
+            <a:pPr indent="0" lvl="0" marL="0" rtl="0" algn="l">
+              <a:lnSpc>
+                <a:spcPct val="115000"/>
+              </a:lnSpc>
+              <a:spcBef>
+                <a:spcPts val="0"/>
+              </a:spcBef>
+              <a:spcAft>
+                <a:spcPts val="0"/>
+              </a:spcAft>
+              <a:buNone/>
+            </a:pPr>
+            <a:r>
+              <a:rPr lang="en" sz="950">
+                <a:solidFill>
+                  <a:schemeClr val="dk1"/>
+                </a:solidFill>
+                <a:highlight>
+                  <a:srgbClr val="FFFFFF"/>
+                </a:highlight>
+              </a:rPr>
+              <a:t>Element[6] = 106</a:t>
+            </a:r>
+            <a:endParaRPr sz="950">
+              <a:solidFill>
+                <a:schemeClr val="dk1"/>
+              </a:solidFill>
+              <a:highlight>
+                <a:srgbClr val="FFFFFF"/>
+              </a:highlight>
+            </a:endParaRPr>
+          </a:p>
+          <a:p>
+            <a:pPr indent="0" lvl="0" marL="0" rtl="0" algn="l">
+              <a:lnSpc>
+                <a:spcPct val="115000"/>
+              </a:lnSpc>
+              <a:spcBef>
+                <a:spcPts val="0"/>
+              </a:spcBef>
+              <a:spcAft>
+                <a:spcPts val="0"/>
+              </a:spcAft>
+              <a:buNone/>
+            </a:pPr>
+            <a:r>
+              <a:rPr lang="en" sz="950">
+                <a:solidFill>
+                  <a:schemeClr val="dk1"/>
+                </a:solidFill>
+                <a:highlight>
+                  <a:srgbClr val="FFFFFF"/>
+                </a:highlight>
+              </a:rPr>
+              <a:t>Element[7] = 107</a:t>
+            </a:r>
+            <a:endParaRPr sz="950">
+              <a:solidFill>
+                <a:schemeClr val="dk1"/>
+              </a:solidFill>
+              <a:highlight>
+                <a:srgbClr val="FFFFFF"/>
+              </a:highlight>
+            </a:endParaRPr>
+          </a:p>
+          <a:p>
+            <a:pPr indent="0" lvl="0" marL="0" rtl="0" algn="l">
+              <a:lnSpc>
+                <a:spcPct val="115000"/>
+              </a:lnSpc>
+              <a:spcBef>
+                <a:spcPts val="0"/>
+              </a:spcBef>
+              <a:spcAft>
+                <a:spcPts val="0"/>
+              </a:spcAft>
+              <a:buNone/>
+            </a:pPr>
+            <a:r>
+              <a:rPr lang="en" sz="950">
+                <a:solidFill>
+                  <a:schemeClr val="dk1"/>
+                </a:solidFill>
+                <a:highlight>
+                  <a:srgbClr val="FFFFFF"/>
+                </a:highlight>
+              </a:rPr>
+              <a:t>Element[8] = 108</a:t>
+            </a:r>
+            <a:endParaRPr sz="950">
+              <a:solidFill>
+                <a:schemeClr val="dk1"/>
+              </a:solidFill>
+              <a:highlight>
+                <a:srgbClr val="FFFFFF"/>
+              </a:highlight>
+            </a:endParaRPr>
+          </a:p>
+          <a:p>
+            <a:pPr indent="0" lvl="0" marL="0" marR="50800" rtl="0" algn="l">
+              <a:lnSpc>
+                <a:spcPct val="115000"/>
+              </a:lnSpc>
+              <a:spcBef>
+                <a:spcPts val="0"/>
+              </a:spcBef>
+              <a:spcAft>
+                <a:spcPts val="0"/>
+              </a:spcAft>
+              <a:buClr>
+                <a:schemeClr val="dk1"/>
+              </a:buClr>
+              <a:buSzPts val="1100"/>
+              <a:buFont typeface="Arial"/>
+              <a:buNone/>
+            </a:pPr>
+            <a:r>
+              <a:rPr lang="en" sz="950">
+                <a:solidFill>
+                  <a:schemeClr val="dk1"/>
+                </a:solidFill>
+                <a:highlight>
+                  <a:srgbClr val="FFFFFF"/>
+                </a:highlight>
+              </a:rPr>
+              <a:t>Element[9] = 109</a:t>
+            </a:r>
+            <a:endParaRPr sz="950">
+              <a:solidFill>
+                <a:schemeClr val="dk1"/>
+              </a:solidFill>
+              <a:highlight>
+                <a:srgbClr val="FFFFFF"/>
+              </a:highlight>
+            </a:endParaRPr>
+          </a:p>
+          <a:p>
+            <a:pPr indent="0" lvl="0" marL="0" rtl="0" algn="l">
+              <a:spcBef>
+                <a:spcPts val="0"/>
+              </a:spcBef>
+              <a:spcAft>
+                <a:spcPts val="0"/>
+              </a:spcAft>
+              <a:buNone/>
+            </a:pPr>
+            <a:r>
+              <a:t/>
+            </a:r>
+            <a:endParaRPr/>
+          </a:p>
+        </p:txBody>
+      </p:sp>
+    </p:spTree>
+  </p:cSld>
+  <p:clrMapOvr>
+    <a:masterClrMapping/>
+  </p:clrMapOvr>
+</p:sld>
+</file>
+
+<file path=ppt/slides/slide21.xml><?xml version="1.0" encoding="utf-8"?>
+<p:sld xmlns:a="http://schemas.openxmlformats.org/drawingml/2006/main" xmlns:r="http://schemas.openxmlformats.org/officeDocument/2006/relationships" xmlns:mc="http://schemas.openxmlformats.org/markup-compatibility/2006" xmlns:mv="urn:schemas-microsoft-com:mac:vml" xmlns:p="http://schemas.openxmlformats.org/presentationml/2006/main" xmlns:c="http://schemas.openxmlformats.org/drawingml/2006/chart" xmlns:dgm="http://schemas.openxmlformats.org/drawingml/2006/diagram" xmlns:o="urn:schemas-microsoft-com:office:office" xmlns:v="urn:schemas-microsoft-com:vml" xmlns:pvml="urn:schemas-microsoft-com:office:powerpoint" xmlns:com="http://schemas.openxmlformats.org/drawingml/2006/compatibility" xmlns:p14="http://schemas.microsoft.com/office/powerpoint/2010/main" xmlns:p15="http://schemas.microsoft.com/office/powerpoint/2012/main" xmlns:ahyp="http://schemas.microsoft.com/office/drawing/2018/hyperlinkcolor">
+  <p:cSld>
+    <p:spTree>
+      <p:nvGrpSpPr>
+        <p:cNvPr id="210" name="Shape 210"/>
+        <p:cNvGrpSpPr/>
+        <p:nvPr/>
+      </p:nvGrpSpPr>
+      <p:grpSpPr>
+        <a:xfrm>
+          <a:off x="0" y="0"/>
+          <a:ext cx="0" cy="0"/>
+          <a:chOff x="0" y="0"/>
+          <a:chExt cx="0" cy="0"/>
+        </a:xfrm>
+      </p:grpSpPr>
+      <p:sp>
+        <p:nvSpPr>
+          <p:cNvPr id="211" name="Google Shape;211;p34"/>
+          <p:cNvSpPr txBox="1"/>
+          <p:nvPr/>
+        </p:nvSpPr>
+        <p:spPr>
+          <a:xfrm>
+            <a:off x="374950" y="234875"/>
+            <a:ext cx="8524200" cy="4710000"/>
+          </a:xfrm>
+          <a:prstGeom prst="rect">
+            <a:avLst/>
+          </a:prstGeom>
+          <a:noFill/>
+          <a:ln>
+            <a:noFill/>
+          </a:ln>
+        </p:spPr>
+        <p:txBody>
+          <a:bodyPr anchorCtr="0" anchor="t" bIns="91425" lIns="91425" spcFirstLastPara="1" rIns="91425" wrap="square" tIns="91425">
+            <a:noAutofit/>
+          </a:bodyPr>
+          <a:lstStyle/>
+          <a:p>
+            <a:pPr indent="0" lvl="0" marL="0" rtl="0" algn="ctr">
+              <a:lnSpc>
+                <a:spcPct val="85714"/>
+              </a:lnSpc>
+              <a:spcBef>
+                <a:spcPts val="0"/>
+              </a:spcBef>
+              <a:spcAft>
+                <a:spcPts val="0"/>
+              </a:spcAft>
+              <a:buClr>
+                <a:schemeClr val="dk1"/>
+              </a:buClr>
+              <a:buSzPts val="1100"/>
+              <a:buFont typeface="Arial"/>
+              <a:buNone/>
+            </a:pPr>
+            <a:r>
+              <a:rPr b="1" lang="en" u="sng"/>
+              <a:t>C - Pointers</a:t>
+            </a:r>
+            <a:endParaRPr b="1" u="sng"/>
+          </a:p>
+          <a:p>
+            <a:pPr indent="0" lvl="0" marL="25400" marR="25400" rtl="0" algn="just">
+              <a:lnSpc>
+                <a:spcPct val="115000"/>
+              </a:lnSpc>
+              <a:spcBef>
+                <a:spcPts val="600"/>
+              </a:spcBef>
+              <a:spcAft>
+                <a:spcPts val="0"/>
+              </a:spcAft>
+              <a:buNone/>
+            </a:pPr>
+            <a:r>
+              <a:rPr lang="en" sz="1000">
+                <a:solidFill>
+                  <a:schemeClr val="dk1"/>
+                </a:solidFill>
+              </a:rPr>
+              <a:t>A pointer is a variable whose value is the address of another variable, i.e., direct address of the memory location. Like any variable or constant, you must declare a pointer before using it to store any variable address. The general form of a pointer variable declaration is</a:t>
+            </a:r>
+            <a:r>
+              <a:rPr lang="en" sz="1100">
+                <a:solidFill>
+                  <a:schemeClr val="dk1"/>
+                </a:solidFill>
+              </a:rPr>
+              <a:t> </a:t>
+            </a:r>
+            <a:endParaRPr sz="1100">
+              <a:solidFill>
+                <a:schemeClr val="dk1"/>
+              </a:solidFill>
+            </a:endParaRPr>
+          </a:p>
+          <a:p>
+            <a:pPr indent="0" lvl="0" marL="50800" marR="50800" rtl="0" algn="l">
+              <a:lnSpc>
+                <a:spcPct val="115000"/>
+              </a:lnSpc>
+              <a:spcBef>
+                <a:spcPts val="700"/>
+              </a:spcBef>
+              <a:spcAft>
+                <a:spcPts val="0"/>
+              </a:spcAft>
+              <a:buNone/>
+            </a:pPr>
+            <a:r>
+              <a:rPr b="1" lang="en" sz="1000">
+                <a:solidFill>
+                  <a:schemeClr val="dk1"/>
+                </a:solidFill>
+                <a:highlight>
+                  <a:srgbClr val="FFFFFF"/>
+                </a:highlight>
+              </a:rPr>
+              <a:t>type *var-name;</a:t>
+            </a:r>
+            <a:r>
+              <a:rPr b="1" lang="en" sz="1000">
+                <a:solidFill>
+                  <a:schemeClr val="dk1"/>
+                </a:solidFill>
+                <a:highlight>
+                  <a:srgbClr val="EEEEEE"/>
+                </a:highlight>
+              </a:rPr>
+              <a:t> </a:t>
+            </a:r>
+            <a:r>
+              <a:rPr lang="en" sz="1000">
+                <a:solidFill>
+                  <a:schemeClr val="dk1"/>
+                </a:solidFill>
+                <a:highlight>
+                  <a:srgbClr val="FFFFFF"/>
+                </a:highlight>
+              </a:rPr>
+              <a:t>Here, type is the pointer's base type; it must be a valid C data type and var-name is the name of the pointer variable.</a:t>
+            </a:r>
+            <a:endParaRPr b="1" sz="1000">
+              <a:solidFill>
+                <a:schemeClr val="dk1"/>
+              </a:solidFill>
+              <a:highlight>
+                <a:srgbClr val="EEEEEE"/>
+              </a:highlight>
+            </a:endParaRPr>
+          </a:p>
+          <a:p>
+            <a:pPr indent="0" lvl="0" marL="0" marR="25400" rtl="0" algn="just">
+              <a:lnSpc>
+                <a:spcPct val="115000"/>
+              </a:lnSpc>
+              <a:spcBef>
+                <a:spcPts val="600"/>
+              </a:spcBef>
+              <a:spcAft>
+                <a:spcPts val="0"/>
+              </a:spcAft>
+              <a:buNone/>
+            </a:pPr>
+            <a:r>
+              <a:rPr b="1" lang="en" sz="1100">
+                <a:solidFill>
+                  <a:schemeClr val="dk1"/>
+                </a:solidFill>
+              </a:rPr>
+              <a:t> Valid Pointer Declaration-</a:t>
+            </a:r>
+            <a:endParaRPr b="1" sz="1100">
+              <a:solidFill>
+                <a:schemeClr val="dk1"/>
+              </a:solidFill>
+            </a:endParaRPr>
+          </a:p>
+          <a:p>
+            <a:pPr indent="0" lvl="0" marL="457200" marR="25400" rtl="0" algn="just">
+              <a:lnSpc>
+                <a:spcPct val="115000"/>
+              </a:lnSpc>
+              <a:spcBef>
+                <a:spcPts val="700"/>
+              </a:spcBef>
+              <a:spcAft>
+                <a:spcPts val="0"/>
+              </a:spcAft>
+              <a:buNone/>
+            </a:pPr>
+            <a:r>
+              <a:rPr lang="en" sz="1050">
+                <a:solidFill>
+                  <a:schemeClr val="dk1"/>
+                </a:solidFill>
+                <a:highlight>
+                  <a:srgbClr val="FFFFFF"/>
+                </a:highlight>
+              </a:rPr>
+              <a:t>int    *ip;    /* pointer to an integer */</a:t>
+            </a:r>
+            <a:endParaRPr sz="1050">
+              <a:solidFill>
+                <a:schemeClr val="dk1"/>
+              </a:solidFill>
+              <a:highlight>
+                <a:srgbClr val="FFFFFF"/>
+              </a:highlight>
+            </a:endParaRPr>
+          </a:p>
+          <a:p>
+            <a:pPr indent="0" lvl="0" marL="457200" marR="25400" rtl="0" algn="just">
+              <a:lnSpc>
+                <a:spcPct val="115000"/>
+              </a:lnSpc>
+              <a:spcBef>
+                <a:spcPts val="700"/>
+              </a:spcBef>
+              <a:spcAft>
+                <a:spcPts val="0"/>
+              </a:spcAft>
+              <a:buNone/>
+            </a:pPr>
+            <a:r>
+              <a:rPr lang="en" sz="1050">
+                <a:solidFill>
+                  <a:schemeClr val="dk1"/>
+                </a:solidFill>
+                <a:highlight>
+                  <a:srgbClr val="FFFFFF"/>
+                </a:highlight>
+              </a:rPr>
+              <a:t>double *dp;    /* pointer to a double */</a:t>
+            </a:r>
+            <a:endParaRPr sz="1050">
+              <a:solidFill>
+                <a:schemeClr val="dk1"/>
+              </a:solidFill>
+              <a:highlight>
+                <a:srgbClr val="FFFFFF"/>
+              </a:highlight>
+            </a:endParaRPr>
+          </a:p>
+          <a:p>
+            <a:pPr indent="0" lvl="0" marL="457200" marR="25400" rtl="0" algn="just">
+              <a:lnSpc>
+                <a:spcPct val="115000"/>
+              </a:lnSpc>
+              <a:spcBef>
+                <a:spcPts val="700"/>
+              </a:spcBef>
+              <a:spcAft>
+                <a:spcPts val="0"/>
+              </a:spcAft>
+              <a:buNone/>
+            </a:pPr>
+            <a:r>
+              <a:rPr lang="en" sz="1050">
+                <a:solidFill>
+                  <a:schemeClr val="dk1"/>
+                </a:solidFill>
+                <a:highlight>
+                  <a:srgbClr val="FFFFFF"/>
+                </a:highlight>
+              </a:rPr>
+              <a:t>float  *fp;    /* pointer to a float */</a:t>
+            </a:r>
+            <a:endParaRPr sz="1050">
+              <a:solidFill>
+                <a:schemeClr val="dk1"/>
+              </a:solidFill>
+              <a:highlight>
+                <a:srgbClr val="FFFFFF"/>
+              </a:highlight>
+            </a:endParaRPr>
+          </a:p>
+          <a:p>
+            <a:pPr indent="0" lvl="0" marL="457200" marR="50800" rtl="0" algn="l">
+              <a:lnSpc>
+                <a:spcPct val="115000"/>
+              </a:lnSpc>
+              <a:spcBef>
+                <a:spcPts val="700"/>
+              </a:spcBef>
+              <a:spcAft>
+                <a:spcPts val="0"/>
+              </a:spcAft>
+              <a:buNone/>
+            </a:pPr>
+            <a:r>
+              <a:rPr lang="en" sz="1050">
+                <a:solidFill>
+                  <a:schemeClr val="dk1"/>
+                </a:solidFill>
+                <a:highlight>
+                  <a:srgbClr val="FFFFFF"/>
+                </a:highlight>
+              </a:rPr>
+              <a:t>char   *ch     /* pointer to a character */</a:t>
+            </a:r>
+            <a:endParaRPr sz="1050">
+              <a:solidFill>
+                <a:schemeClr val="dk1"/>
+              </a:solidFill>
+              <a:highlight>
+                <a:srgbClr val="FFFFFF"/>
+              </a:highlight>
+            </a:endParaRPr>
+          </a:p>
+          <a:p>
+            <a:pPr indent="0" lvl="0" marL="0" marR="25400" rtl="0" algn="just">
+              <a:lnSpc>
+                <a:spcPct val="115000"/>
+              </a:lnSpc>
+              <a:spcBef>
+                <a:spcPts val="600"/>
+              </a:spcBef>
+              <a:spcAft>
+                <a:spcPts val="0"/>
+              </a:spcAft>
+              <a:buNone/>
+            </a:pPr>
+            <a:r>
+              <a:rPr lang="en" sz="1100">
+                <a:solidFill>
+                  <a:schemeClr val="dk1"/>
+                </a:solidFill>
+                <a:highlight>
+                  <a:srgbClr val="FFFFFF"/>
+                </a:highlight>
+              </a:rPr>
+              <a:t>The actual data type of the value of all pointers, whether integer, float, character, or otherwise, is the same, a long hexadecimal number that represents a memory address. </a:t>
+            </a:r>
+            <a:endParaRPr sz="1100">
+              <a:solidFill>
+                <a:schemeClr val="dk1"/>
+              </a:solidFill>
+              <a:highlight>
+                <a:srgbClr val="FFFFFF"/>
+              </a:highlight>
+            </a:endParaRPr>
+          </a:p>
+          <a:p>
+            <a:pPr indent="0" lvl="0" marL="0" marR="25400" rtl="0" algn="just">
+              <a:lnSpc>
+                <a:spcPct val="115000"/>
+              </a:lnSpc>
+              <a:spcBef>
+                <a:spcPts val="700"/>
+              </a:spcBef>
+              <a:spcAft>
+                <a:spcPts val="0"/>
+              </a:spcAft>
+              <a:buNone/>
+            </a:pPr>
+            <a:r>
+              <a:rPr b="1" lang="en" sz="1100">
+                <a:solidFill>
+                  <a:schemeClr val="dk1"/>
+                </a:solidFill>
+                <a:highlight>
+                  <a:srgbClr val="FFFFFF"/>
+                </a:highlight>
+              </a:rPr>
+              <a:t>Address of C Variable-  </a:t>
+            </a:r>
+            <a:r>
+              <a:rPr lang="en" sz="1050">
+                <a:highlight>
+                  <a:srgbClr val="FFFFFF"/>
+                </a:highlight>
+              </a:rPr>
+              <a:t>printf("%d", &amp;var);</a:t>
+            </a:r>
+            <a:endParaRPr b="1" sz="1100">
+              <a:highlight>
+                <a:srgbClr val="FFFFFF"/>
+              </a:highlight>
+            </a:endParaRPr>
+          </a:p>
+          <a:p>
+            <a:pPr indent="0" lvl="0" marL="0" rtl="0" algn="l">
+              <a:lnSpc>
+                <a:spcPct val="115000"/>
+              </a:lnSpc>
+              <a:spcBef>
+                <a:spcPts val="1800"/>
+              </a:spcBef>
+              <a:spcAft>
+                <a:spcPts val="0"/>
+              </a:spcAft>
+              <a:buNone/>
+            </a:pPr>
+            <a:r>
+              <a:rPr b="1" lang="en" sz="1450">
+                <a:solidFill>
+                  <a:schemeClr val="dk1"/>
+                </a:solidFill>
+              </a:rPr>
+              <a:t>How to Use Pointers?</a:t>
+            </a:r>
+            <a:endParaRPr b="1" sz="1450">
+              <a:solidFill>
+                <a:schemeClr val="dk1"/>
+              </a:solidFill>
+            </a:endParaRPr>
+          </a:p>
+          <a:p>
+            <a:pPr indent="-292100" lvl="0" marL="457200" rtl="0" algn="l">
+              <a:lnSpc>
+                <a:spcPct val="150000"/>
+              </a:lnSpc>
+              <a:spcBef>
+                <a:spcPts val="1800"/>
+              </a:spcBef>
+              <a:spcAft>
+                <a:spcPts val="0"/>
+              </a:spcAft>
+              <a:buClr>
+                <a:schemeClr val="dk1"/>
+              </a:buClr>
+              <a:buSzPts val="1000"/>
+              <a:buAutoNum type="arabicPeriod"/>
+            </a:pPr>
+            <a:r>
+              <a:rPr lang="en" sz="1000">
+                <a:solidFill>
+                  <a:schemeClr val="dk1"/>
+                </a:solidFill>
+                <a:highlight>
+                  <a:srgbClr val="FFFFFF"/>
+                </a:highlight>
+              </a:rPr>
+              <a:t>define a pointer variable </a:t>
+            </a:r>
+            <a:endParaRPr sz="1000">
+              <a:solidFill>
+                <a:schemeClr val="dk1"/>
+              </a:solidFill>
+              <a:highlight>
+                <a:srgbClr val="FFFFFF"/>
+              </a:highlight>
+            </a:endParaRPr>
+          </a:p>
+          <a:p>
+            <a:pPr indent="-292100" lvl="0" marL="457200" rtl="0" algn="l">
+              <a:lnSpc>
+                <a:spcPct val="150000"/>
+              </a:lnSpc>
+              <a:spcBef>
+                <a:spcPts val="0"/>
+              </a:spcBef>
+              <a:spcAft>
+                <a:spcPts val="0"/>
+              </a:spcAft>
+              <a:buClr>
+                <a:schemeClr val="dk1"/>
+              </a:buClr>
+              <a:buSzPts val="1000"/>
+              <a:buAutoNum type="arabicPeriod"/>
+            </a:pPr>
+            <a:r>
+              <a:rPr lang="en" sz="1000">
+                <a:solidFill>
+                  <a:schemeClr val="dk1"/>
+                </a:solidFill>
+                <a:highlight>
+                  <a:srgbClr val="FFFFFF"/>
+                </a:highlight>
+              </a:rPr>
+              <a:t>assign the address of a variable to a pointer</a:t>
+            </a:r>
+            <a:endParaRPr sz="1000">
+              <a:solidFill>
+                <a:schemeClr val="dk1"/>
+              </a:solidFill>
+              <a:highlight>
+                <a:srgbClr val="FFFFFF"/>
+              </a:highlight>
+            </a:endParaRPr>
+          </a:p>
+          <a:p>
+            <a:pPr indent="-292100" lvl="0" marL="457200" rtl="0" algn="l">
+              <a:lnSpc>
+                <a:spcPct val="150000"/>
+              </a:lnSpc>
+              <a:spcBef>
+                <a:spcPts val="0"/>
+              </a:spcBef>
+              <a:spcAft>
+                <a:spcPts val="0"/>
+              </a:spcAft>
+              <a:buClr>
+                <a:schemeClr val="dk1"/>
+              </a:buClr>
+              <a:buSzPts val="1000"/>
+              <a:buAutoNum type="arabicPeriod"/>
+            </a:pPr>
+            <a:r>
+              <a:rPr lang="en" sz="1000">
+                <a:solidFill>
+                  <a:schemeClr val="dk1"/>
+                </a:solidFill>
+                <a:highlight>
+                  <a:srgbClr val="FFFFFF"/>
+                </a:highlight>
+              </a:rPr>
+              <a:t>finally access the value at the address available in the pointer variable</a:t>
+            </a:r>
+            <a:endParaRPr b="1" sz="1250">
+              <a:solidFill>
+                <a:schemeClr val="dk1"/>
+              </a:solidFill>
+            </a:endParaRPr>
+          </a:p>
+          <a:p>
+            <a:pPr indent="0" lvl="0" marL="0" marR="25400" rtl="0" algn="just">
+              <a:lnSpc>
+                <a:spcPct val="115000"/>
+              </a:lnSpc>
+              <a:spcBef>
+                <a:spcPts val="600"/>
+              </a:spcBef>
+              <a:spcAft>
+                <a:spcPts val="0"/>
+              </a:spcAft>
+              <a:buClr>
+                <a:schemeClr val="dk1"/>
+              </a:buClr>
+              <a:buSzPts val="1100"/>
+              <a:buFont typeface="Arial"/>
+              <a:buNone/>
+            </a:pPr>
+            <a:r>
+              <a:t/>
+            </a:r>
+            <a:endParaRPr sz="1100">
+              <a:solidFill>
+                <a:schemeClr val="dk1"/>
+              </a:solidFill>
+              <a:highlight>
+                <a:srgbClr val="FFFFFF"/>
+              </a:highlight>
+            </a:endParaRPr>
+          </a:p>
+          <a:p>
+            <a:pPr indent="0" lvl="0" marL="0" rtl="0" algn="l">
+              <a:lnSpc>
+                <a:spcPct val="115000"/>
+              </a:lnSpc>
+              <a:spcBef>
+                <a:spcPts val="700"/>
+              </a:spcBef>
+              <a:spcAft>
+                <a:spcPts val="0"/>
+              </a:spcAft>
+              <a:buClr>
+                <a:schemeClr val="dk1"/>
+              </a:buClr>
+              <a:buSzPts val="1100"/>
+              <a:buFont typeface="Arial"/>
+              <a:buNone/>
+            </a:pPr>
+            <a:r>
+              <a:t/>
+            </a:r>
+            <a:endParaRPr sz="1100">
+              <a:solidFill>
+                <a:schemeClr val="dk1"/>
+              </a:solidFill>
+            </a:endParaRPr>
+          </a:p>
+          <a:p>
+            <a:pPr indent="0" lvl="0" marL="0" rtl="0" algn="l">
+              <a:spcBef>
+                <a:spcPts val="0"/>
+              </a:spcBef>
+              <a:spcAft>
+                <a:spcPts val="0"/>
+              </a:spcAft>
+              <a:buNone/>
+            </a:pPr>
+            <a:r>
+              <a:t/>
+            </a:r>
+            <a:endParaRPr/>
+          </a:p>
+        </p:txBody>
+      </p:sp>
+    </p:spTree>
+  </p:cSld>
+  <p:clrMapOvr>
+    <a:masterClrMapping/>
+  </p:clrMapOvr>
+</p:sld>
+</file>
+
+<file path=ppt/slides/slide22.xml><?xml version="1.0" encoding="utf-8"?>
+<p:sld xmlns:a="http://schemas.openxmlformats.org/drawingml/2006/main" xmlns:r="http://schemas.openxmlformats.org/officeDocument/2006/relationships" xmlns:mc="http://schemas.openxmlformats.org/markup-compatibility/2006" xmlns:mv="urn:schemas-microsoft-com:mac:vml" xmlns:p="http://schemas.openxmlformats.org/presentationml/2006/main" xmlns:c="http://schemas.openxmlformats.org/drawingml/2006/chart" xmlns:dgm="http://schemas.openxmlformats.org/drawingml/2006/diagram" xmlns:o="urn:schemas-microsoft-com:office:office" xmlns:v="urn:schemas-microsoft-com:vml" xmlns:pvml="urn:schemas-microsoft-com:office:powerpoint" xmlns:com="http://schemas.openxmlformats.org/drawingml/2006/compatibility" xmlns:p14="http://schemas.microsoft.com/office/powerpoint/2010/main" xmlns:p15="http://schemas.microsoft.com/office/powerpoint/2012/main" xmlns:ahyp="http://schemas.microsoft.com/office/drawing/2018/hyperlinkcolor">
+  <p:cSld>
+    <p:spTree>
+      <p:nvGrpSpPr>
+        <p:cNvPr id="215" name="Shape 215"/>
+        <p:cNvGrpSpPr/>
+        <p:nvPr/>
+      </p:nvGrpSpPr>
+      <p:grpSpPr>
+        <a:xfrm>
+          <a:off x="0" y="0"/>
+          <a:ext cx="0" cy="0"/>
+          <a:chOff x="0" y="0"/>
+          <a:chExt cx="0" cy="0"/>
+        </a:xfrm>
+      </p:grpSpPr>
+      <p:sp>
+        <p:nvSpPr>
+          <p:cNvPr id="216" name="Google Shape;216;p35"/>
+          <p:cNvSpPr txBox="1"/>
+          <p:nvPr/>
+        </p:nvSpPr>
+        <p:spPr>
+          <a:xfrm>
             <a:off x="439975" y="205975"/>
             <a:ext cx="8445000" cy="4731900"/>
           </a:xfrm>
@@ -20690,7 +23514,7 @@
       </p:sp>
       <p:sp>
         <p:nvSpPr>
-          <p:cNvPr id="206" name="Google Shape;206;p33"/>
+          <p:cNvPr id="217" name="Google Shape;217;p35"/>
           <p:cNvSpPr txBox="1"/>
           <p:nvPr/>
         </p:nvSpPr>
@@ -20880,12 +23704,12 @@
 </p:sld>
 </file>
 
-<file path=ppt/slides/slide21.xml><?xml version="1.0" encoding="utf-8"?>
-<p:sld xmlns:a="http://schemas.openxmlformats.org/drawingml/2006/main" xmlns:r="http://schemas.openxmlformats.org/officeDocument/2006/relationships" xmlns:mc="http://schemas.openxmlformats.org/markup-compatibility/2006" xmlns:mv="urn:schemas-microsoft-com:mac:vml" xmlns:p="http://schemas.openxmlformats.org/presentationml/2006/main" xmlns:c="http://schemas.openxmlformats.org/drawingml/2006/chart" xmlns:dgm="http://schemas.openxmlformats.org/drawingml/2006/diagram" xmlns:o="urn:schemas-microsoft-com:office:office" xmlns:v="urn:schemas-microsoft-com:vml" xmlns:pvml="urn:schemas-microsoft-com:office:powerpoint" xmlns:com="http://schemas.openxmlformats.org/drawingml/2006/compatibility" xmlns:p14="http://schemas.microsoft.com/office/powerpoint/2010/main" xmlns:p15="http://schemas.microsoft.com/office/powerpoint/2012/main">
+<file path=ppt/slides/slide23.xml><?xml version="1.0" encoding="utf-8"?>
+<p:sld xmlns:a="http://schemas.openxmlformats.org/drawingml/2006/main" xmlns:r="http://schemas.openxmlformats.org/officeDocument/2006/relationships" xmlns:mc="http://schemas.openxmlformats.org/markup-compatibility/2006" xmlns:mv="urn:schemas-microsoft-com:mac:vml" xmlns:p="http://schemas.openxmlformats.org/presentationml/2006/main" xmlns:c="http://schemas.openxmlformats.org/drawingml/2006/chart" xmlns:dgm="http://schemas.openxmlformats.org/drawingml/2006/diagram" xmlns:o="urn:schemas-microsoft-com:office:office" xmlns:v="urn:schemas-microsoft-com:vml" xmlns:pvml="urn:schemas-microsoft-com:office:powerpoint" xmlns:com="http://schemas.openxmlformats.org/drawingml/2006/compatibility" xmlns:p14="http://schemas.microsoft.com/office/powerpoint/2010/main" xmlns:p15="http://schemas.microsoft.com/office/powerpoint/2012/main" xmlns:ahyp="http://schemas.microsoft.com/office/drawing/2018/hyperlinkcolor">
   <p:cSld>
     <p:spTree>
       <p:nvGrpSpPr>
-        <p:cNvPr id="210" name="Shape 210"/>
+        <p:cNvPr id="221" name="Shape 221"/>
         <p:cNvGrpSpPr/>
         <p:nvPr/>
       </p:nvGrpSpPr>
@@ -20899,7 +23723,645 @@
       </p:grpSpPr>
       <p:sp>
         <p:nvSpPr>
-          <p:cNvPr id="211" name="Google Shape;211;p34"/>
+          <p:cNvPr id="222" name="Google Shape;222;p36"/>
+          <p:cNvSpPr txBox="1"/>
+          <p:nvPr>
+            <p:ph idx="1" type="body"/>
+          </p:nvPr>
+        </p:nvSpPr>
+        <p:spPr>
+          <a:xfrm>
+            <a:off x="275575" y="278375"/>
+            <a:ext cx="8520600" cy="4608900"/>
+          </a:xfrm>
+          <a:prstGeom prst="rect">
+            <a:avLst/>
+          </a:prstGeom>
+        </p:spPr>
+        <p:txBody>
+          <a:bodyPr anchorCtr="0" anchor="t" bIns="91425" lIns="91425" spcFirstLastPara="1" rIns="91425" wrap="square" tIns="91425">
+            <a:noAutofit/>
+          </a:bodyPr>
+          <a:lstStyle/>
+          <a:p>
+            <a:pPr indent="0" lvl="0" marL="0" rtl="0" algn="l">
+              <a:spcBef>
+                <a:spcPts val="0"/>
+              </a:spcBef>
+              <a:spcAft>
+                <a:spcPts val="0"/>
+              </a:spcAft>
+              <a:buNone/>
+            </a:pPr>
+            <a:r>
+              <a:rPr b="1" lang="en" sz="1400"/>
+              <a:t>Usage Of Pointers - </a:t>
+            </a:r>
+            <a:endParaRPr b="1" sz="1400"/>
+          </a:p>
+          <a:p>
+            <a:pPr indent="-304800" lvl="0" marL="800100" rtl="0" algn="l">
+              <a:lnSpc>
+                <a:spcPct val="158000"/>
+              </a:lnSpc>
+              <a:spcBef>
+                <a:spcPts val="1600"/>
+              </a:spcBef>
+              <a:spcAft>
+                <a:spcPts val="0"/>
+              </a:spcAft>
+              <a:buClr>
+                <a:schemeClr val="dk1"/>
+              </a:buClr>
+              <a:buSzPts val="1200"/>
+              <a:buFont typeface="Arial"/>
+              <a:buAutoNum type="arabicPeriod"/>
+            </a:pPr>
+            <a:r>
+              <a:rPr lang="en" sz="1200">
+                <a:solidFill>
+                  <a:schemeClr val="dk1"/>
+                </a:solidFill>
+                <a:highlight>
+                  <a:srgbClr val="FFFFFF"/>
+                </a:highlight>
+              </a:rPr>
+              <a:t>Pointers save memory space - </a:t>
+            </a:r>
+            <a:r>
+              <a:rPr lang="en" sz="1000">
+                <a:solidFill>
+                  <a:schemeClr val="dk1"/>
+                </a:solidFill>
+                <a:highlight>
+                  <a:srgbClr val="FFFFFF"/>
+                </a:highlight>
+                <a:latin typeface="Roboto"/>
+                <a:ea typeface="Roboto"/>
+                <a:cs typeface="Roboto"/>
+                <a:sym typeface="Roboto"/>
+              </a:rPr>
+              <a:t>Example passing large structure without reference would create a copy of the structure (hence wastage of space)</a:t>
+            </a:r>
+            <a:endParaRPr sz="1000">
+              <a:solidFill>
+                <a:schemeClr val="dk1"/>
+              </a:solidFill>
+              <a:highlight>
+                <a:srgbClr val="FFFFFF"/>
+              </a:highlight>
+            </a:endParaRPr>
+          </a:p>
+          <a:p>
+            <a:pPr indent="-304800" lvl="0" marL="800100" rtl="0" algn="l">
+              <a:lnSpc>
+                <a:spcPct val="158000"/>
+              </a:lnSpc>
+              <a:spcBef>
+                <a:spcPts val="0"/>
+              </a:spcBef>
+              <a:spcAft>
+                <a:spcPts val="0"/>
+              </a:spcAft>
+              <a:buClr>
+                <a:schemeClr val="dk1"/>
+              </a:buClr>
+              <a:buSzPts val="1200"/>
+              <a:buFont typeface="Arial"/>
+              <a:buAutoNum type="arabicPeriod"/>
+            </a:pPr>
+            <a:r>
+              <a:rPr lang="en" sz="1200">
+                <a:solidFill>
+                  <a:schemeClr val="dk1"/>
+                </a:solidFill>
+                <a:highlight>
+                  <a:srgbClr val="FFFFFF"/>
+                </a:highlight>
+              </a:rPr>
+              <a:t>Execution time with pointers is faster because data are manipulated with the address, that is, direct access to</a:t>
+            </a:r>
+            <a:br>
+              <a:rPr lang="en" sz="1200">
+                <a:solidFill>
+                  <a:schemeClr val="dk1"/>
+                </a:solidFill>
+                <a:highlight>
+                  <a:srgbClr val="FFFFFF"/>
+                </a:highlight>
+              </a:rPr>
+            </a:br>
+            <a:r>
+              <a:rPr lang="en" sz="1200">
+                <a:solidFill>
+                  <a:schemeClr val="dk1"/>
+                </a:solidFill>
+                <a:highlight>
+                  <a:srgbClr val="FFFFFF"/>
+                </a:highlight>
+              </a:rPr>
+              <a:t>memory location.</a:t>
+            </a:r>
+            <a:endParaRPr sz="1200">
+              <a:solidFill>
+                <a:schemeClr val="dk1"/>
+              </a:solidFill>
+              <a:highlight>
+                <a:srgbClr val="FFFFFF"/>
+              </a:highlight>
+            </a:endParaRPr>
+          </a:p>
+          <a:p>
+            <a:pPr indent="-304800" lvl="0" marL="800100" rtl="0" algn="l">
+              <a:lnSpc>
+                <a:spcPct val="158000"/>
+              </a:lnSpc>
+              <a:spcBef>
+                <a:spcPts val="0"/>
+              </a:spcBef>
+              <a:spcAft>
+                <a:spcPts val="0"/>
+              </a:spcAft>
+              <a:buClr>
+                <a:schemeClr val="dk1"/>
+              </a:buClr>
+              <a:buSzPts val="1200"/>
+              <a:buFont typeface="Arial"/>
+              <a:buAutoNum type="arabicPeriod"/>
+            </a:pPr>
+            <a:r>
+              <a:rPr lang="en" sz="1200">
+                <a:solidFill>
+                  <a:schemeClr val="dk1"/>
+                </a:solidFill>
+                <a:highlight>
+                  <a:srgbClr val="FFFFFF"/>
+                </a:highlight>
+              </a:rPr>
+              <a:t>Memory is accessed efficiently with the pointers. The pointer assigns and releases the memory as well. Hence it can be said the Memory of pointers is dynamically allocated.</a:t>
+            </a:r>
+            <a:endParaRPr sz="1200">
+              <a:solidFill>
+                <a:schemeClr val="dk1"/>
+              </a:solidFill>
+              <a:highlight>
+                <a:srgbClr val="FFFFFF"/>
+              </a:highlight>
+            </a:endParaRPr>
+          </a:p>
+          <a:p>
+            <a:pPr indent="-304800" lvl="0" marL="800100" rtl="0" algn="l">
+              <a:lnSpc>
+                <a:spcPct val="158000"/>
+              </a:lnSpc>
+              <a:spcBef>
+                <a:spcPts val="0"/>
+              </a:spcBef>
+              <a:spcAft>
+                <a:spcPts val="0"/>
+              </a:spcAft>
+              <a:buClr>
+                <a:schemeClr val="dk1"/>
+              </a:buClr>
+              <a:buSzPts val="1200"/>
+              <a:buFont typeface="Arial"/>
+              <a:buAutoNum type="arabicPeriod"/>
+            </a:pPr>
+            <a:r>
+              <a:rPr lang="en" sz="1200">
+                <a:solidFill>
+                  <a:schemeClr val="dk1"/>
+                </a:solidFill>
+                <a:highlight>
+                  <a:srgbClr val="FFFFFF"/>
+                </a:highlight>
+              </a:rPr>
+              <a:t>Pointers are used with data structures. They are useful for representing two-dimensional and multi-dimensional</a:t>
+            </a:r>
+            <a:br>
+              <a:rPr lang="en" sz="1200">
+                <a:solidFill>
+                  <a:schemeClr val="dk1"/>
+                </a:solidFill>
+                <a:highlight>
+                  <a:srgbClr val="FFFFFF"/>
+                </a:highlight>
+              </a:rPr>
+            </a:br>
+            <a:r>
+              <a:rPr lang="en" sz="1200">
+                <a:solidFill>
+                  <a:schemeClr val="dk1"/>
+                </a:solidFill>
+                <a:highlight>
+                  <a:srgbClr val="FFFFFF"/>
+                </a:highlight>
+              </a:rPr>
+              <a:t>a</a:t>
+            </a:r>
+            <a:r>
+              <a:rPr lang="en" sz="1200">
+                <a:solidFill>
+                  <a:schemeClr val="dk1"/>
+                </a:solidFill>
+                <a:highlight>
+                  <a:srgbClr val="FFFFFF"/>
+                </a:highlight>
+              </a:rPr>
+              <a:t>rrays.</a:t>
+            </a:r>
+            <a:endParaRPr sz="1200">
+              <a:solidFill>
+                <a:schemeClr val="dk1"/>
+              </a:solidFill>
+              <a:highlight>
+                <a:srgbClr val="FFFFFF"/>
+              </a:highlight>
+            </a:endParaRPr>
+          </a:p>
+          <a:p>
+            <a:pPr indent="-304800" lvl="0" marL="800100" rtl="0" algn="l">
+              <a:lnSpc>
+                <a:spcPct val="158000"/>
+              </a:lnSpc>
+              <a:spcBef>
+                <a:spcPts val="0"/>
+              </a:spcBef>
+              <a:spcAft>
+                <a:spcPts val="0"/>
+              </a:spcAft>
+              <a:buClr>
+                <a:schemeClr val="dk1"/>
+              </a:buClr>
+              <a:buSzPts val="1200"/>
+              <a:buFont typeface="Arial"/>
+              <a:buAutoNum type="arabicPeriod"/>
+            </a:pPr>
+            <a:r>
+              <a:rPr lang="en" sz="1200">
+                <a:solidFill>
+                  <a:schemeClr val="dk1"/>
+                </a:solidFill>
+                <a:highlight>
+                  <a:srgbClr val="FFFFFF"/>
+                </a:highlight>
+              </a:rPr>
+              <a:t>An array, of any type can be accessed with the help of pointers, without considering its subscript range.</a:t>
+            </a:r>
+            <a:endParaRPr sz="1200">
+              <a:solidFill>
+                <a:schemeClr val="dk1"/>
+              </a:solidFill>
+              <a:highlight>
+                <a:srgbClr val="FFFFFF"/>
+              </a:highlight>
+            </a:endParaRPr>
+          </a:p>
+          <a:p>
+            <a:pPr indent="-304800" lvl="0" marL="800100" rtl="0" algn="l">
+              <a:lnSpc>
+                <a:spcPct val="158000"/>
+              </a:lnSpc>
+              <a:spcBef>
+                <a:spcPts val="0"/>
+              </a:spcBef>
+              <a:spcAft>
+                <a:spcPts val="0"/>
+              </a:spcAft>
+              <a:buClr>
+                <a:schemeClr val="dk1"/>
+              </a:buClr>
+              <a:buSzPts val="1200"/>
+              <a:buFont typeface="Arial"/>
+              <a:buAutoNum type="arabicPeriod"/>
+            </a:pPr>
+            <a:r>
+              <a:rPr lang="en" sz="1200">
+                <a:solidFill>
+                  <a:schemeClr val="dk1"/>
+                </a:solidFill>
+                <a:highlight>
+                  <a:srgbClr val="FFFFFF"/>
+                </a:highlight>
+              </a:rPr>
+              <a:t>Pointers are used for file handling.</a:t>
+            </a:r>
+            <a:endParaRPr sz="1200">
+              <a:solidFill>
+                <a:schemeClr val="dk1"/>
+              </a:solidFill>
+              <a:highlight>
+                <a:srgbClr val="FFFFFF"/>
+              </a:highlight>
+            </a:endParaRPr>
+          </a:p>
+          <a:p>
+            <a:pPr indent="-304800" lvl="0" marL="800100" rtl="0" algn="l">
+              <a:lnSpc>
+                <a:spcPct val="158000"/>
+              </a:lnSpc>
+              <a:spcBef>
+                <a:spcPts val="0"/>
+              </a:spcBef>
+              <a:spcAft>
+                <a:spcPts val="0"/>
+              </a:spcAft>
+              <a:buClr>
+                <a:schemeClr val="dk1"/>
+              </a:buClr>
+              <a:buSzPts val="1200"/>
+              <a:buFont typeface="Arial"/>
+              <a:buAutoNum type="arabicPeriod"/>
+            </a:pPr>
+            <a:r>
+              <a:rPr lang="en" sz="1200">
+                <a:solidFill>
+                  <a:schemeClr val="dk1"/>
+                </a:solidFill>
+                <a:highlight>
+                  <a:srgbClr val="FFFFFF"/>
+                </a:highlight>
+              </a:rPr>
+              <a:t>Pointers are used to allocate memory dynamically - </a:t>
+            </a:r>
+            <a:r>
+              <a:rPr lang="en" sz="1000">
+                <a:solidFill>
+                  <a:schemeClr val="dk1"/>
+                </a:solidFill>
+                <a:highlight>
+                  <a:srgbClr val="FFFFFF"/>
+                </a:highlight>
+                <a:latin typeface="Roboto"/>
+                <a:ea typeface="Roboto"/>
+                <a:cs typeface="Roboto"/>
+                <a:sym typeface="Roboto"/>
+              </a:rPr>
+              <a:t>We can use pointers to dynamically allocate memory. The advantage of dynamically allocated memory is, it is not deleted until we explicitly delete it.</a:t>
+            </a:r>
+            <a:endParaRPr sz="1000">
+              <a:solidFill>
+                <a:schemeClr val="dk1"/>
+              </a:solidFill>
+              <a:highlight>
+                <a:srgbClr val="FFFFFF"/>
+              </a:highlight>
+            </a:endParaRPr>
+          </a:p>
+          <a:p>
+            <a:pPr indent="0" lvl="0" marL="0" rtl="0" algn="l">
+              <a:spcBef>
+                <a:spcPts val="3600"/>
+              </a:spcBef>
+              <a:spcAft>
+                <a:spcPts val="1600"/>
+              </a:spcAft>
+              <a:buNone/>
+            </a:pPr>
+            <a:r>
+              <a:t/>
+            </a:r>
+            <a:endParaRPr b="1" sz="1400"/>
+          </a:p>
+        </p:txBody>
+      </p:sp>
+    </p:spTree>
+  </p:cSld>
+  <p:clrMapOvr>
+    <a:masterClrMapping/>
+  </p:clrMapOvr>
+</p:sld>
+</file>
+
+<file path=ppt/slides/slide24.xml><?xml version="1.0" encoding="utf-8"?>
+<p:sld xmlns:a="http://schemas.openxmlformats.org/drawingml/2006/main" xmlns:r="http://schemas.openxmlformats.org/officeDocument/2006/relationships" xmlns:mc="http://schemas.openxmlformats.org/markup-compatibility/2006" xmlns:mv="urn:schemas-microsoft-com:mac:vml" xmlns:p="http://schemas.openxmlformats.org/presentationml/2006/main" xmlns:c="http://schemas.openxmlformats.org/drawingml/2006/chart" xmlns:dgm="http://schemas.openxmlformats.org/drawingml/2006/diagram" xmlns:o="urn:schemas-microsoft-com:office:office" xmlns:v="urn:schemas-microsoft-com:vml" xmlns:pvml="urn:schemas-microsoft-com:office:powerpoint" xmlns:com="http://schemas.openxmlformats.org/drawingml/2006/compatibility" xmlns:p14="http://schemas.microsoft.com/office/powerpoint/2010/main" xmlns:p15="http://schemas.microsoft.com/office/powerpoint/2012/main" xmlns:ahyp="http://schemas.microsoft.com/office/drawing/2018/hyperlinkcolor">
+  <p:cSld>
+    <p:spTree>
+      <p:nvGrpSpPr>
+        <p:cNvPr id="226" name="Shape 226"/>
+        <p:cNvGrpSpPr/>
+        <p:nvPr/>
+      </p:nvGrpSpPr>
+      <p:grpSpPr>
+        <a:xfrm>
+          <a:off x="0" y="0"/>
+          <a:ext cx="0" cy="0"/>
+          <a:chOff x="0" y="0"/>
+          <a:chExt cx="0" cy="0"/>
+        </a:xfrm>
+      </p:grpSpPr>
+      <p:sp>
+        <p:nvSpPr>
+          <p:cNvPr id="227" name="Google Shape;227;p37"/>
+          <p:cNvSpPr txBox="1"/>
+          <p:nvPr>
+            <p:ph idx="1" type="body"/>
+          </p:nvPr>
+        </p:nvSpPr>
+        <p:spPr>
+          <a:xfrm>
+            <a:off x="379909" y="1770406"/>
+            <a:ext cx="8307900" cy="1454100"/>
+          </a:xfrm>
+          <a:prstGeom prst="rect">
+            <a:avLst/>
+          </a:prstGeom>
+        </p:spPr>
+        <p:txBody>
+          <a:bodyPr anchorCtr="0" anchor="ctr" bIns="25700" lIns="51425" spcFirstLastPara="1" rIns="51425" wrap="square" tIns="25700">
+            <a:noAutofit/>
+          </a:bodyPr>
+          <a:lstStyle/>
+          <a:p>
+            <a:pPr indent="0" lvl="0" marL="0" rtl="0" algn="l">
+              <a:spcBef>
+                <a:spcPts val="0"/>
+              </a:spcBef>
+              <a:spcAft>
+                <a:spcPts val="0"/>
+              </a:spcAft>
+              <a:buNone/>
+            </a:pPr>
+            <a:r>
+              <a:rPr lang="en"/>
+              <a:t>Reference Link</a:t>
+            </a:r>
+            <a:endParaRPr/>
+          </a:p>
+          <a:p>
+            <a:pPr indent="0" lvl="0" marL="0" rtl="0" algn="l">
+              <a:spcBef>
+                <a:spcPts val="0"/>
+              </a:spcBef>
+              <a:spcAft>
+                <a:spcPts val="0"/>
+              </a:spcAft>
+              <a:buNone/>
+            </a:pPr>
+            <a:r>
+              <a:t/>
+            </a:r>
+            <a:endParaRPr/>
+          </a:p>
+          <a:p>
+            <a:pPr indent="0" lvl="0" marL="0" rtl="0" algn="l">
+              <a:spcBef>
+                <a:spcPts val="0"/>
+              </a:spcBef>
+              <a:spcAft>
+                <a:spcPts val="0"/>
+              </a:spcAft>
+              <a:buNone/>
+            </a:pPr>
+            <a:r>
+              <a:rPr lang="en" sz="1100" u="sng">
+                <a:solidFill>
+                  <a:schemeClr val="hlink"/>
+                </a:solidFill>
+                <a:hlinkClick r:id="rId3"/>
+              </a:rPr>
+              <a:t>https://www.geeksforgeeks.org/</a:t>
+            </a:r>
+            <a:endParaRPr/>
+          </a:p>
+          <a:p>
+            <a:pPr indent="0" lvl="0" marL="0" rtl="0" algn="l">
+              <a:spcBef>
+                <a:spcPts val="0"/>
+              </a:spcBef>
+              <a:spcAft>
+                <a:spcPts val="0"/>
+              </a:spcAft>
+              <a:buNone/>
+            </a:pPr>
+            <a:r>
+              <a:t/>
+            </a:r>
+            <a:endParaRPr/>
+          </a:p>
+          <a:p>
+            <a:pPr indent="0" lvl="0" marL="0" rtl="0" algn="l">
+              <a:spcBef>
+                <a:spcPts val="0"/>
+              </a:spcBef>
+              <a:spcAft>
+                <a:spcPts val="0"/>
+              </a:spcAft>
+              <a:buNone/>
+            </a:pPr>
+            <a:r>
+              <a:rPr lang="en" sz="1100" u="sng">
+                <a:solidFill>
+                  <a:schemeClr val="hlink"/>
+                </a:solidFill>
+                <a:hlinkClick r:id="rId4"/>
+              </a:rPr>
+              <a:t>https://www.hackerearth.com/</a:t>
+            </a:r>
+            <a:endParaRPr/>
+          </a:p>
+          <a:p>
+            <a:pPr indent="0" lvl="0" marL="0" rtl="0" algn="l">
+              <a:spcBef>
+                <a:spcPts val="0"/>
+              </a:spcBef>
+              <a:spcAft>
+                <a:spcPts val="0"/>
+              </a:spcAft>
+              <a:buNone/>
+            </a:pPr>
+            <a:r>
+              <a:t/>
+            </a:r>
+            <a:endParaRPr/>
+          </a:p>
+          <a:p>
+            <a:pPr indent="0" lvl="0" marL="0" rtl="0" algn="l">
+              <a:spcBef>
+                <a:spcPts val="0"/>
+              </a:spcBef>
+              <a:spcAft>
+                <a:spcPts val="0"/>
+              </a:spcAft>
+              <a:buNone/>
+            </a:pPr>
+            <a:r>
+              <a:rPr lang="en" sz="1100" u="sng">
+                <a:solidFill>
+                  <a:schemeClr val="hlink"/>
+                </a:solidFill>
+                <a:hlinkClick r:id="rId5"/>
+              </a:rPr>
+              <a:t>https://www.hackerrank.com/</a:t>
+            </a:r>
+            <a:endParaRPr/>
+          </a:p>
+          <a:p>
+            <a:pPr indent="0" lvl="0" marL="0" rtl="0" algn="l">
+              <a:spcBef>
+                <a:spcPts val="0"/>
+              </a:spcBef>
+              <a:spcAft>
+                <a:spcPts val="0"/>
+              </a:spcAft>
+              <a:buNone/>
+            </a:pPr>
+            <a:r>
+              <a:t/>
+            </a:r>
+            <a:endParaRPr/>
+          </a:p>
+          <a:p>
+            <a:pPr indent="0" lvl="0" marL="0" rtl="0" algn="l">
+              <a:spcBef>
+                <a:spcPts val="0"/>
+              </a:spcBef>
+              <a:spcAft>
+                <a:spcPts val="0"/>
+              </a:spcAft>
+              <a:buNone/>
+            </a:pPr>
+            <a:r>
+              <a:rPr lang="en" sz="1100" u="sng">
+                <a:solidFill>
+                  <a:schemeClr val="hlink"/>
+                </a:solidFill>
+                <a:hlinkClick r:id="rId6"/>
+              </a:rPr>
+              <a:t>https://leetcode.com/</a:t>
+            </a:r>
+            <a:endParaRPr/>
+          </a:p>
+        </p:txBody>
+      </p:sp>
+    </p:spTree>
+  </p:cSld>
+  <p:clrMapOvr>
+    <a:masterClrMapping/>
+  </p:clrMapOvr>
+</p:sld>
+</file>
+
+<file path=ppt/slides/slide25.xml><?xml version="1.0" encoding="utf-8"?>
+<p:sld xmlns:a="http://schemas.openxmlformats.org/drawingml/2006/main" xmlns:r="http://schemas.openxmlformats.org/officeDocument/2006/relationships" xmlns:mc="http://schemas.openxmlformats.org/markup-compatibility/2006" xmlns:mv="urn:schemas-microsoft-com:mac:vml" xmlns:p="http://schemas.openxmlformats.org/presentationml/2006/main" xmlns:c="http://schemas.openxmlformats.org/drawingml/2006/chart" xmlns:dgm="http://schemas.openxmlformats.org/drawingml/2006/diagram" xmlns:o="urn:schemas-microsoft-com:office:office" xmlns:v="urn:schemas-microsoft-com:vml" xmlns:pvml="urn:schemas-microsoft-com:office:powerpoint" xmlns:com="http://schemas.openxmlformats.org/drawingml/2006/compatibility" xmlns:p14="http://schemas.microsoft.com/office/powerpoint/2010/main" xmlns:p15="http://schemas.microsoft.com/office/powerpoint/2012/main" xmlns:ahyp="http://schemas.microsoft.com/office/drawing/2018/hyperlinkcolor">
+  <p:cSld>
+    <p:spTree>
+      <p:nvGrpSpPr>
+        <p:cNvPr id="231" name="Shape 231"/>
+        <p:cNvGrpSpPr/>
+        <p:nvPr/>
+      </p:nvGrpSpPr>
+      <p:grpSpPr>
+        <a:xfrm>
+          <a:off x="0" y="0"/>
+          <a:ext cx="0" cy="0"/>
+          <a:chOff x="0" y="0"/>
+          <a:chExt cx="0" cy="0"/>
+        </a:xfrm>
+      </p:grpSpPr>
+      <p:sp>
+        <p:nvSpPr>
+          <p:cNvPr id="232" name="Google Shape;232;p38"/>
           <p:cNvSpPr txBox="1"/>
           <p:nvPr/>
         </p:nvSpPr>
@@ -20944,7 +24406,7 @@
       </p:sp>
       <p:sp>
         <p:nvSpPr>
-          <p:cNvPr id="212" name="Google Shape;212;p34"/>
+          <p:cNvPr id="233" name="Google Shape;233;p38"/>
           <p:cNvSpPr txBox="1"/>
           <p:nvPr/>
         </p:nvSpPr>
@@ -20993,7 +24455,7 @@
 </file>
 
 <file path=ppt/slides/slide3.xml><?xml version="1.0" encoding="utf-8"?>
-<p:sld xmlns:a="http://schemas.openxmlformats.org/drawingml/2006/main" xmlns:r="http://schemas.openxmlformats.org/officeDocument/2006/relationships" xmlns:mc="http://schemas.openxmlformats.org/markup-compatibility/2006" xmlns:mv="urn:schemas-microsoft-com:mac:vml" xmlns:p="http://schemas.openxmlformats.org/presentationml/2006/main" xmlns:c="http://schemas.openxmlformats.org/drawingml/2006/chart" xmlns:dgm="http://schemas.openxmlformats.org/drawingml/2006/diagram" xmlns:o="urn:schemas-microsoft-com:office:office" xmlns:v="urn:schemas-microsoft-com:vml" xmlns:pvml="urn:schemas-microsoft-com:office:powerpoint" xmlns:com="http://schemas.openxmlformats.org/drawingml/2006/compatibility" xmlns:p14="http://schemas.microsoft.com/office/powerpoint/2010/main" xmlns:p15="http://schemas.microsoft.com/office/powerpoint/2012/main">
+<p:sld xmlns:a="http://schemas.openxmlformats.org/drawingml/2006/main" xmlns:r="http://schemas.openxmlformats.org/officeDocument/2006/relationships" xmlns:mc="http://schemas.openxmlformats.org/markup-compatibility/2006" xmlns:mv="urn:schemas-microsoft-com:mac:vml" xmlns:p="http://schemas.openxmlformats.org/presentationml/2006/main" xmlns:c="http://schemas.openxmlformats.org/drawingml/2006/chart" xmlns:dgm="http://schemas.openxmlformats.org/drawingml/2006/diagram" xmlns:o="urn:schemas-microsoft-com:office:office" xmlns:v="urn:schemas-microsoft-com:vml" xmlns:pvml="urn:schemas-microsoft-com:office:powerpoint" xmlns:com="http://schemas.openxmlformats.org/drawingml/2006/compatibility" xmlns:p14="http://schemas.microsoft.com/office/powerpoint/2010/main" xmlns:p15="http://schemas.microsoft.com/office/powerpoint/2012/main" xmlns:ahyp="http://schemas.microsoft.com/office/drawing/2018/hyperlinkcolor">
   <p:cSld>
     <p:spTree>
       <p:nvGrpSpPr>
@@ -21724,7 +25186,7 @@
 </file>
 
 <file path=ppt/slides/slide4.xml><?xml version="1.0" encoding="utf-8"?>
-<p:sld xmlns:a="http://schemas.openxmlformats.org/drawingml/2006/main" xmlns:r="http://schemas.openxmlformats.org/officeDocument/2006/relationships" xmlns:mc="http://schemas.openxmlformats.org/markup-compatibility/2006" xmlns:mv="urn:schemas-microsoft-com:mac:vml" xmlns:p="http://schemas.openxmlformats.org/presentationml/2006/main" xmlns:c="http://schemas.openxmlformats.org/drawingml/2006/chart" xmlns:dgm="http://schemas.openxmlformats.org/drawingml/2006/diagram" xmlns:o="urn:schemas-microsoft-com:office:office" xmlns:v="urn:schemas-microsoft-com:vml" xmlns:pvml="urn:schemas-microsoft-com:office:powerpoint" xmlns:com="http://schemas.openxmlformats.org/drawingml/2006/compatibility" xmlns:p14="http://schemas.microsoft.com/office/powerpoint/2010/main" xmlns:p15="http://schemas.microsoft.com/office/powerpoint/2012/main">
+<p:sld xmlns:a="http://schemas.openxmlformats.org/drawingml/2006/main" xmlns:r="http://schemas.openxmlformats.org/officeDocument/2006/relationships" xmlns:mc="http://schemas.openxmlformats.org/markup-compatibility/2006" xmlns:mv="urn:schemas-microsoft-com:mac:vml" xmlns:p="http://schemas.openxmlformats.org/presentationml/2006/main" xmlns:c="http://schemas.openxmlformats.org/drawingml/2006/chart" xmlns:dgm="http://schemas.openxmlformats.org/drawingml/2006/diagram" xmlns:o="urn:schemas-microsoft-com:office:office" xmlns:v="urn:schemas-microsoft-com:vml" xmlns:pvml="urn:schemas-microsoft-com:office:powerpoint" xmlns:com="http://schemas.openxmlformats.org/drawingml/2006/compatibility" xmlns:p14="http://schemas.microsoft.com/office/powerpoint/2010/main" xmlns:p15="http://schemas.microsoft.com/office/powerpoint/2012/main" xmlns:ahyp="http://schemas.microsoft.com/office/drawing/2018/hyperlinkcolor">
   <p:cSld>
     <p:spTree>
       <p:nvGrpSpPr>
@@ -22041,7 +25503,7 @@
                   <a:srgbClr val="F7F7F7"/>
                 </a:highlight>
               </a:rPr>
-              <a:t>printf("We have pens\n");</a:t>
+              <a:t>printf("We don’t have pens\n");</a:t>
             </a:r>
             <a:endParaRPr sz="1000">
               <a:highlight>
@@ -22236,7 +25698,7 @@
 </file>
 
 <file path=ppt/slides/slide5.xml><?xml version="1.0" encoding="utf-8"?>
-<p:sld xmlns:a="http://schemas.openxmlformats.org/drawingml/2006/main" xmlns:r="http://schemas.openxmlformats.org/officeDocument/2006/relationships" xmlns:mc="http://schemas.openxmlformats.org/markup-compatibility/2006" xmlns:mv="urn:schemas-microsoft-com:mac:vml" xmlns:p="http://schemas.openxmlformats.org/presentationml/2006/main" xmlns:c="http://schemas.openxmlformats.org/drawingml/2006/chart" xmlns:dgm="http://schemas.openxmlformats.org/drawingml/2006/diagram" xmlns:o="urn:schemas-microsoft-com:office:office" xmlns:v="urn:schemas-microsoft-com:vml" xmlns:pvml="urn:schemas-microsoft-com:office:powerpoint" xmlns:com="http://schemas.openxmlformats.org/drawingml/2006/compatibility" xmlns:p14="http://schemas.microsoft.com/office/powerpoint/2010/main" xmlns:p15="http://schemas.microsoft.com/office/powerpoint/2012/main">
+<p:sld xmlns:a="http://schemas.openxmlformats.org/drawingml/2006/main" xmlns:r="http://schemas.openxmlformats.org/officeDocument/2006/relationships" xmlns:mc="http://schemas.openxmlformats.org/markup-compatibility/2006" xmlns:mv="urn:schemas-microsoft-com:mac:vml" xmlns:p="http://schemas.openxmlformats.org/presentationml/2006/main" xmlns:c="http://schemas.openxmlformats.org/drawingml/2006/chart" xmlns:dgm="http://schemas.openxmlformats.org/drawingml/2006/diagram" xmlns:o="urn:schemas-microsoft-com:office:office" xmlns:v="urn:schemas-microsoft-com:vml" xmlns:pvml="urn:schemas-microsoft-com:office:powerpoint" xmlns:com="http://schemas.openxmlformats.org/drawingml/2006/compatibility" xmlns:p14="http://schemas.microsoft.com/office/powerpoint/2010/main" xmlns:p15="http://schemas.microsoft.com/office/powerpoint/2012/main" xmlns:ahyp="http://schemas.microsoft.com/office/drawing/2018/hyperlinkcolor">
   <p:cSld>
     <p:spTree>
       <p:nvGrpSpPr>
@@ -22341,138 +25803,6 @@
             </a:endParaRPr>
           </a:p>
           <a:p>
-            <a:pPr indent="0" lvl="0" marL="0" rtl="0" algn="l">
-              <a:lnSpc>
-                <a:spcPct val="100000"/>
-              </a:lnSpc>
-              <a:spcBef>
-                <a:spcPts val="1600"/>
-              </a:spcBef>
-              <a:spcAft>
-                <a:spcPts val="0"/>
-              </a:spcAft>
-              <a:buNone/>
-            </a:pPr>
-            <a:r>
-              <a:rPr lang="en" sz="900">
-                <a:solidFill>
-                  <a:schemeClr val="dk1"/>
-                </a:solidFill>
-                <a:highlight>
-                  <a:srgbClr val="F7F7F7"/>
-                </a:highlight>
-              </a:rPr>
-              <a:t>  </a:t>
-            </a:r>
-            <a:r>
-              <a:rPr lang="en" sz="900">
-                <a:solidFill>
-                  <a:schemeClr val="dk1"/>
-                </a:solidFill>
-                <a:highlight>
-                  <a:srgbClr val="F7F7F7"/>
-                </a:highlight>
-              </a:rPr>
-              <a:t>	</a:t>
-            </a:r>
-            <a:r>
-              <a:rPr lang="en" sz="900">
-                <a:solidFill>
-                  <a:schemeClr val="dk1"/>
-                </a:solidFill>
-                <a:highlight>
-                  <a:srgbClr val="F7F7F7"/>
-                </a:highlight>
-              </a:rPr>
-              <a:t>if (</a:t>
-            </a:r>
-            <a:r>
-              <a:rPr lang="en" sz="900">
-                <a:solidFill>
-                  <a:schemeClr val="dk1"/>
-                </a:solidFill>
-                <a:highlight>
-                  <a:srgbClr val="F7F7F7"/>
-                </a:highlight>
-              </a:rPr>
-              <a:t>pens</a:t>
-            </a:r>
-            <a:r>
-              <a:rPr lang="en" sz="900">
-                <a:solidFill>
-                  <a:schemeClr val="dk1"/>
-                </a:solidFill>
-                <a:highlight>
-                  <a:srgbClr val="F7F7F7"/>
-                </a:highlight>
-              </a:rPr>
-              <a:t> &lt; 10) {</a:t>
-            </a:r>
-            <a:endParaRPr sz="900">
-              <a:solidFill>
-                <a:schemeClr val="dk1"/>
-              </a:solidFill>
-              <a:highlight>
-                <a:srgbClr val="F7F7F7"/>
-              </a:highlight>
-            </a:endParaRPr>
-          </a:p>
-          <a:p>
-            <a:pPr indent="0" lvl="0" marL="0" rtl="0" algn="l">
-              <a:lnSpc>
-                <a:spcPct val="100000"/>
-              </a:lnSpc>
-              <a:spcBef>
-                <a:spcPts val="1600"/>
-              </a:spcBef>
-              <a:spcAft>
-                <a:spcPts val="0"/>
-              </a:spcAft>
-              <a:buNone/>
-            </a:pPr>
-            <a:r>
-              <a:rPr lang="en" sz="900">
-                <a:solidFill>
-                  <a:schemeClr val="dk1"/>
-                </a:solidFill>
-                <a:highlight>
-                  <a:srgbClr val="F7F7F7"/>
-                </a:highlight>
-              </a:rPr>
-              <a:t>    		printf("We have less </a:t>
-            </a:r>
-            <a:r>
-              <a:rPr lang="en" sz="900">
-                <a:solidFill>
-                  <a:schemeClr val="dk1"/>
-                </a:solidFill>
-                <a:highlight>
-                  <a:srgbClr val="F7F7F7"/>
-                </a:highlight>
-              </a:rPr>
-              <a:t>pens</a:t>
-            </a:r>
-            <a:r>
-              <a:rPr lang="en" sz="900">
-                <a:solidFill>
-                  <a:schemeClr val="dk1"/>
-                </a:solidFill>
-                <a:highlight>
-                  <a:srgbClr val="F7F7F7"/>
-                </a:highlight>
-              </a:rPr>
-              <a:t>\n");</a:t>
-            </a:r>
-            <a:endParaRPr sz="900">
-              <a:solidFill>
-                <a:schemeClr val="dk1"/>
-              </a:solidFill>
-              <a:highlight>
-                <a:srgbClr val="F7F7F7"/>
-              </a:highlight>
-            </a:endParaRPr>
-          </a:p>
-          <a:p>
             <a:pPr indent="457200" lvl="0" marL="0" rtl="0" algn="l">
               <a:lnSpc>
                 <a:spcPct val="100000"/>
@@ -22494,7 +25824,7 @@
                   <a:srgbClr val="F7F7F7"/>
                 </a:highlight>
               </a:rPr>
-              <a:t>} else if (</a:t>
+              <a:t>if (</a:t>
             </a:r>
             <a:r>
               <a:rPr lang="en" sz="900">
@@ -22516,7 +25846,7 @@
                   <a:srgbClr val="F7F7F7"/>
                 </a:highlight>
               </a:rPr>
-              <a:t> &gt; 10) {</a:t>
+              <a:t> &lt; 10) {  // if - else ladder</a:t>
             </a:r>
             <a:endParaRPr sz="900">
               <a:solidFill>
@@ -22549,7 +25879,29 @@
                   <a:srgbClr val="F7F7F7"/>
                 </a:highlight>
               </a:rPr>
-              <a:t>    		printf("loads of them!\n");</a:t>
+              <a:t>    		printf("We have less </a:t>
+            </a:r>
+            <a:r>
+              <a:rPr lang="en" sz="900">
+                <a:solidFill>
+                  <a:schemeClr val="dk1"/>
+                </a:solidFill>
+                <a:highlight>
+                  <a:srgbClr val="F7F7F7"/>
+                </a:highlight>
+              </a:rPr>
+              <a:t>pens</a:t>
+            </a:r>
+            <a:r>
+              <a:rPr lang="en" sz="900">
+                <a:solidFill>
+                  <a:schemeClr val="dk1"/>
+                </a:solidFill>
+                <a:highlight>
+                  <a:srgbClr val="F7F7F7"/>
+                </a:highlight>
+              </a:rPr>
+              <a:t>\n");</a:t>
             </a:r>
             <a:endParaRPr sz="900">
               <a:solidFill>
@@ -22582,7 +25934,117 @@
                   <a:srgbClr val="F7F7F7"/>
                 </a:highlight>
               </a:rPr>
-              <a:t>} else {</a:t>
+              <a:t>} else if (</a:t>
+            </a:r>
+            <a:r>
+              <a:rPr lang="en" sz="900">
+                <a:solidFill>
+                  <a:schemeClr val="dk1"/>
+                </a:solidFill>
+                <a:highlight>
+                  <a:srgbClr val="F7F7F7"/>
+                </a:highlight>
+              </a:rPr>
+              <a:t>pens</a:t>
+            </a:r>
+            <a:r>
+              <a:rPr lang="en" sz="900">
+                <a:solidFill>
+                  <a:schemeClr val="dk1"/>
+                </a:solidFill>
+                <a:highlight>
+                  <a:srgbClr val="F7F7F7"/>
+                </a:highlight>
+              </a:rPr>
+              <a:t> &gt; 10) {</a:t>
+            </a:r>
+            <a:endParaRPr sz="900">
+              <a:solidFill>
+                <a:schemeClr val="dk1"/>
+              </a:solidFill>
+              <a:highlight>
+                <a:srgbClr val="F7F7F7"/>
+              </a:highlight>
+            </a:endParaRPr>
+          </a:p>
+          <a:p>
+            <a:pPr indent="457200" lvl="0" marL="0" rtl="0" algn="l">
+              <a:lnSpc>
+                <a:spcPct val="100000"/>
+              </a:lnSpc>
+              <a:spcBef>
+                <a:spcPts val="1600"/>
+              </a:spcBef>
+              <a:spcAft>
+                <a:spcPts val="0"/>
+              </a:spcAft>
+              <a:buNone/>
+            </a:pPr>
+            <a:r>
+              <a:rPr lang="en" sz="900">
+                <a:solidFill>
+                  <a:schemeClr val="dk1"/>
+                </a:solidFill>
+                <a:highlight>
+                  <a:srgbClr val="F7F7F7"/>
+                </a:highlight>
+              </a:rPr>
+              <a:t>	if(</a:t>
+            </a:r>
+            <a:r>
+              <a:rPr lang="en" sz="900">
+                <a:solidFill>
+                  <a:schemeClr val="dk1"/>
+                </a:solidFill>
+                <a:highlight>
+                  <a:srgbClr val="F7F7F7"/>
+                </a:highlight>
+              </a:rPr>
+              <a:t>pens == 11</a:t>
+            </a:r>
+            <a:r>
+              <a:rPr lang="en" sz="900">
+                <a:solidFill>
+                  <a:schemeClr val="dk1"/>
+                </a:solidFill>
+                <a:highlight>
+                  <a:srgbClr val="F7F7F7"/>
+                </a:highlight>
+              </a:rPr>
+              <a:t>) {  // nested if else</a:t>
+            </a:r>
+            <a:endParaRPr sz="900">
+              <a:solidFill>
+                <a:schemeClr val="dk1"/>
+              </a:solidFill>
+              <a:highlight>
+                <a:srgbClr val="F7F7F7"/>
+              </a:highlight>
+            </a:endParaRPr>
+          </a:p>
+          <a:p>
+            <a:pPr indent="0" lvl="0" marL="0" rtl="0" algn="l">
+              <a:lnSpc>
+                <a:spcPct val="100000"/>
+              </a:lnSpc>
+              <a:spcBef>
+                <a:spcPts val="1600"/>
+              </a:spcBef>
+              <a:spcAft>
+                <a:spcPts val="0"/>
+              </a:spcAft>
+              <a:buNone/>
+            </a:pPr>
+            <a:r>
+              <a:rPr lang="en" sz="900">
+                <a:solidFill>
+                  <a:schemeClr val="dk1"/>
+                </a:solidFill>
+                <a:highlight>
+                  <a:srgbClr val="F7F7F7"/>
+                </a:highlight>
+              </a:rPr>
+              <a:t>    			printf("loads of them!\n");</a:t>
             </a:r>
             <a:endParaRPr sz="900">
               <a:solidFill>
@@ -22615,7 +26077,7 @@
                   <a:srgbClr val="F7F7F7"/>
                 </a:highlight>
               </a:rPr>
-              <a:t>printf("Executing nested else part...!\n");</a:t>
+              <a:t>}</a:t>
             </a:r>
             <a:endParaRPr sz="900">
               <a:solidFill>
@@ -22627,7 +26089,7 @@
             </a:endParaRPr>
           </a:p>
           <a:p>
-            <a:pPr indent="457200" lvl="0" marL="0" rtl="0" algn="l">
+            <a:pPr indent="0" lvl="0" marL="457200" rtl="0" algn="l">
               <a:lnSpc>
                 <a:spcPct val="100000"/>
               </a:lnSpc>
@@ -23145,8 +26607,8 @@
         </p:nvSpPr>
         <p:spPr>
           <a:xfrm>
-            <a:off x="3214000" y="198750"/>
-            <a:ext cx="4320000" cy="498600"/>
+            <a:off x="2607175" y="198750"/>
+            <a:ext cx="4926900" cy="498600"/>
           </a:xfrm>
           <a:prstGeom prst="rect">
             <a:avLst/>
@@ -23188,6 +26650,17 @@
                   <a:srgbClr val="F7F7F7"/>
                 </a:highlight>
               </a:rPr>
+              <a:t>If - else ladder and </a:t>
+            </a:r>
+            <a:r>
+              <a:rPr b="1" lang="en" u="sng">
+                <a:solidFill>
+                  <a:schemeClr val="dk1"/>
+                </a:solidFill>
+                <a:highlight>
+                  <a:srgbClr val="F7F7F7"/>
+                </a:highlight>
+              </a:rPr>
               <a:t>Nested if - else statements Example</a:t>
             </a:r>
             <a:endParaRPr/>
@@ -23203,7 +26676,7 @@
 </file>
 
 <file path=ppt/slides/slide6.xml><?xml version="1.0" encoding="utf-8"?>
-<p:sld xmlns:a="http://schemas.openxmlformats.org/drawingml/2006/main" xmlns:r="http://schemas.openxmlformats.org/officeDocument/2006/relationships" xmlns:mc="http://schemas.openxmlformats.org/markup-compatibility/2006" xmlns:mv="urn:schemas-microsoft-com:mac:vml" xmlns:p="http://schemas.openxmlformats.org/presentationml/2006/main" xmlns:c="http://schemas.openxmlformats.org/drawingml/2006/chart" xmlns:dgm="http://schemas.openxmlformats.org/drawingml/2006/diagram" xmlns:o="urn:schemas-microsoft-com:office:office" xmlns:v="urn:schemas-microsoft-com:vml" xmlns:pvml="urn:schemas-microsoft-com:office:powerpoint" xmlns:com="http://schemas.openxmlformats.org/drawingml/2006/compatibility" xmlns:p14="http://schemas.microsoft.com/office/powerpoint/2010/main" xmlns:p15="http://schemas.microsoft.com/office/powerpoint/2012/main">
+<p:sld xmlns:a="http://schemas.openxmlformats.org/drawingml/2006/main" xmlns:r="http://schemas.openxmlformats.org/officeDocument/2006/relationships" xmlns:mc="http://schemas.openxmlformats.org/markup-compatibility/2006" xmlns:mv="urn:schemas-microsoft-com:mac:vml" xmlns:p="http://schemas.openxmlformats.org/presentationml/2006/main" xmlns:c="http://schemas.openxmlformats.org/drawingml/2006/chart" xmlns:dgm="http://schemas.openxmlformats.org/drawingml/2006/diagram" xmlns:o="urn:schemas-microsoft-com:office:office" xmlns:v="urn:schemas-microsoft-com:vml" xmlns:pvml="urn:schemas-microsoft-com:office:powerpoint" xmlns:com="http://schemas.openxmlformats.org/drawingml/2006/compatibility" xmlns:p14="http://schemas.microsoft.com/office/powerpoint/2010/main" xmlns:p15="http://schemas.microsoft.com/office/powerpoint/2012/main" xmlns:ahyp="http://schemas.microsoft.com/office/drawing/2018/hyperlinkcolor">
   <p:cSld>
     <p:spTree>
       <p:nvGrpSpPr>
@@ -24022,7 +27495,7 @@
 </file>
 
 <file path=ppt/slides/slide7.xml><?xml version="1.0" encoding="utf-8"?>
-<p:sld xmlns:a="http://schemas.openxmlformats.org/drawingml/2006/main" xmlns:r="http://schemas.openxmlformats.org/officeDocument/2006/relationships" xmlns:mc="http://schemas.openxmlformats.org/markup-compatibility/2006" xmlns:mv="urn:schemas-microsoft-com:mac:vml" xmlns:p="http://schemas.openxmlformats.org/presentationml/2006/main" xmlns:c="http://schemas.openxmlformats.org/drawingml/2006/chart" xmlns:dgm="http://schemas.openxmlformats.org/drawingml/2006/diagram" xmlns:o="urn:schemas-microsoft-com:office:office" xmlns:v="urn:schemas-microsoft-com:vml" xmlns:pvml="urn:schemas-microsoft-com:office:powerpoint" xmlns:com="http://schemas.openxmlformats.org/drawingml/2006/compatibility" xmlns:p14="http://schemas.microsoft.com/office/powerpoint/2010/main" xmlns:p15="http://schemas.microsoft.com/office/powerpoint/2012/main">
+<p:sld xmlns:a="http://schemas.openxmlformats.org/drawingml/2006/main" xmlns:r="http://schemas.openxmlformats.org/officeDocument/2006/relationships" xmlns:mc="http://schemas.openxmlformats.org/markup-compatibility/2006" xmlns:mv="urn:schemas-microsoft-com:mac:vml" xmlns:p="http://schemas.openxmlformats.org/presentationml/2006/main" xmlns:c="http://schemas.openxmlformats.org/drawingml/2006/chart" xmlns:dgm="http://schemas.openxmlformats.org/drawingml/2006/diagram" xmlns:o="urn:schemas-microsoft-com:office:office" xmlns:v="urn:schemas-microsoft-com:vml" xmlns:pvml="urn:schemas-microsoft-com:office:powerpoint" xmlns:com="http://schemas.openxmlformats.org/drawingml/2006/compatibility" xmlns:p14="http://schemas.microsoft.com/office/powerpoint/2010/main" xmlns:p15="http://schemas.microsoft.com/office/powerpoint/2012/main" xmlns:ahyp="http://schemas.microsoft.com/office/drawing/2018/hyperlinkcolor">
   <p:cSld>
     <p:spTree>
       <p:nvGrpSpPr>
@@ -24904,7 +28377,7 @@
 </file>
 
 <file path=ppt/slides/slide8.xml><?xml version="1.0" encoding="utf-8"?>
-<p:sld xmlns:a="http://schemas.openxmlformats.org/drawingml/2006/main" xmlns:r="http://schemas.openxmlformats.org/officeDocument/2006/relationships" xmlns:mc="http://schemas.openxmlformats.org/markup-compatibility/2006" xmlns:mv="urn:schemas-microsoft-com:mac:vml" xmlns:p="http://schemas.openxmlformats.org/presentationml/2006/main" xmlns:c="http://schemas.openxmlformats.org/drawingml/2006/chart" xmlns:dgm="http://schemas.openxmlformats.org/drawingml/2006/diagram" xmlns:o="urn:schemas-microsoft-com:office:office" xmlns:v="urn:schemas-microsoft-com:vml" xmlns:pvml="urn:schemas-microsoft-com:office:powerpoint" xmlns:com="http://schemas.openxmlformats.org/drawingml/2006/compatibility" xmlns:p14="http://schemas.microsoft.com/office/powerpoint/2010/main" xmlns:p15="http://schemas.microsoft.com/office/powerpoint/2012/main">
+<p:sld xmlns:a="http://schemas.openxmlformats.org/drawingml/2006/main" xmlns:r="http://schemas.openxmlformats.org/officeDocument/2006/relationships" xmlns:mc="http://schemas.openxmlformats.org/markup-compatibility/2006" xmlns:mv="urn:schemas-microsoft-com:mac:vml" xmlns:p="http://schemas.openxmlformats.org/presentationml/2006/main" xmlns:c="http://schemas.openxmlformats.org/drawingml/2006/chart" xmlns:dgm="http://schemas.openxmlformats.org/drawingml/2006/diagram" xmlns:o="urn:schemas-microsoft-com:office:office" xmlns:v="urn:schemas-microsoft-com:vml" xmlns:pvml="urn:schemas-microsoft-com:office:powerpoint" xmlns:com="http://schemas.openxmlformats.org/drawingml/2006/compatibility" xmlns:p14="http://schemas.microsoft.com/office/powerpoint/2010/main" xmlns:p15="http://schemas.microsoft.com/office/powerpoint/2012/main" xmlns:ahyp="http://schemas.microsoft.com/office/drawing/2018/hyperlinkcolor">
   <p:cSld>
     <p:spTree>
       <p:nvGrpSpPr>
@@ -26086,7 +29559,7 @@
 </file>
 
 <file path=ppt/slides/slide9.xml><?xml version="1.0" encoding="utf-8"?>
-<p:sld xmlns:a="http://schemas.openxmlformats.org/drawingml/2006/main" xmlns:r="http://schemas.openxmlformats.org/officeDocument/2006/relationships" xmlns:mc="http://schemas.openxmlformats.org/markup-compatibility/2006" xmlns:mv="urn:schemas-microsoft-com:mac:vml" xmlns:p="http://schemas.openxmlformats.org/presentationml/2006/main" xmlns:c="http://schemas.openxmlformats.org/drawingml/2006/chart" xmlns:dgm="http://schemas.openxmlformats.org/drawingml/2006/diagram" xmlns:o="urn:schemas-microsoft-com:office:office" xmlns:v="urn:schemas-microsoft-com:vml" xmlns:pvml="urn:schemas-microsoft-com:office:powerpoint" xmlns:com="http://schemas.openxmlformats.org/drawingml/2006/compatibility" xmlns:p14="http://schemas.microsoft.com/office/powerpoint/2010/main" xmlns:p15="http://schemas.microsoft.com/office/powerpoint/2012/main">
+<p:sld xmlns:a="http://schemas.openxmlformats.org/drawingml/2006/main" xmlns:r="http://schemas.openxmlformats.org/officeDocument/2006/relationships" xmlns:mc="http://schemas.openxmlformats.org/markup-compatibility/2006" xmlns:mv="urn:schemas-microsoft-com:mac:vml" xmlns:p="http://schemas.openxmlformats.org/presentationml/2006/main" xmlns:c="http://schemas.openxmlformats.org/drawingml/2006/chart" xmlns:dgm="http://schemas.openxmlformats.org/drawingml/2006/diagram" xmlns:o="urn:schemas-microsoft-com:office:office" xmlns:v="urn:schemas-microsoft-com:vml" xmlns:pvml="urn:schemas-microsoft-com:office:powerpoint" xmlns:com="http://schemas.openxmlformats.org/drawingml/2006/compatibility" xmlns:p14="http://schemas.microsoft.com/office/powerpoint/2010/main" xmlns:p15="http://schemas.microsoft.com/office/powerpoint/2012/main" xmlns:ahyp="http://schemas.microsoft.com/office/drawing/2018/hyperlinkcolor">
   <p:cSld>
     <p:spTree>
       <p:nvGrpSpPr>
